--- a/A Primer to Complex Diseases.pptx
+++ b/A Primer to Complex Diseases.pptx
@@ -5,10 +5,14 @@
     <p:sldMasterId id="2147483648" r:id="rId1"/>
   </p:sldMasterIdLst>
   <p:notesMasterIdLst>
-    <p:notesMasterId r:id="rId3"/>
+    <p:notesMasterId r:id="rId7"/>
   </p:notesMasterIdLst>
   <p:sldIdLst>
     <p:sldId id="257" r:id="rId2"/>
+    <p:sldId id="258" r:id="rId3"/>
+    <p:sldId id="259" r:id="rId4"/>
+    <p:sldId id="260" r:id="rId5"/>
+    <p:sldId id="261" r:id="rId6"/>
   </p:sldIdLst>
   <p:sldSz cx="12192000" cy="6858000"/>
   <p:notesSz cx="6858000" cy="9144000"/>
@@ -107,6 +111,11 @@
       </a:defRPr>
     </a:lvl9pPr>
   </p:defaultTextStyle>
+  <p:extLst>
+    <p:ext uri="{EFAFB233-063F-42B5-8137-9DF3F51BA10A}">
+      <p15:sldGuideLst xmlns:p15="http://schemas.microsoft.com/office/powerpoint/2012/main"/>
+    </p:ext>
+  </p:extLst>
 </p:presentation>
 </file>
 
@@ -3503,14 +3512,7 @@
                 <a:latin typeface="Arial" panose="020B0604020202020204" pitchFamily="34" charset="0"/>
                 <a:cs typeface="Arial" panose="020B0604020202020204" pitchFamily="34" charset="0"/>
               </a:rPr>
-              <a:t> </a:t>
-            </a:r>
-            <a:r>
-              <a:rPr lang="en-IN" dirty="0" smtClean="0">
-                <a:latin typeface="Arial" panose="020B0604020202020204" pitchFamily="34" charset="0"/>
-                <a:cs typeface="Arial" panose="020B0604020202020204" pitchFamily="34" charset="0"/>
-              </a:rPr>
-              <a:t>M.Sc. Physics</a:t>
+              <a:t> M.Sc. Physics</a:t>
             </a:r>
           </a:p>
           <a:p>
@@ -3519,21 +3521,21 @@
                 <a:latin typeface="Arial" panose="020B0604020202020204" pitchFamily="34" charset="0"/>
                 <a:cs typeface="Arial" panose="020B0604020202020204" pitchFamily="34" charset="0"/>
               </a:rPr>
-              <a:t>(As part of seminar course </a:t>
+              <a:t>(As part of seminar course PH893 </a:t>
             </a:r>
             <a:r>
               <a:rPr lang="en-IN" sz="1600" dirty="0" smtClean="0">
                 <a:latin typeface="Arial" panose="020B0604020202020204" pitchFamily="34" charset="0"/>
                 <a:cs typeface="Arial" panose="020B0604020202020204" pitchFamily="34" charset="0"/>
               </a:rPr>
-              <a:t>PH893 </a:t>
+              <a:t>during Odd </a:t>
             </a:r>
             <a:r>
               <a:rPr lang="en-IN" sz="1600" dirty="0" smtClean="0">
                 <a:latin typeface="Arial" panose="020B0604020202020204" pitchFamily="34" charset="0"/>
                 <a:cs typeface="Arial" panose="020B0604020202020204" pitchFamily="34" charset="0"/>
               </a:rPr>
-              <a:t>during Even Semester, 2018)</a:t>
+              <a:t>Semester, 2018)</a:t>
             </a:r>
           </a:p>
           <a:p>
@@ -3642,6 +3644,685 @@
       </p:par>
     </p:tnLst>
   </p:timing>
+</p:sld>
+</file>
+
+<file path=ppt/slides/slide2.xml><?xml version="1.0" encoding="utf-8"?>
+<p:sld xmlns:a="http://schemas.openxmlformats.org/drawingml/2006/main" xmlns:r="http://schemas.openxmlformats.org/officeDocument/2006/relationships" xmlns:p="http://schemas.openxmlformats.org/presentationml/2006/main">
+  <p:cSld>
+    <p:spTree>
+      <p:nvGrpSpPr>
+        <p:cNvPr id="1" name=""/>
+        <p:cNvGrpSpPr/>
+        <p:nvPr/>
+      </p:nvGrpSpPr>
+      <p:grpSpPr>
+        <a:xfrm>
+          <a:off x="0" y="0"/>
+          <a:ext cx="0" cy="0"/>
+          <a:chOff x="0" y="0"/>
+          <a:chExt cx="0" cy="0"/>
+        </a:xfrm>
+      </p:grpSpPr>
+      <p:sp>
+        <p:nvSpPr>
+          <p:cNvPr id="2" name="Title 1"/>
+          <p:cNvSpPr>
+            <a:spLocks noGrp="1"/>
+          </p:cNvSpPr>
+          <p:nvPr>
+            <p:ph type="title"/>
+          </p:nvPr>
+        </p:nvSpPr>
+        <p:spPr>
+          <a:xfrm>
+            <a:off x="845387" y="86263"/>
+            <a:ext cx="10515600" cy="595223"/>
+          </a:xfrm>
+        </p:spPr>
+        <p:txBody>
+          <a:bodyPr>
+            <a:normAutofit fontScale="90000"/>
+          </a:bodyPr>
+          <a:lstStyle/>
+          <a:p>
+            <a:r>
+              <a:rPr lang="en-IN" b="1" dirty="0" smtClean="0"/>
+              <a:t>Contents</a:t>
+            </a:r>
+            <a:endParaRPr lang="en-IN" b="1" dirty="0"/>
+          </a:p>
+        </p:txBody>
+      </p:sp>
+      <p:sp>
+        <p:nvSpPr>
+          <p:cNvPr id="3" name="Content Placeholder 2"/>
+          <p:cNvSpPr>
+            <a:spLocks noGrp="1"/>
+          </p:cNvSpPr>
+          <p:nvPr>
+            <p:ph idx="1"/>
+          </p:nvPr>
+        </p:nvSpPr>
+        <p:spPr>
+          <a:xfrm>
+            <a:off x="3183145" y="681486"/>
+            <a:ext cx="7453225" cy="6021237"/>
+          </a:xfrm>
+        </p:spPr>
+        <p:txBody>
+          <a:bodyPr>
+            <a:normAutofit fontScale="92500" lnSpcReduction="10000"/>
+          </a:bodyPr>
+          <a:lstStyle/>
+          <a:p>
+            <a:pPr>
+              <a:lnSpc>
+                <a:spcPct val="110000"/>
+              </a:lnSpc>
+            </a:pPr>
+            <a:r>
+              <a:rPr lang="en-IN" dirty="0" smtClean="0"/>
+              <a:t>What is a Complex disease?</a:t>
+            </a:r>
+          </a:p>
+          <a:p>
+            <a:pPr lvl="1">
+              <a:lnSpc>
+                <a:spcPct val="110000"/>
+              </a:lnSpc>
+            </a:pPr>
+            <a:r>
+              <a:rPr lang="en-IN" dirty="0" smtClean="0"/>
+              <a:t>What is a Complex system?</a:t>
+            </a:r>
+          </a:p>
+          <a:p>
+            <a:pPr lvl="1">
+              <a:lnSpc>
+                <a:spcPct val="110000"/>
+              </a:lnSpc>
+            </a:pPr>
+            <a:r>
+              <a:rPr lang="en-IN" dirty="0" smtClean="0"/>
+              <a:t>Properties of Complex systems</a:t>
+            </a:r>
+          </a:p>
+          <a:p>
+            <a:pPr lvl="1">
+              <a:lnSpc>
+                <a:spcPct val="110000"/>
+              </a:lnSpc>
+            </a:pPr>
+            <a:r>
+              <a:rPr lang="en-IN" dirty="0" smtClean="0"/>
+              <a:t>What is a Complex disease?</a:t>
+            </a:r>
+          </a:p>
+          <a:p>
+            <a:pPr lvl="1">
+              <a:lnSpc>
+                <a:spcPct val="110000"/>
+              </a:lnSpc>
+            </a:pPr>
+            <a:r>
+              <a:rPr lang="en-IN" dirty="0" smtClean="0"/>
+              <a:t>Complex disease as a Complex System</a:t>
+            </a:r>
+          </a:p>
+          <a:p>
+            <a:pPr>
+              <a:lnSpc>
+                <a:spcPct val="110000"/>
+              </a:lnSpc>
+            </a:pPr>
+            <a:r>
+              <a:rPr lang="en-IN" dirty="0" smtClean="0"/>
+              <a:t>How to study Complex diseases?</a:t>
+            </a:r>
+          </a:p>
+          <a:p>
+            <a:pPr lvl="1">
+              <a:lnSpc>
+                <a:spcPct val="110000"/>
+              </a:lnSpc>
+            </a:pPr>
+            <a:r>
+              <a:rPr lang="en-IN" dirty="0" smtClean="0"/>
+              <a:t>A general statement of the problem</a:t>
+            </a:r>
+          </a:p>
+          <a:p>
+            <a:pPr lvl="1">
+              <a:lnSpc>
+                <a:spcPct val="110000"/>
+              </a:lnSpc>
+            </a:pPr>
+            <a:r>
+              <a:rPr lang="en-IN" dirty="0" smtClean="0"/>
+              <a:t>A Physics problem – The </a:t>
+            </a:r>
+            <a:r>
+              <a:rPr lang="en-IN" dirty="0" err="1" smtClean="0"/>
+              <a:t>Ising</a:t>
+            </a:r>
+            <a:r>
+              <a:rPr lang="en-IN" dirty="0" smtClean="0"/>
+              <a:t> model</a:t>
+            </a:r>
+          </a:p>
+          <a:p>
+            <a:pPr lvl="1">
+              <a:lnSpc>
+                <a:spcPct val="110000"/>
+              </a:lnSpc>
+            </a:pPr>
+            <a:r>
+              <a:rPr lang="en-IN" dirty="0" smtClean="0"/>
+              <a:t>Combinatorial optimization requires Graphs</a:t>
+            </a:r>
+          </a:p>
+          <a:p>
+            <a:pPr lvl="1">
+              <a:lnSpc>
+                <a:spcPct val="110000"/>
+              </a:lnSpc>
+            </a:pPr>
+            <a:r>
+              <a:rPr lang="en-IN" dirty="0" smtClean="0"/>
+              <a:t>The answer – Complex Networks</a:t>
+            </a:r>
+          </a:p>
+          <a:p>
+            <a:pPr>
+              <a:lnSpc>
+                <a:spcPct val="110000"/>
+              </a:lnSpc>
+            </a:pPr>
+            <a:r>
+              <a:rPr lang="en-IN" dirty="0" smtClean="0"/>
+              <a:t>What can we ai</a:t>
+            </a:r>
+            <a:r>
+              <a:rPr lang="en-IN" dirty="0"/>
+              <a:t>m</a:t>
+            </a:r>
+            <a:r>
+              <a:rPr lang="en-IN" dirty="0" smtClean="0"/>
+              <a:t> to study with Complex Networks?</a:t>
+            </a:r>
+          </a:p>
+          <a:p>
+            <a:pPr lvl="1">
+              <a:lnSpc>
+                <a:spcPct val="110000"/>
+              </a:lnSpc>
+            </a:pPr>
+            <a:r>
+              <a:rPr lang="en-IN" dirty="0" smtClean="0"/>
+              <a:t>Measures that matter</a:t>
+            </a:r>
+          </a:p>
+          <a:p>
+            <a:pPr lvl="1">
+              <a:lnSpc>
+                <a:spcPct val="110000"/>
+              </a:lnSpc>
+            </a:pPr>
+            <a:r>
+              <a:rPr lang="en-IN" dirty="0" smtClean="0"/>
+              <a:t>Large scale structure </a:t>
+            </a:r>
+          </a:p>
+          <a:p>
+            <a:pPr lvl="1">
+              <a:lnSpc>
+                <a:spcPct val="110000"/>
+              </a:lnSpc>
+            </a:pPr>
+            <a:r>
+              <a:rPr lang="en-IN" dirty="0" smtClean="0"/>
+              <a:t>Dynamics and other behaviour</a:t>
+            </a:r>
+          </a:p>
+          <a:p>
+            <a:pPr lvl="1"/>
+            <a:endParaRPr lang="en-IN" dirty="0" smtClean="0"/>
+          </a:p>
+          <a:p>
+            <a:endParaRPr lang="en-IN" dirty="0" smtClean="0"/>
+          </a:p>
+          <a:p>
+            <a:endParaRPr lang="en-IN" dirty="0" smtClean="0"/>
+          </a:p>
+          <a:p>
+            <a:pPr lvl="1"/>
+            <a:endParaRPr lang="en-IN" dirty="0" smtClean="0"/>
+          </a:p>
+          <a:p>
+            <a:pPr lvl="1"/>
+            <a:endParaRPr lang="en-IN" dirty="0"/>
+          </a:p>
+        </p:txBody>
+      </p:sp>
+    </p:spTree>
+    <p:extLst>
+      <p:ext uri="{BB962C8B-B14F-4D97-AF65-F5344CB8AC3E}">
+        <p14:creationId xmlns:p14="http://schemas.microsoft.com/office/powerpoint/2010/main" val="253818888"/>
+      </p:ext>
+    </p:extLst>
+  </p:cSld>
+  <p:clrMapOvr>
+    <a:masterClrMapping/>
+  </p:clrMapOvr>
+</p:sld>
+</file>
+
+<file path=ppt/slides/slide3.xml><?xml version="1.0" encoding="utf-8"?>
+<p:sld xmlns:a="http://schemas.openxmlformats.org/drawingml/2006/main" xmlns:r="http://schemas.openxmlformats.org/officeDocument/2006/relationships" xmlns:p="http://schemas.openxmlformats.org/presentationml/2006/main">
+  <p:cSld>
+    <p:spTree>
+      <p:nvGrpSpPr>
+        <p:cNvPr id="1" name=""/>
+        <p:cNvGrpSpPr/>
+        <p:nvPr/>
+      </p:nvGrpSpPr>
+      <p:grpSpPr>
+        <a:xfrm>
+          <a:off x="0" y="0"/>
+          <a:ext cx="0" cy="0"/>
+          <a:chOff x="0" y="0"/>
+          <a:chExt cx="0" cy="0"/>
+        </a:xfrm>
+      </p:grpSpPr>
+      <p:sp>
+        <p:nvSpPr>
+          <p:cNvPr id="2" name="Title 1"/>
+          <p:cNvSpPr>
+            <a:spLocks noGrp="1"/>
+          </p:cNvSpPr>
+          <p:nvPr>
+            <p:ph type="title"/>
+          </p:nvPr>
+        </p:nvSpPr>
+        <p:spPr>
+          <a:xfrm>
+            <a:off x="838200" y="94666"/>
+            <a:ext cx="10515600" cy="741873"/>
+          </a:xfrm>
+        </p:spPr>
+        <p:txBody>
+          <a:bodyPr>
+            <a:normAutofit/>
+          </a:bodyPr>
+          <a:lstStyle/>
+          <a:p>
+            <a:pPr algn="ctr"/>
+            <a:r>
+              <a:rPr lang="en-IN" sz="4000" dirty="0" smtClean="0"/>
+              <a:t>What is a Complex System?</a:t>
+            </a:r>
+            <a:endParaRPr lang="en-IN" sz="4000" dirty="0"/>
+          </a:p>
+        </p:txBody>
+      </p:sp>
+      <p:sp>
+        <p:nvSpPr>
+          <p:cNvPr id="4" name="Content Placeholder 3"/>
+          <p:cNvSpPr>
+            <a:spLocks noGrp="1"/>
+          </p:cNvSpPr>
+          <p:nvPr>
+            <p:ph sz="half" idx="1"/>
+          </p:nvPr>
+        </p:nvSpPr>
+        <p:spPr>
+          <a:xfrm>
+            <a:off x="232913" y="836652"/>
+            <a:ext cx="5279366" cy="5496036"/>
+          </a:xfrm>
+        </p:spPr>
+        <p:txBody>
+          <a:bodyPr>
+            <a:noAutofit/>
+          </a:bodyPr>
+          <a:lstStyle/>
+          <a:p>
+            <a:pPr marL="0" indent="0">
+              <a:lnSpc>
+                <a:spcPct val="150000"/>
+              </a:lnSpc>
+              <a:buNone/>
+            </a:pPr>
+            <a:r>
+              <a:rPr lang="en-IN" sz="2400" dirty="0" smtClean="0"/>
+              <a:t>“Complex </a:t>
+            </a:r>
+            <a:r>
+              <a:rPr lang="en-IN" sz="2400" dirty="0"/>
+              <a:t>systems are networks made of a number of components that interact </a:t>
+            </a:r>
+            <a:r>
+              <a:rPr lang="en-IN" sz="2400" dirty="0" smtClean="0"/>
+              <a:t>with each </a:t>
+            </a:r>
+            <a:r>
+              <a:rPr lang="en-IN" sz="2400" dirty="0"/>
+              <a:t>other, typically in a nonlinear fashion. Complex systems may arise and </a:t>
+            </a:r>
+            <a:r>
+              <a:rPr lang="en-IN" sz="2400" dirty="0" smtClean="0"/>
+              <a:t>evolve through </a:t>
+            </a:r>
+            <a:r>
+              <a:rPr lang="en-IN" sz="2400" dirty="0"/>
+              <a:t>self-organization, such that they are neither completely regular nor </a:t>
+            </a:r>
+            <a:r>
+              <a:rPr lang="en-IN" sz="2400" dirty="0" smtClean="0"/>
+              <a:t>completely random</a:t>
+            </a:r>
+            <a:r>
+              <a:rPr lang="en-IN" sz="2400" dirty="0"/>
+              <a:t>, permitting the development of emergent </a:t>
+            </a:r>
+            <a:r>
+              <a:rPr lang="en-IN" sz="2400" dirty="0" smtClean="0"/>
+              <a:t>behaviour </a:t>
+            </a:r>
+            <a:r>
+              <a:rPr lang="en-IN" sz="2400" dirty="0"/>
+              <a:t>at </a:t>
+            </a:r>
+            <a:r>
+              <a:rPr lang="en-IN" sz="2400" dirty="0" smtClean="0"/>
+              <a:t>macroscopic scales.”</a:t>
+            </a:r>
+            <a:r>
+              <a:rPr lang="en-IN" sz="2400" baseline="30000" dirty="0" smtClean="0"/>
+              <a:t>1</a:t>
+            </a:r>
+            <a:endParaRPr lang="en-IN" sz="2400" baseline="30000" dirty="0"/>
+          </a:p>
+        </p:txBody>
+      </p:sp>
+      <p:pic>
+        <p:nvPicPr>
+          <p:cNvPr id="8" name="Content Placeholder 7"/>
+          <p:cNvPicPr>
+            <a:picLocks noGrp="1" noChangeAspect="1"/>
+          </p:cNvPicPr>
+          <p:nvPr>
+            <p:ph sz="half" idx="2"/>
+          </p:nvPr>
+        </p:nvPicPr>
+        <p:blipFill>
+          <a:blip r:embed="rId2">
+            <a:extLst>
+              <a:ext uri="{28A0092B-C50C-407E-A947-70E740481C1C}">
+                <a14:useLocalDpi xmlns:a14="http://schemas.microsoft.com/office/drawing/2010/main" val="0"/>
+              </a:ext>
+            </a:extLst>
+          </a:blip>
+          <a:stretch>
+            <a:fillRect/>
+          </a:stretch>
+        </p:blipFill>
+        <p:spPr>
+          <a:xfrm>
+            <a:off x="5667554" y="914401"/>
+            <a:ext cx="5686245" cy="5262564"/>
+          </a:xfrm>
+        </p:spPr>
+      </p:pic>
+      <p:sp>
+        <p:nvSpPr>
+          <p:cNvPr id="7" name="TextBox 6"/>
+          <p:cNvSpPr txBox="1"/>
+          <p:nvPr/>
+        </p:nvSpPr>
+        <p:spPr>
+          <a:xfrm>
+            <a:off x="232913" y="6176965"/>
+            <a:ext cx="4546121" cy="369332"/>
+          </a:xfrm>
+          <a:prstGeom prst="rect">
+            <a:avLst/>
+          </a:prstGeom>
+          <a:noFill/>
+        </p:spPr>
+        <p:txBody>
+          <a:bodyPr wrap="square" rtlCol="0">
+            <a:spAutoFit/>
+          </a:bodyPr>
+          <a:lstStyle/>
+          <a:p>
+            <a:r>
+              <a:rPr lang="en-IN" dirty="0" smtClean="0"/>
+              <a:t>1,2.  </a:t>
+            </a:r>
+          </a:p>
+        </p:txBody>
+      </p:sp>
+      <p:sp>
+        <p:nvSpPr>
+          <p:cNvPr id="9" name="TextBox 8"/>
+          <p:cNvSpPr txBox="1"/>
+          <p:nvPr/>
+        </p:nvSpPr>
+        <p:spPr>
+          <a:xfrm>
+            <a:off x="6449682" y="6254827"/>
+            <a:ext cx="4546121" cy="369332"/>
+          </a:xfrm>
+          <a:prstGeom prst="rect">
+            <a:avLst/>
+          </a:prstGeom>
+          <a:noFill/>
+        </p:spPr>
+        <p:txBody>
+          <a:bodyPr wrap="square" rtlCol="0">
+            <a:spAutoFit/>
+          </a:bodyPr>
+          <a:lstStyle/>
+          <a:p>
+            <a:r>
+              <a:rPr lang="en-IN" dirty="0" smtClean="0"/>
+              <a:t>Fig 1. Organizational map of Complex systems</a:t>
+            </a:r>
+            <a:r>
+              <a:rPr lang="en-IN" baseline="30000" dirty="0" smtClean="0"/>
+              <a:t>2</a:t>
+            </a:r>
+            <a:r>
+              <a:rPr lang="en-IN" dirty="0" smtClean="0"/>
+              <a:t> </a:t>
+            </a:r>
+          </a:p>
+        </p:txBody>
+      </p:sp>
+    </p:spTree>
+    <p:extLst>
+      <p:ext uri="{BB962C8B-B14F-4D97-AF65-F5344CB8AC3E}">
+        <p14:creationId xmlns:p14="http://schemas.microsoft.com/office/powerpoint/2010/main" val="2856631511"/>
+      </p:ext>
+    </p:extLst>
+  </p:cSld>
+  <p:clrMapOvr>
+    <a:masterClrMapping/>
+  </p:clrMapOvr>
+</p:sld>
+</file>
+
+<file path=ppt/slides/slide4.xml><?xml version="1.0" encoding="utf-8"?>
+<p:sld xmlns:a="http://schemas.openxmlformats.org/drawingml/2006/main" xmlns:r="http://schemas.openxmlformats.org/officeDocument/2006/relationships" xmlns:p="http://schemas.openxmlformats.org/presentationml/2006/main">
+  <p:cSld>
+    <p:spTree>
+      <p:nvGrpSpPr>
+        <p:cNvPr id="1" name=""/>
+        <p:cNvGrpSpPr/>
+        <p:nvPr/>
+      </p:nvGrpSpPr>
+      <p:grpSpPr>
+        <a:xfrm>
+          <a:off x="0" y="0"/>
+          <a:ext cx="0" cy="0"/>
+          <a:chOff x="0" y="0"/>
+          <a:chExt cx="0" cy="0"/>
+        </a:xfrm>
+      </p:grpSpPr>
+      <p:sp>
+        <p:nvSpPr>
+          <p:cNvPr id="8" name="Content Placeholder 7"/>
+          <p:cNvSpPr>
+            <a:spLocks noGrp="1"/>
+          </p:cNvSpPr>
+          <p:nvPr>
+            <p:ph idx="1"/>
+          </p:nvPr>
+        </p:nvSpPr>
+        <p:spPr/>
+        <p:txBody>
+          <a:bodyPr/>
+          <a:lstStyle/>
+          <a:p>
+            <a:endParaRPr lang="en-IN" dirty="0"/>
+          </a:p>
+        </p:txBody>
+      </p:sp>
+      <p:sp>
+        <p:nvSpPr>
+          <p:cNvPr id="5" name="Title 1"/>
+          <p:cNvSpPr txBox="1">
+            <a:spLocks/>
+          </p:cNvSpPr>
+          <p:nvPr/>
+        </p:nvSpPr>
+        <p:spPr>
+          <a:xfrm>
+            <a:off x="838200" y="353458"/>
+            <a:ext cx="10515600" cy="741873"/>
+          </a:xfrm>
+          <a:prstGeom prst="rect">
+            <a:avLst/>
+          </a:prstGeom>
+        </p:spPr>
+        <p:txBody>
+          <a:bodyPr vert="horz" lIns="91440" tIns="45720" rIns="91440" bIns="45720" rtlCol="0" anchor="ctr">
+            <a:normAutofit/>
+          </a:bodyPr>
+          <a:lstStyle>
+            <a:lvl1pPr algn="l" defTabSz="914400" rtl="0" eaLnBrk="1" latinLnBrk="0" hangingPunct="1">
+              <a:lnSpc>
+                <a:spcPct val="90000"/>
+              </a:lnSpc>
+              <a:spcBef>
+                <a:spcPct val="0"/>
+              </a:spcBef>
+              <a:buNone/>
+              <a:defRPr sz="4400" kern="1200">
+                <a:solidFill>
+                  <a:schemeClr val="tx1"/>
+                </a:solidFill>
+                <a:latin typeface="+mj-lt"/>
+                <a:ea typeface="+mj-ea"/>
+                <a:cs typeface="+mj-cs"/>
+              </a:defRPr>
+            </a:lvl1pPr>
+          </a:lstStyle>
+          <a:p>
+            <a:pPr algn="ctr"/>
+            <a:r>
+              <a:rPr lang="en-IN" sz="4000" dirty="0" smtClean="0"/>
+              <a:t>Properties of Complex systems</a:t>
+            </a:r>
+            <a:endParaRPr lang="en-IN" sz="4000" dirty="0"/>
+          </a:p>
+        </p:txBody>
+      </p:sp>
+    </p:spTree>
+    <p:extLst>
+      <p:ext uri="{BB962C8B-B14F-4D97-AF65-F5344CB8AC3E}">
+        <p14:creationId xmlns:p14="http://schemas.microsoft.com/office/powerpoint/2010/main" val="1103520123"/>
+      </p:ext>
+    </p:extLst>
+  </p:cSld>
+  <p:clrMapOvr>
+    <a:masterClrMapping/>
+  </p:clrMapOvr>
+</p:sld>
+</file>
+
+<file path=ppt/slides/slide5.xml><?xml version="1.0" encoding="utf-8"?>
+<p:sld xmlns:a="http://schemas.openxmlformats.org/drawingml/2006/main" xmlns:r="http://schemas.openxmlformats.org/officeDocument/2006/relationships" xmlns:p="http://schemas.openxmlformats.org/presentationml/2006/main">
+  <p:cSld>
+    <p:spTree>
+      <p:nvGrpSpPr>
+        <p:cNvPr id="1" name=""/>
+        <p:cNvGrpSpPr/>
+        <p:nvPr/>
+      </p:nvGrpSpPr>
+      <p:grpSpPr>
+        <a:xfrm>
+          <a:off x="0" y="0"/>
+          <a:ext cx="0" cy="0"/>
+          <a:chOff x="0" y="0"/>
+          <a:chExt cx="0" cy="0"/>
+        </a:xfrm>
+      </p:grpSpPr>
+      <p:sp>
+        <p:nvSpPr>
+          <p:cNvPr id="2" name="Title 1"/>
+          <p:cNvSpPr>
+            <a:spLocks noGrp="1"/>
+          </p:cNvSpPr>
+          <p:nvPr>
+            <p:ph type="title"/>
+          </p:nvPr>
+        </p:nvSpPr>
+        <p:spPr/>
+        <p:txBody>
+          <a:bodyPr/>
+          <a:lstStyle/>
+          <a:p>
+            <a:pPr algn="ctr"/>
+            <a:r>
+              <a:rPr lang="en-IN" dirty="0" smtClean="0"/>
+              <a:t>What is a Complex Disease?</a:t>
+            </a:r>
+            <a:endParaRPr lang="en-IN" dirty="0"/>
+          </a:p>
+        </p:txBody>
+      </p:sp>
+      <p:sp>
+        <p:nvSpPr>
+          <p:cNvPr id="3" name="Content Placeholder 2"/>
+          <p:cNvSpPr>
+            <a:spLocks noGrp="1"/>
+          </p:cNvSpPr>
+          <p:nvPr>
+            <p:ph idx="1"/>
+          </p:nvPr>
+        </p:nvSpPr>
+        <p:spPr/>
+        <p:txBody>
+          <a:bodyPr/>
+          <a:lstStyle/>
+          <a:p>
+            <a:endParaRPr lang="en-IN"/>
+          </a:p>
+        </p:txBody>
+      </p:sp>
+    </p:spTree>
+    <p:extLst>
+      <p:ext uri="{BB962C8B-B14F-4D97-AF65-F5344CB8AC3E}">
+        <p14:creationId xmlns:p14="http://schemas.microsoft.com/office/powerpoint/2010/main" val="554839221"/>
+      </p:ext>
+    </p:extLst>
+  </p:cSld>
+  <p:clrMapOvr>
+    <a:masterClrMapping/>
+  </p:clrMapOvr>
 </p:sld>
 </file>
 

--- a/A Primer to Complex Diseases.pptx
+++ b/A Primer to Complex Diseases.pptx
@@ -4126,9 +4126,10 @@
           </a:bodyPr>
           <a:lstStyle/>
           <a:p>
+            <a:pPr algn="ctr"/>
             <a:r>
               <a:rPr lang="en-IN" dirty="0" smtClean="0"/>
-              <a:t>Fig 1. Organizational map of Complex systems</a:t>
+              <a:t>Fig 1. Concept map of Complex systems</a:t>
             </a:r>
             <a:r>
               <a:rPr lang="en-IN" baseline="30000" dirty="0" smtClean="0"/>

--- a/A Primer to Complex Diseases.pptx
+++ b/A Primer to Complex Diseases.pptx
@@ -5,14 +5,20 @@
     <p:sldMasterId id="2147483648" r:id="rId1"/>
   </p:sldMasterIdLst>
   <p:notesMasterIdLst>
-    <p:notesMasterId r:id="rId7"/>
+    <p:notesMasterId r:id="rId13"/>
   </p:notesMasterIdLst>
   <p:sldIdLst>
     <p:sldId id="257" r:id="rId2"/>
     <p:sldId id="258" r:id="rId3"/>
-    <p:sldId id="259" r:id="rId4"/>
-    <p:sldId id="260" r:id="rId5"/>
-    <p:sldId id="261" r:id="rId6"/>
+    <p:sldId id="262" r:id="rId4"/>
+    <p:sldId id="259" r:id="rId5"/>
+    <p:sldId id="260" r:id="rId6"/>
+    <p:sldId id="261" r:id="rId7"/>
+    <p:sldId id="263" r:id="rId8"/>
+    <p:sldId id="264" r:id="rId9"/>
+    <p:sldId id="266" r:id="rId10"/>
+    <p:sldId id="267" r:id="rId11"/>
+    <p:sldId id="268" r:id="rId12"/>
   </p:sldIdLst>
   <p:sldSz cx="12192000" cy="6858000"/>
   <p:notesSz cx="6858000" cy="9144000"/>
@@ -201,7 +207,7 @@
           <a:p>
             <a:fld id="{110DDBF7-0140-4B67-BE05-8361686A7DE1}" type="datetimeFigureOut">
               <a:rPr lang="en-IN" smtClean="0"/>
-              <a:t>31-10-2018</a:t>
+              <a:t>01-11-2018</a:t>
             </a:fld>
             <a:endParaRPr lang="en-IN"/>
           </a:p>
@@ -691,7 +697,7 @@
           <a:p>
             <a:fld id="{63BA3895-3F20-4B0F-B004-3F522BF5E83E}" type="datetimeFigureOut">
               <a:rPr lang="en-IN" smtClean="0"/>
-              <a:t>31-10-2018</a:t>
+              <a:t>01-11-2018</a:t>
             </a:fld>
             <a:endParaRPr lang="en-IN"/>
           </a:p>
@@ -861,7 +867,7 @@
           <a:p>
             <a:fld id="{63BA3895-3F20-4B0F-B004-3F522BF5E83E}" type="datetimeFigureOut">
               <a:rPr lang="en-IN" smtClean="0"/>
-              <a:t>31-10-2018</a:t>
+              <a:t>01-11-2018</a:t>
             </a:fld>
             <a:endParaRPr lang="en-IN"/>
           </a:p>
@@ -1041,7 +1047,7 @@
           <a:p>
             <a:fld id="{63BA3895-3F20-4B0F-B004-3F522BF5E83E}" type="datetimeFigureOut">
               <a:rPr lang="en-IN" smtClean="0"/>
-              <a:t>31-10-2018</a:t>
+              <a:t>01-11-2018</a:t>
             </a:fld>
             <a:endParaRPr lang="en-IN"/>
           </a:p>
@@ -1211,7 +1217,7 @@
           <a:p>
             <a:fld id="{63BA3895-3F20-4B0F-B004-3F522BF5E83E}" type="datetimeFigureOut">
               <a:rPr lang="en-IN" smtClean="0"/>
-              <a:t>31-10-2018</a:t>
+              <a:t>01-11-2018</a:t>
             </a:fld>
             <a:endParaRPr lang="en-IN"/>
           </a:p>
@@ -1457,7 +1463,7 @@
           <a:p>
             <a:fld id="{63BA3895-3F20-4B0F-B004-3F522BF5E83E}" type="datetimeFigureOut">
               <a:rPr lang="en-IN" smtClean="0"/>
-              <a:t>31-10-2018</a:t>
+              <a:t>01-11-2018</a:t>
             </a:fld>
             <a:endParaRPr lang="en-IN"/>
           </a:p>
@@ -1689,7 +1695,7 @@
           <a:p>
             <a:fld id="{63BA3895-3F20-4B0F-B004-3F522BF5E83E}" type="datetimeFigureOut">
               <a:rPr lang="en-IN" smtClean="0"/>
-              <a:t>31-10-2018</a:t>
+              <a:t>01-11-2018</a:t>
             </a:fld>
             <a:endParaRPr lang="en-IN"/>
           </a:p>
@@ -2056,7 +2062,7 @@
           <a:p>
             <a:fld id="{63BA3895-3F20-4B0F-B004-3F522BF5E83E}" type="datetimeFigureOut">
               <a:rPr lang="en-IN" smtClean="0"/>
-              <a:t>31-10-2018</a:t>
+              <a:t>01-11-2018</a:t>
             </a:fld>
             <a:endParaRPr lang="en-IN"/>
           </a:p>
@@ -2174,7 +2180,7 @@
           <a:p>
             <a:fld id="{63BA3895-3F20-4B0F-B004-3F522BF5E83E}" type="datetimeFigureOut">
               <a:rPr lang="en-IN" smtClean="0"/>
-              <a:t>31-10-2018</a:t>
+              <a:t>01-11-2018</a:t>
             </a:fld>
             <a:endParaRPr lang="en-IN"/>
           </a:p>
@@ -2269,7 +2275,7 @@
           <a:p>
             <a:fld id="{63BA3895-3F20-4B0F-B004-3F522BF5E83E}" type="datetimeFigureOut">
               <a:rPr lang="en-IN" smtClean="0"/>
-              <a:t>31-10-2018</a:t>
+              <a:t>01-11-2018</a:t>
             </a:fld>
             <a:endParaRPr lang="en-IN"/>
           </a:p>
@@ -2546,7 +2552,7 @@
           <a:p>
             <a:fld id="{63BA3895-3F20-4B0F-B004-3F522BF5E83E}" type="datetimeFigureOut">
               <a:rPr lang="en-IN" smtClean="0"/>
-              <a:t>31-10-2018</a:t>
+              <a:t>01-11-2018</a:t>
             </a:fld>
             <a:endParaRPr lang="en-IN"/>
           </a:p>
@@ -2799,7 +2805,7 @@
           <a:p>
             <a:fld id="{63BA3895-3F20-4B0F-B004-3F522BF5E83E}" type="datetimeFigureOut">
               <a:rPr lang="en-IN" smtClean="0"/>
-              <a:t>31-10-2018</a:t>
+              <a:t>01-11-2018</a:t>
             </a:fld>
             <a:endParaRPr lang="en-IN"/>
           </a:p>
@@ -3012,7 +3018,7 @@
           <a:p>
             <a:fld id="{63BA3895-3F20-4B0F-B004-3F522BF5E83E}" type="datetimeFigureOut">
               <a:rPr lang="en-IN" smtClean="0"/>
-              <a:t>31-10-2018</a:t>
+              <a:t>01-11-2018</a:t>
             </a:fld>
             <a:endParaRPr lang="en-IN"/>
           </a:p>
@@ -3521,21 +3527,7 @@
                 <a:latin typeface="Arial" panose="020B0604020202020204" pitchFamily="34" charset="0"/>
                 <a:cs typeface="Arial" panose="020B0604020202020204" pitchFamily="34" charset="0"/>
               </a:rPr>
-              <a:t>(As part of seminar course PH893 </a:t>
-            </a:r>
-            <a:r>
-              <a:rPr lang="en-IN" sz="1600" dirty="0" smtClean="0">
-                <a:latin typeface="Arial" panose="020B0604020202020204" pitchFamily="34" charset="0"/>
-                <a:cs typeface="Arial" panose="020B0604020202020204" pitchFamily="34" charset="0"/>
-              </a:rPr>
-              <a:t>during Odd </a:t>
-            </a:r>
-            <a:r>
-              <a:rPr lang="en-IN" sz="1600" dirty="0" smtClean="0">
-                <a:latin typeface="Arial" panose="020B0604020202020204" pitchFamily="34" charset="0"/>
-                <a:cs typeface="Arial" panose="020B0604020202020204" pitchFamily="34" charset="0"/>
-              </a:rPr>
-              <a:t>Semester, 2018)</a:t>
+              <a:t>(As part of seminar course PH893 during Odd Semester, 2018)</a:t>
             </a:r>
           </a:p>
           <a:p>
@@ -3647,6 +3639,226 @@
 </p:sld>
 </file>
 
+<file path=ppt/slides/slide10.xml><?xml version="1.0" encoding="utf-8"?>
+<p:sld xmlns:a="http://schemas.openxmlformats.org/drawingml/2006/main" xmlns:r="http://schemas.openxmlformats.org/officeDocument/2006/relationships" xmlns:p="http://schemas.openxmlformats.org/presentationml/2006/main">
+  <p:cSld>
+    <p:spTree>
+      <p:nvGrpSpPr>
+        <p:cNvPr id="1" name=""/>
+        <p:cNvGrpSpPr/>
+        <p:nvPr/>
+      </p:nvGrpSpPr>
+      <p:grpSpPr>
+        <a:xfrm>
+          <a:off x="0" y="0"/>
+          <a:ext cx="0" cy="0"/>
+          <a:chOff x="0" y="0"/>
+          <a:chExt cx="0" cy="0"/>
+        </a:xfrm>
+      </p:grpSpPr>
+      <p:sp>
+        <p:nvSpPr>
+          <p:cNvPr id="3" name="Title 2"/>
+          <p:cNvSpPr>
+            <a:spLocks noGrp="1"/>
+          </p:cNvSpPr>
+          <p:nvPr>
+            <p:ph type="title"/>
+          </p:nvPr>
+        </p:nvSpPr>
+        <p:spPr/>
+        <p:txBody>
+          <a:bodyPr/>
+          <a:lstStyle/>
+          <a:p>
+            <a:r>
+              <a:rPr lang="en-IN" dirty="0" smtClean="0"/>
+              <a:t>A general statement of the problem</a:t>
+            </a:r>
+            <a:endParaRPr lang="en-IN" dirty="0"/>
+          </a:p>
+        </p:txBody>
+      </p:sp>
+      <p:sp>
+        <p:nvSpPr>
+          <p:cNvPr id="4" name="Content Placeholder 3"/>
+          <p:cNvSpPr>
+            <a:spLocks noGrp="1"/>
+          </p:cNvSpPr>
+          <p:nvPr>
+            <p:ph idx="1"/>
+          </p:nvPr>
+        </p:nvSpPr>
+        <p:spPr/>
+        <p:txBody>
+          <a:bodyPr/>
+          <a:lstStyle/>
+          <a:p>
+            <a:r>
+              <a:rPr lang="en-IN" dirty="0" smtClean="0"/>
+              <a:t>We need to study the structure of the interaction between thousands of genes/proteins/metabolites.</a:t>
+            </a:r>
+          </a:p>
+          <a:p>
+            <a:r>
+              <a:rPr lang="en-IN" dirty="0" smtClean="0"/>
+              <a:t>It is logical to say that these interactions should not be random. Nature should have </a:t>
+            </a:r>
+            <a:r>
+              <a:rPr lang="en-IN" i="1" u="sng" dirty="0" smtClean="0"/>
+              <a:t>OPTIMIZED</a:t>
+            </a:r>
+            <a:r>
+              <a:rPr lang="en-IN" i="1" dirty="0" smtClean="0"/>
+              <a:t> </a:t>
+            </a:r>
+            <a:r>
+              <a:rPr lang="en-IN" dirty="0" smtClean="0"/>
+              <a:t>for something</a:t>
+            </a:r>
+            <a:r>
+              <a:rPr lang="en-IN" i="1" dirty="0" smtClean="0"/>
+              <a:t>. </a:t>
+            </a:r>
+            <a:r>
+              <a:rPr lang="en-IN" dirty="0" smtClean="0"/>
+              <a:t>For instance, for </a:t>
+            </a:r>
+            <a:r>
+              <a:rPr lang="en-IN" i="1" dirty="0" smtClean="0"/>
+              <a:t>robustness </a:t>
+            </a:r>
+            <a:r>
+              <a:rPr lang="en-IN" dirty="0" smtClean="0"/>
+              <a:t>or minimal number of agents in a particular reaction. </a:t>
+            </a:r>
+            <a:r>
+              <a:rPr lang="en-IN" i="1" dirty="0" smtClean="0"/>
+              <a:t> </a:t>
+            </a:r>
+          </a:p>
+          <a:p>
+            <a:r>
+              <a:rPr lang="en-IN" dirty="0" smtClean="0"/>
+              <a:t>So, the general problem – </a:t>
+            </a:r>
+            <a:r>
+              <a:rPr lang="en-IN" b="1" dirty="0" smtClean="0"/>
+              <a:t>How can several agents undergo interactions to get structured in a way to </a:t>
+            </a:r>
+            <a:r>
+              <a:rPr lang="en-IN" b="1" i="1" u="sng" dirty="0" smtClean="0"/>
+              <a:t>OPTIMIZE</a:t>
+            </a:r>
+            <a:r>
+              <a:rPr lang="en-IN" b="1" dirty="0" smtClean="0"/>
+              <a:t> for something?</a:t>
+            </a:r>
+          </a:p>
+          <a:p>
+            <a:r>
+              <a:rPr lang="en-IN" dirty="0" smtClean="0"/>
+              <a:t>Have we encountered such a problem in other contexts? – YES!</a:t>
+            </a:r>
+          </a:p>
+          <a:p>
+            <a:endParaRPr lang="en-IN" i="1" dirty="0"/>
+          </a:p>
+        </p:txBody>
+      </p:sp>
+    </p:spTree>
+    <p:extLst>
+      <p:ext uri="{BB962C8B-B14F-4D97-AF65-F5344CB8AC3E}">
+        <p14:creationId xmlns:p14="http://schemas.microsoft.com/office/powerpoint/2010/main" val="2619326559"/>
+      </p:ext>
+    </p:extLst>
+  </p:cSld>
+  <p:clrMapOvr>
+    <a:masterClrMapping/>
+  </p:clrMapOvr>
+</p:sld>
+</file>
+
+<file path=ppt/slides/slide11.xml><?xml version="1.0" encoding="utf-8"?>
+<p:sld xmlns:a="http://schemas.openxmlformats.org/drawingml/2006/main" xmlns:r="http://schemas.openxmlformats.org/officeDocument/2006/relationships" xmlns:p="http://schemas.openxmlformats.org/presentationml/2006/main">
+  <p:cSld>
+    <p:spTree>
+      <p:nvGrpSpPr>
+        <p:cNvPr id="1" name=""/>
+        <p:cNvGrpSpPr/>
+        <p:nvPr/>
+      </p:nvGrpSpPr>
+      <p:grpSpPr>
+        <a:xfrm>
+          <a:off x="0" y="0"/>
+          <a:ext cx="0" cy="0"/>
+          <a:chOff x="0" y="0"/>
+          <a:chExt cx="0" cy="0"/>
+        </a:xfrm>
+      </p:grpSpPr>
+      <p:sp>
+        <p:nvSpPr>
+          <p:cNvPr id="2" name="Title 1"/>
+          <p:cNvSpPr>
+            <a:spLocks noGrp="1"/>
+          </p:cNvSpPr>
+          <p:nvPr>
+            <p:ph type="title"/>
+          </p:nvPr>
+        </p:nvSpPr>
+        <p:spPr/>
+        <p:txBody>
+          <a:bodyPr/>
+          <a:lstStyle/>
+          <a:p>
+            <a:r>
+              <a:rPr lang="en-IN" dirty="0" smtClean="0"/>
+              <a:t>A Physics problem – The </a:t>
+            </a:r>
+            <a:r>
+              <a:rPr lang="en-IN" dirty="0" err="1" smtClean="0"/>
+              <a:t>Ising</a:t>
+            </a:r>
+            <a:r>
+              <a:rPr lang="en-IN" dirty="0" smtClean="0"/>
+              <a:t> model</a:t>
+            </a:r>
+            <a:endParaRPr lang="en-IN" dirty="0"/>
+          </a:p>
+        </p:txBody>
+      </p:sp>
+      <p:sp>
+        <p:nvSpPr>
+          <p:cNvPr id="3" name="Content Placeholder 2"/>
+          <p:cNvSpPr>
+            <a:spLocks noGrp="1"/>
+          </p:cNvSpPr>
+          <p:nvPr>
+            <p:ph idx="1"/>
+          </p:nvPr>
+        </p:nvSpPr>
+        <p:spPr/>
+        <p:txBody>
+          <a:bodyPr/>
+          <a:lstStyle/>
+          <a:p>
+            <a:endParaRPr lang="en-IN" dirty="0"/>
+          </a:p>
+        </p:txBody>
+      </p:sp>
+    </p:spTree>
+    <p:extLst>
+      <p:ext uri="{BB962C8B-B14F-4D97-AF65-F5344CB8AC3E}">
+        <p14:creationId xmlns:p14="http://schemas.microsoft.com/office/powerpoint/2010/main" val="3492212237"/>
+      </p:ext>
+    </p:extLst>
+  </p:cSld>
+  <p:clrMapOvr>
+    <a:masterClrMapping/>
+  </p:clrMapOvr>
+</p:sld>
+</file>
+
 <file path=ppt/slides/slide2.xml><?xml version="1.0" encoding="utf-8"?>
 <p:sld xmlns:a="http://schemas.openxmlformats.org/drawingml/2006/main" xmlns:r="http://schemas.openxmlformats.org/officeDocument/2006/relationships" xmlns:p="http://schemas.openxmlformats.org/presentationml/2006/main">
   <p:cSld>
@@ -3676,21 +3888,22 @@
         </p:nvSpPr>
         <p:spPr>
           <a:xfrm>
-            <a:off x="845387" y="86263"/>
-            <a:ext cx="10515600" cy="595223"/>
+            <a:off x="948907" y="500331"/>
+            <a:ext cx="10515600" cy="1009292"/>
           </a:xfrm>
         </p:spPr>
         <p:txBody>
           <a:bodyPr>
-            <a:normAutofit fontScale="90000"/>
+            <a:normAutofit/>
           </a:bodyPr>
           <a:lstStyle/>
           <a:p>
-            <a:r>
-              <a:rPr lang="en-IN" b="1" dirty="0" smtClean="0"/>
+            <a:pPr algn="ctr"/>
+            <a:r>
+              <a:rPr lang="en-IN" sz="6000" b="1" dirty="0" smtClean="0"/>
               <a:t>Contents</a:t>
             </a:r>
-            <a:endParaRPr lang="en-IN" b="1" dirty="0"/>
+            <a:endParaRPr lang="en-IN" sz="6000" b="1" dirty="0"/>
           </a:p>
         </p:txBody>
       </p:sp>
@@ -3706,202 +3919,88 @@
         </p:nvSpPr>
         <p:spPr>
           <a:xfrm>
-            <a:off x="3183145" y="681486"/>
-            <a:ext cx="7453225" cy="6021237"/>
+            <a:off x="948907" y="1828800"/>
+            <a:ext cx="9713344" cy="3554084"/>
           </a:xfrm>
         </p:spPr>
         <p:txBody>
           <a:bodyPr>
-            <a:normAutofit fontScale="92500" lnSpcReduction="10000"/>
+            <a:normAutofit/>
           </a:bodyPr>
           <a:lstStyle/>
           <a:p>
-            <a:pPr>
+            <a:pPr marL="742950" indent="-742950">
               <a:lnSpc>
                 <a:spcPct val="110000"/>
               </a:lnSpc>
+              <a:buFont typeface="+mj-lt"/>
+              <a:buAutoNum type="arabicPeriod"/>
             </a:pPr>
             <a:r>
-              <a:rPr lang="en-IN" dirty="0" smtClean="0"/>
+              <a:rPr lang="en-IN" sz="3600" dirty="0" smtClean="0"/>
               <a:t>What is a Complex disease?</a:t>
             </a:r>
           </a:p>
           <a:p>
-            <a:pPr lvl="1">
+            <a:pPr marL="742950" indent="-742950">
               <a:lnSpc>
                 <a:spcPct val="110000"/>
               </a:lnSpc>
+              <a:buFont typeface="+mj-lt"/>
+              <a:buAutoNum type="arabicPeriod"/>
             </a:pPr>
             <a:r>
-              <a:rPr lang="en-IN" dirty="0" smtClean="0"/>
-              <a:t>What is a Complex system?</a:t>
-            </a:r>
-          </a:p>
-          <a:p>
-            <a:pPr lvl="1">
+              <a:rPr lang="en-IN" sz="3600" dirty="0" smtClean="0"/>
+              <a:t>How </a:t>
+            </a:r>
+            <a:r>
+              <a:rPr lang="en-IN" sz="3600" dirty="0" smtClean="0"/>
+              <a:t>to study Complex diseases?</a:t>
+            </a:r>
+          </a:p>
+          <a:p>
+            <a:pPr marL="742950" indent="-742950">
               <a:lnSpc>
                 <a:spcPct val="110000"/>
               </a:lnSpc>
+              <a:buFont typeface="+mj-lt"/>
+              <a:buAutoNum type="arabicPeriod"/>
             </a:pPr>
             <a:r>
-              <a:rPr lang="en-IN" dirty="0" smtClean="0"/>
-              <a:t>Properties of Complex systems</a:t>
-            </a:r>
-          </a:p>
-          <a:p>
-            <a:pPr lvl="1">
-              <a:lnSpc>
-                <a:spcPct val="110000"/>
-              </a:lnSpc>
-            </a:pPr>
-            <a:r>
-              <a:rPr lang="en-IN" dirty="0" smtClean="0"/>
-              <a:t>What is a Complex disease?</a:t>
-            </a:r>
-          </a:p>
-          <a:p>
-            <a:pPr lvl="1">
-              <a:lnSpc>
-                <a:spcPct val="110000"/>
-              </a:lnSpc>
-            </a:pPr>
-            <a:r>
-              <a:rPr lang="en-IN" dirty="0" smtClean="0"/>
-              <a:t>Complex disease as a Complex System</a:t>
-            </a:r>
-          </a:p>
-          <a:p>
-            <a:pPr>
-              <a:lnSpc>
-                <a:spcPct val="110000"/>
-              </a:lnSpc>
-            </a:pPr>
-            <a:r>
-              <a:rPr lang="en-IN" dirty="0" smtClean="0"/>
-              <a:t>How to study Complex diseases?</a:t>
-            </a:r>
-          </a:p>
-          <a:p>
-            <a:pPr lvl="1">
-              <a:lnSpc>
-                <a:spcPct val="110000"/>
-              </a:lnSpc>
-            </a:pPr>
-            <a:r>
-              <a:rPr lang="en-IN" dirty="0" smtClean="0"/>
-              <a:t>A general statement of the problem</a:t>
-            </a:r>
-          </a:p>
-          <a:p>
-            <a:pPr lvl="1">
-              <a:lnSpc>
-                <a:spcPct val="110000"/>
-              </a:lnSpc>
-            </a:pPr>
-            <a:r>
-              <a:rPr lang="en-IN" dirty="0" smtClean="0"/>
-              <a:t>A Physics problem – The </a:t>
-            </a:r>
-            <a:r>
-              <a:rPr lang="en-IN" dirty="0" err="1" smtClean="0"/>
-              <a:t>Ising</a:t>
-            </a:r>
-            <a:r>
-              <a:rPr lang="en-IN" dirty="0" smtClean="0"/>
-              <a:t> model</a:t>
-            </a:r>
-          </a:p>
-          <a:p>
-            <a:pPr lvl="1">
-              <a:lnSpc>
-                <a:spcPct val="110000"/>
-              </a:lnSpc>
-            </a:pPr>
-            <a:r>
-              <a:rPr lang="en-IN" dirty="0" smtClean="0"/>
-              <a:t>Combinatorial optimization requires Graphs</a:t>
-            </a:r>
-          </a:p>
-          <a:p>
-            <a:pPr lvl="1">
-              <a:lnSpc>
-                <a:spcPct val="110000"/>
-              </a:lnSpc>
-            </a:pPr>
-            <a:r>
-              <a:rPr lang="en-IN" dirty="0" smtClean="0"/>
-              <a:t>The answer – Complex Networks</a:t>
-            </a:r>
-          </a:p>
-          <a:p>
-            <a:pPr>
-              <a:lnSpc>
-                <a:spcPct val="110000"/>
-              </a:lnSpc>
-            </a:pPr>
-            <a:r>
-              <a:rPr lang="en-IN" dirty="0" smtClean="0"/>
-              <a:t>What can we ai</a:t>
-            </a:r>
-            <a:r>
-              <a:rPr lang="en-IN" dirty="0"/>
+              <a:rPr lang="en-IN" sz="3600" dirty="0" smtClean="0"/>
+              <a:t>What </a:t>
+            </a:r>
+            <a:r>
+              <a:rPr lang="en-IN" sz="3600" dirty="0" smtClean="0"/>
+              <a:t>can we ai</a:t>
+            </a:r>
+            <a:r>
+              <a:rPr lang="en-IN" sz="3600" dirty="0"/>
               <a:t>m</a:t>
             </a:r>
             <a:r>
-              <a:rPr lang="en-IN" dirty="0" smtClean="0"/>
-              <a:t> to study with Complex Networks?</a:t>
-            </a:r>
-          </a:p>
-          <a:p>
-            <a:pPr lvl="1">
-              <a:lnSpc>
-                <a:spcPct val="110000"/>
-              </a:lnSpc>
-            </a:pPr>
-            <a:r>
-              <a:rPr lang="en-IN" dirty="0" smtClean="0"/>
-              <a:t>Measures that matter</a:t>
-            </a:r>
-          </a:p>
-          <a:p>
-            <a:pPr lvl="1">
-              <a:lnSpc>
-                <a:spcPct val="110000"/>
-              </a:lnSpc>
-            </a:pPr>
-            <a:r>
-              <a:rPr lang="en-IN" dirty="0" smtClean="0"/>
-              <a:t>Large scale structure </a:t>
-            </a:r>
-          </a:p>
-          <a:p>
-            <a:pPr lvl="1">
-              <a:lnSpc>
-                <a:spcPct val="110000"/>
-              </a:lnSpc>
-            </a:pPr>
-            <a:r>
-              <a:rPr lang="en-IN" dirty="0" smtClean="0"/>
-              <a:t>Dynamics and other behaviour</a:t>
-            </a:r>
+              <a:rPr lang="en-IN" sz="3600" dirty="0" smtClean="0"/>
+              <a:t> to study with Complex Networks</a:t>
+            </a:r>
+            <a:r>
+              <a:rPr lang="en-IN" sz="3600" dirty="0" smtClean="0"/>
+              <a:t>?</a:t>
+            </a:r>
+            <a:endParaRPr lang="en-IN" sz="3600" dirty="0" smtClean="0"/>
+          </a:p>
+          <a:p>
+            <a:endParaRPr lang="en-IN" sz="3600" dirty="0" smtClean="0"/>
+          </a:p>
+          <a:p>
+            <a:endParaRPr lang="en-IN" sz="3600" dirty="0" smtClean="0"/>
           </a:p>
           <a:p>
             <a:pPr lvl="1"/>
-            <a:endParaRPr lang="en-IN" dirty="0" smtClean="0"/>
-          </a:p>
-          <a:p>
-            <a:endParaRPr lang="en-IN" dirty="0" smtClean="0"/>
-          </a:p>
-          <a:p>
-            <a:endParaRPr lang="en-IN" dirty="0" smtClean="0"/>
+            <a:endParaRPr lang="en-IN" sz="3200" dirty="0" smtClean="0"/>
           </a:p>
           <a:p>
             <a:pPr lvl="1"/>
-            <a:endParaRPr lang="en-IN" dirty="0" smtClean="0"/>
-          </a:p>
-          <a:p>
-            <a:pPr lvl="1"/>
-            <a:endParaRPr lang="en-IN" dirty="0"/>
+            <a:endParaRPr lang="en-IN" sz="3200" dirty="0"/>
           </a:p>
         </p:txBody>
       </p:sp>
@@ -3937,7 +4036,7 @@
       </p:grpSpPr>
       <p:sp>
         <p:nvSpPr>
-          <p:cNvPr id="2" name="Title 1"/>
+          <p:cNvPr id="4" name="Title 3"/>
           <p:cNvSpPr>
             <a:spLocks noGrp="1"/>
           </p:cNvSpPr>
@@ -3947,8 +4046,8 @@
         </p:nvSpPr>
         <p:spPr>
           <a:xfrm>
-            <a:off x="838200" y="94666"/>
-            <a:ext cx="10515600" cy="741873"/>
+            <a:off x="820947" y="2763269"/>
+            <a:ext cx="10515600" cy="1325563"/>
           </a:xfrm>
         </p:spPr>
         <p:txBody>
@@ -3959,193 +4058,17 @@
           <a:p>
             <a:pPr algn="ctr"/>
             <a:r>
-              <a:rPr lang="en-IN" sz="4000" dirty="0" smtClean="0"/>
-              <a:t>What is a Complex System?</a:t>
-            </a:r>
-            <a:endParaRPr lang="en-IN" sz="4000" dirty="0"/>
-          </a:p>
-        </p:txBody>
-      </p:sp>
-      <p:sp>
-        <p:nvSpPr>
-          <p:cNvPr id="4" name="Content Placeholder 3"/>
-          <p:cNvSpPr>
-            <a:spLocks noGrp="1"/>
-          </p:cNvSpPr>
-          <p:nvPr>
-            <p:ph sz="half" idx="1"/>
-          </p:nvPr>
-        </p:nvSpPr>
-        <p:spPr>
-          <a:xfrm>
-            <a:off x="232913" y="836652"/>
-            <a:ext cx="5279366" cy="5496036"/>
-          </a:xfrm>
-        </p:spPr>
-        <p:txBody>
-          <a:bodyPr>
-            <a:noAutofit/>
-          </a:bodyPr>
-          <a:lstStyle/>
-          <a:p>
-            <a:pPr marL="0" indent="0">
-              <a:lnSpc>
-                <a:spcPct val="150000"/>
-              </a:lnSpc>
-              <a:buNone/>
-            </a:pPr>
-            <a:r>
-              <a:rPr lang="en-IN" sz="2400" dirty="0" smtClean="0"/>
-              <a:t>“Complex </a:t>
-            </a:r>
-            <a:r>
-              <a:rPr lang="en-IN" sz="2400" dirty="0"/>
-              <a:t>systems are networks made of a number of components that interact </a:t>
-            </a:r>
-            <a:r>
-              <a:rPr lang="en-IN" sz="2400" dirty="0" smtClean="0"/>
-              <a:t>with each </a:t>
-            </a:r>
-            <a:r>
-              <a:rPr lang="en-IN" sz="2400" dirty="0"/>
-              <a:t>other, typically in a nonlinear fashion. Complex systems may arise and </a:t>
-            </a:r>
-            <a:r>
-              <a:rPr lang="en-IN" sz="2400" dirty="0" smtClean="0"/>
-              <a:t>evolve through </a:t>
-            </a:r>
-            <a:r>
-              <a:rPr lang="en-IN" sz="2400" dirty="0"/>
-              <a:t>self-organization, such that they are neither completely regular nor </a:t>
-            </a:r>
-            <a:r>
-              <a:rPr lang="en-IN" sz="2400" dirty="0" smtClean="0"/>
-              <a:t>completely random</a:t>
-            </a:r>
-            <a:r>
-              <a:rPr lang="en-IN" sz="2400" dirty="0"/>
-              <a:t>, permitting the development of emergent </a:t>
-            </a:r>
-            <a:r>
-              <a:rPr lang="en-IN" sz="2400" dirty="0" smtClean="0"/>
-              <a:t>behaviour </a:t>
-            </a:r>
-            <a:r>
-              <a:rPr lang="en-IN" sz="2400" dirty="0"/>
-              <a:t>at </a:t>
-            </a:r>
-            <a:r>
-              <a:rPr lang="en-IN" sz="2400" dirty="0" smtClean="0"/>
-              <a:t>macroscopic scales.”</a:t>
-            </a:r>
-            <a:r>
-              <a:rPr lang="en-IN" sz="2400" baseline="30000" dirty="0" smtClean="0"/>
-              <a:t>1</a:t>
-            </a:r>
-            <a:endParaRPr lang="en-IN" sz="2400" baseline="30000" dirty="0"/>
-          </a:p>
-        </p:txBody>
-      </p:sp>
-      <p:pic>
-        <p:nvPicPr>
-          <p:cNvPr id="8" name="Content Placeholder 7"/>
-          <p:cNvPicPr>
-            <a:picLocks noGrp="1" noChangeAspect="1"/>
-          </p:cNvPicPr>
-          <p:nvPr>
-            <p:ph sz="half" idx="2"/>
-          </p:nvPr>
-        </p:nvPicPr>
-        <p:blipFill>
-          <a:blip r:embed="rId2">
-            <a:extLst>
-              <a:ext uri="{28A0092B-C50C-407E-A947-70E740481C1C}">
-                <a14:useLocalDpi xmlns:a14="http://schemas.microsoft.com/office/drawing/2010/main" val="0"/>
-              </a:ext>
-            </a:extLst>
-          </a:blip>
-          <a:stretch>
-            <a:fillRect/>
-          </a:stretch>
-        </p:blipFill>
-        <p:spPr>
-          <a:xfrm>
-            <a:off x="5667554" y="914401"/>
-            <a:ext cx="5686245" cy="5262564"/>
-          </a:xfrm>
-        </p:spPr>
-      </p:pic>
-      <p:sp>
-        <p:nvSpPr>
-          <p:cNvPr id="7" name="TextBox 6"/>
-          <p:cNvSpPr txBox="1"/>
-          <p:nvPr/>
-        </p:nvSpPr>
-        <p:spPr>
-          <a:xfrm>
-            <a:off x="232913" y="6176965"/>
-            <a:ext cx="4546121" cy="369332"/>
-          </a:xfrm>
-          <a:prstGeom prst="rect">
-            <a:avLst/>
-          </a:prstGeom>
-          <a:noFill/>
-        </p:spPr>
-        <p:txBody>
-          <a:bodyPr wrap="square" rtlCol="0">
-            <a:spAutoFit/>
-          </a:bodyPr>
-          <a:lstStyle/>
-          <a:p>
-            <a:r>
-              <a:rPr lang="en-IN" dirty="0" smtClean="0"/>
-              <a:t>1,2.  </a:t>
-            </a:r>
-          </a:p>
-        </p:txBody>
-      </p:sp>
-      <p:sp>
-        <p:nvSpPr>
-          <p:cNvPr id="9" name="TextBox 8"/>
-          <p:cNvSpPr txBox="1"/>
-          <p:nvPr/>
-        </p:nvSpPr>
-        <p:spPr>
-          <a:xfrm>
-            <a:off x="6449682" y="6254827"/>
-            <a:ext cx="4546121" cy="369332"/>
-          </a:xfrm>
-          <a:prstGeom prst="rect">
-            <a:avLst/>
-          </a:prstGeom>
-          <a:noFill/>
-        </p:spPr>
-        <p:txBody>
-          <a:bodyPr wrap="square" rtlCol="0">
-            <a:spAutoFit/>
-          </a:bodyPr>
-          <a:lstStyle/>
-          <a:p>
-            <a:pPr algn="ctr"/>
-            <a:r>
-              <a:rPr lang="en-IN" dirty="0" smtClean="0"/>
-              <a:t>Fig 1. Concept map of Complex systems</a:t>
-            </a:r>
-            <a:r>
-              <a:rPr lang="en-IN" baseline="30000" dirty="0" smtClean="0"/>
-              <a:t>2</a:t>
-            </a:r>
-            <a:r>
-              <a:rPr lang="en-IN" dirty="0" smtClean="0"/>
-              <a:t> </a:t>
-            </a:r>
+              <a:rPr lang="en-IN" sz="5400" b="1" dirty="0" smtClean="0"/>
+              <a:t>1. What is a Complex Disease?</a:t>
+            </a:r>
+            <a:endParaRPr lang="en-IN" sz="5400" b="1" dirty="0"/>
           </a:p>
         </p:txBody>
       </p:sp>
     </p:spTree>
     <p:extLst>
       <p:ext uri="{BB962C8B-B14F-4D97-AF65-F5344CB8AC3E}">
-        <p14:creationId xmlns:p14="http://schemas.microsoft.com/office/powerpoint/2010/main" val="2856631511"/>
+        <p14:creationId xmlns:p14="http://schemas.microsoft.com/office/powerpoint/2010/main" val="2719189537"/>
       </p:ext>
     </p:extLst>
   </p:cSld>
@@ -4174,77 +4097,254 @@
       </p:grpSpPr>
       <p:sp>
         <p:nvSpPr>
-          <p:cNvPr id="8" name="Content Placeholder 7"/>
-          <p:cNvSpPr>
-            <a:spLocks noGrp="1"/>
-          </p:cNvSpPr>
-          <p:nvPr>
-            <p:ph idx="1"/>
-          </p:nvPr>
-        </p:nvSpPr>
-        <p:spPr/>
-        <p:txBody>
-          <a:bodyPr/>
-          <a:lstStyle/>
-          <a:p>
-            <a:endParaRPr lang="en-IN" dirty="0"/>
-          </a:p>
-        </p:txBody>
-      </p:sp>
-      <p:sp>
-        <p:nvSpPr>
-          <p:cNvPr id="5" name="Title 1"/>
-          <p:cNvSpPr txBox="1">
-            <a:spLocks/>
-          </p:cNvSpPr>
-          <p:nvPr/>
+          <p:cNvPr id="2" name="Title 1"/>
+          <p:cNvSpPr>
+            <a:spLocks noGrp="1"/>
+          </p:cNvSpPr>
+          <p:nvPr>
+            <p:ph type="title"/>
+          </p:nvPr>
         </p:nvSpPr>
         <p:spPr>
           <a:xfrm>
-            <a:off x="838200" y="353458"/>
+            <a:off x="838200" y="94666"/>
             <a:ext cx="10515600" cy="741873"/>
+          </a:xfrm>
+        </p:spPr>
+        <p:txBody>
+          <a:bodyPr>
+            <a:normAutofit/>
+          </a:bodyPr>
+          <a:lstStyle/>
+          <a:p>
+            <a:pPr algn="ctr"/>
+            <a:r>
+              <a:rPr lang="en-IN" sz="4000" dirty="0" smtClean="0"/>
+              <a:t>What is a Complex System?</a:t>
+            </a:r>
+            <a:endParaRPr lang="en-IN" sz="4000" dirty="0"/>
+          </a:p>
+        </p:txBody>
+      </p:sp>
+      <p:sp>
+        <p:nvSpPr>
+          <p:cNvPr id="4" name="Content Placeholder 3"/>
+          <p:cNvSpPr>
+            <a:spLocks noGrp="1"/>
+          </p:cNvSpPr>
+          <p:nvPr>
+            <p:ph sz="half" idx="1"/>
+          </p:nvPr>
+        </p:nvSpPr>
+        <p:spPr>
+          <a:xfrm>
+            <a:off x="232913" y="836652"/>
+            <a:ext cx="5279366" cy="5496036"/>
+          </a:xfrm>
+        </p:spPr>
+        <p:txBody>
+          <a:bodyPr>
+            <a:noAutofit/>
+          </a:bodyPr>
+          <a:lstStyle/>
+          <a:p>
+            <a:pPr marL="0" indent="0">
+              <a:lnSpc>
+                <a:spcPct val="150000"/>
+              </a:lnSpc>
+              <a:buNone/>
+            </a:pPr>
+            <a:r>
+              <a:rPr lang="en-IN" sz="2400" dirty="0" smtClean="0"/>
+              <a:t>“Complex </a:t>
+            </a:r>
+            <a:r>
+              <a:rPr lang="en-IN" sz="2400" dirty="0"/>
+              <a:t>systems are networks made of a number of components that interact </a:t>
+            </a:r>
+            <a:r>
+              <a:rPr lang="en-IN" sz="2400" dirty="0" smtClean="0"/>
+              <a:t>with each </a:t>
+            </a:r>
+            <a:r>
+              <a:rPr lang="en-IN" sz="2400" dirty="0"/>
+              <a:t>other, typically in a nonlinear fashion. Complex systems may arise and </a:t>
+            </a:r>
+            <a:r>
+              <a:rPr lang="en-IN" sz="2400" dirty="0" smtClean="0"/>
+              <a:t>evolve through </a:t>
+            </a:r>
+            <a:r>
+              <a:rPr lang="en-IN" sz="2400" dirty="0"/>
+              <a:t>self-organization, such that they are neither completely regular nor </a:t>
+            </a:r>
+            <a:r>
+              <a:rPr lang="en-IN" sz="2400" dirty="0" smtClean="0"/>
+              <a:t>completely random</a:t>
+            </a:r>
+            <a:r>
+              <a:rPr lang="en-IN" sz="2400" dirty="0"/>
+              <a:t>, permitting the development of emergent </a:t>
+            </a:r>
+            <a:r>
+              <a:rPr lang="en-IN" sz="2400" dirty="0" smtClean="0"/>
+              <a:t>behaviour </a:t>
+            </a:r>
+            <a:r>
+              <a:rPr lang="en-IN" sz="2400" dirty="0"/>
+              <a:t>at </a:t>
+            </a:r>
+            <a:r>
+              <a:rPr lang="en-IN" sz="2400" dirty="0" smtClean="0"/>
+              <a:t>macroscopic scales.”</a:t>
+            </a:r>
+            <a:r>
+              <a:rPr lang="en-IN" sz="2400" baseline="30000" dirty="0" smtClean="0"/>
+              <a:t>1*</a:t>
+            </a:r>
+            <a:endParaRPr lang="en-IN" sz="2400" baseline="30000" dirty="0"/>
+          </a:p>
+        </p:txBody>
+      </p:sp>
+      <p:pic>
+        <p:nvPicPr>
+          <p:cNvPr id="8" name="Content Placeholder 7"/>
+          <p:cNvPicPr>
+            <a:picLocks noGrp="1" noChangeAspect="1"/>
+          </p:cNvPicPr>
+          <p:nvPr>
+            <p:ph sz="half" idx="2"/>
+          </p:nvPr>
+        </p:nvPicPr>
+        <p:blipFill>
+          <a:blip r:embed="rId2">
+            <a:extLst>
+              <a:ext uri="{28A0092B-C50C-407E-A947-70E740481C1C}">
+                <a14:useLocalDpi xmlns:a14="http://schemas.microsoft.com/office/drawing/2010/main" val="0"/>
+              </a:ext>
+            </a:extLst>
+          </a:blip>
+          <a:stretch>
+            <a:fillRect/>
+          </a:stretch>
+        </p:blipFill>
+        <p:spPr>
+          <a:xfrm>
+            <a:off x="5667554" y="914401"/>
+            <a:ext cx="5686245" cy="5262564"/>
+          </a:xfrm>
+        </p:spPr>
+      </p:pic>
+      <p:sp>
+        <p:nvSpPr>
+          <p:cNvPr id="7" name="TextBox 6"/>
+          <p:cNvSpPr txBox="1"/>
+          <p:nvPr/>
+        </p:nvSpPr>
+        <p:spPr>
+          <a:xfrm>
+            <a:off x="232913" y="6176965"/>
+            <a:ext cx="4546121" cy="369332"/>
           </a:xfrm>
           <a:prstGeom prst="rect">
             <a:avLst/>
           </a:prstGeom>
+          <a:noFill/>
         </p:spPr>
         <p:txBody>
-          <a:bodyPr vert="horz" lIns="91440" tIns="45720" rIns="91440" bIns="45720" rtlCol="0" anchor="ctr">
-            <a:normAutofit/>
+          <a:bodyPr wrap="square" rtlCol="0">
+            <a:spAutoFit/>
           </a:bodyPr>
-          <a:lstStyle>
-            <a:lvl1pPr algn="l" defTabSz="914400" rtl="0" eaLnBrk="1" latinLnBrk="0" hangingPunct="1">
-              <a:lnSpc>
-                <a:spcPct val="90000"/>
-              </a:lnSpc>
-              <a:spcBef>
-                <a:spcPct val="0"/>
-              </a:spcBef>
-              <a:buNone/>
-              <a:defRPr sz="4400" kern="1200">
-                <a:solidFill>
-                  <a:schemeClr val="tx1"/>
-                </a:solidFill>
-                <a:latin typeface="+mj-lt"/>
-                <a:ea typeface="+mj-ea"/>
-                <a:cs typeface="+mj-cs"/>
-              </a:defRPr>
-            </a:lvl1pPr>
-          </a:lstStyle>
+          <a:lstStyle/>
+          <a:p>
+            <a:r>
+              <a:rPr lang="en-IN" dirty="0" smtClean="0"/>
+              <a:t>1,2. </a:t>
+            </a:r>
+            <a:r>
+              <a:rPr lang="en-IN" dirty="0" smtClean="0"/>
+              <a:t> </a:t>
+            </a:r>
+            <a:endParaRPr lang="en-IN" dirty="0" smtClean="0"/>
+          </a:p>
+        </p:txBody>
+      </p:sp>
+      <p:sp>
+        <p:nvSpPr>
+          <p:cNvPr id="9" name="TextBox 8"/>
+          <p:cNvSpPr txBox="1"/>
+          <p:nvPr/>
+        </p:nvSpPr>
+        <p:spPr>
+          <a:xfrm>
+            <a:off x="6449682" y="6254827"/>
+            <a:ext cx="4546121" cy="369332"/>
+          </a:xfrm>
+          <a:prstGeom prst="rect">
+            <a:avLst/>
+          </a:prstGeom>
+          <a:noFill/>
+        </p:spPr>
+        <p:txBody>
+          <a:bodyPr wrap="square" rtlCol="0">
+            <a:spAutoFit/>
+          </a:bodyPr>
+          <a:lstStyle/>
           <a:p>
             <a:pPr algn="ctr"/>
             <a:r>
-              <a:rPr lang="en-IN" sz="4000" dirty="0" smtClean="0"/>
-              <a:t>Properties of Complex systems</a:t>
-            </a:r>
-            <a:endParaRPr lang="en-IN" sz="4000" dirty="0"/>
+              <a:rPr lang="en-IN" dirty="0" smtClean="0"/>
+              <a:t>Fig 1. Concept map of Complex systems</a:t>
+            </a:r>
+            <a:r>
+              <a:rPr lang="en-IN" baseline="30000" dirty="0" smtClean="0"/>
+              <a:t>2</a:t>
+            </a:r>
+            <a:r>
+              <a:rPr lang="en-IN" dirty="0" smtClean="0"/>
+              <a:t> </a:t>
+            </a:r>
+          </a:p>
+        </p:txBody>
+      </p:sp>
+      <p:sp>
+        <p:nvSpPr>
+          <p:cNvPr id="10" name="TextBox 9"/>
+          <p:cNvSpPr txBox="1"/>
+          <p:nvPr/>
+        </p:nvSpPr>
+        <p:spPr>
+          <a:xfrm>
+            <a:off x="232912" y="5807520"/>
+            <a:ext cx="4546121" cy="369332"/>
+          </a:xfrm>
+          <a:prstGeom prst="rect">
+            <a:avLst/>
+          </a:prstGeom>
+          <a:noFill/>
+        </p:spPr>
+        <p:txBody>
+          <a:bodyPr wrap="square" rtlCol="0">
+            <a:spAutoFit/>
+          </a:bodyPr>
+          <a:lstStyle/>
+          <a:p>
+            <a:r>
+              <a:rPr lang="en-IN" sz="1400" dirty="0" smtClean="0"/>
+              <a:t>*Not a definition. That would be reductionist!</a:t>
+            </a:r>
+            <a:r>
+              <a:rPr lang="en-IN" dirty="0" smtClean="0"/>
+              <a:t>  </a:t>
+            </a:r>
+            <a:endParaRPr lang="en-IN" dirty="0" smtClean="0"/>
           </a:p>
         </p:txBody>
       </p:sp>
     </p:spTree>
     <p:extLst>
       <p:ext uri="{BB962C8B-B14F-4D97-AF65-F5344CB8AC3E}">
-        <p14:creationId xmlns:p14="http://schemas.microsoft.com/office/powerpoint/2010/main" val="1103520123"/>
+        <p14:creationId xmlns:p14="http://schemas.microsoft.com/office/powerpoint/2010/main" val="2856631511"/>
       </p:ext>
     </p:extLst>
   </p:cSld>
@@ -4273,6 +4373,183 @@
       </p:grpSpPr>
       <p:sp>
         <p:nvSpPr>
+          <p:cNvPr id="8" name="Content Placeholder 7"/>
+          <p:cNvSpPr>
+            <a:spLocks noGrp="1"/>
+          </p:cNvSpPr>
+          <p:nvPr>
+            <p:ph idx="1"/>
+          </p:nvPr>
+        </p:nvSpPr>
+        <p:spPr>
+          <a:xfrm>
+            <a:off x="838200" y="1708029"/>
+            <a:ext cx="10515600" cy="4675967"/>
+          </a:xfrm>
+        </p:spPr>
+        <p:txBody>
+          <a:bodyPr/>
+          <a:lstStyle/>
+          <a:p>
+            <a:r>
+              <a:rPr lang="en-IN" dirty="0" smtClean="0"/>
+              <a:t>They have a large number of agents that can be considered simple.</a:t>
+            </a:r>
+          </a:p>
+          <a:p>
+            <a:pPr lvl="1"/>
+            <a:r>
+              <a:rPr lang="en-IN" dirty="0" smtClean="0"/>
+              <a:t>Like ant colonies</a:t>
+            </a:r>
+          </a:p>
+          <a:p>
+            <a:r>
+              <a:rPr lang="en-IN" dirty="0" smtClean="0"/>
+              <a:t>The interactions are non linear</a:t>
+            </a:r>
+          </a:p>
+          <a:p>
+            <a:pPr lvl="1"/>
+            <a:r>
+              <a:rPr lang="en-IN" dirty="0" smtClean="0"/>
+              <a:t>The whole is not the sum of the parts.</a:t>
+            </a:r>
+          </a:p>
+          <a:p>
+            <a:r>
+              <a:rPr lang="en-IN" dirty="0" smtClean="0"/>
+              <a:t>They show emergent behaviour.</a:t>
+            </a:r>
+          </a:p>
+          <a:p>
+            <a:pPr lvl="1"/>
+            <a:r>
+              <a:rPr lang="en-IN" dirty="0" smtClean="0"/>
+              <a:t>There is a hierarchical organization.</a:t>
+            </a:r>
+          </a:p>
+          <a:p>
+            <a:r>
+              <a:rPr lang="en-IN" dirty="0" smtClean="0"/>
+              <a:t>They are self organizing.</a:t>
+            </a:r>
+          </a:p>
+          <a:p>
+            <a:pPr lvl="1"/>
+            <a:r>
+              <a:rPr lang="en-IN" dirty="0" smtClean="0"/>
+              <a:t>No agent is the leader</a:t>
+            </a:r>
+          </a:p>
+          <a:p>
+            <a:r>
+              <a:rPr lang="en-IN" dirty="0" smtClean="0"/>
+              <a:t>They can be modelled as networks.</a:t>
+            </a:r>
+          </a:p>
+          <a:p>
+            <a:pPr lvl="1"/>
+            <a:r>
+              <a:rPr lang="en-IN" dirty="0" smtClean="0"/>
+              <a:t>More on this later</a:t>
+            </a:r>
+          </a:p>
+          <a:p>
+            <a:endParaRPr lang="en-IN" dirty="0" smtClean="0"/>
+          </a:p>
+          <a:p>
+            <a:pPr lvl="1"/>
+            <a:endParaRPr lang="en-IN" dirty="0"/>
+          </a:p>
+        </p:txBody>
+      </p:sp>
+      <p:sp>
+        <p:nvSpPr>
+          <p:cNvPr id="5" name="Title 1"/>
+          <p:cNvSpPr txBox="1">
+            <a:spLocks/>
+          </p:cNvSpPr>
+          <p:nvPr/>
+        </p:nvSpPr>
+        <p:spPr>
+          <a:xfrm>
+            <a:off x="838200" y="534613"/>
+            <a:ext cx="10515600" cy="741873"/>
+          </a:xfrm>
+          <a:prstGeom prst="rect">
+            <a:avLst/>
+          </a:prstGeom>
+        </p:spPr>
+        <p:txBody>
+          <a:bodyPr vert="horz" lIns="91440" tIns="45720" rIns="91440" bIns="45720" rtlCol="0" anchor="ctr">
+            <a:normAutofit/>
+          </a:bodyPr>
+          <a:lstStyle>
+            <a:lvl1pPr algn="l" defTabSz="914400" rtl="0" eaLnBrk="1" latinLnBrk="0" hangingPunct="1">
+              <a:lnSpc>
+                <a:spcPct val="90000"/>
+              </a:lnSpc>
+              <a:spcBef>
+                <a:spcPct val="0"/>
+              </a:spcBef>
+              <a:buNone/>
+              <a:defRPr sz="4400" kern="1200">
+                <a:solidFill>
+                  <a:schemeClr val="tx1"/>
+                </a:solidFill>
+                <a:latin typeface="+mj-lt"/>
+                <a:ea typeface="+mj-ea"/>
+                <a:cs typeface="+mj-cs"/>
+              </a:defRPr>
+            </a:lvl1pPr>
+          </a:lstStyle>
+          <a:p>
+            <a:pPr algn="ctr"/>
+            <a:r>
+              <a:rPr lang="en-IN" sz="4000" dirty="0" smtClean="0"/>
+              <a:t>General properties </a:t>
+            </a:r>
+            <a:r>
+              <a:rPr lang="en-IN" sz="4000" dirty="0" smtClean="0"/>
+              <a:t>of Complex systems</a:t>
+            </a:r>
+            <a:endParaRPr lang="en-IN" sz="4000" dirty="0"/>
+          </a:p>
+        </p:txBody>
+      </p:sp>
+    </p:spTree>
+    <p:extLst>
+      <p:ext uri="{BB962C8B-B14F-4D97-AF65-F5344CB8AC3E}">
+        <p14:creationId xmlns:p14="http://schemas.microsoft.com/office/powerpoint/2010/main" val="1103520123"/>
+      </p:ext>
+    </p:extLst>
+  </p:cSld>
+  <p:clrMapOvr>
+    <a:masterClrMapping/>
+  </p:clrMapOvr>
+</p:sld>
+</file>
+
+<file path=ppt/slides/slide6.xml><?xml version="1.0" encoding="utf-8"?>
+<p:sld xmlns:a="http://schemas.openxmlformats.org/drawingml/2006/main" xmlns:r="http://schemas.openxmlformats.org/officeDocument/2006/relationships" xmlns:p="http://schemas.openxmlformats.org/presentationml/2006/main">
+  <p:cSld>
+    <p:spTree>
+      <p:nvGrpSpPr>
+        <p:cNvPr id="1" name=""/>
+        <p:cNvGrpSpPr/>
+        <p:nvPr/>
+      </p:nvGrpSpPr>
+      <p:grpSpPr>
+        <a:xfrm>
+          <a:off x="0" y="0"/>
+          <a:ext cx="0" cy="0"/>
+          <a:chOff x="0" y="0"/>
+          <a:chExt cx="0" cy="0"/>
+        </a:xfrm>
+      </p:grpSpPr>
+      <p:sp>
+        <p:nvSpPr>
           <p:cNvPr id="2" name="Title 1"/>
           <p:cNvSpPr>
             <a:spLocks noGrp="1"/>
@@ -4305,12 +4582,101 @@
             <p:ph idx="1"/>
           </p:nvPr>
         </p:nvSpPr>
-        <p:spPr/>
-        <p:txBody>
-          <a:bodyPr/>
-          <a:lstStyle/>
-          <a:p>
-            <a:endParaRPr lang="en-IN"/>
+        <p:spPr>
+          <a:xfrm>
+            <a:off x="406879" y="1825625"/>
+            <a:ext cx="11378241" cy="4808088"/>
+          </a:xfrm>
+        </p:spPr>
+        <p:txBody>
+          <a:bodyPr>
+            <a:normAutofit/>
+          </a:bodyPr>
+          <a:lstStyle/>
+          <a:p>
+            <a:r>
+              <a:rPr lang="en-IN" dirty="0" smtClean="0"/>
+              <a:t>It is a type of complex system.</a:t>
+            </a:r>
+          </a:p>
+          <a:p>
+            <a:r>
+              <a:rPr lang="en-IN" sz="3200" dirty="0" smtClean="0"/>
+              <a:t>“…complex diseases [are those that] </a:t>
+            </a:r>
+            <a:r>
+              <a:rPr lang="en-IN" sz="3200" dirty="0"/>
+              <a:t>arise as a consequence of the combined effect of </a:t>
+            </a:r>
+            <a:r>
+              <a:rPr lang="en-IN" sz="3200" i="1" u="sng" dirty="0"/>
+              <a:t>multiple genetic determinants, which may vary between individuals</a:t>
+            </a:r>
+            <a:r>
+              <a:rPr lang="en-IN" sz="3200" dirty="0"/>
+              <a:t>, and environmental </a:t>
+            </a:r>
+            <a:r>
+              <a:rPr lang="en-IN" sz="3200" dirty="0" smtClean="0"/>
+              <a:t>factors and wherein </a:t>
+            </a:r>
+            <a:r>
+              <a:rPr lang="en-IN" sz="3200" dirty="0"/>
+              <a:t>the </a:t>
+            </a:r>
+            <a:r>
+              <a:rPr lang="en-IN" sz="3200" i="1" u="sng" dirty="0"/>
+              <a:t>phenotype cannot be easily predicted from the genotype</a:t>
+            </a:r>
+            <a:r>
+              <a:rPr lang="en-IN" sz="3200" dirty="0"/>
+              <a:t>. This is proposed to be due to the </a:t>
+            </a:r>
+            <a:r>
+              <a:rPr lang="en-IN" sz="3200" i="1" u="sng" dirty="0"/>
+              <a:t>interaction between genes</a:t>
+            </a:r>
+            <a:r>
+              <a:rPr lang="en-IN" sz="3200" u="sng" dirty="0"/>
+              <a:t> (epistasis</a:t>
+            </a:r>
+            <a:r>
+              <a:rPr lang="en-IN" sz="3200" u="sng" dirty="0" smtClean="0"/>
+              <a:t>)</a:t>
+            </a:r>
+            <a:r>
+              <a:rPr lang="en-IN" sz="3200" dirty="0" smtClean="0"/>
+              <a:t>, </a:t>
+            </a:r>
+            <a:r>
+              <a:rPr lang="en-IN" sz="3200" dirty="0"/>
+              <a:t>modulation by </a:t>
+            </a:r>
+            <a:r>
+              <a:rPr lang="en-IN" sz="3200" dirty="0" smtClean="0"/>
+              <a:t>environmental </a:t>
+            </a:r>
+            <a:r>
+              <a:rPr lang="en-IN" sz="3200" dirty="0"/>
+              <a:t>factors or stochastic </a:t>
+            </a:r>
+            <a:r>
+              <a:rPr lang="en-IN" sz="3200" dirty="0" smtClean="0"/>
+              <a:t>processes, </a:t>
+            </a:r>
+            <a:r>
+              <a:rPr lang="en-IN" sz="3200" dirty="0"/>
+              <a:t>or epigenetic </a:t>
+            </a:r>
+            <a:r>
+              <a:rPr lang="en-IN" sz="3200" dirty="0" smtClean="0"/>
+              <a:t>changes.”</a:t>
+            </a:r>
+            <a:r>
+              <a:rPr lang="en-IN" sz="3200" baseline="30000" dirty="0" smtClean="0"/>
+              <a:t>3</a:t>
+            </a:r>
+            <a:endParaRPr lang="en-IN" sz="3200" baseline="30000" dirty="0"/>
           </a:p>
         </p:txBody>
       </p:sp>
@@ -4318,6 +4684,279 @@
     <p:extLst>
       <p:ext uri="{BB962C8B-B14F-4D97-AF65-F5344CB8AC3E}">
         <p14:creationId xmlns:p14="http://schemas.microsoft.com/office/powerpoint/2010/main" val="554839221"/>
+      </p:ext>
+    </p:extLst>
+  </p:cSld>
+  <p:clrMapOvr>
+    <a:masterClrMapping/>
+  </p:clrMapOvr>
+</p:sld>
+</file>
+
+<file path=ppt/slides/slide7.xml><?xml version="1.0" encoding="utf-8"?>
+<p:sld xmlns:a="http://schemas.openxmlformats.org/drawingml/2006/main" xmlns:r="http://schemas.openxmlformats.org/officeDocument/2006/relationships" xmlns:p="http://schemas.openxmlformats.org/presentationml/2006/main">
+  <p:cSld>
+    <p:spTree>
+      <p:nvGrpSpPr>
+        <p:cNvPr id="1" name=""/>
+        <p:cNvGrpSpPr/>
+        <p:nvPr/>
+      </p:nvGrpSpPr>
+      <p:grpSpPr>
+        <a:xfrm>
+          <a:off x="0" y="0"/>
+          <a:ext cx="0" cy="0"/>
+          <a:chOff x="0" y="0"/>
+          <a:chExt cx="0" cy="0"/>
+        </a:xfrm>
+      </p:grpSpPr>
+      <p:sp>
+        <p:nvSpPr>
+          <p:cNvPr id="2" name="Title 1"/>
+          <p:cNvSpPr>
+            <a:spLocks noGrp="1"/>
+          </p:cNvSpPr>
+          <p:nvPr>
+            <p:ph type="title"/>
+          </p:nvPr>
+        </p:nvSpPr>
+        <p:spPr/>
+        <p:txBody>
+          <a:bodyPr/>
+          <a:lstStyle/>
+          <a:p>
+            <a:pPr algn="ctr"/>
+            <a:r>
+              <a:rPr lang="en-IN" dirty="0" smtClean="0"/>
+              <a:t>Complex diseases as Complex Systems</a:t>
+            </a:r>
+            <a:endParaRPr lang="en-IN" dirty="0"/>
+          </a:p>
+        </p:txBody>
+      </p:sp>
+      <p:sp>
+        <p:nvSpPr>
+          <p:cNvPr id="3" name="Content Placeholder 2"/>
+          <p:cNvSpPr>
+            <a:spLocks noGrp="1"/>
+          </p:cNvSpPr>
+          <p:nvPr>
+            <p:ph idx="1"/>
+          </p:nvPr>
+        </p:nvSpPr>
+        <p:spPr>
+          <a:xfrm>
+            <a:off x="483079" y="1825625"/>
+            <a:ext cx="10870721" cy="4351338"/>
+          </a:xfrm>
+        </p:spPr>
+        <p:txBody>
+          <a:bodyPr/>
+          <a:lstStyle/>
+          <a:p>
+            <a:r>
+              <a:rPr lang="en-IN" dirty="0" smtClean="0"/>
+              <a:t>Agents – Thousands of Genes or Proteins or Metabolites </a:t>
+            </a:r>
+          </a:p>
+          <a:p>
+            <a:r>
+              <a:rPr lang="en-IN" dirty="0" smtClean="0"/>
+              <a:t>These genes or proteins interact chemically or physically, non linearly. </a:t>
+            </a:r>
+          </a:p>
+          <a:p>
+            <a:r>
+              <a:rPr lang="en-IN" dirty="0" smtClean="0"/>
+              <a:t>From the </a:t>
+            </a:r>
+            <a:r>
+              <a:rPr lang="en-IN" i="1" u="sng" dirty="0" smtClean="0"/>
+              <a:t>Central Dogma of Molecular Biology</a:t>
+            </a:r>
+            <a:r>
+              <a:rPr lang="en-IN" dirty="0" smtClean="0"/>
+              <a:t>, we know that, mutations in the DNA sequence affect the genes which affects RNA which in turn affects the protein which in turn causes a phenotype(symptoms of the disease). Thus there is emergent behaviour(Hierarchical structure). </a:t>
+            </a:r>
+          </a:p>
+          <a:p>
+            <a:r>
+              <a:rPr lang="en-IN" dirty="0" smtClean="0"/>
+              <a:t>There is no one central gene that causes the disease. It is the result of complex interaction between multiple genes. Thus it is self organizing.</a:t>
+            </a:r>
+          </a:p>
+          <a:p>
+            <a:endParaRPr lang="en-IN" dirty="0" smtClean="0"/>
+          </a:p>
+          <a:p>
+            <a:endParaRPr lang="en-IN" dirty="0"/>
+          </a:p>
+        </p:txBody>
+      </p:sp>
+    </p:spTree>
+    <p:extLst>
+      <p:ext uri="{BB962C8B-B14F-4D97-AF65-F5344CB8AC3E}">
+        <p14:creationId xmlns:p14="http://schemas.microsoft.com/office/powerpoint/2010/main" val="3971184101"/>
+      </p:ext>
+    </p:extLst>
+  </p:cSld>
+  <p:clrMapOvr>
+    <a:masterClrMapping/>
+  </p:clrMapOvr>
+</p:sld>
+</file>
+
+<file path=ppt/slides/slide8.xml><?xml version="1.0" encoding="utf-8"?>
+<p:sld xmlns:a="http://schemas.openxmlformats.org/drawingml/2006/main" xmlns:r="http://schemas.openxmlformats.org/officeDocument/2006/relationships" xmlns:p="http://schemas.openxmlformats.org/presentationml/2006/main">
+  <p:cSld>
+    <p:spTree>
+      <p:nvGrpSpPr>
+        <p:cNvPr id="1" name=""/>
+        <p:cNvGrpSpPr/>
+        <p:nvPr/>
+      </p:nvGrpSpPr>
+      <p:grpSpPr>
+        <a:xfrm>
+          <a:off x="0" y="0"/>
+          <a:ext cx="0" cy="0"/>
+          <a:chOff x="0" y="0"/>
+          <a:chExt cx="0" cy="0"/>
+        </a:xfrm>
+      </p:grpSpPr>
+      <p:sp>
+        <p:nvSpPr>
+          <p:cNvPr id="4" name="Title 3"/>
+          <p:cNvSpPr>
+            <a:spLocks noGrp="1"/>
+          </p:cNvSpPr>
+          <p:nvPr>
+            <p:ph type="title"/>
+          </p:nvPr>
+        </p:nvSpPr>
+        <p:spPr>
+          <a:xfrm>
+            <a:off x="846827" y="805073"/>
+            <a:ext cx="10515600" cy="3266595"/>
+          </a:xfrm>
+        </p:spPr>
+        <p:txBody>
+          <a:bodyPr>
+            <a:normAutofit/>
+          </a:bodyPr>
+          <a:lstStyle/>
+          <a:p>
+            <a:pPr algn="ctr"/>
+            <a:r>
+              <a:rPr lang="en-IN" dirty="0" smtClean="0"/>
+              <a:t>So, what is a Complex disease?</a:t>
+            </a:r>
+            <a:br>
+              <a:rPr lang="en-IN" dirty="0" smtClean="0"/>
+            </a:br>
+            <a:r>
+              <a:rPr lang="en-IN" dirty="0" smtClean="0"/>
+              <a:t>A type of Complex system with thousands of genes/proteins/metabolites interacting non linearly causing an undesirable phenotype. </a:t>
+            </a:r>
+            <a:endParaRPr lang="en-IN" dirty="0"/>
+          </a:p>
+        </p:txBody>
+      </p:sp>
+      <p:sp>
+        <p:nvSpPr>
+          <p:cNvPr id="5" name="TextBox 4"/>
+          <p:cNvSpPr txBox="1"/>
+          <p:nvPr/>
+        </p:nvSpPr>
+        <p:spPr>
+          <a:xfrm>
+            <a:off x="3027872" y="4373592"/>
+            <a:ext cx="6452558" cy="954107"/>
+          </a:xfrm>
+          <a:prstGeom prst="rect">
+            <a:avLst/>
+          </a:prstGeom>
+          <a:noFill/>
+        </p:spPr>
+        <p:txBody>
+          <a:bodyPr wrap="square" rtlCol="0">
+            <a:spAutoFit/>
+          </a:bodyPr>
+          <a:lstStyle/>
+          <a:p>
+            <a:pPr algn="ctr"/>
+            <a:r>
+              <a:rPr lang="en-IN" sz="2800" dirty="0" smtClean="0"/>
+              <a:t>Any questions at this point? Please feel free to ask.</a:t>
+            </a:r>
+            <a:endParaRPr lang="en-IN" sz="2800" dirty="0"/>
+          </a:p>
+        </p:txBody>
+      </p:sp>
+    </p:spTree>
+    <p:extLst>
+      <p:ext uri="{BB962C8B-B14F-4D97-AF65-F5344CB8AC3E}">
+        <p14:creationId xmlns:p14="http://schemas.microsoft.com/office/powerpoint/2010/main" val="3803179467"/>
+      </p:ext>
+    </p:extLst>
+  </p:cSld>
+  <p:clrMapOvr>
+    <a:masterClrMapping/>
+  </p:clrMapOvr>
+</p:sld>
+</file>
+
+<file path=ppt/slides/slide9.xml><?xml version="1.0" encoding="utf-8"?>
+<p:sld xmlns:a="http://schemas.openxmlformats.org/drawingml/2006/main" xmlns:r="http://schemas.openxmlformats.org/officeDocument/2006/relationships" xmlns:p="http://schemas.openxmlformats.org/presentationml/2006/main">
+  <p:cSld>
+    <p:spTree>
+      <p:nvGrpSpPr>
+        <p:cNvPr id="1" name=""/>
+        <p:cNvGrpSpPr/>
+        <p:nvPr/>
+      </p:nvGrpSpPr>
+      <p:grpSpPr>
+        <a:xfrm>
+          <a:off x="0" y="0"/>
+          <a:ext cx="0" cy="0"/>
+          <a:chOff x="0" y="0"/>
+          <a:chExt cx="0" cy="0"/>
+        </a:xfrm>
+      </p:grpSpPr>
+      <p:sp>
+        <p:nvSpPr>
+          <p:cNvPr id="4" name="Title 3"/>
+          <p:cNvSpPr>
+            <a:spLocks noGrp="1"/>
+          </p:cNvSpPr>
+          <p:nvPr>
+            <p:ph type="title"/>
+          </p:nvPr>
+        </p:nvSpPr>
+        <p:spPr>
+          <a:xfrm>
+            <a:off x="820947" y="2763269"/>
+            <a:ext cx="10515600" cy="1325563"/>
+          </a:xfrm>
+        </p:spPr>
+        <p:txBody>
+          <a:bodyPr>
+            <a:normAutofit/>
+          </a:bodyPr>
+          <a:lstStyle/>
+          <a:p>
+            <a:pPr algn="ctr"/>
+            <a:r>
+              <a:rPr lang="en-IN" sz="5400" b="1" dirty="0" smtClean="0"/>
+              <a:t>2. How to study Complex Diseases?</a:t>
+            </a:r>
+            <a:endParaRPr lang="en-IN" sz="5400" b="1" dirty="0"/>
+          </a:p>
+        </p:txBody>
+      </p:sp>
+    </p:spTree>
+    <p:extLst>
+      <p:ext uri="{BB962C8B-B14F-4D97-AF65-F5344CB8AC3E}">
+        <p14:creationId xmlns:p14="http://schemas.microsoft.com/office/powerpoint/2010/main" val="3882505176"/>
       </p:ext>
     </p:extLst>
   </p:cSld>

--- a/A Primer to Complex Diseases.pptx
+++ b/A Primer to Complex Diseases.pptx
@@ -5,20 +5,28 @@
     <p:sldMasterId id="2147483648" r:id="rId1"/>
   </p:sldMasterIdLst>
   <p:notesMasterIdLst>
-    <p:notesMasterId r:id="rId13"/>
+    <p:notesMasterId r:id="rId21"/>
   </p:notesMasterIdLst>
   <p:sldIdLst>
     <p:sldId id="257" r:id="rId2"/>
     <p:sldId id="258" r:id="rId3"/>
-    <p:sldId id="262" r:id="rId4"/>
+    <p:sldId id="279" r:id="rId4"/>
     <p:sldId id="259" r:id="rId5"/>
     <p:sldId id="260" r:id="rId6"/>
     <p:sldId id="261" r:id="rId7"/>
     <p:sldId id="263" r:id="rId8"/>
-    <p:sldId id="264" r:id="rId9"/>
-    <p:sldId id="266" r:id="rId10"/>
+    <p:sldId id="280" r:id="rId9"/>
+    <p:sldId id="281" r:id="rId10"/>
     <p:sldId id="267" r:id="rId11"/>
     <p:sldId id="268" r:id="rId12"/>
+    <p:sldId id="269" r:id="rId13"/>
+    <p:sldId id="270" r:id="rId14"/>
+    <p:sldId id="277" r:id="rId15"/>
+    <p:sldId id="272" r:id="rId16"/>
+    <p:sldId id="274" r:id="rId17"/>
+    <p:sldId id="275" r:id="rId18"/>
+    <p:sldId id="276" r:id="rId19"/>
+    <p:sldId id="278" r:id="rId20"/>
   </p:sldIdLst>
   <p:sldSz cx="12192000" cy="6858000"/>
   <p:notesSz cx="6858000" cy="9144000"/>
@@ -3666,16 +3674,28 @@
             <p:ph type="title"/>
           </p:nvPr>
         </p:nvSpPr>
-        <p:spPr/>
+        <p:spPr>
+          <a:xfrm>
+            <a:off x="854014" y="69011"/>
+            <a:ext cx="10515600" cy="810794"/>
+          </a:xfrm>
+        </p:spPr>
         <p:txBody>
           <a:bodyPr/>
           <a:lstStyle/>
           <a:p>
-            <a:r>
-              <a:rPr lang="en-IN" dirty="0" smtClean="0"/>
+            <a:pPr algn="ctr"/>
+            <a:r>
+              <a:rPr lang="en-IN" dirty="0" smtClean="0">
+                <a:latin typeface="Arial" panose="020B0604020202020204" pitchFamily="34" charset="0"/>
+                <a:cs typeface="Arial" panose="020B0604020202020204" pitchFamily="34" charset="0"/>
+              </a:rPr>
               <a:t>A general statement of the problem</a:t>
             </a:r>
-            <a:endParaRPr lang="en-IN" dirty="0"/>
+            <a:endParaRPr lang="en-IN" dirty="0">
+              <a:latin typeface="Arial" panose="020B0604020202020204" pitchFamily="34" charset="0"/>
+              <a:cs typeface="Arial" panose="020B0604020202020204" pitchFamily="34" charset="0"/>
+            </a:endParaRPr>
           </a:p>
         </p:txBody>
       </p:sp>
@@ -3689,80 +3709,188 @@
             <p:ph idx="1"/>
           </p:nvPr>
         </p:nvSpPr>
-        <p:spPr/>
-        <p:txBody>
-          <a:bodyPr/>
-          <a:lstStyle/>
-          <a:p>
-            <a:r>
-              <a:rPr lang="en-IN" dirty="0" smtClean="0"/>
+        <p:spPr>
+          <a:xfrm>
+            <a:off x="448573" y="957532"/>
+            <a:ext cx="11326483" cy="5771071"/>
+          </a:xfrm>
+        </p:spPr>
+        <p:txBody>
+          <a:bodyPr>
+            <a:normAutofit fontScale="85000" lnSpcReduction="20000"/>
+          </a:bodyPr>
+          <a:lstStyle/>
+          <a:p>
+            <a:pPr>
+              <a:lnSpc>
+                <a:spcPct val="160000"/>
+              </a:lnSpc>
+            </a:pPr>
+            <a:r>
+              <a:rPr lang="en-IN" dirty="0" smtClean="0">
+                <a:latin typeface="Arial" panose="020B0604020202020204" pitchFamily="34" charset="0"/>
+                <a:cs typeface="Arial" panose="020B0604020202020204" pitchFamily="34" charset="0"/>
+              </a:rPr>
               <a:t>We need to study the structure of the interaction between thousands of genes/proteins/metabolites.</a:t>
             </a:r>
           </a:p>
           <a:p>
-            <a:r>
-              <a:rPr lang="en-IN" dirty="0" smtClean="0"/>
-              <a:t>It is logical to say that these interactions should not be random. Nature should have </a:t>
-            </a:r>
-            <a:r>
-              <a:rPr lang="en-IN" i="1" u="sng" dirty="0" smtClean="0"/>
+            <a:pPr>
+              <a:lnSpc>
+                <a:spcPct val="160000"/>
+              </a:lnSpc>
+            </a:pPr>
+            <a:r>
+              <a:rPr lang="en-IN" dirty="0" smtClean="0">
+                <a:latin typeface="Arial" panose="020B0604020202020204" pitchFamily="34" charset="0"/>
+                <a:cs typeface="Arial" panose="020B0604020202020204" pitchFamily="34" charset="0"/>
+              </a:rPr>
+              <a:t>It is logical to </a:t>
+            </a:r>
+            <a:r>
+              <a:rPr lang="en-IN" dirty="0" smtClean="0">
+                <a:latin typeface="Arial" panose="020B0604020202020204" pitchFamily="34" charset="0"/>
+                <a:cs typeface="Arial" panose="020B0604020202020204" pitchFamily="34" charset="0"/>
+              </a:rPr>
+              <a:t>assume</a:t>
+            </a:r>
+            <a:r>
+              <a:rPr lang="en-IN" dirty="0" smtClean="0">
+                <a:latin typeface="Arial" panose="020B0604020202020204" pitchFamily="34" charset="0"/>
+                <a:cs typeface="Arial" panose="020B0604020202020204" pitchFamily="34" charset="0"/>
+              </a:rPr>
+              <a:t> </a:t>
+            </a:r>
+            <a:r>
+              <a:rPr lang="en-IN" dirty="0" smtClean="0">
+                <a:latin typeface="Arial" panose="020B0604020202020204" pitchFamily="34" charset="0"/>
+                <a:cs typeface="Arial" panose="020B0604020202020204" pitchFamily="34" charset="0"/>
+              </a:rPr>
+              <a:t>that these interactions should not be random. Nature should have </a:t>
+            </a:r>
+            <a:r>
+              <a:rPr lang="en-IN" i="1" u="sng" dirty="0" smtClean="0">
+                <a:latin typeface="Arial" panose="020B0604020202020204" pitchFamily="34" charset="0"/>
+                <a:cs typeface="Arial" panose="020B0604020202020204" pitchFamily="34" charset="0"/>
+              </a:rPr>
               <a:t>OPTIMIZED</a:t>
             </a:r>
             <a:r>
-              <a:rPr lang="en-IN" i="1" dirty="0" smtClean="0"/>
+              <a:rPr lang="en-IN" i="1" dirty="0" smtClean="0">
+                <a:latin typeface="Arial" panose="020B0604020202020204" pitchFamily="34" charset="0"/>
+                <a:cs typeface="Arial" panose="020B0604020202020204" pitchFamily="34" charset="0"/>
+              </a:rPr>
               <a:t> </a:t>
             </a:r>
             <a:r>
-              <a:rPr lang="en-IN" dirty="0" smtClean="0"/>
+              <a:rPr lang="en-IN" dirty="0" smtClean="0">
+                <a:latin typeface="Arial" panose="020B0604020202020204" pitchFamily="34" charset="0"/>
+                <a:cs typeface="Arial" panose="020B0604020202020204" pitchFamily="34" charset="0"/>
+              </a:rPr>
               <a:t>for something</a:t>
             </a:r>
             <a:r>
-              <a:rPr lang="en-IN" i="1" dirty="0" smtClean="0"/>
+              <a:rPr lang="en-IN" i="1" dirty="0" smtClean="0">
+                <a:latin typeface="Arial" panose="020B0604020202020204" pitchFamily="34" charset="0"/>
+                <a:cs typeface="Arial" panose="020B0604020202020204" pitchFamily="34" charset="0"/>
+              </a:rPr>
               <a:t>. </a:t>
             </a:r>
             <a:r>
-              <a:rPr lang="en-IN" dirty="0" smtClean="0"/>
+              <a:rPr lang="en-IN" dirty="0" smtClean="0">
+                <a:latin typeface="Arial" panose="020B0604020202020204" pitchFamily="34" charset="0"/>
+                <a:cs typeface="Arial" panose="020B0604020202020204" pitchFamily="34" charset="0"/>
+              </a:rPr>
               <a:t>For instance, for </a:t>
             </a:r>
             <a:r>
-              <a:rPr lang="en-IN" i="1" dirty="0" smtClean="0"/>
+              <a:rPr lang="en-IN" i="1" dirty="0" smtClean="0">
+                <a:latin typeface="Arial" panose="020B0604020202020204" pitchFamily="34" charset="0"/>
+                <a:cs typeface="Arial" panose="020B0604020202020204" pitchFamily="34" charset="0"/>
+              </a:rPr>
               <a:t>robustness </a:t>
             </a:r>
             <a:r>
-              <a:rPr lang="en-IN" dirty="0" smtClean="0"/>
+              <a:rPr lang="en-IN" dirty="0" smtClean="0">
+                <a:latin typeface="Arial" panose="020B0604020202020204" pitchFamily="34" charset="0"/>
+                <a:cs typeface="Arial" panose="020B0604020202020204" pitchFamily="34" charset="0"/>
+              </a:rPr>
               <a:t>or minimal number of agents in a particular reaction. </a:t>
             </a:r>
             <a:r>
-              <a:rPr lang="en-IN" i="1" dirty="0" smtClean="0"/>
+              <a:rPr lang="en-IN" i="1" dirty="0" smtClean="0">
+                <a:latin typeface="Arial" panose="020B0604020202020204" pitchFamily="34" charset="0"/>
+                <a:cs typeface="Arial" panose="020B0604020202020204" pitchFamily="34" charset="0"/>
+              </a:rPr>
               <a:t> </a:t>
             </a:r>
           </a:p>
           <a:p>
-            <a:r>
-              <a:rPr lang="en-IN" dirty="0" smtClean="0"/>
+            <a:pPr>
+              <a:lnSpc>
+                <a:spcPct val="160000"/>
+              </a:lnSpc>
+            </a:pPr>
+            <a:r>
+              <a:rPr lang="en-IN" dirty="0" smtClean="0">
+                <a:latin typeface="Arial" panose="020B0604020202020204" pitchFamily="34" charset="0"/>
+                <a:cs typeface="Arial" panose="020B0604020202020204" pitchFamily="34" charset="0"/>
+              </a:rPr>
               <a:t>So, the general problem – </a:t>
             </a:r>
             <a:r>
-              <a:rPr lang="en-IN" b="1" dirty="0" smtClean="0"/>
+              <a:rPr lang="en-IN" b="1" dirty="0" smtClean="0">
+                <a:latin typeface="Arial" panose="020B0604020202020204" pitchFamily="34" charset="0"/>
+                <a:cs typeface="Arial" panose="020B0604020202020204" pitchFamily="34" charset="0"/>
+              </a:rPr>
               <a:t>How can several agents undergo interactions to get structured in a way to </a:t>
             </a:r>
             <a:r>
-              <a:rPr lang="en-IN" b="1" i="1" u="sng" dirty="0" smtClean="0"/>
+              <a:rPr lang="en-IN" b="1" i="1" u="sng" dirty="0" smtClean="0">
+                <a:latin typeface="Arial" panose="020B0604020202020204" pitchFamily="34" charset="0"/>
+                <a:cs typeface="Arial" panose="020B0604020202020204" pitchFamily="34" charset="0"/>
+              </a:rPr>
               <a:t>OPTIMIZE</a:t>
             </a:r>
             <a:r>
-              <a:rPr lang="en-IN" b="1" dirty="0" smtClean="0"/>
+              <a:rPr lang="en-IN" b="1" dirty="0" smtClean="0">
+                <a:latin typeface="Arial" panose="020B0604020202020204" pitchFamily="34" charset="0"/>
+                <a:cs typeface="Arial" panose="020B0604020202020204" pitchFamily="34" charset="0"/>
+              </a:rPr>
               <a:t> for something?</a:t>
             </a:r>
           </a:p>
           <a:p>
-            <a:r>
-              <a:rPr lang="en-IN" dirty="0" smtClean="0"/>
-              <a:t>Have we encountered such a problem in other contexts? – YES!</a:t>
-            </a:r>
-          </a:p>
-          <a:p>
-            <a:endParaRPr lang="en-IN" i="1" dirty="0"/>
+            <a:pPr>
+              <a:lnSpc>
+                <a:spcPct val="160000"/>
+              </a:lnSpc>
+            </a:pPr>
+            <a:r>
+              <a:rPr lang="en-IN" dirty="0" smtClean="0">
+                <a:latin typeface="Arial" panose="020B0604020202020204" pitchFamily="34" charset="0"/>
+                <a:cs typeface="Arial" panose="020B0604020202020204" pitchFamily="34" charset="0"/>
+              </a:rPr>
+              <a:t>Have we encountered such a problem in other contexts? If yes, then we can copy the technique used to solve that problem here also…</a:t>
+            </a:r>
+          </a:p>
+          <a:p>
+            <a:pPr>
+              <a:lnSpc>
+                <a:spcPct val="160000"/>
+              </a:lnSpc>
+            </a:pPr>
+            <a:r>
+              <a:rPr lang="en-IN" i="1" dirty="0" smtClean="0">
+                <a:latin typeface="Arial" panose="020B0604020202020204" pitchFamily="34" charset="0"/>
+                <a:cs typeface="Arial" panose="020B0604020202020204" pitchFamily="34" charset="0"/>
+              </a:rPr>
+              <a:t>The answer is yes!</a:t>
+            </a:r>
+            <a:endParaRPr lang="en-IN" i="1" dirty="0">
+              <a:latin typeface="Arial" panose="020B0604020202020204" pitchFamily="34" charset="0"/>
+              <a:cs typeface="Arial" panose="020B0604020202020204" pitchFamily="34" charset="0"/>
+            </a:endParaRPr>
           </a:p>
         </p:txBody>
       </p:sp>
@@ -3776,6 +3904,13 @@
   <p:clrMapOvr>
     <a:masterClrMapping/>
   </p:clrMapOvr>
+  <p:timing>
+    <p:tnLst>
+      <p:par>
+        <p:cTn id="1" dur="indefinite" restart="never" nodeType="tmRoot"/>
+      </p:par>
+    </p:tnLst>
+  </p:timing>
 </p:sld>
 </file>
 
@@ -3806,24 +3941,42 @@
             <p:ph type="title"/>
           </p:nvPr>
         </p:nvSpPr>
-        <p:spPr/>
+        <p:spPr>
+          <a:xfrm>
+            <a:off x="828136" y="89080"/>
+            <a:ext cx="10515600" cy="799441"/>
+          </a:xfrm>
+        </p:spPr>
         <p:txBody>
           <a:bodyPr/>
           <a:lstStyle/>
           <a:p>
-            <a:r>
-              <a:rPr lang="en-IN" dirty="0" smtClean="0"/>
+            <a:pPr algn="ctr"/>
+            <a:r>
+              <a:rPr lang="en-IN" dirty="0" smtClean="0">
+                <a:latin typeface="Arial" panose="020B0604020202020204" pitchFamily="34" charset="0"/>
+                <a:cs typeface="Arial" panose="020B0604020202020204" pitchFamily="34" charset="0"/>
+              </a:rPr>
               <a:t>A Physics problem – The </a:t>
             </a:r>
             <a:r>
-              <a:rPr lang="en-IN" dirty="0" err="1" smtClean="0"/>
+              <a:rPr lang="en-IN" dirty="0" err="1" smtClean="0">
+                <a:latin typeface="Arial" panose="020B0604020202020204" pitchFamily="34" charset="0"/>
+                <a:cs typeface="Arial" panose="020B0604020202020204" pitchFamily="34" charset="0"/>
+              </a:rPr>
               <a:t>Ising</a:t>
             </a:r>
             <a:r>
-              <a:rPr lang="en-IN" dirty="0" smtClean="0"/>
+              <a:rPr lang="en-IN" dirty="0" smtClean="0">
+                <a:latin typeface="Arial" panose="020B0604020202020204" pitchFamily="34" charset="0"/>
+                <a:cs typeface="Arial" panose="020B0604020202020204" pitchFamily="34" charset="0"/>
+              </a:rPr>
               <a:t> model</a:t>
             </a:r>
-            <a:endParaRPr lang="en-IN" dirty="0"/>
+            <a:endParaRPr lang="en-IN" dirty="0">
+              <a:latin typeface="Arial" panose="020B0604020202020204" pitchFamily="34" charset="0"/>
+              <a:cs typeface="Arial" panose="020B0604020202020204" pitchFamily="34" charset="0"/>
+            </a:endParaRPr>
           </a:p>
         </p:txBody>
       </p:sp>
@@ -3837,12 +3990,164 @@
             <p:ph idx="1"/>
           </p:nvPr>
         </p:nvSpPr>
-        <p:spPr/>
-        <p:txBody>
-          <a:bodyPr/>
-          <a:lstStyle/>
-          <a:p>
-            <a:endParaRPr lang="en-IN" dirty="0"/>
+        <p:spPr>
+          <a:xfrm>
+            <a:off x="439947" y="1069675"/>
+            <a:ext cx="11291978" cy="5581291"/>
+          </a:xfrm>
+        </p:spPr>
+        <p:txBody>
+          <a:bodyPr>
+            <a:normAutofit fontScale="85000" lnSpcReduction="10000"/>
+          </a:bodyPr>
+          <a:lstStyle/>
+          <a:p>
+            <a:pPr>
+              <a:lnSpc>
+                <a:spcPct val="160000"/>
+              </a:lnSpc>
+            </a:pPr>
+            <a:r>
+              <a:rPr lang="en-IN" dirty="0" smtClean="0">
+                <a:latin typeface="Arial" panose="020B0604020202020204" pitchFamily="34" charset="0"/>
+                <a:cs typeface="Arial" panose="020B0604020202020204" pitchFamily="34" charset="0"/>
+              </a:rPr>
+              <a:t>With the </a:t>
+            </a:r>
+            <a:r>
+              <a:rPr lang="en-IN" dirty="0" err="1" smtClean="0">
+                <a:latin typeface="Arial" panose="020B0604020202020204" pitchFamily="34" charset="0"/>
+                <a:cs typeface="Arial" panose="020B0604020202020204" pitchFamily="34" charset="0"/>
+              </a:rPr>
+              <a:t>Ising</a:t>
+            </a:r>
+            <a:r>
+              <a:rPr lang="en-IN" dirty="0" smtClean="0">
+                <a:latin typeface="Arial" panose="020B0604020202020204" pitchFamily="34" charset="0"/>
+                <a:cs typeface="Arial" panose="020B0604020202020204" pitchFamily="34" charset="0"/>
+              </a:rPr>
+              <a:t> model we try to model the magnetic behaviour of materials. </a:t>
+            </a:r>
+            <a:endParaRPr lang="en-IN" dirty="0">
+              <a:latin typeface="Arial" panose="020B0604020202020204" pitchFamily="34" charset="0"/>
+              <a:cs typeface="Arial" panose="020B0604020202020204" pitchFamily="34" charset="0"/>
+            </a:endParaRPr>
+          </a:p>
+          <a:p>
+            <a:pPr>
+              <a:lnSpc>
+                <a:spcPct val="160000"/>
+              </a:lnSpc>
+            </a:pPr>
+            <a:r>
+              <a:rPr lang="en-IN" dirty="0" smtClean="0">
+                <a:latin typeface="Arial" panose="020B0604020202020204" pitchFamily="34" charset="0"/>
+                <a:cs typeface="Arial" panose="020B0604020202020204" pitchFamily="34" charset="0"/>
+              </a:rPr>
+              <a:t>In most textbooks we make an approximation and say that only neighbouring </a:t>
+            </a:r>
+            <a:r>
+              <a:rPr lang="en-IN" dirty="0" err="1" smtClean="0">
+                <a:latin typeface="Arial" panose="020B0604020202020204" pitchFamily="34" charset="0"/>
+                <a:cs typeface="Arial" panose="020B0604020202020204" pitchFamily="34" charset="0"/>
+              </a:rPr>
+              <a:t>Ising</a:t>
+            </a:r>
+            <a:r>
+              <a:rPr lang="en-IN" dirty="0" smtClean="0">
+                <a:latin typeface="Arial" panose="020B0604020202020204" pitchFamily="34" charset="0"/>
+                <a:cs typeface="Arial" panose="020B0604020202020204" pitchFamily="34" charset="0"/>
+              </a:rPr>
+              <a:t> spins interact. But instead say that there is some probability for any two spins to interact.</a:t>
+            </a:r>
+          </a:p>
+          <a:p>
+            <a:pPr>
+              <a:lnSpc>
+                <a:spcPct val="160000"/>
+              </a:lnSpc>
+            </a:pPr>
+            <a:r>
+              <a:rPr lang="en-IN" dirty="0">
+                <a:latin typeface="Arial" panose="020B0604020202020204" pitchFamily="34" charset="0"/>
+                <a:cs typeface="Arial" panose="020B0604020202020204" pitchFamily="34" charset="0"/>
+              </a:rPr>
+              <a:t>N</a:t>
+            </a:r>
+            <a:r>
+              <a:rPr lang="en-IN" dirty="0" smtClean="0">
+                <a:latin typeface="Arial" panose="020B0604020202020204" pitchFamily="34" charset="0"/>
+                <a:cs typeface="Arial" panose="020B0604020202020204" pitchFamily="34" charset="0"/>
+              </a:rPr>
+              <a:t>ow we ask, how do thousands of such spins interact to </a:t>
+            </a:r>
+            <a:r>
+              <a:rPr lang="en-IN" i="1" u="sng" dirty="0" smtClean="0">
+                <a:latin typeface="Arial" panose="020B0604020202020204" pitchFamily="34" charset="0"/>
+                <a:cs typeface="Arial" panose="020B0604020202020204" pitchFamily="34" charset="0"/>
+              </a:rPr>
+              <a:t>OPTIMIZE </a:t>
+            </a:r>
+            <a:r>
+              <a:rPr lang="en-IN" dirty="0" smtClean="0">
+                <a:latin typeface="Arial" panose="020B0604020202020204" pitchFamily="34" charset="0"/>
+                <a:cs typeface="Arial" panose="020B0604020202020204" pitchFamily="34" charset="0"/>
+              </a:rPr>
+              <a:t>their energies to show ferromagnetism below Curie temperature and </a:t>
+            </a:r>
+            <a:r>
+              <a:rPr lang="en-IN" dirty="0" err="1" smtClean="0">
+                <a:latin typeface="Arial" panose="020B0604020202020204" pitchFamily="34" charset="0"/>
+                <a:cs typeface="Arial" panose="020B0604020202020204" pitchFamily="34" charset="0"/>
+              </a:rPr>
+              <a:t>paramagnetism</a:t>
+            </a:r>
+            <a:r>
+              <a:rPr lang="en-IN" dirty="0" smtClean="0">
+                <a:latin typeface="Arial" panose="020B0604020202020204" pitchFamily="34" charset="0"/>
+                <a:cs typeface="Arial" panose="020B0604020202020204" pitchFamily="34" charset="0"/>
+              </a:rPr>
+              <a:t> above it? Also how do they behave near the Curie temperature?</a:t>
+            </a:r>
+          </a:p>
+          <a:p>
+            <a:pPr>
+              <a:lnSpc>
+                <a:spcPct val="160000"/>
+              </a:lnSpc>
+            </a:pPr>
+            <a:r>
+              <a:rPr lang="en-IN" dirty="0" smtClean="0">
+                <a:latin typeface="Arial" panose="020B0604020202020204" pitchFamily="34" charset="0"/>
+                <a:cs typeface="Arial" panose="020B0604020202020204" pitchFamily="34" charset="0"/>
+              </a:rPr>
+              <a:t>This looks just like our problem with Complex diseases! Here is some basic idea on how Physicists approach the above </a:t>
+            </a:r>
+            <a:r>
+              <a:rPr lang="en-IN" dirty="0" err="1" smtClean="0">
+                <a:latin typeface="Arial" panose="020B0604020202020204" pitchFamily="34" charset="0"/>
+                <a:cs typeface="Arial" panose="020B0604020202020204" pitchFamily="34" charset="0"/>
+              </a:rPr>
+              <a:t>Ising</a:t>
+            </a:r>
+            <a:r>
+              <a:rPr lang="en-IN" dirty="0" smtClean="0">
+                <a:latin typeface="Arial" panose="020B0604020202020204" pitchFamily="34" charset="0"/>
+                <a:cs typeface="Arial" panose="020B0604020202020204" pitchFamily="34" charset="0"/>
+              </a:rPr>
+              <a:t> spin model problem</a:t>
+            </a:r>
+            <a:r>
+              <a:rPr lang="en-IN" dirty="0" smtClean="0">
+                <a:latin typeface="Arial" panose="020B0604020202020204" pitchFamily="34" charset="0"/>
+                <a:cs typeface="Arial" panose="020B0604020202020204" pitchFamily="34" charset="0"/>
+              </a:rPr>
+              <a:t>.</a:t>
+            </a:r>
+            <a:endParaRPr lang="en-IN" dirty="0" smtClean="0">
+              <a:latin typeface="Arial" panose="020B0604020202020204" pitchFamily="34" charset="0"/>
+              <a:cs typeface="Arial" panose="020B0604020202020204" pitchFamily="34" charset="0"/>
+            </a:endParaRPr>
           </a:p>
         </p:txBody>
       </p:sp>
@@ -3850,6 +4155,1121 @@
     <p:extLst>
       <p:ext uri="{BB962C8B-B14F-4D97-AF65-F5344CB8AC3E}">
         <p14:creationId xmlns:p14="http://schemas.microsoft.com/office/powerpoint/2010/main" val="3492212237"/>
+      </p:ext>
+    </p:extLst>
+  </p:cSld>
+  <p:clrMapOvr>
+    <a:masterClrMapping/>
+  </p:clrMapOvr>
+  <p:timing>
+    <p:tnLst>
+      <p:par>
+        <p:cTn id="1" dur="indefinite" restart="never" nodeType="tmRoot"/>
+      </p:par>
+    </p:tnLst>
+  </p:timing>
+</p:sld>
+</file>
+
+<file path=ppt/slides/slide12.xml><?xml version="1.0" encoding="utf-8"?>
+<p:sld xmlns:a="http://schemas.openxmlformats.org/drawingml/2006/main" xmlns:r="http://schemas.openxmlformats.org/officeDocument/2006/relationships" xmlns:p="http://schemas.openxmlformats.org/presentationml/2006/main">
+  <p:cSld>
+    <p:spTree>
+      <p:nvGrpSpPr>
+        <p:cNvPr id="1" name=""/>
+        <p:cNvGrpSpPr/>
+        <p:nvPr/>
+      </p:nvGrpSpPr>
+      <p:grpSpPr>
+        <a:xfrm>
+          <a:off x="0" y="0"/>
+          <a:ext cx="0" cy="0"/>
+          <a:chOff x="0" y="0"/>
+          <a:chExt cx="0" cy="0"/>
+        </a:xfrm>
+      </p:grpSpPr>
+      <p:sp>
+        <p:nvSpPr>
+          <p:cNvPr id="2" name="Title 1"/>
+          <p:cNvSpPr>
+            <a:spLocks noGrp="1"/>
+          </p:cNvSpPr>
+          <p:nvPr>
+            <p:ph type="title"/>
+          </p:nvPr>
+        </p:nvSpPr>
+        <p:spPr>
+          <a:xfrm>
+            <a:off x="838200" y="183971"/>
+            <a:ext cx="10515600" cy="652791"/>
+          </a:xfrm>
+        </p:spPr>
+        <p:txBody>
+          <a:bodyPr>
+            <a:normAutofit fontScale="90000"/>
+          </a:bodyPr>
+          <a:lstStyle/>
+          <a:p>
+            <a:pPr algn="ctr"/>
+            <a:r>
+              <a:rPr lang="en-IN" dirty="0" err="1" smtClean="0">
+                <a:latin typeface="Arial" panose="020B0604020202020204" pitchFamily="34" charset="0"/>
+                <a:cs typeface="Arial" panose="020B0604020202020204" pitchFamily="34" charset="0"/>
+              </a:rPr>
+              <a:t>Ising</a:t>
+            </a:r>
+            <a:r>
+              <a:rPr lang="en-IN" dirty="0" smtClean="0">
+                <a:latin typeface="Arial" panose="020B0604020202020204" pitchFamily="34" charset="0"/>
+                <a:cs typeface="Arial" panose="020B0604020202020204" pitchFamily="34" charset="0"/>
+              </a:rPr>
+              <a:t> spin model with quenched disorder</a:t>
+            </a:r>
+            <a:endParaRPr lang="en-IN" dirty="0">
+              <a:latin typeface="Arial" panose="020B0604020202020204" pitchFamily="34" charset="0"/>
+              <a:cs typeface="Arial" panose="020B0604020202020204" pitchFamily="34" charset="0"/>
+            </a:endParaRPr>
+          </a:p>
+        </p:txBody>
+      </p:sp>
+      <p:sp>
+        <p:nvSpPr>
+          <p:cNvPr id="5" name="TextBox 4"/>
+          <p:cNvSpPr txBox="1"/>
+          <p:nvPr/>
+        </p:nvSpPr>
+        <p:spPr>
+          <a:xfrm>
+            <a:off x="2173857" y="6167887"/>
+            <a:ext cx="7867290" cy="584775"/>
+          </a:xfrm>
+          <a:prstGeom prst="rect">
+            <a:avLst/>
+          </a:prstGeom>
+          <a:noFill/>
+        </p:spPr>
+        <p:txBody>
+          <a:bodyPr wrap="square" rtlCol="0">
+            <a:spAutoFit/>
+          </a:bodyPr>
+          <a:lstStyle/>
+          <a:p>
+            <a:pPr algn="ctr"/>
+            <a:r>
+              <a:rPr lang="en-IN" sz="3200" b="1" dirty="0" smtClean="0"/>
+              <a:t>WE ENDED UP USING GRAPHS/NETWORKS!</a:t>
+            </a:r>
+            <a:endParaRPr lang="en-IN" sz="3200" b="1" dirty="0"/>
+          </a:p>
+        </p:txBody>
+      </p:sp>
+      <p:pic>
+        <p:nvPicPr>
+          <p:cNvPr id="8" name="Picture 7"/>
+          <p:cNvPicPr>
+            <a:picLocks noChangeAspect="1"/>
+          </p:cNvPicPr>
+          <p:nvPr/>
+        </p:nvPicPr>
+        <p:blipFill>
+          <a:blip r:embed="rId2">
+            <a:extLst>
+              <a:ext uri="{28A0092B-C50C-407E-A947-70E740481C1C}">
+                <a14:useLocalDpi xmlns:a14="http://schemas.microsoft.com/office/drawing/2010/main" val="0"/>
+              </a:ext>
+            </a:extLst>
+          </a:blip>
+          <a:stretch>
+            <a:fillRect/>
+          </a:stretch>
+        </p:blipFill>
+        <p:spPr>
+          <a:xfrm>
+            <a:off x="3122761" y="759125"/>
+            <a:ext cx="5098213" cy="5469147"/>
+          </a:xfrm>
+          <a:prstGeom prst="rect">
+            <a:avLst/>
+          </a:prstGeom>
+        </p:spPr>
+      </p:pic>
+      <p:pic>
+        <p:nvPicPr>
+          <p:cNvPr id="9" name="Picture 8"/>
+          <p:cNvPicPr>
+            <a:picLocks noChangeAspect="1"/>
+          </p:cNvPicPr>
+          <p:nvPr/>
+        </p:nvPicPr>
+        <p:blipFill>
+          <a:blip r:embed="rId3">
+            <a:extLst>
+              <a:ext uri="{28A0092B-C50C-407E-A947-70E740481C1C}">
+                <a14:useLocalDpi xmlns:a14="http://schemas.microsoft.com/office/drawing/2010/main" val="0"/>
+              </a:ext>
+            </a:extLst>
+          </a:blip>
+          <a:stretch>
+            <a:fillRect/>
+          </a:stretch>
+        </p:blipFill>
+        <p:spPr>
+          <a:xfrm>
+            <a:off x="3191774" y="836762"/>
+            <a:ext cx="5434641" cy="5391510"/>
+          </a:xfrm>
+          <a:prstGeom prst="rect">
+            <a:avLst/>
+          </a:prstGeom>
+        </p:spPr>
+      </p:pic>
+    </p:spTree>
+    <p:extLst>
+      <p:ext uri="{BB962C8B-B14F-4D97-AF65-F5344CB8AC3E}">
+        <p14:creationId xmlns:p14="http://schemas.microsoft.com/office/powerpoint/2010/main" val="3430136752"/>
+      </p:ext>
+    </p:extLst>
+  </p:cSld>
+  <p:clrMapOvr>
+    <a:masterClrMapping/>
+  </p:clrMapOvr>
+  <mc:AlternateContent xmlns:mc="http://schemas.openxmlformats.org/markup-compatibility/2006">
+    <mc:Choice xmlns:p14="http://schemas.microsoft.com/office/powerpoint/2010/main" Requires="p14">
+      <p:transition p14:dur="0"/>
+    </mc:Choice>
+    <mc:Fallback>
+      <p:transition/>
+    </mc:Fallback>
+  </mc:AlternateContent>
+  <p:timing>
+    <p:tnLst>
+      <p:par>
+        <p:cTn id="1" dur="indefinite" restart="never" nodeType="tmRoot">
+          <p:childTnLst>
+            <p:seq concurrent="1" nextAc="seek">
+              <p:cTn id="2" dur="indefinite" nodeType="mainSeq">
+                <p:childTnLst>
+                  <p:par>
+                    <p:cTn id="3" fill="hold">
+                      <p:stCondLst>
+                        <p:cond delay="indefinite"/>
+                      </p:stCondLst>
+                      <p:childTnLst>
+                        <p:par>
+                          <p:cTn id="4" fill="hold">
+                            <p:stCondLst>
+                              <p:cond delay="0"/>
+                            </p:stCondLst>
+                            <p:childTnLst>
+                              <p:par>
+                                <p:cTn id="5" presetID="1" presetClass="exit" presetSubtype="0" fill="hold" nodeType="clickEffect">
+                                  <p:stCondLst>
+                                    <p:cond delay="0"/>
+                                  </p:stCondLst>
+                                  <p:childTnLst>
+                                    <p:set>
+                                      <p:cBhvr>
+                                        <p:cTn id="6" dur="1" fill="hold">
+                                          <p:stCondLst>
+                                            <p:cond delay="0"/>
+                                          </p:stCondLst>
+                                        </p:cTn>
+                                        <p:tgtEl>
+                                          <p:spTgt spid="9"/>
+                                        </p:tgtEl>
+                                        <p:attrNameLst>
+                                          <p:attrName>style.visibility</p:attrName>
+                                        </p:attrNameLst>
+                                      </p:cBhvr>
+                                      <p:to>
+                                        <p:strVal val="hidden"/>
+                                      </p:to>
+                                    </p:set>
+                                  </p:childTnLst>
+                                </p:cTn>
+                              </p:par>
+                            </p:childTnLst>
+                          </p:cTn>
+                        </p:par>
+                      </p:childTnLst>
+                    </p:cTn>
+                  </p:par>
+                </p:childTnLst>
+              </p:cTn>
+              <p:prevCondLst>
+                <p:cond evt="onPrev" delay="0">
+                  <p:tgtEl>
+                    <p:sldTgt/>
+                  </p:tgtEl>
+                </p:cond>
+              </p:prevCondLst>
+              <p:nextCondLst>
+                <p:cond evt="onNext" delay="0">
+                  <p:tgtEl>
+                    <p:sldTgt/>
+                  </p:tgtEl>
+                </p:cond>
+              </p:nextCondLst>
+            </p:seq>
+          </p:childTnLst>
+        </p:cTn>
+      </p:par>
+    </p:tnLst>
+  </p:timing>
+</p:sld>
+</file>
+
+<file path=ppt/slides/slide13.xml><?xml version="1.0" encoding="utf-8"?>
+<p:sld xmlns:a="http://schemas.openxmlformats.org/drawingml/2006/main" xmlns:r="http://schemas.openxmlformats.org/officeDocument/2006/relationships" xmlns:p="http://schemas.openxmlformats.org/presentationml/2006/main">
+  <p:cSld>
+    <p:spTree>
+      <p:nvGrpSpPr>
+        <p:cNvPr id="1" name=""/>
+        <p:cNvGrpSpPr/>
+        <p:nvPr/>
+      </p:nvGrpSpPr>
+      <p:grpSpPr>
+        <a:xfrm>
+          <a:off x="0" y="0"/>
+          <a:ext cx="0" cy="0"/>
+          <a:chOff x="0" y="0"/>
+          <a:chExt cx="0" cy="0"/>
+        </a:xfrm>
+      </p:grpSpPr>
+      <p:sp>
+        <p:nvSpPr>
+          <p:cNvPr id="2" name="Title 1"/>
+          <p:cNvSpPr>
+            <a:spLocks noGrp="1"/>
+          </p:cNvSpPr>
+          <p:nvPr>
+            <p:ph type="title"/>
+          </p:nvPr>
+        </p:nvSpPr>
+        <p:spPr>
+          <a:xfrm>
+            <a:off x="336430" y="166719"/>
+            <a:ext cx="11585275" cy="928836"/>
+          </a:xfrm>
+        </p:spPr>
+        <p:txBody>
+          <a:bodyPr>
+            <a:normAutofit fontScale="90000"/>
+          </a:bodyPr>
+          <a:lstStyle/>
+          <a:p>
+            <a:pPr algn="ctr"/>
+            <a:r>
+              <a:rPr lang="en-IN" dirty="0" smtClean="0">
+                <a:latin typeface="Arial" panose="020B0604020202020204" pitchFamily="34" charset="0"/>
+                <a:cs typeface="Arial" panose="020B0604020202020204" pitchFamily="34" charset="0"/>
+              </a:rPr>
+              <a:t>Combinatorial </a:t>
+            </a:r>
+            <a:r>
+              <a:rPr lang="en-IN" i="1" u="sng" dirty="0" smtClean="0">
+                <a:latin typeface="Arial" panose="020B0604020202020204" pitchFamily="34" charset="0"/>
+                <a:cs typeface="Arial" panose="020B0604020202020204" pitchFamily="34" charset="0"/>
+              </a:rPr>
+              <a:t>OPTIMIZATION</a:t>
+            </a:r>
+            <a:r>
+              <a:rPr lang="en-IN" dirty="0" smtClean="0">
+                <a:latin typeface="Arial" panose="020B0604020202020204" pitchFamily="34" charset="0"/>
+                <a:cs typeface="Arial" panose="020B0604020202020204" pitchFamily="34" charset="0"/>
+              </a:rPr>
+              <a:t> requires Graphs</a:t>
+            </a:r>
+            <a:endParaRPr lang="en-IN" dirty="0">
+              <a:latin typeface="Arial" panose="020B0604020202020204" pitchFamily="34" charset="0"/>
+              <a:cs typeface="Arial" panose="020B0604020202020204" pitchFamily="34" charset="0"/>
+            </a:endParaRPr>
+          </a:p>
+        </p:txBody>
+      </p:sp>
+      <p:sp>
+        <p:nvSpPr>
+          <p:cNvPr id="3" name="Content Placeholder 2"/>
+          <p:cNvSpPr>
+            <a:spLocks noGrp="1"/>
+          </p:cNvSpPr>
+          <p:nvPr>
+            <p:ph idx="1"/>
+          </p:nvPr>
+        </p:nvSpPr>
+        <p:spPr>
+          <a:xfrm>
+            <a:off x="508957" y="1207699"/>
+            <a:ext cx="11214341" cy="5270738"/>
+          </a:xfrm>
+        </p:spPr>
+        <p:txBody>
+          <a:bodyPr>
+            <a:normAutofit fontScale="77500" lnSpcReduction="20000"/>
+          </a:bodyPr>
+          <a:lstStyle/>
+          <a:p>
+            <a:pPr>
+              <a:lnSpc>
+                <a:spcPct val="140000"/>
+              </a:lnSpc>
+            </a:pPr>
+            <a:r>
+              <a:rPr lang="en-IN" dirty="0" smtClean="0">
+                <a:latin typeface="Arial" panose="020B0604020202020204" pitchFamily="34" charset="0"/>
+                <a:cs typeface="Arial" panose="020B0604020202020204" pitchFamily="34" charset="0"/>
+              </a:rPr>
+              <a:t>Basically, </a:t>
+            </a:r>
+            <a:r>
+              <a:rPr lang="en-IN" dirty="0" smtClean="0">
+                <a:latin typeface="Arial" panose="020B0604020202020204" pitchFamily="34" charset="0"/>
+                <a:cs typeface="Arial" panose="020B0604020202020204" pitchFamily="34" charset="0"/>
+              </a:rPr>
+              <a:t>in both the Complex Diseases problem and </a:t>
+            </a:r>
+            <a:r>
+              <a:rPr lang="en-IN" dirty="0" err="1" smtClean="0">
+                <a:latin typeface="Arial" panose="020B0604020202020204" pitchFamily="34" charset="0"/>
+                <a:cs typeface="Arial" panose="020B0604020202020204" pitchFamily="34" charset="0"/>
+              </a:rPr>
+              <a:t>Ising</a:t>
+            </a:r>
+            <a:r>
+              <a:rPr lang="en-IN" dirty="0" smtClean="0">
+                <a:latin typeface="Arial" panose="020B0604020202020204" pitchFamily="34" charset="0"/>
+                <a:cs typeface="Arial" panose="020B0604020202020204" pitchFamily="34" charset="0"/>
+              </a:rPr>
+              <a:t> spin problem we were trying to do ‘Combinatorial Optimization’. </a:t>
+            </a:r>
+          </a:p>
+          <a:p>
+            <a:pPr>
+              <a:lnSpc>
+                <a:spcPct val="140000"/>
+              </a:lnSpc>
+            </a:pPr>
+            <a:r>
+              <a:rPr lang="en-IN" dirty="0" smtClean="0">
+                <a:latin typeface="Arial" panose="020B0604020202020204" pitchFamily="34" charset="0"/>
+                <a:cs typeface="Arial" panose="020B0604020202020204" pitchFamily="34" charset="0"/>
+              </a:rPr>
+              <a:t>In Combinatorial Optimization, we need to optimize a multidimensional system over several distinct variables.</a:t>
+            </a:r>
+          </a:p>
+          <a:p>
+            <a:pPr>
+              <a:lnSpc>
+                <a:spcPct val="140000"/>
+              </a:lnSpc>
+            </a:pPr>
+            <a:r>
+              <a:rPr lang="en-IN" dirty="0" smtClean="0">
+                <a:latin typeface="Arial" panose="020B0604020202020204" pitchFamily="34" charset="0"/>
+                <a:cs typeface="Arial" panose="020B0604020202020204" pitchFamily="34" charset="0"/>
+              </a:rPr>
+              <a:t>As we saw, in the </a:t>
+            </a:r>
+            <a:r>
+              <a:rPr lang="en-IN" dirty="0" err="1" smtClean="0">
+                <a:latin typeface="Arial" panose="020B0604020202020204" pitchFamily="34" charset="0"/>
+                <a:cs typeface="Arial" panose="020B0604020202020204" pitchFamily="34" charset="0"/>
+              </a:rPr>
+              <a:t>Ising</a:t>
+            </a:r>
+            <a:r>
+              <a:rPr lang="en-IN" dirty="0" smtClean="0">
+                <a:latin typeface="Arial" panose="020B0604020202020204" pitchFamily="34" charset="0"/>
+                <a:cs typeface="Arial" panose="020B0604020202020204" pitchFamily="34" charset="0"/>
+              </a:rPr>
+              <a:t> spin problem, we naturally ended up using Graphs aka Networks. This seems to be the case in many other Physics </a:t>
+            </a:r>
+            <a:r>
+              <a:rPr lang="en-IN" dirty="0">
+                <a:latin typeface="Arial" panose="020B0604020202020204" pitchFamily="34" charset="0"/>
+                <a:cs typeface="Arial" panose="020B0604020202020204" pitchFamily="34" charset="0"/>
+              </a:rPr>
+              <a:t>problems</a:t>
+            </a:r>
+            <a:r>
+              <a:rPr lang="en-IN" dirty="0" smtClean="0">
+                <a:latin typeface="Arial" panose="020B0604020202020204" pitchFamily="34" charset="0"/>
+                <a:cs typeface="Arial" panose="020B0604020202020204" pitchFamily="34" charset="0"/>
+              </a:rPr>
+              <a:t> where we end up doing some kind of Combinatorial Optimization. For instance, the </a:t>
+            </a:r>
+            <a:r>
+              <a:rPr lang="en-IN" dirty="0" err="1" smtClean="0">
+                <a:latin typeface="Arial" panose="020B0604020202020204" pitchFamily="34" charset="0"/>
+                <a:cs typeface="Arial" panose="020B0604020202020204" pitchFamily="34" charset="0"/>
+              </a:rPr>
+              <a:t>Lieb’s</a:t>
+            </a:r>
+            <a:r>
+              <a:rPr lang="en-IN" dirty="0" smtClean="0">
+                <a:latin typeface="Arial" panose="020B0604020202020204" pitchFamily="34" charset="0"/>
+                <a:cs typeface="Arial" panose="020B0604020202020204" pitchFamily="34" charset="0"/>
+              </a:rPr>
+              <a:t> theorem of the Hubbard model, Feynman Graphs in QFT etc. all use Graph Theory.</a:t>
+            </a:r>
+          </a:p>
+          <a:p>
+            <a:pPr>
+              <a:lnSpc>
+                <a:spcPct val="140000"/>
+              </a:lnSpc>
+            </a:pPr>
+            <a:r>
+              <a:rPr lang="en-IN" dirty="0" smtClean="0">
+                <a:latin typeface="Arial" panose="020B0604020202020204" pitchFamily="34" charset="0"/>
+                <a:cs typeface="Arial" panose="020B0604020202020204" pitchFamily="34" charset="0"/>
+              </a:rPr>
+              <a:t>So, from our knowledge of Combinatorial Optimization in Physics we should decide to study Complex Diseases also with Graphs/Networks called ‘Complex Networks</a:t>
+            </a:r>
+            <a:r>
+              <a:rPr lang="en-IN" dirty="0" smtClean="0">
+                <a:latin typeface="Arial" panose="020B0604020202020204" pitchFamily="34" charset="0"/>
+                <a:cs typeface="Arial" panose="020B0604020202020204" pitchFamily="34" charset="0"/>
+              </a:rPr>
+              <a:t>’.</a:t>
+            </a:r>
+            <a:endParaRPr lang="en-IN" dirty="0" smtClean="0">
+              <a:latin typeface="Arial" panose="020B0604020202020204" pitchFamily="34" charset="0"/>
+              <a:cs typeface="Arial" panose="020B0604020202020204" pitchFamily="34" charset="0"/>
+            </a:endParaRPr>
+          </a:p>
+        </p:txBody>
+      </p:sp>
+    </p:spTree>
+    <p:extLst>
+      <p:ext uri="{BB962C8B-B14F-4D97-AF65-F5344CB8AC3E}">
+        <p14:creationId xmlns:p14="http://schemas.microsoft.com/office/powerpoint/2010/main" val="1221727549"/>
+      </p:ext>
+    </p:extLst>
+  </p:cSld>
+  <p:clrMapOvr>
+    <a:masterClrMapping/>
+  </p:clrMapOvr>
+  <p:timing>
+    <p:tnLst>
+      <p:par>
+        <p:cTn id="1" dur="indefinite" restart="never" nodeType="tmRoot"/>
+      </p:par>
+    </p:tnLst>
+  </p:timing>
+</p:sld>
+</file>
+
+<file path=ppt/slides/slide14.xml><?xml version="1.0" encoding="utf-8"?>
+<p:sld xmlns:a="http://schemas.openxmlformats.org/drawingml/2006/main" xmlns:r="http://schemas.openxmlformats.org/officeDocument/2006/relationships" xmlns:p="http://schemas.openxmlformats.org/presentationml/2006/main">
+  <p:cSld>
+    <p:spTree>
+      <p:nvGrpSpPr>
+        <p:cNvPr id="1" name=""/>
+        <p:cNvGrpSpPr/>
+        <p:nvPr/>
+      </p:nvGrpSpPr>
+      <p:grpSpPr>
+        <a:xfrm>
+          <a:off x="0" y="0"/>
+          <a:ext cx="0" cy="0"/>
+          <a:chOff x="0" y="0"/>
+          <a:chExt cx="0" cy="0"/>
+        </a:xfrm>
+      </p:grpSpPr>
+      <p:sp>
+        <p:nvSpPr>
+          <p:cNvPr id="2" name="Title 1"/>
+          <p:cNvSpPr>
+            <a:spLocks noGrp="1"/>
+          </p:cNvSpPr>
+          <p:nvPr>
+            <p:ph type="title"/>
+          </p:nvPr>
+        </p:nvSpPr>
+        <p:spPr>
+          <a:xfrm>
+            <a:off x="838200" y="365126"/>
+            <a:ext cx="10515600" cy="445758"/>
+          </a:xfrm>
+        </p:spPr>
+        <p:txBody>
+          <a:bodyPr>
+            <a:normAutofit fontScale="90000"/>
+          </a:bodyPr>
+          <a:lstStyle/>
+          <a:p>
+            <a:pPr algn="ctr"/>
+            <a:r>
+              <a:rPr lang="en-IN" sz="2800" dirty="0" smtClean="0">
+                <a:latin typeface="Arial" panose="020B0604020202020204" pitchFamily="34" charset="0"/>
+                <a:cs typeface="Arial" panose="020B0604020202020204" pitchFamily="34" charset="0"/>
+              </a:rPr>
+              <a:t>Here is a complex network of Alzheimer’s Disease</a:t>
+            </a:r>
+            <a:endParaRPr lang="en-IN" sz="2800" dirty="0">
+              <a:latin typeface="Arial" panose="020B0604020202020204" pitchFamily="34" charset="0"/>
+              <a:cs typeface="Arial" panose="020B0604020202020204" pitchFamily="34" charset="0"/>
+            </a:endParaRPr>
+          </a:p>
+        </p:txBody>
+      </p:sp>
+    </p:spTree>
+    <p:extLst>
+      <p:ext uri="{BB962C8B-B14F-4D97-AF65-F5344CB8AC3E}">
+        <p14:creationId xmlns:p14="http://schemas.microsoft.com/office/powerpoint/2010/main" val="1212639720"/>
+      </p:ext>
+    </p:extLst>
+  </p:cSld>
+  <p:clrMapOvr>
+    <a:masterClrMapping/>
+  </p:clrMapOvr>
+  <p:timing>
+    <p:tnLst>
+      <p:par>
+        <p:cTn id="1" dur="indefinite" restart="never" nodeType="tmRoot"/>
+      </p:par>
+    </p:tnLst>
+  </p:timing>
+</p:sld>
+</file>
+
+<file path=ppt/slides/slide15.xml><?xml version="1.0" encoding="utf-8"?>
+<p:sld xmlns:a="http://schemas.openxmlformats.org/drawingml/2006/main" xmlns:r="http://schemas.openxmlformats.org/officeDocument/2006/relationships" xmlns:p="http://schemas.openxmlformats.org/presentationml/2006/main">
+  <p:cSld>
+    <p:spTree>
+      <p:nvGrpSpPr>
+        <p:cNvPr id="1" name=""/>
+        <p:cNvGrpSpPr/>
+        <p:nvPr/>
+      </p:nvGrpSpPr>
+      <p:grpSpPr>
+        <a:xfrm>
+          <a:off x="0" y="0"/>
+          <a:ext cx="0" cy="0"/>
+          <a:chOff x="0" y="0"/>
+          <a:chExt cx="0" cy="0"/>
+        </a:xfrm>
+      </p:grpSpPr>
+      <p:sp>
+        <p:nvSpPr>
+          <p:cNvPr id="4" name="Title 3"/>
+          <p:cNvSpPr>
+            <a:spLocks noGrp="1"/>
+          </p:cNvSpPr>
+          <p:nvPr>
+            <p:ph type="title"/>
+          </p:nvPr>
+        </p:nvSpPr>
+        <p:spPr>
+          <a:xfrm>
+            <a:off x="846827" y="805073"/>
+            <a:ext cx="10515600" cy="3266595"/>
+          </a:xfrm>
+        </p:spPr>
+        <p:txBody>
+          <a:bodyPr>
+            <a:normAutofit/>
+          </a:bodyPr>
+          <a:lstStyle/>
+          <a:p>
+            <a:pPr algn="ctr"/>
+            <a:r>
+              <a:rPr lang="en-IN" dirty="0" smtClean="0"/>
+              <a:t>So, how to study Complex diseases?</a:t>
+            </a:r>
+            <a:br>
+              <a:rPr lang="en-IN" dirty="0" smtClean="0"/>
+            </a:br>
+            <a:r>
+              <a:rPr lang="en-IN" dirty="0" smtClean="0"/>
+              <a:t>With Networks, since Combinatorial Optimization problems are modelled with them. </a:t>
+            </a:r>
+            <a:endParaRPr lang="en-IN" dirty="0"/>
+          </a:p>
+        </p:txBody>
+      </p:sp>
+      <p:sp>
+        <p:nvSpPr>
+          <p:cNvPr id="5" name="TextBox 4"/>
+          <p:cNvSpPr txBox="1"/>
+          <p:nvPr/>
+        </p:nvSpPr>
+        <p:spPr>
+          <a:xfrm>
+            <a:off x="3027872" y="4373592"/>
+            <a:ext cx="6452558" cy="954107"/>
+          </a:xfrm>
+          <a:prstGeom prst="rect">
+            <a:avLst/>
+          </a:prstGeom>
+          <a:noFill/>
+        </p:spPr>
+        <p:txBody>
+          <a:bodyPr wrap="square" rtlCol="0">
+            <a:spAutoFit/>
+          </a:bodyPr>
+          <a:lstStyle/>
+          <a:p>
+            <a:pPr algn="ctr"/>
+            <a:r>
+              <a:rPr lang="en-IN" sz="2800" dirty="0" smtClean="0"/>
+              <a:t>Any questions at this point? </a:t>
+            </a:r>
+          </a:p>
+          <a:p>
+            <a:pPr algn="ctr"/>
+            <a:r>
+              <a:rPr lang="en-IN" sz="2800" dirty="0" smtClean="0"/>
+              <a:t>Please feel free to ask!</a:t>
+            </a:r>
+            <a:endParaRPr lang="en-IN" sz="2800" dirty="0"/>
+          </a:p>
+        </p:txBody>
+      </p:sp>
+    </p:spTree>
+    <p:extLst>
+      <p:ext uri="{BB962C8B-B14F-4D97-AF65-F5344CB8AC3E}">
+        <p14:creationId xmlns:p14="http://schemas.microsoft.com/office/powerpoint/2010/main" val="2115334788"/>
+      </p:ext>
+    </p:extLst>
+  </p:cSld>
+  <p:clrMapOvr>
+    <a:masterClrMapping/>
+  </p:clrMapOvr>
+  <p:timing>
+    <p:tnLst>
+      <p:par>
+        <p:cTn id="1" dur="indefinite" restart="never" nodeType="tmRoot"/>
+      </p:par>
+    </p:tnLst>
+  </p:timing>
+</p:sld>
+</file>
+
+<file path=ppt/slides/slide16.xml><?xml version="1.0" encoding="utf-8"?>
+<p:sld xmlns:a="http://schemas.openxmlformats.org/drawingml/2006/main" xmlns:r="http://schemas.openxmlformats.org/officeDocument/2006/relationships" xmlns:p="http://schemas.openxmlformats.org/presentationml/2006/main">
+  <p:cSld>
+    <p:spTree>
+      <p:nvGrpSpPr>
+        <p:cNvPr id="1" name=""/>
+        <p:cNvGrpSpPr/>
+        <p:nvPr/>
+      </p:nvGrpSpPr>
+      <p:grpSpPr>
+        <a:xfrm>
+          <a:off x="0" y="0"/>
+          <a:ext cx="0" cy="0"/>
+          <a:chOff x="0" y="0"/>
+          <a:chExt cx="0" cy="0"/>
+        </a:xfrm>
+      </p:grpSpPr>
+      <p:sp>
+        <p:nvSpPr>
+          <p:cNvPr id="4" name="Title 3"/>
+          <p:cNvSpPr>
+            <a:spLocks noGrp="1"/>
+          </p:cNvSpPr>
+          <p:nvPr>
+            <p:ph type="title"/>
+          </p:nvPr>
+        </p:nvSpPr>
+        <p:spPr>
+          <a:xfrm>
+            <a:off x="457200" y="2763269"/>
+            <a:ext cx="11291977" cy="1325563"/>
+          </a:xfrm>
+        </p:spPr>
+        <p:txBody>
+          <a:bodyPr>
+            <a:normAutofit fontScale="90000"/>
+          </a:bodyPr>
+          <a:lstStyle/>
+          <a:p>
+            <a:pPr algn="ctr"/>
+            <a:r>
+              <a:rPr lang="en-IN" sz="5400" b="1" dirty="0"/>
+              <a:t>3</a:t>
+            </a:r>
+            <a:r>
+              <a:rPr lang="en-IN" sz="5400" b="1" dirty="0" smtClean="0"/>
+              <a:t>. What can we aim to learn about Complex Diseases with Complex Networks?</a:t>
+            </a:r>
+            <a:endParaRPr lang="en-IN" sz="5400" b="1" dirty="0"/>
+          </a:p>
+        </p:txBody>
+      </p:sp>
+    </p:spTree>
+    <p:extLst>
+      <p:ext uri="{BB962C8B-B14F-4D97-AF65-F5344CB8AC3E}">
+        <p14:creationId xmlns:p14="http://schemas.microsoft.com/office/powerpoint/2010/main" val="1052110897"/>
+      </p:ext>
+    </p:extLst>
+  </p:cSld>
+  <p:clrMapOvr>
+    <a:masterClrMapping/>
+  </p:clrMapOvr>
+</p:sld>
+</file>
+
+<file path=ppt/slides/slide17.xml><?xml version="1.0" encoding="utf-8"?>
+<p:sld xmlns:a="http://schemas.openxmlformats.org/drawingml/2006/main" xmlns:r="http://schemas.openxmlformats.org/officeDocument/2006/relationships" xmlns:p="http://schemas.openxmlformats.org/presentationml/2006/main">
+  <p:cSld>
+    <p:spTree>
+      <p:nvGrpSpPr>
+        <p:cNvPr id="1" name=""/>
+        <p:cNvGrpSpPr/>
+        <p:nvPr/>
+      </p:nvGrpSpPr>
+      <p:grpSpPr>
+        <a:xfrm>
+          <a:off x="0" y="0"/>
+          <a:ext cx="0" cy="0"/>
+          <a:chOff x="0" y="0"/>
+          <a:chExt cx="0" cy="0"/>
+        </a:xfrm>
+      </p:grpSpPr>
+      <p:sp>
+        <p:nvSpPr>
+          <p:cNvPr id="3" name="Title 2"/>
+          <p:cNvSpPr>
+            <a:spLocks noGrp="1"/>
+          </p:cNvSpPr>
+          <p:nvPr>
+            <p:ph type="title"/>
+          </p:nvPr>
+        </p:nvSpPr>
+        <p:spPr/>
+        <p:txBody>
+          <a:bodyPr/>
+          <a:lstStyle/>
+          <a:p>
+            <a:pPr algn="ctr"/>
+            <a:r>
+              <a:rPr lang="en-IN" dirty="0" smtClean="0"/>
+              <a:t>Measures that matter</a:t>
+            </a:r>
+            <a:endParaRPr lang="en-IN" dirty="0"/>
+          </a:p>
+        </p:txBody>
+      </p:sp>
+      <p:sp>
+        <p:nvSpPr>
+          <p:cNvPr id="4" name="Content Placeholder 3"/>
+          <p:cNvSpPr>
+            <a:spLocks noGrp="1"/>
+          </p:cNvSpPr>
+          <p:nvPr>
+            <p:ph idx="1"/>
+          </p:nvPr>
+        </p:nvSpPr>
+        <p:spPr/>
+        <p:txBody>
+          <a:bodyPr/>
+          <a:lstStyle/>
+          <a:p>
+            <a:r>
+              <a:rPr lang="en-IN" dirty="0" smtClean="0"/>
+              <a:t>There are a lot of measures usually done with Complex Networks. </a:t>
+            </a:r>
+          </a:p>
+          <a:p>
+            <a:r>
+              <a:rPr lang="en-IN" dirty="0" smtClean="0"/>
+              <a:t>Some of them include:</a:t>
+            </a:r>
+          </a:p>
+          <a:p>
+            <a:pPr lvl="1"/>
+            <a:r>
+              <a:rPr lang="en-IN" dirty="0" smtClean="0"/>
+              <a:t>A</a:t>
+            </a:r>
+          </a:p>
+          <a:p>
+            <a:pPr lvl="1"/>
+            <a:r>
+              <a:rPr lang="en-IN" dirty="0" smtClean="0"/>
+              <a:t>B</a:t>
+            </a:r>
+          </a:p>
+          <a:p>
+            <a:pPr lvl="1"/>
+            <a:r>
+              <a:rPr lang="en-IN" dirty="0" smtClean="0"/>
+              <a:t>C</a:t>
+            </a:r>
+          </a:p>
+          <a:p>
+            <a:pPr lvl="1"/>
+            <a:r>
+              <a:rPr lang="en-IN" dirty="0" smtClean="0"/>
+              <a:t>D etc.</a:t>
+            </a:r>
+          </a:p>
+          <a:p>
+            <a:r>
+              <a:rPr lang="en-IN" dirty="0" smtClean="0"/>
+              <a:t>We need to identify which of these actually matter</a:t>
+            </a:r>
+          </a:p>
+          <a:p>
+            <a:r>
+              <a:rPr lang="en-IN" dirty="0" smtClean="0"/>
+              <a:t>Note that none of the known measures may end up mattering! We may have to cook up a new measure of our own. </a:t>
+            </a:r>
+            <a:endParaRPr lang="en-IN" dirty="0"/>
+          </a:p>
+        </p:txBody>
+      </p:sp>
+    </p:spTree>
+    <p:extLst>
+      <p:ext uri="{BB962C8B-B14F-4D97-AF65-F5344CB8AC3E}">
+        <p14:creationId xmlns:p14="http://schemas.microsoft.com/office/powerpoint/2010/main" val="2888906440"/>
+      </p:ext>
+    </p:extLst>
+  </p:cSld>
+  <p:clrMapOvr>
+    <a:masterClrMapping/>
+  </p:clrMapOvr>
+</p:sld>
+</file>
+
+<file path=ppt/slides/slide18.xml><?xml version="1.0" encoding="utf-8"?>
+<p:sld xmlns:a="http://schemas.openxmlformats.org/drawingml/2006/main" xmlns:r="http://schemas.openxmlformats.org/officeDocument/2006/relationships" xmlns:p="http://schemas.openxmlformats.org/presentationml/2006/main">
+  <p:cSld>
+    <p:spTree>
+      <p:nvGrpSpPr>
+        <p:cNvPr id="1" name=""/>
+        <p:cNvGrpSpPr/>
+        <p:nvPr/>
+      </p:nvGrpSpPr>
+      <p:grpSpPr>
+        <a:xfrm>
+          <a:off x="0" y="0"/>
+          <a:ext cx="0" cy="0"/>
+          <a:chOff x="0" y="0"/>
+          <a:chExt cx="0" cy="0"/>
+        </a:xfrm>
+      </p:grpSpPr>
+      <p:sp>
+        <p:nvSpPr>
+          <p:cNvPr id="3" name="Title 2"/>
+          <p:cNvSpPr>
+            <a:spLocks noGrp="1"/>
+          </p:cNvSpPr>
+          <p:nvPr>
+            <p:ph type="title"/>
+          </p:nvPr>
+        </p:nvSpPr>
+        <p:spPr>
+          <a:xfrm>
+            <a:off x="838200" y="296114"/>
+            <a:ext cx="10515600" cy="782188"/>
+          </a:xfrm>
+        </p:spPr>
+        <p:txBody>
+          <a:bodyPr/>
+          <a:lstStyle/>
+          <a:p>
+            <a:pPr algn="ctr"/>
+            <a:r>
+              <a:rPr lang="en-IN" dirty="0" smtClean="0"/>
+              <a:t>Large scale structure</a:t>
+            </a:r>
+            <a:endParaRPr lang="en-IN" dirty="0"/>
+          </a:p>
+        </p:txBody>
+      </p:sp>
+      <p:sp>
+        <p:nvSpPr>
+          <p:cNvPr id="4" name="Content Placeholder 3"/>
+          <p:cNvSpPr>
+            <a:spLocks noGrp="1"/>
+          </p:cNvSpPr>
+          <p:nvPr>
+            <p:ph idx="1"/>
+          </p:nvPr>
+        </p:nvSpPr>
+        <p:spPr>
+          <a:xfrm>
+            <a:off x="838200" y="1259456"/>
+            <a:ext cx="10515600" cy="5477773"/>
+          </a:xfrm>
+        </p:spPr>
+        <p:txBody>
+          <a:bodyPr>
+            <a:normAutofit/>
+          </a:bodyPr>
+          <a:lstStyle/>
+          <a:p>
+            <a:r>
+              <a:rPr lang="en-IN" dirty="0" smtClean="0"/>
+              <a:t>As mentioned before, we hope that nature would not have come up with just random interactions. There should be some underlying structure behind what looks like a mess to the human eye.</a:t>
+            </a:r>
+          </a:p>
+          <a:p>
+            <a:r>
+              <a:rPr lang="en-IN" dirty="0" smtClean="0"/>
+              <a:t>So far it is believed that real world networks have Scale Free Degree distribution. This has been explained by ‘Preferential attachment’ models.</a:t>
+            </a:r>
+          </a:p>
+          <a:p>
+            <a:r>
+              <a:rPr lang="en-IN" dirty="0" smtClean="0"/>
+              <a:t>But there is evidence to believe that PPIs don’t follow this distribution.</a:t>
+            </a:r>
+          </a:p>
+          <a:p>
+            <a:r>
+              <a:rPr lang="en-IN" dirty="0" smtClean="0"/>
+              <a:t>The problem of ‘Graph Isomorphism’ comes into play when trying to study large scale structure with random graph models. </a:t>
+            </a:r>
+          </a:p>
+          <a:p>
+            <a:pPr lvl="1"/>
+            <a:r>
+              <a:rPr lang="en-IN" dirty="0" smtClean="0"/>
+              <a:t>“All happy families are alike; each unhappy family is unhappy in its own way.” – Leo Tolstoy (Statisticians call it ‘The Anna </a:t>
+            </a:r>
+            <a:r>
+              <a:rPr lang="en-IN" dirty="0"/>
+              <a:t>Karenina </a:t>
+            </a:r>
+            <a:r>
+              <a:rPr lang="en-IN" dirty="0" smtClean="0"/>
+              <a:t>principle’.)</a:t>
+            </a:r>
+            <a:r>
+              <a:rPr lang="en-IN" dirty="0"/>
+              <a:t/>
+            </a:r>
+            <a:br>
+              <a:rPr lang="en-IN" dirty="0"/>
+            </a:br>
+            <a:endParaRPr lang="en-IN" dirty="0" smtClean="0"/>
+          </a:p>
+          <a:p>
+            <a:pPr marL="457200" lvl="1" indent="0">
+              <a:buNone/>
+            </a:pPr>
+            <a:endParaRPr lang="en-IN" dirty="0" smtClean="0"/>
+          </a:p>
+          <a:p>
+            <a:pPr lvl="1"/>
+            <a:endParaRPr lang="en-IN" dirty="0" smtClean="0"/>
+          </a:p>
+          <a:p>
+            <a:pPr lvl="1"/>
+            <a:endParaRPr lang="en-IN" dirty="0" smtClean="0"/>
+          </a:p>
+          <a:p>
+            <a:endParaRPr lang="en-IN" dirty="0" smtClean="0"/>
+          </a:p>
+        </p:txBody>
+      </p:sp>
+    </p:spTree>
+    <p:extLst>
+      <p:ext uri="{BB962C8B-B14F-4D97-AF65-F5344CB8AC3E}">
+        <p14:creationId xmlns:p14="http://schemas.microsoft.com/office/powerpoint/2010/main" val="4220445389"/>
+      </p:ext>
+    </p:extLst>
+  </p:cSld>
+  <p:clrMapOvr>
+    <a:masterClrMapping/>
+  </p:clrMapOvr>
+</p:sld>
+</file>
+
+<file path=ppt/slides/slide19.xml><?xml version="1.0" encoding="utf-8"?>
+<p:sld xmlns:a="http://schemas.openxmlformats.org/drawingml/2006/main" xmlns:r="http://schemas.openxmlformats.org/officeDocument/2006/relationships" xmlns:p="http://schemas.openxmlformats.org/presentationml/2006/main">
+  <p:cSld>
+    <p:spTree>
+      <p:nvGrpSpPr>
+        <p:cNvPr id="1" name=""/>
+        <p:cNvGrpSpPr/>
+        <p:nvPr/>
+      </p:nvGrpSpPr>
+      <p:grpSpPr>
+        <a:xfrm>
+          <a:off x="0" y="0"/>
+          <a:ext cx="0" cy="0"/>
+          <a:chOff x="0" y="0"/>
+          <a:chExt cx="0" cy="0"/>
+        </a:xfrm>
+      </p:grpSpPr>
+      <p:sp>
+        <p:nvSpPr>
+          <p:cNvPr id="2" name="Title 1"/>
+          <p:cNvSpPr>
+            <a:spLocks noGrp="1"/>
+          </p:cNvSpPr>
+          <p:nvPr>
+            <p:ph type="title"/>
+          </p:nvPr>
+        </p:nvSpPr>
+        <p:spPr/>
+        <p:txBody>
+          <a:bodyPr/>
+          <a:lstStyle/>
+          <a:p>
+            <a:pPr algn="ctr"/>
+            <a:r>
+              <a:rPr lang="en-IN" dirty="0" smtClean="0"/>
+              <a:t>Dynamics and other behaviour</a:t>
+            </a:r>
+            <a:endParaRPr lang="en-IN" dirty="0"/>
+          </a:p>
+        </p:txBody>
+      </p:sp>
+      <p:sp>
+        <p:nvSpPr>
+          <p:cNvPr id="3" name="Content Placeholder 2"/>
+          <p:cNvSpPr>
+            <a:spLocks noGrp="1"/>
+          </p:cNvSpPr>
+          <p:nvPr>
+            <p:ph idx="1"/>
+          </p:nvPr>
+        </p:nvSpPr>
+        <p:spPr/>
+        <p:txBody>
+          <a:bodyPr/>
+          <a:lstStyle/>
+          <a:p>
+            <a:r>
+              <a:rPr lang="en-IN" dirty="0" smtClean="0"/>
+              <a:t>We can study how the network behaves overtime.</a:t>
+            </a:r>
+          </a:p>
+          <a:p>
+            <a:r>
+              <a:rPr lang="en-IN" dirty="0" smtClean="0"/>
+              <a:t>One could study how the networks respond to external stimuli </a:t>
+            </a:r>
+          </a:p>
+          <a:p>
+            <a:pPr lvl="1"/>
+            <a:r>
+              <a:rPr lang="en-IN" dirty="0" smtClean="0"/>
+              <a:t>Maybe we can try and answer the ‘nature vs nurture’ question?</a:t>
+            </a:r>
+          </a:p>
+          <a:p>
+            <a:r>
+              <a:rPr lang="en-IN" dirty="0" smtClean="0"/>
+              <a:t>Robustness, Adaptiveness etc. can also be studied.</a:t>
+            </a:r>
+          </a:p>
+          <a:p>
+            <a:endParaRPr lang="en-IN" dirty="0"/>
+          </a:p>
+        </p:txBody>
+      </p:sp>
+    </p:spTree>
+    <p:extLst>
+      <p:ext uri="{BB962C8B-B14F-4D97-AF65-F5344CB8AC3E}">
+        <p14:creationId xmlns:p14="http://schemas.microsoft.com/office/powerpoint/2010/main" val="3852300286"/>
       </p:ext>
     </p:extLst>
   </p:cSld>
@@ -3900,10 +5320,16 @@
           <a:p>
             <a:pPr algn="ctr"/>
             <a:r>
-              <a:rPr lang="en-IN" sz="6000" b="1" dirty="0" smtClean="0"/>
-              <a:t>Contents</a:t>
-            </a:r>
-            <a:endParaRPr lang="en-IN" sz="6000" b="1" dirty="0"/>
+              <a:rPr lang="en-IN" sz="6000" b="1" dirty="0" smtClean="0">
+                <a:latin typeface="Arial" panose="020B0604020202020204" pitchFamily="34" charset="0"/>
+                <a:cs typeface="Arial" panose="020B0604020202020204" pitchFamily="34" charset="0"/>
+              </a:rPr>
+              <a:t>Questions</a:t>
+            </a:r>
+            <a:endParaRPr lang="en-IN" sz="6000" b="1" dirty="0">
+              <a:latin typeface="Arial" panose="020B0604020202020204" pitchFamily="34" charset="0"/>
+              <a:cs typeface="Arial" panose="020B0604020202020204" pitchFamily="34" charset="0"/>
+            </a:endParaRPr>
           </a:p>
         </p:txBody>
       </p:sp>
@@ -3937,7 +5363,10 @@
               <a:buAutoNum type="arabicPeriod"/>
             </a:pPr>
             <a:r>
-              <a:rPr lang="en-IN" sz="3600" dirty="0" smtClean="0"/>
+              <a:rPr lang="en-IN" sz="3600" dirty="0" smtClean="0">
+                <a:latin typeface="Arial" panose="020B0604020202020204" pitchFamily="34" charset="0"/>
+                <a:cs typeface="Arial" panose="020B0604020202020204" pitchFamily="34" charset="0"/>
+              </a:rPr>
               <a:t>What is a Complex disease?</a:t>
             </a:r>
           </a:p>
@@ -3950,12 +5379,11 @@
               <a:buAutoNum type="arabicPeriod"/>
             </a:pPr>
             <a:r>
-              <a:rPr lang="en-IN" sz="3600" dirty="0" smtClean="0"/>
-              <a:t>How </a:t>
-            </a:r>
-            <a:r>
-              <a:rPr lang="en-IN" sz="3600" dirty="0" smtClean="0"/>
-              <a:t>to study Complex diseases?</a:t>
+              <a:rPr lang="en-IN" sz="3600" dirty="0" smtClean="0">
+                <a:latin typeface="Arial" panose="020B0604020202020204" pitchFamily="34" charset="0"/>
+                <a:cs typeface="Arial" panose="020B0604020202020204" pitchFamily="34" charset="0"/>
+              </a:rPr>
+              <a:t>How to study Complex diseases?</a:t>
             </a:r>
           </a:p>
           <a:p>
@@ -3967,40 +5395,57 @@
               <a:buAutoNum type="arabicPeriod"/>
             </a:pPr>
             <a:r>
-              <a:rPr lang="en-IN" sz="3600" dirty="0" smtClean="0"/>
-              <a:t>What </a:t>
-            </a:r>
-            <a:r>
-              <a:rPr lang="en-IN" sz="3600" dirty="0" smtClean="0"/>
-              <a:t>can we ai</a:t>
-            </a:r>
-            <a:r>
-              <a:rPr lang="en-IN" sz="3600" dirty="0"/>
+              <a:rPr lang="en-IN" sz="3600" dirty="0" smtClean="0">
+                <a:latin typeface="Arial" panose="020B0604020202020204" pitchFamily="34" charset="0"/>
+                <a:cs typeface="Arial" panose="020B0604020202020204" pitchFamily="34" charset="0"/>
+              </a:rPr>
+              <a:t>What can we ai</a:t>
+            </a:r>
+            <a:r>
+              <a:rPr lang="en-IN" sz="3600" dirty="0">
+                <a:latin typeface="Arial" panose="020B0604020202020204" pitchFamily="34" charset="0"/>
+                <a:cs typeface="Arial" panose="020B0604020202020204" pitchFamily="34" charset="0"/>
+              </a:rPr>
               <a:t>m</a:t>
             </a:r>
             <a:r>
-              <a:rPr lang="en-IN" sz="3600" dirty="0" smtClean="0"/>
+              <a:rPr lang="en-IN" sz="3600" dirty="0" smtClean="0">
+                <a:latin typeface="Arial" panose="020B0604020202020204" pitchFamily="34" charset="0"/>
+                <a:cs typeface="Arial" panose="020B0604020202020204" pitchFamily="34" charset="0"/>
+              </a:rPr>
               <a:t> to study with Complex Networks</a:t>
             </a:r>
             <a:r>
-              <a:rPr lang="en-IN" sz="3600" dirty="0" smtClean="0"/>
+              <a:rPr lang="en-IN" sz="3600" dirty="0" smtClean="0">
+                <a:latin typeface="Arial" panose="020B0604020202020204" pitchFamily="34" charset="0"/>
+                <a:cs typeface="Arial" panose="020B0604020202020204" pitchFamily="34" charset="0"/>
+              </a:rPr>
               <a:t>?</a:t>
             </a:r>
-            <a:endParaRPr lang="en-IN" sz="3600" dirty="0" smtClean="0"/>
-          </a:p>
-          <a:p>
-            <a:endParaRPr lang="en-IN" sz="3600" dirty="0" smtClean="0"/>
-          </a:p>
-          <a:p>
-            <a:endParaRPr lang="en-IN" sz="3600" dirty="0" smtClean="0"/>
+            <a:endParaRPr lang="en-IN" sz="3600" dirty="0" smtClean="0">
+              <a:latin typeface="Arial" panose="020B0604020202020204" pitchFamily="34" charset="0"/>
+              <a:cs typeface="Arial" panose="020B0604020202020204" pitchFamily="34" charset="0"/>
+            </a:endParaRPr>
+          </a:p>
+          <a:p>
+            <a:endParaRPr lang="en-IN" sz="3600" dirty="0" smtClean="0">
+              <a:latin typeface="Arial" panose="020B0604020202020204" pitchFamily="34" charset="0"/>
+              <a:cs typeface="Arial" panose="020B0604020202020204" pitchFamily="34" charset="0"/>
+            </a:endParaRPr>
           </a:p>
           <a:p>
             <a:pPr lvl="1"/>
-            <a:endParaRPr lang="en-IN" sz="3200" dirty="0" smtClean="0"/>
+            <a:endParaRPr lang="en-IN" sz="3200" dirty="0" smtClean="0">
+              <a:latin typeface="Arial" panose="020B0604020202020204" pitchFamily="34" charset="0"/>
+              <a:cs typeface="Arial" panose="020B0604020202020204" pitchFamily="34" charset="0"/>
+            </a:endParaRPr>
           </a:p>
           <a:p>
             <a:pPr lvl="1"/>
-            <a:endParaRPr lang="en-IN" sz="3200" dirty="0"/>
+            <a:endParaRPr lang="en-IN" sz="3200" dirty="0">
+              <a:latin typeface="Arial" panose="020B0604020202020204" pitchFamily="34" charset="0"/>
+              <a:cs typeface="Arial" panose="020B0604020202020204" pitchFamily="34" charset="0"/>
+            </a:endParaRPr>
           </a:p>
         </p:txBody>
       </p:sp>
@@ -4014,6 +5459,13 @@
   <p:clrMapOvr>
     <a:masterClrMapping/>
   </p:clrMapOvr>
+  <p:timing>
+    <p:tnLst>
+      <p:par>
+        <p:cTn id="1" dur="indefinite" restart="never" nodeType="tmRoot"/>
+      </p:par>
+    </p:tnLst>
+  </p:timing>
 </p:sld>
 </file>
 
@@ -4036,7 +5488,7 @@
       </p:grpSpPr>
       <p:sp>
         <p:nvSpPr>
-          <p:cNvPr id="4" name="Title 3"/>
+          <p:cNvPr id="2" name="Title 1"/>
           <p:cNvSpPr>
             <a:spLocks noGrp="1"/>
           </p:cNvSpPr>
@@ -4046,8 +5498,8 @@
         </p:nvSpPr>
         <p:spPr>
           <a:xfrm>
-            <a:off x="820947" y="2763269"/>
-            <a:ext cx="10515600" cy="1325563"/>
+            <a:off x="948907" y="500331"/>
+            <a:ext cx="10515600" cy="1009292"/>
           </a:xfrm>
         </p:spPr>
         <p:txBody>
@@ -4058,23 +5510,182 @@
           <a:p>
             <a:pPr algn="ctr"/>
             <a:r>
-              <a:rPr lang="en-IN" sz="5400" b="1" dirty="0" smtClean="0"/>
-              <a:t>1. What is a Complex Disease?</a:t>
-            </a:r>
-            <a:endParaRPr lang="en-IN" sz="5400" b="1" dirty="0"/>
+              <a:rPr lang="en-IN" sz="6000" b="1" dirty="0" smtClean="0">
+                <a:latin typeface="Arial" panose="020B0604020202020204" pitchFamily="34" charset="0"/>
+                <a:cs typeface="Arial" panose="020B0604020202020204" pitchFamily="34" charset="0"/>
+              </a:rPr>
+              <a:t>Questions</a:t>
+            </a:r>
+            <a:endParaRPr lang="en-IN" sz="6000" b="1" dirty="0">
+              <a:latin typeface="Arial" panose="020B0604020202020204" pitchFamily="34" charset="0"/>
+              <a:cs typeface="Arial" panose="020B0604020202020204" pitchFamily="34" charset="0"/>
+            </a:endParaRPr>
+          </a:p>
+        </p:txBody>
+      </p:sp>
+      <p:sp>
+        <p:nvSpPr>
+          <p:cNvPr id="3" name="Content Placeholder 2"/>
+          <p:cNvSpPr>
+            <a:spLocks noGrp="1"/>
+          </p:cNvSpPr>
+          <p:nvPr>
+            <p:ph idx="1"/>
+          </p:nvPr>
+        </p:nvSpPr>
+        <p:spPr>
+          <a:xfrm>
+            <a:off x="948907" y="1828800"/>
+            <a:ext cx="9713344" cy="3554084"/>
+          </a:xfrm>
+        </p:spPr>
+        <p:txBody>
+          <a:bodyPr>
+            <a:normAutofit/>
+          </a:bodyPr>
+          <a:lstStyle/>
+          <a:p>
+            <a:pPr marL="742950" indent="-742950">
+              <a:lnSpc>
+                <a:spcPct val="110000"/>
+              </a:lnSpc>
+              <a:buFont typeface="+mj-lt"/>
+              <a:buAutoNum type="arabicPeriod"/>
+            </a:pPr>
+            <a:r>
+              <a:rPr lang="en-IN" sz="4000" b="1" dirty="0" smtClean="0">
+                <a:latin typeface="Arial" panose="020B0604020202020204" pitchFamily="34" charset="0"/>
+                <a:cs typeface="Arial" panose="020B0604020202020204" pitchFamily="34" charset="0"/>
+              </a:rPr>
+              <a:t>What is a Complex disease?</a:t>
+            </a:r>
+          </a:p>
+          <a:p>
+            <a:pPr marL="742950" indent="-742950">
+              <a:lnSpc>
+                <a:spcPct val="110000"/>
+              </a:lnSpc>
+              <a:buFont typeface="+mj-lt"/>
+              <a:buAutoNum type="arabicPeriod"/>
+            </a:pPr>
+            <a:r>
+              <a:rPr lang="en-IN" sz="3600" dirty="0" smtClean="0">
+                <a:solidFill>
+                  <a:schemeClr val="bg1">
+                    <a:lumMod val="75000"/>
+                  </a:schemeClr>
+                </a:solidFill>
+                <a:latin typeface="Arial" panose="020B0604020202020204" pitchFamily="34" charset="0"/>
+                <a:cs typeface="Arial" panose="020B0604020202020204" pitchFamily="34" charset="0"/>
+              </a:rPr>
+              <a:t>How to study Complex diseases?</a:t>
+            </a:r>
+          </a:p>
+          <a:p>
+            <a:pPr marL="742950" indent="-742950">
+              <a:lnSpc>
+                <a:spcPct val="110000"/>
+              </a:lnSpc>
+              <a:buFont typeface="+mj-lt"/>
+              <a:buAutoNum type="arabicPeriod"/>
+            </a:pPr>
+            <a:r>
+              <a:rPr lang="en-IN" sz="3600" dirty="0" smtClean="0">
+                <a:solidFill>
+                  <a:schemeClr val="bg1">
+                    <a:lumMod val="75000"/>
+                  </a:schemeClr>
+                </a:solidFill>
+                <a:latin typeface="Arial" panose="020B0604020202020204" pitchFamily="34" charset="0"/>
+                <a:cs typeface="Arial" panose="020B0604020202020204" pitchFamily="34" charset="0"/>
+              </a:rPr>
+              <a:t>What can we ai</a:t>
+            </a:r>
+            <a:r>
+              <a:rPr lang="en-IN" sz="3600" dirty="0">
+                <a:solidFill>
+                  <a:schemeClr val="bg1">
+                    <a:lumMod val="75000"/>
+                  </a:schemeClr>
+                </a:solidFill>
+                <a:latin typeface="Arial" panose="020B0604020202020204" pitchFamily="34" charset="0"/>
+                <a:cs typeface="Arial" panose="020B0604020202020204" pitchFamily="34" charset="0"/>
+              </a:rPr>
+              <a:t>m</a:t>
+            </a:r>
+            <a:r>
+              <a:rPr lang="en-IN" sz="3600" dirty="0" smtClean="0">
+                <a:solidFill>
+                  <a:schemeClr val="bg1">
+                    <a:lumMod val="75000"/>
+                  </a:schemeClr>
+                </a:solidFill>
+                <a:latin typeface="Arial" panose="020B0604020202020204" pitchFamily="34" charset="0"/>
+                <a:cs typeface="Arial" panose="020B0604020202020204" pitchFamily="34" charset="0"/>
+              </a:rPr>
+              <a:t> to study with Complex Networks</a:t>
+            </a:r>
+            <a:r>
+              <a:rPr lang="en-IN" sz="3600" dirty="0" smtClean="0">
+                <a:solidFill>
+                  <a:schemeClr val="bg1">
+                    <a:lumMod val="75000"/>
+                  </a:schemeClr>
+                </a:solidFill>
+                <a:latin typeface="Arial" panose="020B0604020202020204" pitchFamily="34" charset="0"/>
+                <a:cs typeface="Arial" panose="020B0604020202020204" pitchFamily="34" charset="0"/>
+              </a:rPr>
+              <a:t>?</a:t>
+            </a:r>
+            <a:endParaRPr lang="en-IN" sz="3600" dirty="0" smtClean="0">
+              <a:solidFill>
+                <a:schemeClr val="bg1">
+                  <a:lumMod val="75000"/>
+                </a:schemeClr>
+              </a:solidFill>
+              <a:latin typeface="Arial" panose="020B0604020202020204" pitchFamily="34" charset="0"/>
+              <a:cs typeface="Arial" panose="020B0604020202020204" pitchFamily="34" charset="0"/>
+            </a:endParaRPr>
+          </a:p>
+          <a:p>
+            <a:endParaRPr lang="en-IN" sz="3600" dirty="0" smtClean="0">
+              <a:latin typeface="Arial" panose="020B0604020202020204" pitchFamily="34" charset="0"/>
+              <a:cs typeface="Arial" panose="020B0604020202020204" pitchFamily="34" charset="0"/>
+            </a:endParaRPr>
+          </a:p>
+          <a:p>
+            <a:pPr lvl="1"/>
+            <a:endParaRPr lang="en-IN" sz="3200" dirty="0" smtClean="0">
+              <a:latin typeface="Arial" panose="020B0604020202020204" pitchFamily="34" charset="0"/>
+              <a:cs typeface="Arial" panose="020B0604020202020204" pitchFamily="34" charset="0"/>
+            </a:endParaRPr>
+          </a:p>
+          <a:p>
+            <a:pPr lvl="1"/>
+            <a:endParaRPr lang="en-IN" sz="3200" dirty="0">
+              <a:latin typeface="Arial" panose="020B0604020202020204" pitchFamily="34" charset="0"/>
+              <a:cs typeface="Arial" panose="020B0604020202020204" pitchFamily="34" charset="0"/>
+            </a:endParaRPr>
           </a:p>
         </p:txBody>
       </p:sp>
     </p:spTree>
     <p:extLst>
       <p:ext uri="{BB962C8B-B14F-4D97-AF65-F5344CB8AC3E}">
-        <p14:creationId xmlns:p14="http://schemas.microsoft.com/office/powerpoint/2010/main" val="2719189537"/>
+        <p14:creationId xmlns:p14="http://schemas.microsoft.com/office/powerpoint/2010/main" val="1843030940"/>
       </p:ext>
     </p:extLst>
   </p:cSld>
   <p:clrMapOvr>
     <a:masterClrMapping/>
   </p:clrMapOvr>
+  <p:timing>
+    <p:tnLst>
+      <p:par>
+        <p:cTn id="1" dur="indefinite" restart="never" nodeType="tmRoot"/>
+      </p:par>
+    </p:tnLst>
+  </p:timing>
 </p:sld>
 </file>
 
@@ -4119,10 +5730,30 @@
           <a:p>
             <a:pPr algn="ctr"/>
             <a:r>
-              <a:rPr lang="en-IN" sz="4000" dirty="0" smtClean="0"/>
-              <a:t>What is a Complex System?</a:t>
-            </a:r>
-            <a:endParaRPr lang="en-IN" sz="4000" dirty="0"/>
+              <a:rPr lang="en-IN" sz="4000" dirty="0">
+                <a:latin typeface="Arial" panose="020B0604020202020204" pitchFamily="34" charset="0"/>
+                <a:cs typeface="Arial" panose="020B0604020202020204" pitchFamily="34" charset="0"/>
+              </a:rPr>
+              <a:t>W</a:t>
+            </a:r>
+            <a:r>
+              <a:rPr lang="en-IN" sz="4000" dirty="0" smtClean="0">
+                <a:latin typeface="Arial" panose="020B0604020202020204" pitchFamily="34" charset="0"/>
+                <a:cs typeface="Arial" panose="020B0604020202020204" pitchFamily="34" charset="0"/>
+              </a:rPr>
+              <a:t>hat </a:t>
+            </a:r>
+            <a:r>
+              <a:rPr lang="en-IN" sz="4000" dirty="0" smtClean="0">
+                <a:latin typeface="Arial" panose="020B0604020202020204" pitchFamily="34" charset="0"/>
+                <a:cs typeface="Arial" panose="020B0604020202020204" pitchFamily="34" charset="0"/>
+              </a:rPr>
+              <a:t>is a Complex System?</a:t>
+            </a:r>
+            <a:endParaRPr lang="en-IN" sz="4000" dirty="0">
+              <a:latin typeface="Arial" panose="020B0604020202020204" pitchFamily="34" charset="0"/>
+              <a:cs typeface="Arial" panose="020B0604020202020204" pitchFamily="34" charset="0"/>
+            </a:endParaRPr>
           </a:p>
         </p:txBody>
       </p:sp>
@@ -4138,7 +5769,7 @@
         </p:nvSpPr>
         <p:spPr>
           <a:xfrm>
-            <a:off x="232913" y="836652"/>
+            <a:off x="431321" y="836539"/>
             <a:ext cx="5279366" cy="5496036"/>
           </a:xfrm>
         </p:spPr>
@@ -4152,57 +5783,89 @@
               <a:lnSpc>
                 <a:spcPct val="150000"/>
               </a:lnSpc>
+              <a:spcBef>
+                <a:spcPts val="1500"/>
+              </a:spcBef>
+              <a:spcAft>
+                <a:spcPts val="1000"/>
+              </a:spcAft>
               <a:buNone/>
             </a:pPr>
             <a:r>
-              <a:rPr lang="en-IN" sz="2400" dirty="0" smtClean="0"/>
+              <a:rPr lang="en-IN" sz="2400" dirty="0" smtClean="0">
+                <a:cs typeface="Arial" panose="020B0604020202020204" pitchFamily="34" charset="0"/>
+              </a:rPr>
               <a:t>“Complex </a:t>
             </a:r>
             <a:r>
-              <a:rPr lang="en-IN" sz="2400" dirty="0"/>
+              <a:rPr lang="en-IN" sz="2400" dirty="0">
+                <a:cs typeface="Arial" panose="020B0604020202020204" pitchFamily="34" charset="0"/>
+              </a:rPr>
               <a:t>systems are networks made of a number of components that interact </a:t>
             </a:r>
             <a:r>
-              <a:rPr lang="en-IN" sz="2400" dirty="0" smtClean="0"/>
+              <a:rPr lang="en-IN" sz="2400" dirty="0" smtClean="0">
+                <a:cs typeface="Arial" panose="020B0604020202020204" pitchFamily="34" charset="0"/>
+              </a:rPr>
               <a:t>with each </a:t>
             </a:r>
             <a:r>
-              <a:rPr lang="en-IN" sz="2400" dirty="0"/>
+              <a:rPr lang="en-IN" sz="2400" dirty="0">
+                <a:cs typeface="Arial" panose="020B0604020202020204" pitchFamily="34" charset="0"/>
+              </a:rPr>
               <a:t>other, typically in a nonlinear fashion. Complex systems may arise and </a:t>
             </a:r>
             <a:r>
-              <a:rPr lang="en-IN" sz="2400" dirty="0" smtClean="0"/>
+              <a:rPr lang="en-IN" sz="2400" dirty="0" smtClean="0">
+                <a:cs typeface="Arial" panose="020B0604020202020204" pitchFamily="34" charset="0"/>
+              </a:rPr>
               <a:t>evolve through </a:t>
             </a:r>
             <a:r>
-              <a:rPr lang="en-IN" sz="2400" dirty="0"/>
+              <a:rPr lang="en-IN" sz="2400" dirty="0">
+                <a:cs typeface="Arial" panose="020B0604020202020204" pitchFamily="34" charset="0"/>
+              </a:rPr>
               <a:t>self-organization, such that they are neither completely regular nor </a:t>
             </a:r>
             <a:r>
-              <a:rPr lang="en-IN" sz="2400" dirty="0" smtClean="0"/>
+              <a:rPr lang="en-IN" sz="2400" dirty="0" smtClean="0">
+                <a:cs typeface="Arial" panose="020B0604020202020204" pitchFamily="34" charset="0"/>
+              </a:rPr>
               <a:t>completely random</a:t>
             </a:r>
             <a:r>
-              <a:rPr lang="en-IN" sz="2400" dirty="0"/>
+              <a:rPr lang="en-IN" sz="2400" dirty="0">
+                <a:cs typeface="Arial" panose="020B0604020202020204" pitchFamily="34" charset="0"/>
+              </a:rPr>
               <a:t>, permitting the development of emergent </a:t>
             </a:r>
             <a:r>
-              <a:rPr lang="en-IN" sz="2400" dirty="0" smtClean="0"/>
+              <a:rPr lang="en-IN" sz="2400" dirty="0" smtClean="0">
+                <a:cs typeface="Arial" panose="020B0604020202020204" pitchFamily="34" charset="0"/>
+              </a:rPr>
               <a:t>behaviour </a:t>
             </a:r>
             <a:r>
-              <a:rPr lang="en-IN" sz="2400" dirty="0"/>
+              <a:rPr lang="en-IN" sz="2400" dirty="0">
+                <a:cs typeface="Arial" panose="020B0604020202020204" pitchFamily="34" charset="0"/>
+              </a:rPr>
               <a:t>at </a:t>
             </a:r>
             <a:r>
-              <a:rPr lang="en-IN" sz="2400" dirty="0" smtClean="0"/>
+              <a:rPr lang="en-IN" sz="2400" dirty="0" smtClean="0">
+                <a:cs typeface="Arial" panose="020B0604020202020204" pitchFamily="34" charset="0"/>
+              </a:rPr>
               <a:t>macroscopic scales.”</a:t>
             </a:r>
             <a:r>
-              <a:rPr lang="en-IN" sz="2400" baseline="30000" dirty="0" smtClean="0"/>
+              <a:rPr lang="en-IN" sz="2400" baseline="30000" dirty="0" smtClean="0">
+                <a:cs typeface="Arial" panose="020B0604020202020204" pitchFamily="34" charset="0"/>
+              </a:rPr>
               <a:t>1*</a:t>
             </a:r>
-            <a:endParaRPr lang="en-IN" sz="2400" baseline="30000" dirty="0"/>
+            <a:endParaRPr lang="en-IN" sz="2400" baseline="30000" dirty="0">
+              <a:cs typeface="Arial" panose="020B0604020202020204" pitchFamily="34" charset="0"/>
+            </a:endParaRPr>
           </a:p>
         </p:txBody>
       </p:sp>
@@ -4230,7 +5893,7 @@
         </p:blipFill>
         <p:spPr>
           <a:xfrm>
-            <a:off x="5667554" y="914401"/>
+            <a:off x="6003985" y="914401"/>
             <a:ext cx="5686245" cy="5262564"/>
           </a:xfrm>
         </p:spPr>
@@ -4243,7 +5906,7 @@
         </p:nvSpPr>
         <p:spPr>
           <a:xfrm>
-            <a:off x="232913" y="6176965"/>
+            <a:off x="431320" y="6332575"/>
             <a:ext cx="4546121" cy="369332"/>
           </a:xfrm>
           <a:prstGeom prst="rect">
@@ -4259,13 +5922,8 @@
           <a:p>
             <a:r>
               <a:rPr lang="en-IN" dirty="0" smtClean="0"/>
-              <a:t>1,2. </a:t>
-            </a:r>
-            <a:r>
-              <a:rPr lang="en-IN" dirty="0" smtClean="0"/>
-              <a:t> </a:t>
-            </a:r>
-            <a:endParaRPr lang="en-IN" dirty="0" smtClean="0"/>
+              <a:t>1,2.  </a:t>
+            </a:r>
           </a:p>
         </p:txBody>
       </p:sp>
@@ -4315,7 +5973,7 @@
         </p:nvSpPr>
         <p:spPr>
           <a:xfrm>
-            <a:off x="232912" y="5807520"/>
+            <a:off x="431321" y="5807633"/>
             <a:ext cx="4546121" cy="369332"/>
           </a:xfrm>
           <a:prstGeom prst="rect">
@@ -4337,7 +5995,6 @@
               <a:rPr lang="en-IN" dirty="0" smtClean="0"/>
               <a:t>  </a:t>
             </a:r>
-            <a:endParaRPr lang="en-IN" dirty="0" smtClean="0"/>
           </a:p>
         </p:txBody>
       </p:sp>
@@ -4351,6 +6008,13 @@
   <p:clrMapOvr>
     <a:masterClrMapping/>
   </p:clrMapOvr>
+  <p:timing>
+    <p:tnLst>
+      <p:par>
+        <p:cTn id="1" dur="indefinite" restart="never" nodeType="tmRoot"/>
+      </p:par>
+    </p:tnLst>
+  </p:timing>
 </p:sld>
 </file>
 
@@ -4383,84 +6047,195 @@
         </p:nvSpPr>
         <p:spPr>
           <a:xfrm>
-            <a:off x="838200" y="1708029"/>
-            <a:ext cx="10515600" cy="4675967"/>
+            <a:off x="769188" y="1259458"/>
+            <a:ext cx="10997241" cy="5469146"/>
           </a:xfrm>
         </p:spPr>
         <p:txBody>
-          <a:bodyPr/>
-          <a:lstStyle/>
-          <a:p>
-            <a:r>
-              <a:rPr lang="en-IN" dirty="0" smtClean="0"/>
+          <a:bodyPr>
+            <a:normAutofit fontScale="92500" lnSpcReduction="20000"/>
+          </a:bodyPr>
+          <a:lstStyle/>
+          <a:p>
+            <a:pPr>
+              <a:lnSpc>
+                <a:spcPct val="120000"/>
+              </a:lnSpc>
+              <a:spcBef>
+                <a:spcPts val="1200"/>
+              </a:spcBef>
+            </a:pPr>
+            <a:r>
+              <a:rPr lang="en-IN" dirty="0" smtClean="0">
+                <a:latin typeface="Arial" panose="020B0604020202020204" pitchFamily="34" charset="0"/>
+                <a:cs typeface="Arial" panose="020B0604020202020204" pitchFamily="34" charset="0"/>
+              </a:rPr>
               <a:t>They have a large number of agents that can be considered simple.</a:t>
             </a:r>
           </a:p>
           <a:p>
-            <a:pPr lvl="1"/>
-            <a:r>
-              <a:rPr lang="en-IN" dirty="0" smtClean="0"/>
+            <a:pPr lvl="1">
+              <a:lnSpc>
+                <a:spcPct val="120000"/>
+              </a:lnSpc>
+              <a:spcBef>
+                <a:spcPts val="1200"/>
+              </a:spcBef>
+            </a:pPr>
+            <a:r>
+              <a:rPr lang="en-IN" dirty="0" smtClean="0">
+                <a:latin typeface="Arial" panose="020B0604020202020204" pitchFamily="34" charset="0"/>
+                <a:cs typeface="Arial" panose="020B0604020202020204" pitchFamily="34" charset="0"/>
+              </a:rPr>
               <a:t>Like ant colonies</a:t>
             </a:r>
           </a:p>
           <a:p>
-            <a:r>
-              <a:rPr lang="en-IN" dirty="0" smtClean="0"/>
+            <a:pPr>
+              <a:lnSpc>
+                <a:spcPct val="120000"/>
+              </a:lnSpc>
+              <a:spcBef>
+                <a:spcPts val="1200"/>
+              </a:spcBef>
+            </a:pPr>
+            <a:r>
+              <a:rPr lang="en-IN" dirty="0" smtClean="0">
+                <a:latin typeface="Arial" panose="020B0604020202020204" pitchFamily="34" charset="0"/>
+                <a:cs typeface="Arial" panose="020B0604020202020204" pitchFamily="34" charset="0"/>
+              </a:rPr>
               <a:t>The interactions are non linear</a:t>
             </a:r>
           </a:p>
           <a:p>
-            <a:pPr lvl="1"/>
-            <a:r>
-              <a:rPr lang="en-IN" dirty="0" smtClean="0"/>
+            <a:pPr lvl="1">
+              <a:lnSpc>
+                <a:spcPct val="120000"/>
+              </a:lnSpc>
+              <a:spcBef>
+                <a:spcPts val="1200"/>
+              </a:spcBef>
+            </a:pPr>
+            <a:r>
+              <a:rPr lang="en-IN" dirty="0" smtClean="0">
+                <a:latin typeface="Arial" panose="020B0604020202020204" pitchFamily="34" charset="0"/>
+                <a:cs typeface="Arial" panose="020B0604020202020204" pitchFamily="34" charset="0"/>
+              </a:rPr>
               <a:t>The whole is not the sum of the parts.</a:t>
             </a:r>
           </a:p>
           <a:p>
-            <a:r>
-              <a:rPr lang="en-IN" dirty="0" smtClean="0"/>
+            <a:pPr>
+              <a:lnSpc>
+                <a:spcPct val="120000"/>
+              </a:lnSpc>
+              <a:spcBef>
+                <a:spcPts val="1200"/>
+              </a:spcBef>
+            </a:pPr>
+            <a:r>
+              <a:rPr lang="en-IN" dirty="0" smtClean="0">
+                <a:latin typeface="Arial" panose="020B0604020202020204" pitchFamily="34" charset="0"/>
+                <a:cs typeface="Arial" panose="020B0604020202020204" pitchFamily="34" charset="0"/>
+              </a:rPr>
               <a:t>They show emergent behaviour.</a:t>
             </a:r>
           </a:p>
           <a:p>
-            <a:pPr lvl="1"/>
-            <a:r>
-              <a:rPr lang="en-IN" dirty="0" smtClean="0"/>
+            <a:pPr lvl="1">
+              <a:lnSpc>
+                <a:spcPct val="120000"/>
+              </a:lnSpc>
+              <a:spcBef>
+                <a:spcPts val="1200"/>
+              </a:spcBef>
+            </a:pPr>
+            <a:r>
+              <a:rPr lang="en-IN" dirty="0" smtClean="0">
+                <a:latin typeface="Arial" panose="020B0604020202020204" pitchFamily="34" charset="0"/>
+                <a:cs typeface="Arial" panose="020B0604020202020204" pitchFamily="34" charset="0"/>
+              </a:rPr>
               <a:t>There is a hierarchical organization.</a:t>
             </a:r>
           </a:p>
           <a:p>
-            <a:r>
-              <a:rPr lang="en-IN" dirty="0" smtClean="0"/>
+            <a:pPr>
+              <a:lnSpc>
+                <a:spcPct val="120000"/>
+              </a:lnSpc>
+              <a:spcBef>
+                <a:spcPts val="1200"/>
+              </a:spcBef>
+            </a:pPr>
+            <a:r>
+              <a:rPr lang="en-IN" dirty="0" smtClean="0">
+                <a:latin typeface="Arial" panose="020B0604020202020204" pitchFamily="34" charset="0"/>
+                <a:cs typeface="Arial" panose="020B0604020202020204" pitchFamily="34" charset="0"/>
+              </a:rPr>
               <a:t>They are self organizing.</a:t>
             </a:r>
           </a:p>
           <a:p>
-            <a:pPr lvl="1"/>
-            <a:r>
-              <a:rPr lang="en-IN" dirty="0" smtClean="0"/>
+            <a:pPr lvl="1">
+              <a:lnSpc>
+                <a:spcPct val="120000"/>
+              </a:lnSpc>
+              <a:spcBef>
+                <a:spcPts val="1200"/>
+              </a:spcBef>
+            </a:pPr>
+            <a:r>
+              <a:rPr lang="en-IN" dirty="0" smtClean="0">
+                <a:latin typeface="Arial" panose="020B0604020202020204" pitchFamily="34" charset="0"/>
+                <a:cs typeface="Arial" panose="020B0604020202020204" pitchFamily="34" charset="0"/>
+              </a:rPr>
               <a:t>No agent is the leader</a:t>
             </a:r>
           </a:p>
           <a:p>
-            <a:r>
-              <a:rPr lang="en-IN" dirty="0" smtClean="0"/>
+            <a:pPr>
+              <a:lnSpc>
+                <a:spcPct val="120000"/>
+              </a:lnSpc>
+              <a:spcBef>
+                <a:spcPts val="1200"/>
+              </a:spcBef>
+            </a:pPr>
+            <a:r>
+              <a:rPr lang="en-IN" dirty="0" smtClean="0">
+                <a:latin typeface="Arial" panose="020B0604020202020204" pitchFamily="34" charset="0"/>
+                <a:cs typeface="Arial" panose="020B0604020202020204" pitchFamily="34" charset="0"/>
+              </a:rPr>
               <a:t>They can be modelled as networks.</a:t>
             </a:r>
           </a:p>
           <a:p>
-            <a:pPr lvl="1"/>
-            <a:r>
-              <a:rPr lang="en-IN" dirty="0" smtClean="0"/>
-              <a:t>More on this later</a:t>
-            </a:r>
-          </a:p>
-          <a:p>
-            <a:endParaRPr lang="en-IN" dirty="0" smtClean="0"/>
-          </a:p>
-          <a:p>
-            <a:pPr lvl="1"/>
-            <a:endParaRPr lang="en-IN" dirty="0"/>
+            <a:pPr lvl="1">
+              <a:lnSpc>
+                <a:spcPct val="120000"/>
+              </a:lnSpc>
+              <a:spcBef>
+                <a:spcPts val="1200"/>
+              </a:spcBef>
+            </a:pPr>
+            <a:r>
+              <a:rPr lang="en-IN" dirty="0" smtClean="0">
+                <a:latin typeface="Arial" panose="020B0604020202020204" pitchFamily="34" charset="0"/>
+                <a:cs typeface="Arial" panose="020B0604020202020204" pitchFamily="34" charset="0"/>
+              </a:rPr>
+              <a:t>More on this </a:t>
+            </a:r>
+            <a:r>
+              <a:rPr lang="en-IN" dirty="0" smtClean="0">
+                <a:latin typeface="Arial" panose="020B0604020202020204" pitchFamily="34" charset="0"/>
+                <a:cs typeface="Arial" panose="020B0604020202020204" pitchFamily="34" charset="0"/>
+              </a:rPr>
+              <a:t>later</a:t>
+            </a:r>
+            <a:endParaRPr lang="en-IN" dirty="0" smtClean="0">
+              <a:latin typeface="Arial" panose="020B0604020202020204" pitchFamily="34" charset="0"/>
+              <a:cs typeface="Arial" panose="020B0604020202020204" pitchFamily="34" charset="0"/>
+            </a:endParaRPr>
           </a:p>
         </p:txBody>
       </p:sp>
@@ -4474,8 +6249,8 @@
         </p:nvSpPr>
         <p:spPr>
           <a:xfrm>
-            <a:off x="838200" y="534613"/>
-            <a:ext cx="10515600" cy="741873"/>
+            <a:off x="353683" y="0"/>
+            <a:ext cx="11542143" cy="1414956"/>
           </a:xfrm>
           <a:prstGeom prst="rect">
             <a:avLst/>
@@ -4483,7 +6258,7 @@
         </p:spPr>
         <p:txBody>
           <a:bodyPr vert="horz" lIns="91440" tIns="45720" rIns="91440" bIns="45720" rtlCol="0" anchor="ctr">
-            <a:normAutofit/>
+            <a:noAutofit/>
           </a:bodyPr>
           <a:lstStyle>
             <a:lvl1pPr algn="l" defTabSz="914400" rtl="0" eaLnBrk="1" latinLnBrk="0" hangingPunct="1">
@@ -4507,14 +6282,16 @@
           <a:p>
             <a:pPr algn="ctr"/>
             <a:r>
-              <a:rPr lang="en-IN" sz="4000" dirty="0" smtClean="0"/>
-              <a:t>General properties </a:t>
-            </a:r>
-            <a:r>
-              <a:rPr lang="en-IN" sz="4000" dirty="0" smtClean="0"/>
-              <a:t>of Complex systems</a:t>
-            </a:r>
-            <a:endParaRPr lang="en-IN" sz="4000" dirty="0"/>
+              <a:rPr lang="en-IN" sz="4800" dirty="0" smtClean="0">
+                <a:latin typeface="Arial" panose="020B0604020202020204" pitchFamily="34" charset="0"/>
+                <a:cs typeface="Arial" panose="020B0604020202020204" pitchFamily="34" charset="0"/>
+              </a:rPr>
+              <a:t>General properties of Complex systems</a:t>
+            </a:r>
+            <a:endParaRPr lang="en-IN" sz="4800" dirty="0">
+              <a:latin typeface="Arial" panose="020B0604020202020204" pitchFamily="34" charset="0"/>
+              <a:cs typeface="Arial" panose="020B0604020202020204" pitchFamily="34" charset="0"/>
+            </a:endParaRPr>
           </a:p>
         </p:txBody>
       </p:sp>
@@ -4528,6 +6305,13 @@
   <p:clrMapOvr>
     <a:masterClrMapping/>
   </p:clrMapOvr>
+  <p:timing>
+    <p:tnLst>
+      <p:par>
+        <p:cTn id="1" dur="indefinite" restart="never" nodeType="tmRoot"/>
+      </p:par>
+    </p:tnLst>
+  </p:timing>
 </p:sld>
 </file>
 
@@ -4558,125 +6342,278 @@
             <p:ph type="title"/>
           </p:nvPr>
         </p:nvSpPr>
-        <p:spPr/>
-        <p:txBody>
-          <a:bodyPr/>
-          <a:lstStyle/>
-          <a:p>
-            <a:pPr algn="ctr"/>
-            <a:r>
-              <a:rPr lang="en-IN" dirty="0" smtClean="0"/>
-              <a:t>What is a Complex Disease?</a:t>
-            </a:r>
-            <a:endParaRPr lang="en-IN" dirty="0"/>
-          </a:p>
-        </p:txBody>
-      </p:sp>
-      <p:sp>
-        <p:nvSpPr>
-          <p:cNvPr id="3" name="Content Placeholder 2"/>
-          <p:cNvSpPr>
-            <a:spLocks noGrp="1"/>
-          </p:cNvSpPr>
-          <p:nvPr>
-            <p:ph idx="1"/>
-          </p:nvPr>
-        </p:nvSpPr>
         <p:spPr>
           <a:xfrm>
-            <a:off x="406879" y="1825625"/>
-            <a:ext cx="11378241" cy="4808088"/>
+            <a:off x="838199" y="0"/>
+            <a:ext cx="10515600" cy="1325563"/>
           </a:xfrm>
         </p:spPr>
         <p:txBody>
+          <a:bodyPr/>
+          <a:lstStyle/>
+          <a:p>
+            <a:pPr algn="ctr"/>
+            <a:r>
+              <a:rPr lang="en-IN" dirty="0" smtClean="0">
+                <a:latin typeface="Arial" panose="020B0604020202020204" pitchFamily="34" charset="0"/>
+                <a:cs typeface="Arial" panose="020B0604020202020204" pitchFamily="34" charset="0"/>
+              </a:rPr>
+              <a:t>What is a Complex Disease?</a:t>
+            </a:r>
+            <a:endParaRPr lang="en-IN" dirty="0">
+              <a:latin typeface="Arial" panose="020B0604020202020204" pitchFamily="34" charset="0"/>
+              <a:cs typeface="Arial" panose="020B0604020202020204" pitchFamily="34" charset="0"/>
+            </a:endParaRPr>
+          </a:p>
+        </p:txBody>
+      </p:sp>
+      <p:sp>
+        <p:nvSpPr>
+          <p:cNvPr id="3" name="Content Placeholder 2"/>
+          <p:cNvSpPr>
+            <a:spLocks noGrp="1"/>
+          </p:cNvSpPr>
+          <p:nvPr>
+            <p:ph idx="1"/>
+          </p:nvPr>
+        </p:nvSpPr>
+        <p:spPr>
+          <a:xfrm>
+            <a:off x="406879" y="1190445"/>
+            <a:ext cx="11378241" cy="5443268"/>
+          </a:xfrm>
+        </p:spPr>
+        <p:txBody>
           <a:bodyPr>
-            <a:normAutofit/>
+            <a:normAutofit fontScale="85000" lnSpcReduction="10000"/>
           </a:bodyPr>
           <a:lstStyle/>
           <a:p>
-            <a:r>
-              <a:rPr lang="en-IN" dirty="0" smtClean="0"/>
-              <a:t>It is a type of complex system.</a:t>
-            </a:r>
-          </a:p>
-          <a:p>
-            <a:r>
-              <a:rPr lang="en-IN" sz="3200" dirty="0" smtClean="0"/>
-              <a:t>“…complex diseases [are those that] </a:t>
-            </a:r>
-            <a:r>
-              <a:rPr lang="en-IN" sz="3200" dirty="0"/>
+            <a:pPr>
+              <a:lnSpc>
+                <a:spcPct val="150000"/>
+              </a:lnSpc>
+              <a:spcBef>
+                <a:spcPts val="600"/>
+              </a:spcBef>
+            </a:pPr>
+            <a:r>
+              <a:rPr lang="en-IN" sz="3200" dirty="0" smtClean="0">
+                <a:latin typeface="Arial" panose="020B0604020202020204" pitchFamily="34" charset="0"/>
+                <a:cs typeface="Arial" panose="020B0604020202020204" pitchFamily="34" charset="0"/>
+              </a:rPr>
+              <a:t>“…</a:t>
+            </a:r>
+            <a:r>
+              <a:rPr lang="en-IN" sz="3200" dirty="0" smtClean="0">
+                <a:latin typeface="Arial" panose="020B0604020202020204" pitchFamily="34" charset="0"/>
+                <a:cs typeface="Arial" panose="020B0604020202020204" pitchFamily="34" charset="0"/>
+              </a:rPr>
+              <a:t>complex diseases [are those that] </a:t>
+            </a:r>
+            <a:r>
+              <a:rPr lang="en-IN" sz="3200" dirty="0">
+                <a:latin typeface="Arial" panose="020B0604020202020204" pitchFamily="34" charset="0"/>
+                <a:cs typeface="Arial" panose="020B0604020202020204" pitchFamily="34" charset="0"/>
+              </a:rPr>
               <a:t>arise as a consequence of the combined effect of </a:t>
             </a:r>
             <a:r>
-              <a:rPr lang="en-IN" sz="3200" i="1" u="sng" dirty="0"/>
+              <a:rPr lang="en-IN" sz="3200" i="1" u="sng" dirty="0">
+                <a:latin typeface="Arial" panose="020B0604020202020204" pitchFamily="34" charset="0"/>
+                <a:cs typeface="Arial" panose="020B0604020202020204" pitchFamily="34" charset="0"/>
+              </a:rPr>
               <a:t>multiple genetic determinants, which may vary between individuals</a:t>
             </a:r>
             <a:r>
-              <a:rPr lang="en-IN" sz="3200" dirty="0"/>
+              <a:rPr lang="en-IN" sz="3200" dirty="0">
+                <a:latin typeface="Arial" panose="020B0604020202020204" pitchFamily="34" charset="0"/>
+                <a:cs typeface="Arial" panose="020B0604020202020204" pitchFamily="34" charset="0"/>
+              </a:rPr>
               <a:t>, and environmental </a:t>
             </a:r>
             <a:r>
-              <a:rPr lang="en-IN" sz="3200" dirty="0" smtClean="0"/>
+              <a:rPr lang="en-IN" sz="3200" dirty="0" smtClean="0">
+                <a:latin typeface="Arial" panose="020B0604020202020204" pitchFamily="34" charset="0"/>
+                <a:cs typeface="Arial" panose="020B0604020202020204" pitchFamily="34" charset="0"/>
+              </a:rPr>
               <a:t>factors and wherein </a:t>
             </a:r>
             <a:r>
-              <a:rPr lang="en-IN" sz="3200" dirty="0"/>
+              <a:rPr lang="en-IN" sz="3200" dirty="0">
+                <a:latin typeface="Arial" panose="020B0604020202020204" pitchFamily="34" charset="0"/>
+                <a:cs typeface="Arial" panose="020B0604020202020204" pitchFamily="34" charset="0"/>
+              </a:rPr>
               <a:t>the </a:t>
             </a:r>
             <a:r>
-              <a:rPr lang="en-IN" sz="3200" i="1" u="sng" dirty="0"/>
+              <a:rPr lang="en-IN" sz="3200" i="1" u="sng" dirty="0">
+                <a:latin typeface="Arial" panose="020B0604020202020204" pitchFamily="34" charset="0"/>
+                <a:cs typeface="Arial" panose="020B0604020202020204" pitchFamily="34" charset="0"/>
+              </a:rPr>
               <a:t>phenotype cannot be easily predicted from the genotype</a:t>
             </a:r>
             <a:r>
-              <a:rPr lang="en-IN" sz="3200" dirty="0"/>
+              <a:rPr lang="en-IN" sz="3200" dirty="0">
+                <a:latin typeface="Arial" panose="020B0604020202020204" pitchFamily="34" charset="0"/>
+                <a:cs typeface="Arial" panose="020B0604020202020204" pitchFamily="34" charset="0"/>
+              </a:rPr>
               <a:t>. This is proposed to be due to the </a:t>
             </a:r>
             <a:r>
-              <a:rPr lang="en-IN" sz="3200" i="1" u="sng" dirty="0"/>
+              <a:rPr lang="en-IN" sz="3200" i="1" u="sng" dirty="0">
+                <a:latin typeface="Arial" panose="020B0604020202020204" pitchFamily="34" charset="0"/>
+                <a:cs typeface="Arial" panose="020B0604020202020204" pitchFamily="34" charset="0"/>
+              </a:rPr>
               <a:t>interaction between genes</a:t>
             </a:r>
             <a:r>
-              <a:rPr lang="en-IN" sz="3200" u="sng" dirty="0"/>
+              <a:rPr lang="en-IN" sz="3200" u="sng" dirty="0">
+                <a:latin typeface="Arial" panose="020B0604020202020204" pitchFamily="34" charset="0"/>
+                <a:cs typeface="Arial" panose="020B0604020202020204" pitchFamily="34" charset="0"/>
+              </a:rPr>
               <a:t> (epistasis</a:t>
             </a:r>
             <a:r>
-              <a:rPr lang="en-IN" sz="3200" u="sng" dirty="0" smtClean="0"/>
+              <a:rPr lang="en-IN" sz="3200" u="sng" dirty="0" smtClean="0">
+                <a:latin typeface="Arial" panose="020B0604020202020204" pitchFamily="34" charset="0"/>
+                <a:cs typeface="Arial" panose="020B0604020202020204" pitchFamily="34" charset="0"/>
+              </a:rPr>
               <a:t>)</a:t>
             </a:r>
             <a:r>
-              <a:rPr lang="en-IN" sz="3200" dirty="0" smtClean="0"/>
+              <a:rPr lang="en-IN" sz="3200" dirty="0" smtClean="0">
+                <a:latin typeface="Arial" panose="020B0604020202020204" pitchFamily="34" charset="0"/>
+                <a:cs typeface="Arial" panose="020B0604020202020204" pitchFamily="34" charset="0"/>
+              </a:rPr>
               <a:t>, </a:t>
             </a:r>
             <a:r>
-              <a:rPr lang="en-IN" sz="3200" dirty="0"/>
+              <a:rPr lang="en-IN" sz="3200" dirty="0">
+                <a:latin typeface="Arial" panose="020B0604020202020204" pitchFamily="34" charset="0"/>
+                <a:cs typeface="Arial" panose="020B0604020202020204" pitchFamily="34" charset="0"/>
+              </a:rPr>
               <a:t>modulation by </a:t>
             </a:r>
             <a:r>
-              <a:rPr lang="en-IN" sz="3200" dirty="0" smtClean="0"/>
+              <a:rPr lang="en-IN" sz="3200" dirty="0" smtClean="0">
+                <a:latin typeface="Arial" panose="020B0604020202020204" pitchFamily="34" charset="0"/>
+                <a:cs typeface="Arial" panose="020B0604020202020204" pitchFamily="34" charset="0"/>
+              </a:rPr>
               <a:t>environmental </a:t>
             </a:r>
             <a:r>
-              <a:rPr lang="en-IN" sz="3200" dirty="0"/>
+              <a:rPr lang="en-IN" sz="3200" dirty="0">
+                <a:latin typeface="Arial" panose="020B0604020202020204" pitchFamily="34" charset="0"/>
+                <a:cs typeface="Arial" panose="020B0604020202020204" pitchFamily="34" charset="0"/>
+              </a:rPr>
               <a:t>factors or stochastic </a:t>
             </a:r>
             <a:r>
-              <a:rPr lang="en-IN" sz="3200" dirty="0" smtClean="0"/>
+              <a:rPr lang="en-IN" sz="3200" dirty="0" smtClean="0">
+                <a:latin typeface="Arial" panose="020B0604020202020204" pitchFamily="34" charset="0"/>
+                <a:cs typeface="Arial" panose="020B0604020202020204" pitchFamily="34" charset="0"/>
+              </a:rPr>
               <a:t>processes, </a:t>
             </a:r>
             <a:r>
-              <a:rPr lang="en-IN" sz="3200" dirty="0"/>
+              <a:rPr lang="en-IN" sz="3200" dirty="0">
+                <a:latin typeface="Arial" panose="020B0604020202020204" pitchFamily="34" charset="0"/>
+                <a:cs typeface="Arial" panose="020B0604020202020204" pitchFamily="34" charset="0"/>
+              </a:rPr>
               <a:t>or epigenetic </a:t>
             </a:r>
             <a:r>
-              <a:rPr lang="en-IN" sz="3200" dirty="0" smtClean="0"/>
+              <a:rPr lang="en-IN" sz="3200" dirty="0" smtClean="0">
+                <a:latin typeface="Arial" panose="020B0604020202020204" pitchFamily="34" charset="0"/>
+                <a:cs typeface="Arial" panose="020B0604020202020204" pitchFamily="34" charset="0"/>
+              </a:rPr>
               <a:t>changes.”</a:t>
             </a:r>
             <a:r>
-              <a:rPr lang="en-IN" sz="3200" baseline="30000" dirty="0" smtClean="0"/>
-              <a:t>3</a:t>
-            </a:r>
-            <a:endParaRPr lang="en-IN" sz="3200" baseline="30000" dirty="0"/>
+              <a:rPr lang="en-IN" sz="3200" baseline="30000" dirty="0" smtClean="0">
+                <a:latin typeface="Arial" panose="020B0604020202020204" pitchFamily="34" charset="0"/>
+                <a:cs typeface="Arial" panose="020B0604020202020204" pitchFamily="34" charset="0"/>
+              </a:rPr>
+              <a:t>3 </a:t>
+            </a:r>
+            <a:r>
+              <a:rPr lang="en-IN" sz="3200" dirty="0" smtClean="0">
+                <a:latin typeface="Arial" panose="020B0604020202020204" pitchFamily="34" charset="0"/>
+                <a:cs typeface="Arial" panose="020B0604020202020204" pitchFamily="34" charset="0"/>
+              </a:rPr>
+              <a:t> They also </a:t>
+            </a:r>
+            <a:r>
+              <a:rPr lang="en-IN" sz="3200" i="1" u="sng" dirty="0" smtClean="0">
+                <a:latin typeface="Arial" panose="020B0604020202020204" pitchFamily="34" charset="0"/>
+                <a:cs typeface="Arial" panose="020B0604020202020204" pitchFamily="34" charset="0"/>
+              </a:rPr>
+              <a:t>don’t follow Mendelian inheritance</a:t>
+            </a:r>
+            <a:r>
+              <a:rPr lang="en-IN" sz="3200" dirty="0" smtClean="0">
+                <a:latin typeface="Arial" panose="020B0604020202020204" pitchFamily="34" charset="0"/>
+                <a:cs typeface="Arial" panose="020B0604020202020204" pitchFamily="34" charset="0"/>
+              </a:rPr>
+              <a:t>.</a:t>
+            </a:r>
+            <a:endParaRPr lang="en-IN" baseline="30000" dirty="0">
+              <a:latin typeface="Arial" panose="020B0604020202020204" pitchFamily="34" charset="0"/>
+              <a:cs typeface="Arial" panose="020B0604020202020204" pitchFamily="34" charset="0"/>
+            </a:endParaRPr>
+          </a:p>
+          <a:p>
+            <a:pPr>
+              <a:lnSpc>
+                <a:spcPct val="150000"/>
+              </a:lnSpc>
+              <a:spcBef>
+                <a:spcPts val="600"/>
+              </a:spcBef>
+            </a:pPr>
+            <a:r>
+              <a:rPr lang="en-IN" dirty="0" smtClean="0">
+                <a:latin typeface="Arial" panose="020B0604020202020204" pitchFamily="34" charset="0"/>
+                <a:cs typeface="Arial" panose="020B0604020202020204" pitchFamily="34" charset="0"/>
+              </a:rPr>
+              <a:t>Examples include : </a:t>
+            </a:r>
+            <a:r>
+              <a:rPr lang="en-IN" dirty="0" smtClean="0">
+                <a:latin typeface="Arial" panose="020B0604020202020204" pitchFamily="34" charset="0"/>
+                <a:cs typeface="Arial" panose="020B0604020202020204" pitchFamily="34" charset="0"/>
+              </a:rPr>
+              <a:t>Alzheimer’s disease, Asthma, Parkinson’s disease</a:t>
+            </a:r>
+          </a:p>
+          <a:p>
+            <a:pPr>
+              <a:lnSpc>
+                <a:spcPct val="150000"/>
+              </a:lnSpc>
+              <a:spcBef>
+                <a:spcPts val="600"/>
+              </a:spcBef>
+            </a:pPr>
+            <a:r>
+              <a:rPr lang="en-IN" dirty="0" smtClean="0">
+                <a:latin typeface="Arial" panose="020B0604020202020204" pitchFamily="34" charset="0"/>
+                <a:cs typeface="Arial" panose="020B0604020202020204" pitchFamily="34" charset="0"/>
+              </a:rPr>
+              <a:t>Caveat Emptor! </a:t>
+            </a:r>
+            <a:r>
+              <a:rPr lang="en-IN" dirty="0" smtClean="0">
+                <a:latin typeface="Arial" panose="020B0604020202020204" pitchFamily="34" charset="0"/>
+                <a:cs typeface="Arial" panose="020B0604020202020204" pitchFamily="34" charset="0"/>
+              </a:rPr>
+              <a:t>Disease classification is complicated…</a:t>
+            </a:r>
+            <a:endParaRPr lang="en-IN" dirty="0" smtClean="0">
+              <a:latin typeface="Arial" panose="020B0604020202020204" pitchFamily="34" charset="0"/>
+              <a:cs typeface="Arial" panose="020B0604020202020204" pitchFamily="34" charset="0"/>
+            </a:endParaRPr>
           </a:p>
         </p:txBody>
       </p:sp>
@@ -4690,6 +6627,13 @@
   <p:clrMapOvr>
     <a:masterClrMapping/>
   </p:clrMapOvr>
+  <p:timing>
+    <p:tnLst>
+      <p:par>
+        <p:cTn id="1" dur="indefinite" restart="never" nodeType="tmRoot"/>
+      </p:par>
+    </p:tnLst>
+  </p:timing>
 </p:sld>
 </file>
 
@@ -4720,76 +6664,235 @@
             <p:ph type="title"/>
           </p:nvPr>
         </p:nvSpPr>
-        <p:spPr/>
-        <p:txBody>
-          <a:bodyPr/>
-          <a:lstStyle/>
-          <a:p>
-            <a:pPr algn="ctr"/>
-            <a:r>
-              <a:rPr lang="en-IN" dirty="0" smtClean="0"/>
-              <a:t>Complex diseases as Complex Systems</a:t>
-            </a:r>
-            <a:endParaRPr lang="en-IN" dirty="0"/>
-          </a:p>
-        </p:txBody>
-      </p:sp>
-      <p:sp>
-        <p:nvSpPr>
-          <p:cNvPr id="3" name="Content Placeholder 2"/>
-          <p:cNvSpPr>
-            <a:spLocks noGrp="1"/>
-          </p:cNvSpPr>
-          <p:nvPr>
-            <p:ph idx="1"/>
-          </p:nvPr>
-        </p:nvSpPr>
         <p:spPr>
           <a:xfrm>
-            <a:off x="483079" y="1825625"/>
-            <a:ext cx="10870721" cy="4351338"/>
+            <a:off x="888520" y="201223"/>
+            <a:ext cx="10515600" cy="1040981"/>
           </a:xfrm>
         </p:spPr>
         <p:txBody>
           <a:bodyPr/>
           <a:lstStyle/>
           <a:p>
-            <a:r>
-              <a:rPr lang="en-IN" dirty="0" smtClean="0"/>
-              <a:t>Agents – Thousands of Genes or Proteins or Metabolites </a:t>
-            </a:r>
-          </a:p>
-          <a:p>
-            <a:r>
-              <a:rPr lang="en-IN" dirty="0" smtClean="0"/>
+            <a:pPr algn="ctr"/>
+            <a:r>
+              <a:rPr lang="en-IN" dirty="0" smtClean="0">
+                <a:latin typeface="Arial" panose="020B0604020202020204" pitchFamily="34" charset="0"/>
+                <a:cs typeface="Arial" panose="020B0604020202020204" pitchFamily="34" charset="0"/>
+              </a:rPr>
+              <a:t>Complex diseases as Complex Systems</a:t>
+            </a:r>
+            <a:endParaRPr lang="en-IN" dirty="0">
+              <a:latin typeface="Arial" panose="020B0604020202020204" pitchFamily="34" charset="0"/>
+              <a:cs typeface="Arial" panose="020B0604020202020204" pitchFamily="34" charset="0"/>
+            </a:endParaRPr>
+          </a:p>
+        </p:txBody>
+      </p:sp>
+      <p:sp>
+        <p:nvSpPr>
+          <p:cNvPr id="3" name="Content Placeholder 2"/>
+          <p:cNvSpPr>
+            <a:spLocks noGrp="1"/>
+          </p:cNvSpPr>
+          <p:nvPr>
+            <p:ph idx="1"/>
+          </p:nvPr>
+        </p:nvSpPr>
+        <p:spPr>
+          <a:xfrm>
+            <a:off x="483079" y="1181820"/>
+            <a:ext cx="11326483" cy="5529532"/>
+          </a:xfrm>
+        </p:spPr>
+        <p:txBody>
+          <a:bodyPr>
+            <a:normAutofit fontScale="92500" lnSpcReduction="10000"/>
+          </a:bodyPr>
+          <a:lstStyle/>
+          <a:p>
+            <a:pPr>
+              <a:lnSpc>
+                <a:spcPct val="150000"/>
+              </a:lnSpc>
+              <a:spcBef>
+                <a:spcPts val="600"/>
+              </a:spcBef>
+            </a:pPr>
+            <a:r>
+              <a:rPr lang="en-IN" dirty="0" smtClean="0">
+                <a:latin typeface="Arial" panose="020B0604020202020204" pitchFamily="34" charset="0"/>
+                <a:cs typeface="Arial" panose="020B0604020202020204" pitchFamily="34" charset="0"/>
+              </a:rPr>
+              <a:t>A Complex disease is </a:t>
+            </a:r>
+            <a:r>
+              <a:rPr lang="en-IN" dirty="0">
+                <a:latin typeface="Arial" panose="020B0604020202020204" pitchFamily="34" charset="0"/>
+                <a:cs typeface="Arial" panose="020B0604020202020204" pitchFamily="34" charset="0"/>
+              </a:rPr>
+              <a:t>a type of complex system</a:t>
+            </a:r>
+            <a:r>
+              <a:rPr lang="en-IN" dirty="0" smtClean="0">
+                <a:latin typeface="Arial" panose="020B0604020202020204" pitchFamily="34" charset="0"/>
+                <a:cs typeface="Arial" panose="020B0604020202020204" pitchFamily="34" charset="0"/>
+              </a:rPr>
+              <a:t>.</a:t>
+            </a:r>
+            <a:endParaRPr lang="en-IN" dirty="0" smtClean="0">
+              <a:latin typeface="Arial" panose="020B0604020202020204" pitchFamily="34" charset="0"/>
+              <a:cs typeface="Arial" panose="020B0604020202020204" pitchFamily="34" charset="0"/>
+            </a:endParaRPr>
+          </a:p>
+          <a:p>
+            <a:pPr>
+              <a:lnSpc>
+                <a:spcPct val="150000"/>
+              </a:lnSpc>
+              <a:spcBef>
+                <a:spcPts val="600"/>
+              </a:spcBef>
+            </a:pPr>
+            <a:r>
+              <a:rPr lang="en-IN" dirty="0" smtClean="0">
+                <a:latin typeface="Arial" panose="020B0604020202020204" pitchFamily="34" charset="0"/>
+                <a:cs typeface="Arial" panose="020B0604020202020204" pitchFamily="34" charset="0"/>
+              </a:rPr>
+              <a:t>Agents </a:t>
+            </a:r>
+            <a:r>
+              <a:rPr lang="en-IN" dirty="0">
+                <a:latin typeface="Arial" panose="020B0604020202020204" pitchFamily="34" charset="0"/>
+                <a:cs typeface="Arial" panose="020B0604020202020204" pitchFamily="34" charset="0"/>
+              </a:rPr>
+              <a:t>=</a:t>
+            </a:r>
+            <a:r>
+              <a:rPr lang="en-IN" dirty="0" smtClean="0">
+                <a:latin typeface="Arial" panose="020B0604020202020204" pitchFamily="34" charset="0"/>
+                <a:cs typeface="Arial" panose="020B0604020202020204" pitchFamily="34" charset="0"/>
+              </a:rPr>
+              <a:t> </a:t>
+            </a:r>
+            <a:r>
+              <a:rPr lang="en-IN" dirty="0" smtClean="0">
+                <a:latin typeface="Arial" panose="020B0604020202020204" pitchFamily="34" charset="0"/>
+                <a:cs typeface="Arial" panose="020B0604020202020204" pitchFamily="34" charset="0"/>
+              </a:rPr>
+              <a:t>Thousands of Genes or Proteins or Metabolites </a:t>
+            </a:r>
+          </a:p>
+          <a:p>
+            <a:pPr>
+              <a:lnSpc>
+                <a:spcPct val="150000"/>
+              </a:lnSpc>
+              <a:spcBef>
+                <a:spcPts val="600"/>
+              </a:spcBef>
+            </a:pPr>
+            <a:r>
+              <a:rPr lang="en-IN" dirty="0" smtClean="0">
+                <a:latin typeface="Arial" panose="020B0604020202020204" pitchFamily="34" charset="0"/>
+                <a:cs typeface="Arial" panose="020B0604020202020204" pitchFamily="34" charset="0"/>
+              </a:rPr>
               <a:t>These genes or proteins interact chemically or physically, non linearly. </a:t>
             </a:r>
           </a:p>
           <a:p>
-            <a:r>
-              <a:rPr lang="en-IN" dirty="0" smtClean="0"/>
+            <a:pPr>
+              <a:lnSpc>
+                <a:spcPct val="150000"/>
+              </a:lnSpc>
+              <a:spcBef>
+                <a:spcPts val="600"/>
+              </a:spcBef>
+            </a:pPr>
+            <a:r>
+              <a:rPr lang="en-IN" dirty="0" smtClean="0">
+                <a:latin typeface="Arial" panose="020B0604020202020204" pitchFamily="34" charset="0"/>
+                <a:cs typeface="Arial" panose="020B0604020202020204" pitchFamily="34" charset="0"/>
+              </a:rPr>
               <a:t>From the </a:t>
             </a:r>
             <a:r>
-              <a:rPr lang="en-IN" i="1" u="sng" dirty="0" smtClean="0"/>
+              <a:rPr lang="en-IN" i="1" u="sng" dirty="0" smtClean="0">
+                <a:latin typeface="Arial" panose="020B0604020202020204" pitchFamily="34" charset="0"/>
+                <a:cs typeface="Arial" panose="020B0604020202020204" pitchFamily="34" charset="0"/>
+              </a:rPr>
               <a:t>Central Dogma of Molecular Biology</a:t>
             </a:r>
             <a:r>
-              <a:rPr lang="en-IN" dirty="0" smtClean="0"/>
-              <a:t>, we know that, mutations in the DNA sequence affect the genes which affects RNA which in turn affects the protein which in turn causes a phenotype(symptoms of the disease). Thus there is emergent behaviour(Hierarchical structure). </a:t>
-            </a:r>
-          </a:p>
-          <a:p>
-            <a:r>
-              <a:rPr lang="en-IN" dirty="0" smtClean="0"/>
-              <a:t>There is no one central gene that causes the disease. It is the result of complex interaction between multiple genes. Thus it is self organizing.</a:t>
-            </a:r>
-          </a:p>
-          <a:p>
-            <a:endParaRPr lang="en-IN" dirty="0" smtClean="0"/>
-          </a:p>
-          <a:p>
-            <a:endParaRPr lang="en-IN" dirty="0"/>
+              <a:rPr lang="en-IN" dirty="0" smtClean="0">
+                <a:latin typeface="Arial" panose="020B0604020202020204" pitchFamily="34" charset="0"/>
+                <a:cs typeface="Arial" panose="020B0604020202020204" pitchFamily="34" charset="0"/>
+              </a:rPr>
+              <a:t>, mutations </a:t>
+            </a:r>
+            <a:r>
+              <a:rPr lang="en-IN" dirty="0" smtClean="0">
+                <a:latin typeface="Arial" panose="020B0604020202020204" pitchFamily="34" charset="0"/>
+                <a:cs typeface="Arial" panose="020B0604020202020204" pitchFamily="34" charset="0"/>
+              </a:rPr>
+              <a:t>in the DNA sequence affect the genes which affects RNA which in turn affects the protein which in turn causes a </a:t>
+            </a:r>
+            <a:r>
+              <a:rPr lang="en-IN" dirty="0" smtClean="0">
+                <a:latin typeface="Arial" panose="020B0604020202020204" pitchFamily="34" charset="0"/>
+                <a:cs typeface="Arial" panose="020B0604020202020204" pitchFamily="34" charset="0"/>
+              </a:rPr>
+              <a:t>phenotype. </a:t>
+            </a:r>
+            <a:r>
+              <a:rPr lang="en-IN" dirty="0" smtClean="0">
+                <a:latin typeface="Arial" panose="020B0604020202020204" pitchFamily="34" charset="0"/>
+                <a:cs typeface="Arial" panose="020B0604020202020204" pitchFamily="34" charset="0"/>
+              </a:rPr>
+              <a:t>Thus there is emergent behaviour(Hierarchical structure). </a:t>
+            </a:r>
+          </a:p>
+          <a:p>
+            <a:pPr>
+              <a:lnSpc>
+                <a:spcPct val="150000"/>
+              </a:lnSpc>
+              <a:spcBef>
+                <a:spcPts val="600"/>
+              </a:spcBef>
+            </a:pPr>
+            <a:r>
+              <a:rPr lang="en-IN" dirty="0" smtClean="0">
+                <a:latin typeface="Arial" panose="020B0604020202020204" pitchFamily="34" charset="0"/>
+                <a:cs typeface="Arial" panose="020B0604020202020204" pitchFamily="34" charset="0"/>
+              </a:rPr>
+              <a:t>There is no one central gene that causes the disease. It is the result </a:t>
+            </a:r>
+            <a:r>
+              <a:rPr lang="en-IN" dirty="0" smtClean="0">
+                <a:latin typeface="Arial" panose="020B0604020202020204" pitchFamily="34" charset="0"/>
+                <a:cs typeface="Arial" panose="020B0604020202020204" pitchFamily="34" charset="0"/>
+              </a:rPr>
+              <a:t>of interactions </a:t>
+            </a:r>
+            <a:r>
+              <a:rPr lang="en-IN" dirty="0" smtClean="0">
+                <a:latin typeface="Arial" panose="020B0604020202020204" pitchFamily="34" charset="0"/>
+                <a:cs typeface="Arial" panose="020B0604020202020204" pitchFamily="34" charset="0"/>
+              </a:rPr>
+              <a:t>between multiple genes. Thus it is self organizing</a:t>
+            </a:r>
+            <a:r>
+              <a:rPr lang="en-IN" dirty="0" smtClean="0">
+                <a:latin typeface="Arial" panose="020B0604020202020204" pitchFamily="34" charset="0"/>
+                <a:cs typeface="Arial" panose="020B0604020202020204" pitchFamily="34" charset="0"/>
+              </a:rPr>
+              <a:t>.</a:t>
+            </a:r>
+            <a:endParaRPr lang="en-IN" dirty="0" smtClean="0">
+              <a:latin typeface="Arial" panose="020B0604020202020204" pitchFamily="34" charset="0"/>
+              <a:cs typeface="Arial" panose="020B0604020202020204" pitchFamily="34" charset="0"/>
+            </a:endParaRPr>
           </a:p>
         </p:txBody>
       </p:sp>
@@ -4803,6 +6906,13 @@
   <p:clrMapOvr>
     <a:masterClrMapping/>
   </p:clrMapOvr>
+  <p:timing>
+    <p:tnLst>
+      <p:par>
+        <p:cTn id="1" dur="indefinite" restart="never" nodeType="tmRoot"/>
+      </p:par>
+    </p:tnLst>
+  </p:timing>
 </p:sld>
 </file>
 
@@ -4825,7 +6935,7 @@
       </p:grpSpPr>
       <p:sp>
         <p:nvSpPr>
-          <p:cNvPr id="4" name="Title 3"/>
+          <p:cNvPr id="2" name="Title 1"/>
           <p:cNvSpPr>
             <a:spLocks noGrp="1"/>
           </p:cNvSpPr>
@@ -4835,8 +6945,8 @@
         </p:nvSpPr>
         <p:spPr>
           <a:xfrm>
-            <a:off x="846827" y="805073"/>
-            <a:ext cx="10515600" cy="3266595"/>
+            <a:off x="983412" y="250164"/>
+            <a:ext cx="10515600" cy="1009292"/>
           </a:xfrm>
         </p:spPr>
         <p:txBody>
@@ -4847,61 +6957,201 @@
           <a:p>
             <a:pPr algn="ctr"/>
             <a:r>
-              <a:rPr lang="en-IN" dirty="0" smtClean="0"/>
-              <a:t>So, what is a Complex disease?</a:t>
-            </a:r>
-            <a:br>
-              <a:rPr lang="en-IN" dirty="0" smtClean="0"/>
-            </a:br>
-            <a:r>
-              <a:rPr lang="en-IN" dirty="0" smtClean="0"/>
-              <a:t>A type of Complex system with thousands of genes/proteins/metabolites interacting non linearly causing an undesirable phenotype. </a:t>
-            </a:r>
-            <a:endParaRPr lang="en-IN" dirty="0"/>
-          </a:p>
-        </p:txBody>
-      </p:sp>
-      <p:sp>
-        <p:nvSpPr>
-          <p:cNvPr id="5" name="TextBox 4"/>
-          <p:cNvSpPr txBox="1"/>
-          <p:nvPr/>
+              <a:rPr lang="en-IN" sz="6000" b="1" dirty="0" smtClean="0">
+                <a:latin typeface="Arial" panose="020B0604020202020204" pitchFamily="34" charset="0"/>
+                <a:cs typeface="Arial" panose="020B0604020202020204" pitchFamily="34" charset="0"/>
+              </a:rPr>
+              <a:t>Questions</a:t>
+            </a:r>
+            <a:endParaRPr lang="en-IN" sz="6000" b="1" dirty="0">
+              <a:latin typeface="Arial" panose="020B0604020202020204" pitchFamily="34" charset="0"/>
+              <a:cs typeface="Arial" panose="020B0604020202020204" pitchFamily="34" charset="0"/>
+            </a:endParaRPr>
+          </a:p>
+        </p:txBody>
+      </p:sp>
+      <p:sp>
+        <p:nvSpPr>
+          <p:cNvPr id="3" name="Content Placeholder 2"/>
+          <p:cNvSpPr>
+            <a:spLocks noGrp="1"/>
+          </p:cNvSpPr>
+          <p:nvPr>
+            <p:ph idx="1"/>
+          </p:nvPr>
         </p:nvSpPr>
         <p:spPr>
           <a:xfrm>
-            <a:off x="3027872" y="4373592"/>
-            <a:ext cx="6452558" cy="954107"/>
+            <a:off x="474453" y="1509623"/>
+            <a:ext cx="11352362" cy="4977441"/>
           </a:xfrm>
-          <a:prstGeom prst="rect">
-            <a:avLst/>
-          </a:prstGeom>
-          <a:noFill/>
         </p:spPr>
         <p:txBody>
-          <a:bodyPr wrap="square" rtlCol="0">
-            <a:spAutoFit/>
+          <a:bodyPr>
+            <a:normAutofit/>
           </a:bodyPr>
           <a:lstStyle/>
           <a:p>
-            <a:pPr algn="ctr"/>
-            <a:r>
-              <a:rPr lang="en-IN" sz="2800" dirty="0" smtClean="0"/>
-              <a:t>Any questions at this point? Please feel free to ask.</a:t>
-            </a:r>
-            <a:endParaRPr lang="en-IN" sz="2800" dirty="0"/>
+            <a:pPr marL="742950" indent="-742950">
+              <a:lnSpc>
+                <a:spcPct val="110000"/>
+              </a:lnSpc>
+              <a:buFont typeface="+mj-lt"/>
+              <a:buAutoNum type="arabicPeriod"/>
+            </a:pPr>
+            <a:r>
+              <a:rPr lang="en-IN" sz="4000" b="1" dirty="0" smtClean="0">
+                <a:latin typeface="Arial" panose="020B0604020202020204" pitchFamily="34" charset="0"/>
+                <a:cs typeface="Arial" panose="020B0604020202020204" pitchFamily="34" charset="0"/>
+              </a:rPr>
+              <a:t>What is a Complex </a:t>
+            </a:r>
+            <a:r>
+              <a:rPr lang="en-IN" sz="4000" b="1" dirty="0" smtClean="0">
+                <a:latin typeface="Arial" panose="020B0604020202020204" pitchFamily="34" charset="0"/>
+                <a:cs typeface="Arial" panose="020B0604020202020204" pitchFamily="34" charset="0"/>
+              </a:rPr>
+              <a:t>disease? </a:t>
+            </a:r>
+            <a:r>
+              <a:rPr lang="en-IN" sz="3200" dirty="0" smtClean="0"/>
+              <a:t>A </a:t>
+            </a:r>
+            <a:r>
+              <a:rPr lang="en-IN" sz="3200" dirty="0"/>
+              <a:t>type of Complex system with thousands of genes/proteins/metabolites interacting non linearly causing an undesirable phenotype. </a:t>
+            </a:r>
+            <a:endParaRPr lang="en-IN" sz="3600" b="1" dirty="0" smtClean="0">
+              <a:latin typeface="Arial" panose="020B0604020202020204" pitchFamily="34" charset="0"/>
+              <a:cs typeface="Arial" panose="020B0604020202020204" pitchFamily="34" charset="0"/>
+            </a:endParaRPr>
+          </a:p>
+          <a:p>
+            <a:pPr marL="742950" indent="-742950">
+              <a:lnSpc>
+                <a:spcPct val="110000"/>
+              </a:lnSpc>
+              <a:buFont typeface="+mj-lt"/>
+              <a:buAutoNum type="arabicPeriod"/>
+            </a:pPr>
+            <a:r>
+              <a:rPr lang="en-IN" sz="3600" dirty="0" smtClean="0">
+                <a:solidFill>
+                  <a:schemeClr val="bg1">
+                    <a:lumMod val="75000"/>
+                  </a:schemeClr>
+                </a:solidFill>
+                <a:latin typeface="Arial" panose="020B0604020202020204" pitchFamily="34" charset="0"/>
+                <a:cs typeface="Arial" panose="020B0604020202020204" pitchFamily="34" charset="0"/>
+              </a:rPr>
+              <a:t>How to study Complex diseases?</a:t>
+            </a:r>
+          </a:p>
+          <a:p>
+            <a:pPr marL="742950" indent="-742950">
+              <a:lnSpc>
+                <a:spcPct val="110000"/>
+              </a:lnSpc>
+              <a:buFont typeface="+mj-lt"/>
+              <a:buAutoNum type="arabicPeriod"/>
+            </a:pPr>
+            <a:r>
+              <a:rPr lang="en-IN" sz="3600" dirty="0" smtClean="0">
+                <a:solidFill>
+                  <a:schemeClr val="bg1">
+                    <a:lumMod val="75000"/>
+                  </a:schemeClr>
+                </a:solidFill>
+                <a:latin typeface="Arial" panose="020B0604020202020204" pitchFamily="34" charset="0"/>
+                <a:cs typeface="Arial" panose="020B0604020202020204" pitchFamily="34" charset="0"/>
+              </a:rPr>
+              <a:t>What can we ai</a:t>
+            </a:r>
+            <a:r>
+              <a:rPr lang="en-IN" sz="3600" dirty="0">
+                <a:solidFill>
+                  <a:schemeClr val="bg1">
+                    <a:lumMod val="75000"/>
+                  </a:schemeClr>
+                </a:solidFill>
+                <a:latin typeface="Arial" panose="020B0604020202020204" pitchFamily="34" charset="0"/>
+                <a:cs typeface="Arial" panose="020B0604020202020204" pitchFamily="34" charset="0"/>
+              </a:rPr>
+              <a:t>m</a:t>
+            </a:r>
+            <a:r>
+              <a:rPr lang="en-IN" sz="3600" dirty="0" smtClean="0">
+                <a:solidFill>
+                  <a:schemeClr val="bg1">
+                    <a:lumMod val="75000"/>
+                  </a:schemeClr>
+                </a:solidFill>
+                <a:latin typeface="Arial" panose="020B0604020202020204" pitchFamily="34" charset="0"/>
+                <a:cs typeface="Arial" panose="020B0604020202020204" pitchFamily="34" charset="0"/>
+              </a:rPr>
+              <a:t> to study with Complex Networks</a:t>
+            </a:r>
+            <a:r>
+              <a:rPr lang="en-IN" sz="3600" dirty="0" smtClean="0">
+                <a:solidFill>
+                  <a:schemeClr val="bg1">
+                    <a:lumMod val="75000"/>
+                  </a:schemeClr>
+                </a:solidFill>
+                <a:latin typeface="Arial" panose="020B0604020202020204" pitchFamily="34" charset="0"/>
+                <a:cs typeface="Arial" panose="020B0604020202020204" pitchFamily="34" charset="0"/>
+              </a:rPr>
+              <a:t>?</a:t>
+            </a:r>
+            <a:endParaRPr lang="en-IN" sz="3600" dirty="0" smtClean="0">
+              <a:solidFill>
+                <a:schemeClr val="bg1">
+                  <a:lumMod val="75000"/>
+                </a:schemeClr>
+              </a:solidFill>
+              <a:latin typeface="Arial" panose="020B0604020202020204" pitchFamily="34" charset="0"/>
+              <a:cs typeface="Arial" panose="020B0604020202020204" pitchFamily="34" charset="0"/>
+            </a:endParaRPr>
+          </a:p>
+          <a:p>
+            <a:endParaRPr lang="en-IN" sz="3600" dirty="0" smtClean="0">
+              <a:latin typeface="Arial" panose="020B0604020202020204" pitchFamily="34" charset="0"/>
+              <a:cs typeface="Arial" panose="020B0604020202020204" pitchFamily="34" charset="0"/>
+            </a:endParaRPr>
+          </a:p>
+          <a:p>
+            <a:pPr lvl="1"/>
+            <a:endParaRPr lang="en-IN" sz="3200" dirty="0" smtClean="0">
+              <a:latin typeface="Arial" panose="020B0604020202020204" pitchFamily="34" charset="0"/>
+              <a:cs typeface="Arial" panose="020B0604020202020204" pitchFamily="34" charset="0"/>
+            </a:endParaRPr>
+          </a:p>
+          <a:p>
+            <a:pPr lvl="1"/>
+            <a:endParaRPr lang="en-IN" sz="3200" dirty="0">
+              <a:latin typeface="Arial" panose="020B0604020202020204" pitchFamily="34" charset="0"/>
+              <a:cs typeface="Arial" panose="020B0604020202020204" pitchFamily="34" charset="0"/>
+            </a:endParaRPr>
           </a:p>
         </p:txBody>
       </p:sp>
     </p:spTree>
     <p:extLst>
       <p:ext uri="{BB962C8B-B14F-4D97-AF65-F5344CB8AC3E}">
-        <p14:creationId xmlns:p14="http://schemas.microsoft.com/office/powerpoint/2010/main" val="3803179467"/>
+        <p14:creationId xmlns:p14="http://schemas.microsoft.com/office/powerpoint/2010/main" val="2314182843"/>
       </p:ext>
     </p:extLst>
   </p:cSld>
   <p:clrMapOvr>
     <a:masterClrMapping/>
   </p:clrMapOvr>
+  <p:timing>
+    <p:tnLst>
+      <p:par>
+        <p:cTn id="1" dur="indefinite" restart="never" nodeType="tmRoot"/>
+      </p:par>
+    </p:tnLst>
+  </p:timing>
 </p:sld>
 </file>
 
@@ -4924,7 +7174,7 @@
       </p:grpSpPr>
       <p:sp>
         <p:nvSpPr>
-          <p:cNvPr id="4" name="Title 3"/>
+          <p:cNvPr id="2" name="Title 1"/>
           <p:cNvSpPr>
             <a:spLocks noGrp="1"/>
           </p:cNvSpPr>
@@ -4934,8 +7184,8 @@
         </p:nvSpPr>
         <p:spPr>
           <a:xfrm>
-            <a:off x="820947" y="2763269"/>
-            <a:ext cx="10515600" cy="1325563"/>
+            <a:off x="983412" y="250164"/>
+            <a:ext cx="10515600" cy="1009292"/>
           </a:xfrm>
         </p:spPr>
         <p:txBody>
@@ -4946,23 +7196,273 @@
           <a:p>
             <a:pPr algn="ctr"/>
             <a:r>
-              <a:rPr lang="en-IN" sz="5400" b="1" dirty="0" smtClean="0"/>
-              <a:t>2. How to study Complex Diseases?</a:t>
-            </a:r>
-            <a:endParaRPr lang="en-IN" sz="5400" b="1" dirty="0"/>
+              <a:rPr lang="en-IN" sz="6000" b="1" dirty="0" smtClean="0">
+                <a:latin typeface="Arial" panose="020B0604020202020204" pitchFamily="34" charset="0"/>
+                <a:cs typeface="Arial" panose="020B0604020202020204" pitchFamily="34" charset="0"/>
+              </a:rPr>
+              <a:t>Questions</a:t>
+            </a:r>
+            <a:endParaRPr lang="en-IN" sz="6000" b="1" dirty="0">
+              <a:latin typeface="Arial" panose="020B0604020202020204" pitchFamily="34" charset="0"/>
+              <a:cs typeface="Arial" panose="020B0604020202020204" pitchFamily="34" charset="0"/>
+            </a:endParaRPr>
+          </a:p>
+        </p:txBody>
+      </p:sp>
+      <p:sp>
+        <p:nvSpPr>
+          <p:cNvPr id="3" name="Content Placeholder 2"/>
+          <p:cNvSpPr>
+            <a:spLocks noGrp="1"/>
+          </p:cNvSpPr>
+          <p:nvPr>
+            <p:ph idx="1"/>
+          </p:nvPr>
+        </p:nvSpPr>
+        <p:spPr>
+          <a:xfrm>
+            <a:off x="474453" y="1509623"/>
+            <a:ext cx="11352362" cy="4977441"/>
+          </a:xfrm>
+        </p:spPr>
+        <p:txBody>
+          <a:bodyPr>
+            <a:normAutofit/>
+          </a:bodyPr>
+          <a:lstStyle/>
+          <a:p>
+            <a:pPr marL="742950" indent="-742950">
+              <a:lnSpc>
+                <a:spcPct val="110000"/>
+              </a:lnSpc>
+              <a:buFont typeface="+mj-lt"/>
+              <a:buAutoNum type="arabicPeriod"/>
+            </a:pPr>
+            <a:r>
+              <a:rPr lang="en-IN" sz="3600" b="1" dirty="0" smtClean="0">
+                <a:solidFill>
+                  <a:schemeClr val="bg1">
+                    <a:lumMod val="75000"/>
+                  </a:schemeClr>
+                </a:solidFill>
+                <a:latin typeface="Arial" panose="020B0604020202020204" pitchFamily="34" charset="0"/>
+                <a:cs typeface="Arial" panose="020B0604020202020204" pitchFamily="34" charset="0"/>
+              </a:rPr>
+              <a:t>What is a Complex </a:t>
+            </a:r>
+            <a:r>
+              <a:rPr lang="en-IN" sz="3600" b="1" dirty="0" smtClean="0">
+                <a:solidFill>
+                  <a:schemeClr val="bg1">
+                    <a:lumMod val="75000"/>
+                  </a:schemeClr>
+                </a:solidFill>
+                <a:latin typeface="Arial" panose="020B0604020202020204" pitchFamily="34" charset="0"/>
+                <a:cs typeface="Arial" panose="020B0604020202020204" pitchFamily="34" charset="0"/>
+              </a:rPr>
+              <a:t>disease?</a:t>
+            </a:r>
+            <a:r>
+              <a:rPr lang="en-IN" sz="4000" b="1" dirty="0" smtClean="0">
+                <a:solidFill>
+                  <a:schemeClr val="bg1">
+                    <a:lumMod val="75000"/>
+                  </a:schemeClr>
+                </a:solidFill>
+                <a:latin typeface="Arial" panose="020B0604020202020204" pitchFamily="34" charset="0"/>
+                <a:cs typeface="Arial" panose="020B0604020202020204" pitchFamily="34" charset="0"/>
+              </a:rPr>
+              <a:t> </a:t>
+            </a:r>
+            <a:r>
+              <a:rPr lang="en-IN" sz="3200" dirty="0" smtClean="0">
+                <a:solidFill>
+                  <a:schemeClr val="bg1">
+                    <a:lumMod val="75000"/>
+                  </a:schemeClr>
+                </a:solidFill>
+              </a:rPr>
+              <a:t>A </a:t>
+            </a:r>
+            <a:r>
+              <a:rPr lang="en-IN" sz="3200" dirty="0">
+                <a:solidFill>
+                  <a:schemeClr val="bg1">
+                    <a:lumMod val="75000"/>
+                  </a:schemeClr>
+                </a:solidFill>
+              </a:rPr>
+              <a:t>type of Complex system with thousands of genes/proteins/metabolites interacting non linearly causing an undesirable phenotype. </a:t>
+            </a:r>
+            <a:endParaRPr lang="en-IN" sz="3600" b="1" dirty="0" smtClean="0">
+              <a:solidFill>
+                <a:schemeClr val="bg1">
+                  <a:lumMod val="75000"/>
+                </a:schemeClr>
+              </a:solidFill>
+              <a:latin typeface="Arial" panose="020B0604020202020204" pitchFamily="34" charset="0"/>
+              <a:cs typeface="Arial" panose="020B0604020202020204" pitchFamily="34" charset="0"/>
+            </a:endParaRPr>
+          </a:p>
+          <a:p>
+            <a:pPr marL="742950" indent="-742950">
+              <a:lnSpc>
+                <a:spcPct val="110000"/>
+              </a:lnSpc>
+              <a:buFont typeface="+mj-lt"/>
+              <a:buAutoNum type="arabicPeriod"/>
+            </a:pPr>
+            <a:r>
+              <a:rPr lang="en-IN" sz="4000" b="1" dirty="0" smtClean="0">
+                <a:latin typeface="Arial" panose="020B0604020202020204" pitchFamily="34" charset="0"/>
+                <a:cs typeface="Arial" panose="020B0604020202020204" pitchFamily="34" charset="0"/>
+              </a:rPr>
+              <a:t>How to study Complex diseases?</a:t>
+            </a:r>
+          </a:p>
+          <a:p>
+            <a:pPr marL="742950" indent="-742950">
+              <a:lnSpc>
+                <a:spcPct val="110000"/>
+              </a:lnSpc>
+              <a:buFont typeface="+mj-lt"/>
+              <a:buAutoNum type="arabicPeriod"/>
+            </a:pPr>
+            <a:r>
+              <a:rPr lang="en-IN" sz="3600" dirty="0" smtClean="0">
+                <a:solidFill>
+                  <a:schemeClr val="bg1">
+                    <a:lumMod val="75000"/>
+                  </a:schemeClr>
+                </a:solidFill>
+                <a:latin typeface="Arial" panose="020B0604020202020204" pitchFamily="34" charset="0"/>
+                <a:cs typeface="Arial" panose="020B0604020202020204" pitchFamily="34" charset="0"/>
+              </a:rPr>
+              <a:t>What can we ai</a:t>
+            </a:r>
+            <a:r>
+              <a:rPr lang="en-IN" sz="3600" dirty="0">
+                <a:solidFill>
+                  <a:schemeClr val="bg1">
+                    <a:lumMod val="75000"/>
+                  </a:schemeClr>
+                </a:solidFill>
+                <a:latin typeface="Arial" panose="020B0604020202020204" pitchFamily="34" charset="0"/>
+                <a:cs typeface="Arial" panose="020B0604020202020204" pitchFamily="34" charset="0"/>
+              </a:rPr>
+              <a:t>m</a:t>
+            </a:r>
+            <a:r>
+              <a:rPr lang="en-IN" sz="3600" dirty="0" smtClean="0">
+                <a:solidFill>
+                  <a:schemeClr val="bg1">
+                    <a:lumMod val="75000"/>
+                  </a:schemeClr>
+                </a:solidFill>
+                <a:latin typeface="Arial" panose="020B0604020202020204" pitchFamily="34" charset="0"/>
+                <a:cs typeface="Arial" panose="020B0604020202020204" pitchFamily="34" charset="0"/>
+              </a:rPr>
+              <a:t> to study with Complex Networks</a:t>
+            </a:r>
+            <a:r>
+              <a:rPr lang="en-IN" sz="3600" dirty="0" smtClean="0">
+                <a:solidFill>
+                  <a:schemeClr val="bg1">
+                    <a:lumMod val="75000"/>
+                  </a:schemeClr>
+                </a:solidFill>
+                <a:latin typeface="Arial" panose="020B0604020202020204" pitchFamily="34" charset="0"/>
+                <a:cs typeface="Arial" panose="020B0604020202020204" pitchFamily="34" charset="0"/>
+              </a:rPr>
+              <a:t>?</a:t>
+            </a:r>
+            <a:endParaRPr lang="en-IN" sz="3600" dirty="0" smtClean="0">
+              <a:solidFill>
+                <a:schemeClr val="bg1">
+                  <a:lumMod val="75000"/>
+                </a:schemeClr>
+              </a:solidFill>
+              <a:latin typeface="Arial" panose="020B0604020202020204" pitchFamily="34" charset="0"/>
+              <a:cs typeface="Arial" panose="020B0604020202020204" pitchFamily="34" charset="0"/>
+            </a:endParaRPr>
+          </a:p>
+          <a:p>
+            <a:endParaRPr lang="en-IN" sz="3600" dirty="0" smtClean="0">
+              <a:latin typeface="Arial" panose="020B0604020202020204" pitchFamily="34" charset="0"/>
+              <a:cs typeface="Arial" panose="020B0604020202020204" pitchFamily="34" charset="0"/>
+            </a:endParaRPr>
+          </a:p>
+          <a:p>
+            <a:pPr lvl="1"/>
+            <a:endParaRPr lang="en-IN" sz="3200" dirty="0" smtClean="0">
+              <a:latin typeface="Arial" panose="020B0604020202020204" pitchFamily="34" charset="0"/>
+              <a:cs typeface="Arial" panose="020B0604020202020204" pitchFamily="34" charset="0"/>
+            </a:endParaRPr>
+          </a:p>
+          <a:p>
+            <a:pPr lvl="1"/>
+            <a:endParaRPr lang="en-IN" sz="3200" dirty="0">
+              <a:latin typeface="Arial" panose="020B0604020202020204" pitchFamily="34" charset="0"/>
+              <a:cs typeface="Arial" panose="020B0604020202020204" pitchFamily="34" charset="0"/>
+            </a:endParaRPr>
+          </a:p>
+        </p:txBody>
+      </p:sp>
+      <p:sp>
+        <p:nvSpPr>
+          <p:cNvPr id="4" name="TextBox 3"/>
+          <p:cNvSpPr txBox="1"/>
+          <p:nvPr/>
+        </p:nvSpPr>
+        <p:spPr>
+          <a:xfrm>
+            <a:off x="3014933" y="5313871"/>
+            <a:ext cx="6452558" cy="954107"/>
+          </a:xfrm>
+          <a:prstGeom prst="rect">
+            <a:avLst/>
+          </a:prstGeom>
+          <a:noFill/>
+        </p:spPr>
+        <p:txBody>
+          <a:bodyPr wrap="square" rtlCol="0">
+            <a:spAutoFit/>
+          </a:bodyPr>
+          <a:lstStyle/>
+          <a:p>
+            <a:pPr algn="ctr"/>
+            <a:r>
+              <a:rPr lang="en-IN" sz="2800" dirty="0" smtClean="0"/>
+              <a:t>Any questions at this point? </a:t>
+            </a:r>
+          </a:p>
+          <a:p>
+            <a:pPr algn="ctr"/>
+            <a:r>
+              <a:rPr lang="en-IN" sz="2800" dirty="0" smtClean="0"/>
+              <a:t>Please, feel free to ask!</a:t>
+            </a:r>
+            <a:endParaRPr lang="en-IN" sz="2800" dirty="0"/>
           </a:p>
         </p:txBody>
       </p:sp>
     </p:spTree>
     <p:extLst>
       <p:ext uri="{BB962C8B-B14F-4D97-AF65-F5344CB8AC3E}">
-        <p14:creationId xmlns:p14="http://schemas.microsoft.com/office/powerpoint/2010/main" val="3882505176"/>
+        <p14:creationId xmlns:p14="http://schemas.microsoft.com/office/powerpoint/2010/main" val="1632301422"/>
       </p:ext>
     </p:extLst>
   </p:cSld>
   <p:clrMapOvr>
     <a:masterClrMapping/>
   </p:clrMapOvr>
+  <p:timing>
+    <p:tnLst>
+      <p:par>
+        <p:cTn id="1" dur="indefinite" restart="never" nodeType="tmRoot"/>
+      </p:par>
+    </p:tnLst>
+  </p:timing>
 </p:sld>
 </file>
 

--- a/A Primer to Complex Diseases.pptx
+++ b/A Primer to Complex Diseases.pptx
@@ -5,7 +5,7 @@
     <p:sldMasterId id="2147483648" r:id="rId1"/>
   </p:sldMasterIdLst>
   <p:notesMasterIdLst>
-    <p:notesMasterId r:id="rId21"/>
+    <p:notesMasterId r:id="rId25"/>
   </p:notesMasterIdLst>
   <p:sldIdLst>
     <p:sldId id="257" r:id="rId2"/>
@@ -22,11 +22,15 @@
     <p:sldId id="269" r:id="rId13"/>
     <p:sldId id="270" r:id="rId14"/>
     <p:sldId id="277" r:id="rId15"/>
-    <p:sldId id="272" r:id="rId16"/>
-    <p:sldId id="274" r:id="rId17"/>
+    <p:sldId id="282" r:id="rId16"/>
+    <p:sldId id="283" r:id="rId17"/>
     <p:sldId id="275" r:id="rId18"/>
     <p:sldId id="276" r:id="rId19"/>
     <p:sldId id="278" r:id="rId20"/>
+    <p:sldId id="284" r:id="rId21"/>
+    <p:sldId id="285" r:id="rId22"/>
+    <p:sldId id="286" r:id="rId23"/>
+    <p:sldId id="287" r:id="rId24"/>
   </p:sldIdLst>
   <p:sldSz cx="12192000" cy="6858000"/>
   <p:notesSz cx="6858000" cy="9144000"/>
@@ -215,7 +219,7 @@
           <a:p>
             <a:fld id="{110DDBF7-0140-4B67-BE05-8361686A7DE1}" type="datetimeFigureOut">
               <a:rPr lang="en-IN" smtClean="0"/>
-              <a:t>01-11-2018</a:t>
+              <a:t>02-11-2018</a:t>
             </a:fld>
             <a:endParaRPr lang="en-IN"/>
           </a:p>
@@ -705,7 +709,7 @@
           <a:p>
             <a:fld id="{63BA3895-3F20-4B0F-B004-3F522BF5E83E}" type="datetimeFigureOut">
               <a:rPr lang="en-IN" smtClean="0"/>
-              <a:t>01-11-2018</a:t>
+              <a:t>02-11-2018</a:t>
             </a:fld>
             <a:endParaRPr lang="en-IN"/>
           </a:p>
@@ -875,7 +879,7 @@
           <a:p>
             <a:fld id="{63BA3895-3F20-4B0F-B004-3F522BF5E83E}" type="datetimeFigureOut">
               <a:rPr lang="en-IN" smtClean="0"/>
-              <a:t>01-11-2018</a:t>
+              <a:t>02-11-2018</a:t>
             </a:fld>
             <a:endParaRPr lang="en-IN"/>
           </a:p>
@@ -1055,7 +1059,7 @@
           <a:p>
             <a:fld id="{63BA3895-3F20-4B0F-B004-3F522BF5E83E}" type="datetimeFigureOut">
               <a:rPr lang="en-IN" smtClean="0"/>
-              <a:t>01-11-2018</a:t>
+              <a:t>02-11-2018</a:t>
             </a:fld>
             <a:endParaRPr lang="en-IN"/>
           </a:p>
@@ -1225,7 +1229,7 @@
           <a:p>
             <a:fld id="{63BA3895-3F20-4B0F-B004-3F522BF5E83E}" type="datetimeFigureOut">
               <a:rPr lang="en-IN" smtClean="0"/>
-              <a:t>01-11-2018</a:t>
+              <a:t>02-11-2018</a:t>
             </a:fld>
             <a:endParaRPr lang="en-IN"/>
           </a:p>
@@ -1471,7 +1475,7 @@
           <a:p>
             <a:fld id="{63BA3895-3F20-4B0F-B004-3F522BF5E83E}" type="datetimeFigureOut">
               <a:rPr lang="en-IN" smtClean="0"/>
-              <a:t>01-11-2018</a:t>
+              <a:t>02-11-2018</a:t>
             </a:fld>
             <a:endParaRPr lang="en-IN"/>
           </a:p>
@@ -1703,7 +1707,7 @@
           <a:p>
             <a:fld id="{63BA3895-3F20-4B0F-B004-3F522BF5E83E}" type="datetimeFigureOut">
               <a:rPr lang="en-IN" smtClean="0"/>
-              <a:t>01-11-2018</a:t>
+              <a:t>02-11-2018</a:t>
             </a:fld>
             <a:endParaRPr lang="en-IN"/>
           </a:p>
@@ -2070,7 +2074,7 @@
           <a:p>
             <a:fld id="{63BA3895-3F20-4B0F-B004-3F522BF5E83E}" type="datetimeFigureOut">
               <a:rPr lang="en-IN" smtClean="0"/>
-              <a:t>01-11-2018</a:t>
+              <a:t>02-11-2018</a:t>
             </a:fld>
             <a:endParaRPr lang="en-IN"/>
           </a:p>
@@ -2188,7 +2192,7 @@
           <a:p>
             <a:fld id="{63BA3895-3F20-4B0F-B004-3F522BF5E83E}" type="datetimeFigureOut">
               <a:rPr lang="en-IN" smtClean="0"/>
-              <a:t>01-11-2018</a:t>
+              <a:t>02-11-2018</a:t>
             </a:fld>
             <a:endParaRPr lang="en-IN"/>
           </a:p>
@@ -2283,7 +2287,7 @@
           <a:p>
             <a:fld id="{63BA3895-3F20-4B0F-B004-3F522BF5E83E}" type="datetimeFigureOut">
               <a:rPr lang="en-IN" smtClean="0"/>
-              <a:t>01-11-2018</a:t>
+              <a:t>02-11-2018</a:t>
             </a:fld>
             <a:endParaRPr lang="en-IN"/>
           </a:p>
@@ -2560,7 +2564,7 @@
           <a:p>
             <a:fld id="{63BA3895-3F20-4B0F-B004-3F522BF5E83E}" type="datetimeFigureOut">
               <a:rPr lang="en-IN" smtClean="0"/>
-              <a:t>01-11-2018</a:t>
+              <a:t>02-11-2018</a:t>
             </a:fld>
             <a:endParaRPr lang="en-IN"/>
           </a:p>
@@ -2813,7 +2817,7 @@
           <a:p>
             <a:fld id="{63BA3895-3F20-4B0F-B004-3F522BF5E83E}" type="datetimeFigureOut">
               <a:rPr lang="en-IN" smtClean="0"/>
-              <a:t>01-11-2018</a:t>
+              <a:t>02-11-2018</a:t>
             </a:fld>
             <a:endParaRPr lang="en-IN"/>
           </a:p>
@@ -3026,7 +3030,7 @@
           <a:p>
             <a:fld id="{63BA3895-3F20-4B0F-B004-3F522BF5E83E}" type="datetimeFigureOut">
               <a:rPr lang="en-IN" smtClean="0"/>
-              <a:t>01-11-2018</a:t>
+              <a:t>02-11-2018</a:t>
             </a:fld>
             <a:endParaRPr lang="en-IN"/>
           </a:p>
@@ -3443,8 +3447,8 @@
         </p:nvSpPr>
         <p:spPr>
           <a:xfrm>
-            <a:off x="1621630" y="2057399"/>
-            <a:ext cx="9668350" cy="713805"/>
+            <a:off x="1023093" y="1702304"/>
+            <a:ext cx="10341074" cy="1255144"/>
           </a:xfrm>
         </p:spPr>
         <p:txBody>
@@ -3454,13 +3458,13 @@
           <a:lstStyle/>
           <a:p>
             <a:r>
-              <a:rPr lang="en-IN" sz="4800" b="1" dirty="0" smtClean="0">
+              <a:rPr lang="en-IN" sz="5400" b="1" dirty="0" smtClean="0">
                 <a:latin typeface="Arial" panose="020B0604020202020204" pitchFamily="34" charset="0"/>
                 <a:cs typeface="Arial" panose="020B0604020202020204" pitchFamily="34" charset="0"/>
               </a:rPr>
               <a:t>A Primer to Complex Diseases</a:t>
             </a:r>
-            <a:endParaRPr lang="en-IN" sz="4800" b="1" dirty="0">
+            <a:endParaRPr lang="en-IN" sz="5400" b="1" dirty="0">
               <a:latin typeface="Arial" panose="020B0604020202020204" pitchFamily="34" charset="0"/>
               <a:cs typeface="Arial" panose="020B0604020202020204" pitchFamily="34" charset="0"/>
             </a:endParaRPr>
@@ -3745,28 +3749,7 @@
                 <a:latin typeface="Arial" panose="020B0604020202020204" pitchFamily="34" charset="0"/>
                 <a:cs typeface="Arial" panose="020B0604020202020204" pitchFamily="34" charset="0"/>
               </a:rPr>
-              <a:t>It is logical to </a:t>
-            </a:r>
-            <a:r>
-              <a:rPr lang="en-IN" dirty="0" smtClean="0">
-                <a:latin typeface="Arial" panose="020B0604020202020204" pitchFamily="34" charset="0"/>
-                <a:cs typeface="Arial" panose="020B0604020202020204" pitchFamily="34" charset="0"/>
-              </a:rPr>
-              <a:t>assume</a:t>
-            </a:r>
-            <a:r>
-              <a:rPr lang="en-IN" dirty="0" smtClean="0">
-                <a:latin typeface="Arial" panose="020B0604020202020204" pitchFamily="34" charset="0"/>
-                <a:cs typeface="Arial" panose="020B0604020202020204" pitchFamily="34" charset="0"/>
-              </a:rPr>
-              <a:t> </a:t>
-            </a:r>
-            <a:r>
-              <a:rPr lang="en-IN" dirty="0" smtClean="0">
-                <a:latin typeface="Arial" panose="020B0604020202020204" pitchFamily="34" charset="0"/>
-                <a:cs typeface="Arial" panose="020B0604020202020204" pitchFamily="34" charset="0"/>
-              </a:rPr>
-              <a:t>that these interactions should not be random. Nature should have </a:t>
+              <a:t>It is logical to assume that these interactions should not be random. Nature should have </a:t>
             </a:r>
             <a:r>
               <a:rPr lang="en-IN" i="1" u="sng" dirty="0" smtClean="0">
@@ -3944,11 +3927,13 @@
         <p:spPr>
           <a:xfrm>
             <a:off x="828136" y="89080"/>
-            <a:ext cx="10515600" cy="799441"/>
+            <a:ext cx="10515600" cy="644165"/>
           </a:xfrm>
         </p:spPr>
         <p:txBody>
-          <a:bodyPr/>
+          <a:bodyPr>
+            <a:normAutofit fontScale="90000"/>
+          </a:bodyPr>
           <a:lstStyle/>
           <a:p>
             <a:pPr algn="ctr"/>
@@ -3971,9 +3956,23 @@
                 <a:latin typeface="Arial" panose="020B0604020202020204" pitchFamily="34" charset="0"/>
                 <a:cs typeface="Arial" panose="020B0604020202020204" pitchFamily="34" charset="0"/>
               </a:rPr>
-              <a:t> model</a:t>
-            </a:r>
-            <a:endParaRPr lang="en-IN" dirty="0">
+              <a:t> </a:t>
+            </a:r>
+            <a:r>
+              <a:rPr lang="en-IN" dirty="0" smtClean="0">
+                <a:latin typeface="Arial" panose="020B0604020202020204" pitchFamily="34" charset="0"/>
+                <a:cs typeface="Arial" panose="020B0604020202020204" pitchFamily="34" charset="0"/>
+              </a:rPr>
+              <a:t>model</a:t>
+            </a:r>
+            <a:r>
+              <a:rPr lang="en-IN" baseline="30000" dirty="0" smtClean="0">
+                <a:latin typeface="Arial" panose="020B0604020202020204" pitchFamily="34" charset="0"/>
+                <a:cs typeface="Arial" panose="020B0604020202020204" pitchFamily="34" charset="0"/>
+              </a:rPr>
+              <a:t>5</a:t>
+            </a:r>
+            <a:endParaRPr lang="en-IN" baseline="30000" dirty="0">
               <a:latin typeface="Arial" panose="020B0604020202020204" pitchFamily="34" charset="0"/>
               <a:cs typeface="Arial" panose="020B0604020202020204" pitchFamily="34" charset="0"/>
             </a:endParaRPr>
@@ -3992,7 +3991,7 @@
         </p:nvSpPr>
         <p:spPr>
           <a:xfrm>
-            <a:off x="439947" y="1069675"/>
+            <a:off x="439947" y="733245"/>
             <a:ext cx="11291978" cy="5581291"/>
           </a:xfrm>
         </p:spPr>
@@ -4058,7 +4057,35 @@
                 <a:latin typeface="Arial" panose="020B0604020202020204" pitchFamily="34" charset="0"/>
                 <a:cs typeface="Arial" panose="020B0604020202020204" pitchFamily="34" charset="0"/>
               </a:rPr>
-              <a:t> spins interact. But instead say that there is some probability for any two spins to interact.</a:t>
+              <a:t> spins </a:t>
+            </a:r>
+            <a:r>
+              <a:rPr lang="en-IN" dirty="0" smtClean="0">
+                <a:latin typeface="Arial" panose="020B0604020202020204" pitchFamily="34" charset="0"/>
+                <a:cs typeface="Arial" panose="020B0604020202020204" pitchFamily="34" charset="0"/>
+              </a:rPr>
+              <a:t>interact</a:t>
+            </a:r>
+            <a:r>
+              <a:rPr lang="en-IN" baseline="30000" dirty="0" smtClean="0">
+                <a:latin typeface="Arial" panose="020B0604020202020204" pitchFamily="34" charset="0"/>
+                <a:cs typeface="Arial" panose="020B0604020202020204" pitchFamily="34" charset="0"/>
+              </a:rPr>
+              <a:t>6</a:t>
+            </a:r>
+            <a:r>
+              <a:rPr lang="en-IN" dirty="0" smtClean="0">
+                <a:latin typeface="Arial" panose="020B0604020202020204" pitchFamily="34" charset="0"/>
+                <a:cs typeface="Arial" panose="020B0604020202020204" pitchFamily="34" charset="0"/>
+              </a:rPr>
+              <a:t>. </a:t>
+            </a:r>
+            <a:r>
+              <a:rPr lang="en-IN" dirty="0" smtClean="0">
+                <a:latin typeface="Arial" panose="020B0604020202020204" pitchFamily="34" charset="0"/>
+                <a:cs typeface="Arial" panose="020B0604020202020204" pitchFamily="34" charset="0"/>
+              </a:rPr>
+              <a:t>But instead say that there is some probability for any two spins to interact.</a:t>
             </a:r>
           </a:p>
           <a:p>
@@ -4135,19 +4162,100 @@
                 <a:latin typeface="Arial" panose="020B0604020202020204" pitchFamily="34" charset="0"/>
                 <a:cs typeface="Arial" panose="020B0604020202020204" pitchFamily="34" charset="0"/>
               </a:rPr>
-              <a:t> spin model problem</a:t>
-            </a:r>
-            <a:r>
-              <a:rPr lang="en-IN" dirty="0" smtClean="0">
-                <a:latin typeface="Arial" panose="020B0604020202020204" pitchFamily="34" charset="0"/>
-                <a:cs typeface="Arial" panose="020B0604020202020204" pitchFamily="34" charset="0"/>
-              </a:rPr>
+              <a:t> spin model problem.</a:t>
+            </a:r>
+          </a:p>
+        </p:txBody>
+      </p:sp>
+      <p:sp>
+        <p:nvSpPr>
+          <p:cNvPr id="4" name="TextBox 3"/>
+          <p:cNvSpPr txBox="1"/>
+          <p:nvPr/>
+        </p:nvSpPr>
+        <p:spPr>
+          <a:xfrm>
+            <a:off x="439947" y="6119336"/>
+            <a:ext cx="8798943" cy="738664"/>
+          </a:xfrm>
+          <a:prstGeom prst="rect">
+            <a:avLst/>
+          </a:prstGeom>
+          <a:noFill/>
+        </p:spPr>
+        <p:txBody>
+          <a:bodyPr wrap="square" rtlCol="0">
+            <a:spAutoFit/>
+          </a:bodyPr>
+          <a:lstStyle/>
+          <a:p>
+            <a:r>
+              <a:rPr lang="en-IN" sz="1400" dirty="0"/>
+              <a:t>5. </a:t>
+            </a:r>
+            <a:r>
+              <a:rPr lang="en-IN" sz="1400" dirty="0" smtClean="0"/>
+              <a:t>Hartmann, </a:t>
+            </a:r>
+            <a:r>
+              <a:rPr lang="en-IN" sz="1400" dirty="0"/>
+              <a:t>Alexander K</a:t>
+            </a:r>
+            <a:r>
+              <a:rPr lang="en-IN" sz="1400" dirty="0" smtClean="0"/>
+              <a:t>. and </a:t>
+            </a:r>
+            <a:r>
+              <a:rPr lang="en-IN" sz="1400" dirty="0"/>
+              <a:t> </a:t>
+            </a:r>
+            <a:r>
+              <a:rPr lang="en-IN" sz="1400" dirty="0" smtClean="0"/>
+              <a:t>Martin </a:t>
+            </a:r>
+            <a:r>
+              <a:rPr lang="en-IN" sz="1400" dirty="0" err="1" smtClean="0"/>
+              <a:t>Weigt</a:t>
+            </a:r>
+            <a:r>
+              <a:rPr lang="en-IN" sz="1400" dirty="0" smtClean="0"/>
+              <a:t> . </a:t>
+            </a:r>
+            <a:r>
+              <a:rPr lang="en-IN" sz="1400" dirty="0"/>
+              <a:t>Phase transitions in combinatorial optimization </a:t>
+            </a:r>
+            <a:r>
+              <a:rPr lang="en-IN" sz="1400" dirty="0" smtClean="0"/>
+              <a:t>problems, Wiley-VCH, </a:t>
+            </a:r>
+            <a:r>
+              <a:rPr lang="en-IN" sz="1400" dirty="0" err="1" smtClean="0"/>
+              <a:t>Weinheim</a:t>
+            </a:r>
+            <a:r>
+              <a:rPr lang="en-IN" sz="1400" dirty="0" smtClean="0"/>
+              <a:t>, 2005.</a:t>
+            </a:r>
+            <a:endParaRPr lang="en-IN" sz="1400" dirty="0"/>
+          </a:p>
+          <a:p>
+            <a:r>
+              <a:rPr lang="en-IN" sz="1400" dirty="0" smtClean="0"/>
+              <a:t>6. Schroeder, Daniel. V. An </a:t>
+            </a:r>
+            <a:r>
+              <a:rPr lang="en-IN" sz="1400" dirty="0"/>
+              <a:t>Introduction to Thermal Physics, Addison-Wesley Publishing Company, San </a:t>
+            </a:r>
+            <a:r>
+              <a:rPr lang="en-IN" sz="1400" dirty="0" smtClean="0"/>
+              <a:t>Francisco, 1999</a:t>
+            </a:r>
+            <a:r>
+              <a:rPr lang="en-IN" sz="1400" dirty="0"/>
               <a:t>.</a:t>
             </a:r>
-            <a:endParaRPr lang="en-IN" dirty="0" smtClean="0">
-              <a:latin typeface="Arial" panose="020B0604020202020204" pitchFamily="34" charset="0"/>
-              <a:cs typeface="Arial" panose="020B0604020202020204" pitchFamily="34" charset="0"/>
-            </a:endParaRPr>
           </a:p>
         </p:txBody>
       </p:sp>
@@ -4223,9 +4331,16 @@
                 <a:latin typeface="Arial" panose="020B0604020202020204" pitchFamily="34" charset="0"/>
                 <a:cs typeface="Arial" panose="020B0604020202020204" pitchFamily="34" charset="0"/>
               </a:rPr>
-              <a:t> spin model with quenched disorder</a:t>
-            </a:r>
-            <a:endParaRPr lang="en-IN" dirty="0">
+              <a:t> spin model with quenched </a:t>
+            </a:r>
+            <a:r>
+              <a:rPr lang="en-IN" dirty="0" smtClean="0">
+                <a:latin typeface="Arial" panose="020B0604020202020204" pitchFamily="34" charset="0"/>
+                <a:cs typeface="Arial" panose="020B0604020202020204" pitchFamily="34" charset="0"/>
+              </a:rPr>
+              <a:t>disorder</a:t>
+            </a:r>
+            <a:endParaRPr lang="en-IN" baseline="30000" dirty="0">
               <a:latin typeface="Arial" panose="020B0604020202020204" pitchFamily="34" charset="0"/>
               <a:cs typeface="Arial" panose="020B0604020202020204" pitchFamily="34" charset="0"/>
             </a:endParaRPr>
@@ -4333,11 +4448,11 @@
   <p:clrMapOvr>
     <a:masterClrMapping/>
   </p:clrMapOvr>
-  <mc:AlternateContent xmlns:mc="http://schemas.openxmlformats.org/markup-compatibility/2006">
-    <mc:Choice xmlns:p14="http://schemas.microsoft.com/office/powerpoint/2010/main" Requires="p14">
+  <mc:AlternateContent xmlns:mc="http://schemas.openxmlformats.org/markup-compatibility/2006" xmlns:p14="http://schemas.microsoft.com/office/powerpoint/2010/main">
+    <mc:Choice Requires="p14">
       <p:transition p14:dur="0"/>
     </mc:Choice>
-    <mc:Fallback>
+    <mc:Fallback xmlns="">
       <p:transition/>
     </mc:Fallback>
   </mc:AlternateContent>
@@ -4394,6 +4509,97 @@
                       </p:childTnLst>
                     </p:cTn>
                   </p:par>
+                  <p:par>
+                    <p:cTn id="7" fill="hold">
+                      <p:stCondLst>
+                        <p:cond delay="indefinite"/>
+                      </p:stCondLst>
+                      <p:childTnLst>
+                        <p:par>
+                          <p:cTn id="8" fill="hold">
+                            <p:stCondLst>
+                              <p:cond delay="0"/>
+                            </p:stCondLst>
+                            <p:childTnLst>
+                              <p:par>
+                                <p:cTn id="9" presetID="2" presetClass="entr" presetSubtype="4" fill="hold" grpId="0" nodeType="clickEffect">
+                                  <p:stCondLst>
+                                    <p:cond delay="0"/>
+                                  </p:stCondLst>
+                                  <p:childTnLst>
+                                    <p:set>
+                                      <p:cBhvr>
+                                        <p:cTn id="10" dur="1" fill="hold">
+                                          <p:stCondLst>
+                                            <p:cond delay="0"/>
+                                          </p:stCondLst>
+                                        </p:cTn>
+                                        <p:tgtEl>
+                                          <p:spTgt spid="5"/>
+                                        </p:tgtEl>
+                                        <p:attrNameLst>
+                                          <p:attrName>style.visibility</p:attrName>
+                                        </p:attrNameLst>
+                                      </p:cBhvr>
+                                      <p:to>
+                                        <p:strVal val="visible"/>
+                                      </p:to>
+                                    </p:set>
+                                    <p:anim calcmode="lin" valueType="num">
+                                      <p:cBhvr additive="base">
+                                        <p:cTn id="11" dur="500" fill="hold"/>
+                                        <p:tgtEl>
+                                          <p:spTgt spid="5"/>
+                                        </p:tgtEl>
+                                        <p:attrNameLst>
+                                          <p:attrName>ppt_x</p:attrName>
+                                        </p:attrNameLst>
+                                      </p:cBhvr>
+                                      <p:tavLst>
+                                        <p:tav tm="0">
+                                          <p:val>
+                                            <p:strVal val="#ppt_x"/>
+                                          </p:val>
+                                        </p:tav>
+                                        <p:tav tm="100000">
+                                          <p:val>
+                                            <p:strVal val="#ppt_x"/>
+                                          </p:val>
+                                        </p:tav>
+                                      </p:tavLst>
+                                    </p:anim>
+                                    <p:anim calcmode="lin" valueType="num">
+                                      <p:cBhvr additive="base">
+                                        <p:cTn id="12" dur="500" fill="hold"/>
+                                        <p:tgtEl>
+                                          <p:spTgt spid="5"/>
+                                        </p:tgtEl>
+                                        <p:attrNameLst>
+                                          <p:attrName>ppt_y</p:attrName>
+                                        </p:attrNameLst>
+                                      </p:cBhvr>
+                                      <p:tavLst>
+                                        <p:tav tm="0">
+                                          <p:val>
+                                            <p:strVal val="1+#ppt_h/2"/>
+                                          </p:val>
+                                        </p:tav>
+                                        <p:tav tm="100000">
+                                          <p:val>
+                                            <p:strVal val="#ppt_y"/>
+                                          </p:val>
+                                        </p:tav>
+                                      </p:tavLst>
+                                    </p:anim>
+                                  </p:childTnLst>
+                                </p:cTn>
+                              </p:par>
+                            </p:childTnLst>
+                          </p:cTn>
+                        </p:par>
+                      </p:childTnLst>
+                    </p:cTn>
+                  </p:par>
                 </p:childTnLst>
               </p:cTn>
               <p:prevCondLst>
@@ -4415,6 +4621,9 @@
         </p:cTn>
       </p:par>
     </p:tnLst>
+    <p:bldLst>
+      <p:bldP spid="5" grpId="0"/>
+    </p:bldLst>
   </p:timing>
 </p:sld>
 </file>
@@ -4499,7 +4708,7 @@
         </p:nvSpPr>
         <p:spPr>
           <a:xfrm>
-            <a:off x="508957" y="1207699"/>
+            <a:off x="521896" y="1035170"/>
             <a:ext cx="11214341" cy="5270738"/>
           </a:xfrm>
         </p:spPr>
@@ -4511,7 +4720,7 @@
           <a:p>
             <a:pPr>
               <a:lnSpc>
-                <a:spcPct val="140000"/>
+                <a:spcPct val="160000"/>
               </a:lnSpc>
             </a:pPr>
             <a:r>
@@ -4519,14 +4728,7 @@
                 <a:latin typeface="Arial" panose="020B0604020202020204" pitchFamily="34" charset="0"/>
                 <a:cs typeface="Arial" panose="020B0604020202020204" pitchFamily="34" charset="0"/>
               </a:rPr>
-              <a:t>Basically, </a:t>
-            </a:r>
-            <a:r>
-              <a:rPr lang="en-IN" dirty="0" smtClean="0">
-                <a:latin typeface="Arial" panose="020B0604020202020204" pitchFamily="34" charset="0"/>
-                <a:cs typeface="Arial" panose="020B0604020202020204" pitchFamily="34" charset="0"/>
-              </a:rPr>
-              <a:t>in both the Complex Diseases problem and </a:t>
+              <a:t>Basically, in both the Complex Diseases problem and </a:t>
             </a:r>
             <a:r>
               <a:rPr lang="en-IN" dirty="0" err="1" smtClean="0">
@@ -4546,7 +4748,7 @@
           <a:p>
             <a:pPr>
               <a:lnSpc>
-                <a:spcPct val="140000"/>
+                <a:spcPct val="160000"/>
               </a:lnSpc>
             </a:pPr>
             <a:r>
@@ -4554,89 +4756,160 @@
                 <a:latin typeface="Arial" panose="020B0604020202020204" pitchFamily="34" charset="0"/>
                 <a:cs typeface="Arial" panose="020B0604020202020204" pitchFamily="34" charset="0"/>
               </a:rPr>
-              <a:t>In Combinatorial Optimization, we need to optimize a multidimensional system over several distinct variables.</a:t>
-            </a:r>
-          </a:p>
-          <a:p>
-            <a:pPr>
-              <a:lnSpc>
-                <a:spcPct val="140000"/>
-              </a:lnSpc>
-            </a:pPr>
+              <a:t>In Combinatorial Optimization, we need to optimize a multidimensional system over several distinct </a:t>
+            </a:r>
             <a:r>
               <a:rPr lang="en-IN" dirty="0" smtClean="0">
                 <a:latin typeface="Arial" panose="020B0604020202020204" pitchFamily="34" charset="0"/>
                 <a:cs typeface="Arial" panose="020B0604020202020204" pitchFamily="34" charset="0"/>
               </a:rPr>
-              <a:t>As we saw, in the </a:t>
-            </a:r>
-            <a:r>
-              <a:rPr lang="en-IN" dirty="0" err="1" smtClean="0">
-                <a:latin typeface="Arial" panose="020B0604020202020204" pitchFamily="34" charset="0"/>
-                <a:cs typeface="Arial" panose="020B0604020202020204" pitchFamily="34" charset="0"/>
-              </a:rPr>
-              <a:t>Ising</a:t>
-            </a:r>
-            <a:r>
-              <a:rPr lang="en-IN" dirty="0" smtClean="0">
-                <a:latin typeface="Arial" panose="020B0604020202020204" pitchFamily="34" charset="0"/>
-                <a:cs typeface="Arial" panose="020B0604020202020204" pitchFamily="34" charset="0"/>
-              </a:rPr>
-              <a:t> spin problem, we naturally ended up using Graphs aka Networks. This seems to be the case in many other Physics </a:t>
-            </a:r>
-            <a:r>
-              <a:rPr lang="en-IN" dirty="0">
-                <a:latin typeface="Arial" panose="020B0604020202020204" pitchFamily="34" charset="0"/>
-                <a:cs typeface="Arial" panose="020B0604020202020204" pitchFamily="34" charset="0"/>
-              </a:rPr>
-              <a:t>problems</a:t>
-            </a:r>
-            <a:r>
-              <a:rPr lang="en-IN" dirty="0" smtClean="0">
-                <a:latin typeface="Arial" panose="020B0604020202020204" pitchFamily="34" charset="0"/>
-                <a:cs typeface="Arial" panose="020B0604020202020204" pitchFamily="34" charset="0"/>
-              </a:rPr>
-              <a:t> where we end up doing some kind of Combinatorial Optimization. For instance, the </a:t>
-            </a:r>
-            <a:r>
-              <a:rPr lang="en-IN" dirty="0" err="1" smtClean="0">
-                <a:latin typeface="Arial" panose="020B0604020202020204" pitchFamily="34" charset="0"/>
-                <a:cs typeface="Arial" panose="020B0604020202020204" pitchFamily="34" charset="0"/>
-              </a:rPr>
-              <a:t>Lieb’s</a:t>
-            </a:r>
-            <a:r>
-              <a:rPr lang="en-IN" dirty="0" smtClean="0">
-                <a:latin typeface="Arial" panose="020B0604020202020204" pitchFamily="34" charset="0"/>
-                <a:cs typeface="Arial" panose="020B0604020202020204" pitchFamily="34" charset="0"/>
-              </a:rPr>
-              <a:t> theorem of the Hubbard model, Feynman Graphs in QFT etc. all use Graph Theory.</a:t>
-            </a:r>
-          </a:p>
-          <a:p>
-            <a:pPr>
-              <a:lnSpc>
-                <a:spcPct val="140000"/>
-              </a:lnSpc>
-            </a:pPr>
-            <a:r>
-              <a:rPr lang="en-IN" dirty="0" smtClean="0">
-                <a:latin typeface="Arial" panose="020B0604020202020204" pitchFamily="34" charset="0"/>
-                <a:cs typeface="Arial" panose="020B0604020202020204" pitchFamily="34" charset="0"/>
-              </a:rPr>
-              <a:t>So, from our knowledge of Combinatorial Optimization in Physics we should decide to study Complex Diseases also with Graphs/Networks called ‘Complex Networks</a:t>
-            </a:r>
-            <a:r>
-              <a:rPr lang="en-IN" dirty="0" smtClean="0">
-                <a:latin typeface="Arial" panose="020B0604020202020204" pitchFamily="34" charset="0"/>
-                <a:cs typeface="Arial" panose="020B0604020202020204" pitchFamily="34" charset="0"/>
-              </a:rPr>
-              <a:t>’.</a:t>
+              <a:t>variables.</a:t>
             </a:r>
             <a:endParaRPr lang="en-IN" dirty="0" smtClean="0">
               <a:latin typeface="Arial" panose="020B0604020202020204" pitchFamily="34" charset="0"/>
               <a:cs typeface="Arial" panose="020B0604020202020204" pitchFamily="34" charset="0"/>
             </a:endParaRPr>
+          </a:p>
+          <a:p>
+            <a:pPr>
+              <a:lnSpc>
+                <a:spcPct val="160000"/>
+              </a:lnSpc>
+            </a:pPr>
+            <a:r>
+              <a:rPr lang="en-IN" dirty="0" smtClean="0">
+                <a:latin typeface="Arial" panose="020B0604020202020204" pitchFamily="34" charset="0"/>
+                <a:cs typeface="Arial" panose="020B0604020202020204" pitchFamily="34" charset="0"/>
+              </a:rPr>
+              <a:t>As we saw, in the </a:t>
+            </a:r>
+            <a:r>
+              <a:rPr lang="en-IN" dirty="0" err="1" smtClean="0">
+                <a:latin typeface="Arial" panose="020B0604020202020204" pitchFamily="34" charset="0"/>
+                <a:cs typeface="Arial" panose="020B0604020202020204" pitchFamily="34" charset="0"/>
+              </a:rPr>
+              <a:t>Ising</a:t>
+            </a:r>
+            <a:r>
+              <a:rPr lang="en-IN" dirty="0" smtClean="0">
+                <a:latin typeface="Arial" panose="020B0604020202020204" pitchFamily="34" charset="0"/>
+                <a:cs typeface="Arial" panose="020B0604020202020204" pitchFamily="34" charset="0"/>
+              </a:rPr>
+              <a:t> spin problem, we naturally ended up using Graphs aka Networks. This seems to be the case in many other Physics </a:t>
+            </a:r>
+            <a:r>
+              <a:rPr lang="en-IN" dirty="0">
+                <a:latin typeface="Arial" panose="020B0604020202020204" pitchFamily="34" charset="0"/>
+                <a:cs typeface="Arial" panose="020B0604020202020204" pitchFamily="34" charset="0"/>
+              </a:rPr>
+              <a:t>problems</a:t>
+            </a:r>
+            <a:r>
+              <a:rPr lang="en-IN" dirty="0" smtClean="0">
+                <a:latin typeface="Arial" panose="020B0604020202020204" pitchFamily="34" charset="0"/>
+                <a:cs typeface="Arial" panose="020B0604020202020204" pitchFamily="34" charset="0"/>
+              </a:rPr>
+              <a:t> where we end up doing some kind of Combinatorial Optimization. For instance, the </a:t>
+            </a:r>
+            <a:r>
+              <a:rPr lang="en-IN" dirty="0" err="1" smtClean="0">
+                <a:latin typeface="Arial" panose="020B0604020202020204" pitchFamily="34" charset="0"/>
+                <a:cs typeface="Arial" panose="020B0604020202020204" pitchFamily="34" charset="0"/>
+              </a:rPr>
+              <a:t>Lieb’s</a:t>
+            </a:r>
+            <a:r>
+              <a:rPr lang="en-IN" dirty="0" smtClean="0">
+                <a:latin typeface="Arial" panose="020B0604020202020204" pitchFamily="34" charset="0"/>
+                <a:cs typeface="Arial" panose="020B0604020202020204" pitchFamily="34" charset="0"/>
+              </a:rPr>
+              <a:t> theorem of the Hubbard model, Feynman Graphs in QFT etc. all use Graph </a:t>
+            </a:r>
+            <a:r>
+              <a:rPr lang="en-IN" dirty="0" smtClean="0">
+                <a:latin typeface="Arial" panose="020B0604020202020204" pitchFamily="34" charset="0"/>
+                <a:cs typeface="Arial" panose="020B0604020202020204" pitchFamily="34" charset="0"/>
+              </a:rPr>
+              <a:t>Theory.</a:t>
+            </a:r>
+            <a:r>
+              <a:rPr lang="en-IN" baseline="30000" dirty="0" smtClean="0">
+                <a:latin typeface="Arial" panose="020B0604020202020204" pitchFamily="34" charset="0"/>
+                <a:cs typeface="Arial" panose="020B0604020202020204" pitchFamily="34" charset="0"/>
+              </a:rPr>
+              <a:t>7</a:t>
+            </a:r>
+            <a:endParaRPr lang="en-IN" baseline="30000" dirty="0" smtClean="0">
+              <a:latin typeface="Arial" panose="020B0604020202020204" pitchFamily="34" charset="0"/>
+              <a:cs typeface="Arial" panose="020B0604020202020204" pitchFamily="34" charset="0"/>
+            </a:endParaRPr>
+          </a:p>
+          <a:p>
+            <a:pPr>
+              <a:lnSpc>
+                <a:spcPct val="160000"/>
+              </a:lnSpc>
+            </a:pPr>
+            <a:r>
+              <a:rPr lang="en-IN" dirty="0" smtClean="0">
+                <a:latin typeface="Arial" panose="020B0604020202020204" pitchFamily="34" charset="0"/>
+                <a:cs typeface="Arial" panose="020B0604020202020204" pitchFamily="34" charset="0"/>
+              </a:rPr>
+              <a:t>So, from our knowledge of Combinatorial Optimization in Physics we should decide to study Complex Diseases also with Graphs/Networks called ‘Complex Networks’.</a:t>
+            </a:r>
+          </a:p>
+        </p:txBody>
+      </p:sp>
+      <p:sp>
+        <p:nvSpPr>
+          <p:cNvPr id="4" name="TextBox 3"/>
+          <p:cNvSpPr txBox="1"/>
+          <p:nvPr/>
+        </p:nvSpPr>
+        <p:spPr>
+          <a:xfrm>
+            <a:off x="681487" y="6202391"/>
+            <a:ext cx="7306573" cy="800219"/>
+          </a:xfrm>
+          <a:prstGeom prst="rect">
+            <a:avLst/>
+          </a:prstGeom>
+          <a:noFill/>
+        </p:spPr>
+        <p:txBody>
+          <a:bodyPr wrap="square" rtlCol="0">
+            <a:spAutoFit/>
+          </a:bodyPr>
+          <a:lstStyle/>
+          <a:p>
+            <a:r>
+              <a:rPr lang="en-IN" sz="1400" dirty="0" smtClean="0"/>
+              <a:t>7.</a:t>
+            </a:r>
+            <a:r>
+              <a:rPr lang="en-IN" sz="1600" dirty="0" smtClean="0"/>
+              <a:t> </a:t>
+            </a:r>
+            <a:r>
+              <a:rPr lang="en-IN" sz="1400" dirty="0" smtClean="0"/>
+              <a:t>Estrada</a:t>
+            </a:r>
+            <a:r>
+              <a:rPr lang="en-IN" sz="1400" dirty="0"/>
+              <a:t>, Ernesto. 2013. “Graph and Network Theory in Physics. A Short Introduction.” </a:t>
+            </a:r>
+            <a:r>
+              <a:rPr lang="en-IN" sz="1400" dirty="0" smtClean="0"/>
+              <a:t>http</a:t>
+            </a:r>
+            <a:r>
+              <a:rPr lang="en-IN" sz="1400" dirty="0"/>
+              <a:t>://arxiv.org/abs/1302.4378.</a:t>
+            </a:r>
+            <a:endParaRPr lang="en-IN" sz="1600" dirty="0"/>
+          </a:p>
+          <a:p>
+            <a:endParaRPr lang="en-IN" sz="1600" dirty="0"/>
           </a:p>
         </p:txBody>
       </p:sp>
@@ -4689,8 +4962,8 @@
         </p:nvSpPr>
         <p:spPr>
           <a:xfrm>
-            <a:off x="838200" y="365126"/>
-            <a:ext cx="10515600" cy="445758"/>
+            <a:off x="838199" y="106334"/>
+            <a:ext cx="10515600" cy="376746"/>
           </a:xfrm>
         </p:spPr>
         <p:txBody>
@@ -4705,12 +4978,345 @@
                 <a:latin typeface="Arial" panose="020B0604020202020204" pitchFamily="34" charset="0"/>
                 <a:cs typeface="Arial" panose="020B0604020202020204" pitchFamily="34" charset="0"/>
               </a:rPr>
-              <a:t>Here is a complex network of Alzheimer’s Disease</a:t>
-            </a:r>
-            <a:endParaRPr lang="en-IN" sz="2800" dirty="0">
+              <a:t>Here is a complex network of </a:t>
+            </a:r>
+            <a:r>
+              <a:rPr lang="en-IN" sz="3100" b="1" dirty="0" smtClean="0">
+                <a:latin typeface="Arial" panose="020B0604020202020204" pitchFamily="34" charset="0"/>
+                <a:cs typeface="Arial" panose="020B0604020202020204" pitchFamily="34" charset="0"/>
+              </a:rPr>
+              <a:t>Alzheimer’s </a:t>
+            </a:r>
+            <a:r>
+              <a:rPr lang="en-IN" sz="3100" b="1" dirty="0" smtClean="0">
+                <a:latin typeface="Arial" panose="020B0604020202020204" pitchFamily="34" charset="0"/>
+                <a:cs typeface="Arial" panose="020B0604020202020204" pitchFamily="34" charset="0"/>
+              </a:rPr>
+              <a:t>Disease</a:t>
+            </a:r>
+            <a:r>
+              <a:rPr lang="en-IN" sz="3100" b="1" baseline="30000" dirty="0" smtClean="0">
+                <a:latin typeface="Arial" panose="020B0604020202020204" pitchFamily="34" charset="0"/>
+                <a:cs typeface="Arial" panose="020B0604020202020204" pitchFamily="34" charset="0"/>
+              </a:rPr>
+              <a:t>8</a:t>
+            </a:r>
+            <a:endParaRPr lang="en-IN" sz="2800" b="1" baseline="30000" dirty="0">
               <a:latin typeface="Arial" panose="020B0604020202020204" pitchFamily="34" charset="0"/>
               <a:cs typeface="Arial" panose="020B0604020202020204" pitchFamily="34" charset="0"/>
             </a:endParaRPr>
+          </a:p>
+        </p:txBody>
+      </p:sp>
+      <p:pic>
+        <p:nvPicPr>
+          <p:cNvPr id="4" name="Picture 3"/>
+          <p:cNvPicPr>
+            <a:picLocks noChangeAspect="1"/>
+          </p:cNvPicPr>
+          <p:nvPr/>
+        </p:nvPicPr>
+        <p:blipFill>
+          <a:blip r:embed="rId2">
+            <a:extLst>
+              <a:ext uri="{28A0092B-C50C-407E-A947-70E740481C1C}">
+                <a14:useLocalDpi xmlns:a14="http://schemas.microsoft.com/office/drawing/2010/main" val="0"/>
+              </a:ext>
+            </a:extLst>
+          </a:blip>
+          <a:stretch>
+            <a:fillRect/>
+          </a:stretch>
+        </p:blipFill>
+        <p:spPr>
+          <a:xfrm>
+            <a:off x="5011948" y="483080"/>
+            <a:ext cx="6617897" cy="6288655"/>
+          </a:xfrm>
+          <a:prstGeom prst="rect">
+            <a:avLst/>
+          </a:prstGeom>
+        </p:spPr>
+      </p:pic>
+      <p:sp>
+        <p:nvSpPr>
+          <p:cNvPr id="5" name="TextBox 4"/>
+          <p:cNvSpPr txBox="1"/>
+          <p:nvPr/>
+        </p:nvSpPr>
+        <p:spPr>
+          <a:xfrm>
+            <a:off x="172529" y="662370"/>
+            <a:ext cx="4684143" cy="4939814"/>
+          </a:xfrm>
+          <a:prstGeom prst="rect">
+            <a:avLst/>
+          </a:prstGeom>
+          <a:noFill/>
+        </p:spPr>
+        <p:txBody>
+          <a:bodyPr wrap="square" rtlCol="0">
+            <a:spAutoFit/>
+          </a:bodyPr>
+          <a:lstStyle/>
+          <a:p>
+            <a:pPr marL="285750" indent="-285750">
+              <a:spcBef>
+                <a:spcPts val="600"/>
+              </a:spcBef>
+              <a:buFont typeface="Arial" panose="020B0604020202020204" pitchFamily="34" charset="0"/>
+              <a:buChar char="•"/>
+            </a:pPr>
+            <a:r>
+              <a:rPr lang="en-IN" sz="2000" dirty="0" smtClean="0">
+                <a:latin typeface="Arial" panose="020B0604020202020204" pitchFamily="34" charset="0"/>
+                <a:cs typeface="Arial" panose="020B0604020202020204" pitchFamily="34" charset="0"/>
+              </a:rPr>
+              <a:t>Nodes = </a:t>
+            </a:r>
+            <a:r>
+              <a:rPr lang="en-IN" sz="2000" dirty="0" smtClean="0">
+                <a:latin typeface="Arial" panose="020B0604020202020204" pitchFamily="34" charset="0"/>
+                <a:cs typeface="Arial" panose="020B0604020202020204" pitchFamily="34" charset="0"/>
+              </a:rPr>
+              <a:t>496 and Edges </a:t>
+            </a:r>
+            <a:r>
+              <a:rPr lang="en-IN" sz="2000" dirty="0" smtClean="0">
+                <a:latin typeface="Arial" panose="020B0604020202020204" pitchFamily="34" charset="0"/>
+                <a:cs typeface="Arial" panose="020B0604020202020204" pitchFamily="34" charset="0"/>
+              </a:rPr>
+              <a:t>= </a:t>
+            </a:r>
+            <a:r>
+              <a:rPr lang="en-IN" sz="2000" dirty="0" smtClean="0">
+                <a:latin typeface="Arial" panose="020B0604020202020204" pitchFamily="34" charset="0"/>
+                <a:cs typeface="Arial" panose="020B0604020202020204" pitchFamily="34" charset="0"/>
+              </a:rPr>
+              <a:t>1521</a:t>
+            </a:r>
+          </a:p>
+          <a:p>
+            <a:pPr marL="285750" indent="-285750">
+              <a:spcBef>
+                <a:spcPts val="600"/>
+              </a:spcBef>
+              <a:buFont typeface="Arial" panose="020B0604020202020204" pitchFamily="34" charset="0"/>
+              <a:buChar char="•"/>
+            </a:pPr>
+            <a:r>
+              <a:rPr lang="en-IN" sz="2000" dirty="0" smtClean="0">
+                <a:latin typeface="Arial" panose="020B0604020202020204" pitchFamily="34" charset="0"/>
+                <a:cs typeface="Arial" panose="020B0604020202020204" pitchFamily="34" charset="0"/>
+              </a:rPr>
+              <a:t>List of proteins was made by a literature survey of 5298 reports retrieved from PubMed with the </a:t>
+            </a:r>
+            <a:r>
+              <a:rPr lang="en-IN" sz="2000" dirty="0">
+                <a:latin typeface="Arial" panose="020B0604020202020204" pitchFamily="34" charset="0"/>
+                <a:cs typeface="Arial" panose="020B0604020202020204" pitchFamily="34" charset="0"/>
+              </a:rPr>
+              <a:t>search </a:t>
+            </a:r>
+            <a:r>
+              <a:rPr lang="en-IN" sz="2000" dirty="0" smtClean="0">
+                <a:latin typeface="Arial" panose="020B0604020202020204" pitchFamily="34" charset="0"/>
+                <a:cs typeface="Arial" panose="020B0604020202020204" pitchFamily="34" charset="0"/>
+              </a:rPr>
+              <a:t>string, </a:t>
+            </a:r>
+            <a:r>
+              <a:rPr lang="en-IN" sz="2000" dirty="0">
+                <a:latin typeface="Arial" panose="020B0604020202020204" pitchFamily="34" charset="0"/>
+                <a:cs typeface="Arial" panose="020B0604020202020204" pitchFamily="34" charset="0"/>
+              </a:rPr>
+              <a:t>‘(Alzheimer’s Disease [</a:t>
+            </a:r>
+            <a:r>
+              <a:rPr lang="en-IN" sz="2000" dirty="0" err="1">
+                <a:latin typeface="Arial" panose="020B0604020202020204" pitchFamily="34" charset="0"/>
+                <a:cs typeface="Arial" panose="020B0604020202020204" pitchFamily="34" charset="0"/>
+              </a:rPr>
+              <a:t>MeSH</a:t>
+            </a:r>
+            <a:r>
+              <a:rPr lang="en-IN" sz="2000" dirty="0">
+                <a:latin typeface="Arial" panose="020B0604020202020204" pitchFamily="34" charset="0"/>
+                <a:cs typeface="Arial" panose="020B0604020202020204" pitchFamily="34" charset="0"/>
+              </a:rPr>
+              <a:t>]) AND (Poly- morphism [</a:t>
+            </a:r>
+            <a:r>
+              <a:rPr lang="en-IN" sz="2000" dirty="0" err="1">
+                <a:latin typeface="Arial" panose="020B0604020202020204" pitchFamily="34" charset="0"/>
+                <a:cs typeface="Arial" panose="020B0604020202020204" pitchFamily="34" charset="0"/>
+              </a:rPr>
+              <a:t>MeSH</a:t>
+            </a:r>
+            <a:r>
+              <a:rPr lang="en-IN" sz="2000" dirty="0">
+                <a:latin typeface="Arial" panose="020B0604020202020204" pitchFamily="34" charset="0"/>
+                <a:cs typeface="Arial" panose="020B0604020202020204" pitchFamily="34" charset="0"/>
+              </a:rPr>
+              <a:t>] OR Genotype [</a:t>
+            </a:r>
+            <a:r>
+              <a:rPr lang="en-IN" sz="2000" dirty="0" err="1">
+                <a:latin typeface="Arial" panose="020B0604020202020204" pitchFamily="34" charset="0"/>
+                <a:cs typeface="Arial" panose="020B0604020202020204" pitchFamily="34" charset="0"/>
+              </a:rPr>
+              <a:t>MeSH</a:t>
+            </a:r>
+            <a:r>
+              <a:rPr lang="en-IN" sz="2000" dirty="0">
+                <a:latin typeface="Arial" panose="020B0604020202020204" pitchFamily="34" charset="0"/>
+                <a:cs typeface="Arial" panose="020B0604020202020204" pitchFamily="34" charset="0"/>
+              </a:rPr>
+              <a:t>] OR Alleles [</a:t>
+            </a:r>
+            <a:r>
+              <a:rPr lang="en-IN" sz="2000" dirty="0" err="1">
+                <a:latin typeface="Arial" panose="020B0604020202020204" pitchFamily="34" charset="0"/>
+                <a:cs typeface="Arial" panose="020B0604020202020204" pitchFamily="34" charset="0"/>
+              </a:rPr>
+              <a:t>MeSH</a:t>
+            </a:r>
+            <a:r>
+              <a:rPr lang="en-IN" sz="2000" dirty="0">
+                <a:latin typeface="Arial" panose="020B0604020202020204" pitchFamily="34" charset="0"/>
+                <a:cs typeface="Arial" panose="020B0604020202020204" pitchFamily="34" charset="0"/>
+              </a:rPr>
+              <a:t>]) NOT (Neoplasms [</a:t>
+            </a:r>
+            <a:r>
+              <a:rPr lang="en-IN" sz="2000" dirty="0" err="1">
+                <a:latin typeface="Arial" panose="020B0604020202020204" pitchFamily="34" charset="0"/>
+                <a:cs typeface="Arial" panose="020B0604020202020204" pitchFamily="34" charset="0"/>
+              </a:rPr>
+              <a:t>MeSH</a:t>
+            </a:r>
+            <a:r>
+              <a:rPr lang="en-IN" sz="2000" dirty="0" smtClean="0">
+                <a:latin typeface="Arial" panose="020B0604020202020204" pitchFamily="34" charset="0"/>
+                <a:cs typeface="Arial" panose="020B0604020202020204" pitchFamily="34" charset="0"/>
+              </a:rPr>
+              <a:t>])’</a:t>
+            </a:r>
+          </a:p>
+          <a:p>
+            <a:pPr marL="285750" indent="-285750">
+              <a:spcBef>
+                <a:spcPts val="600"/>
+              </a:spcBef>
+              <a:buFont typeface="Arial" panose="020B0604020202020204" pitchFamily="34" charset="0"/>
+              <a:buChar char="•"/>
+            </a:pPr>
+            <a:r>
+              <a:rPr lang="en-IN" sz="2000" dirty="0" smtClean="0">
+                <a:latin typeface="Arial" panose="020B0604020202020204" pitchFamily="34" charset="0"/>
+                <a:cs typeface="Arial" panose="020B0604020202020204" pitchFamily="34" charset="0"/>
+              </a:rPr>
+              <a:t>Used Steiner Minimal Tree Algorithm from </a:t>
+            </a:r>
+            <a:r>
+              <a:rPr lang="en-IN" sz="2000" dirty="0" err="1" smtClean="0">
+                <a:latin typeface="Arial" panose="020B0604020202020204" pitchFamily="34" charset="0"/>
+                <a:cs typeface="Arial" panose="020B0604020202020204" pitchFamily="34" charset="0"/>
+              </a:rPr>
+              <a:t>GenRev</a:t>
+            </a:r>
+            <a:r>
+              <a:rPr lang="en-IN" sz="2000" dirty="0" smtClean="0">
+                <a:latin typeface="Arial" panose="020B0604020202020204" pitchFamily="34" charset="0"/>
+                <a:cs typeface="Arial" panose="020B0604020202020204" pitchFamily="34" charset="0"/>
+              </a:rPr>
+              <a:t> package</a:t>
+            </a:r>
+          </a:p>
+          <a:p>
+            <a:pPr marL="285750" indent="-285750">
+              <a:spcBef>
+                <a:spcPts val="600"/>
+              </a:spcBef>
+              <a:buFont typeface="Arial" panose="020B0604020202020204" pitchFamily="34" charset="0"/>
+              <a:buChar char="•"/>
+            </a:pPr>
+            <a:r>
+              <a:rPr lang="en-IN" sz="2000" dirty="0" smtClean="0">
+                <a:latin typeface="Arial" panose="020B0604020202020204" pitchFamily="34" charset="0"/>
+                <a:cs typeface="Arial" panose="020B0604020202020204" pitchFamily="34" charset="0"/>
+              </a:rPr>
+              <a:t>Instead of doing it this way, one could identify all the proteins in the lab and then make a network (or retrieve the list from a lab’s database that did it)</a:t>
+            </a:r>
+            <a:endParaRPr lang="en-IN" sz="2000" dirty="0" smtClean="0">
+              <a:latin typeface="Arial" panose="020B0604020202020204" pitchFamily="34" charset="0"/>
+              <a:cs typeface="Arial" panose="020B0604020202020204" pitchFamily="34" charset="0"/>
+            </a:endParaRPr>
+          </a:p>
+        </p:txBody>
+      </p:sp>
+      <p:sp>
+        <p:nvSpPr>
+          <p:cNvPr id="3" name="TextBox 2"/>
+          <p:cNvSpPr txBox="1"/>
+          <p:nvPr/>
+        </p:nvSpPr>
+        <p:spPr>
+          <a:xfrm>
+            <a:off x="172529" y="5602184"/>
+            <a:ext cx="3942272" cy="1169551"/>
+          </a:xfrm>
+          <a:prstGeom prst="rect">
+            <a:avLst/>
+          </a:prstGeom>
+          <a:noFill/>
+        </p:spPr>
+        <p:txBody>
+          <a:bodyPr wrap="square" rtlCol="0">
+            <a:spAutoFit/>
+          </a:bodyPr>
+          <a:lstStyle/>
+          <a:p>
+            <a:r>
+              <a:rPr lang="en-IN" sz="1400" dirty="0" smtClean="0"/>
+              <a:t>8. </a:t>
+            </a:r>
+            <a:r>
+              <a:rPr lang="en-IN" sz="1400" dirty="0"/>
+              <a:t>Hu, Yan-Shi, </a:t>
+            </a:r>
+            <a:r>
+              <a:rPr lang="en-IN" sz="1400" dirty="0" err="1"/>
+              <a:t>Juncai</a:t>
+            </a:r>
+            <a:r>
+              <a:rPr lang="en-IN" sz="1400" dirty="0"/>
+              <a:t> Xin, Ying Hu, Lei Zhang, and </a:t>
+            </a:r>
+            <a:r>
+              <a:rPr lang="en-IN" sz="1400" dirty="0" err="1"/>
+              <a:t>Ju</a:t>
+            </a:r>
+            <a:r>
+              <a:rPr lang="en-IN" sz="1400" dirty="0"/>
+              <a:t> Wang. 2017. “</a:t>
+            </a:r>
+            <a:r>
+              <a:rPr lang="en-IN" sz="1400" dirty="0" err="1"/>
+              <a:t>Analyzing</a:t>
+            </a:r>
+            <a:r>
+              <a:rPr lang="en-IN" sz="1400" dirty="0"/>
+              <a:t> the Genes Related to Alzheimer’s Disease via a Network and Pathway-Based Approach.” </a:t>
+            </a:r>
+            <a:r>
+              <a:rPr lang="en-IN" sz="1400" i="1" dirty="0"/>
+              <a:t>Alzheimer’s Research &amp; Therapy</a:t>
+            </a:r>
+            <a:r>
+              <a:rPr lang="en-IN" sz="1400" dirty="0"/>
+              <a:t> 9 (1): 29. </a:t>
+            </a:r>
           </a:p>
         </p:txBody>
       </p:sp>
@@ -4753,7 +5359,7 @@
       </p:grpSpPr>
       <p:sp>
         <p:nvSpPr>
-          <p:cNvPr id="4" name="Title 3"/>
+          <p:cNvPr id="2" name="Title 1"/>
           <p:cNvSpPr>
             <a:spLocks noGrp="1"/>
           </p:cNvSpPr>
@@ -4763,8 +5369,45 @@
         </p:nvSpPr>
         <p:spPr>
           <a:xfrm>
-            <a:off x="846827" y="805073"/>
-            <a:ext cx="10515600" cy="3266595"/>
+            <a:off x="983412" y="250164"/>
+            <a:ext cx="10515600" cy="681489"/>
+          </a:xfrm>
+        </p:spPr>
+        <p:txBody>
+          <a:bodyPr>
+            <a:normAutofit fontScale="90000"/>
+          </a:bodyPr>
+          <a:lstStyle/>
+          <a:p>
+            <a:pPr algn="ctr"/>
+            <a:r>
+              <a:rPr lang="en-IN" sz="6000" b="1" dirty="0" smtClean="0">
+                <a:latin typeface="Arial" panose="020B0604020202020204" pitchFamily="34" charset="0"/>
+                <a:cs typeface="Arial" panose="020B0604020202020204" pitchFamily="34" charset="0"/>
+              </a:rPr>
+              <a:t>Questions</a:t>
+            </a:r>
+            <a:endParaRPr lang="en-IN" sz="6000" b="1" dirty="0">
+              <a:latin typeface="Arial" panose="020B0604020202020204" pitchFamily="34" charset="0"/>
+              <a:cs typeface="Arial" panose="020B0604020202020204" pitchFamily="34" charset="0"/>
+            </a:endParaRPr>
+          </a:p>
+        </p:txBody>
+      </p:sp>
+      <p:sp>
+        <p:nvSpPr>
+          <p:cNvPr id="3" name="Content Placeholder 2"/>
+          <p:cNvSpPr>
+            <a:spLocks noGrp="1"/>
+          </p:cNvSpPr>
+          <p:nvPr>
+            <p:ph idx="1"/>
+          </p:nvPr>
+        </p:nvSpPr>
+        <p:spPr>
+          <a:xfrm>
+            <a:off x="457200" y="1035170"/>
+            <a:ext cx="11352362" cy="4977441"/>
           </a:xfrm>
         </p:spPr>
         <p:txBody>
@@ -4773,31 +5416,179 @@
           </a:bodyPr>
           <a:lstStyle/>
           <a:p>
-            <a:pPr algn="ctr"/>
-            <a:r>
-              <a:rPr lang="en-IN" dirty="0" smtClean="0"/>
-              <a:t>So, how to study Complex diseases?</a:t>
-            </a:r>
-            <a:br>
-              <a:rPr lang="en-IN" dirty="0" smtClean="0"/>
-            </a:br>
-            <a:r>
-              <a:rPr lang="en-IN" dirty="0" smtClean="0"/>
-              <a:t>With Networks, since Combinatorial Optimization problems are modelled with them. </a:t>
-            </a:r>
-            <a:endParaRPr lang="en-IN" dirty="0"/>
-          </a:p>
-        </p:txBody>
-      </p:sp>
-      <p:sp>
-        <p:nvSpPr>
-          <p:cNvPr id="5" name="TextBox 4"/>
+            <a:pPr marL="742950" indent="-742950">
+              <a:lnSpc>
+                <a:spcPct val="110000"/>
+              </a:lnSpc>
+              <a:buFont typeface="+mj-lt"/>
+              <a:buAutoNum type="arabicPeriod"/>
+            </a:pPr>
+            <a:r>
+              <a:rPr lang="en-IN" sz="3600" b="1" dirty="0" smtClean="0">
+                <a:solidFill>
+                  <a:schemeClr val="bg1">
+                    <a:lumMod val="75000"/>
+                  </a:schemeClr>
+                </a:solidFill>
+                <a:latin typeface="Arial" panose="020B0604020202020204" pitchFamily="34" charset="0"/>
+                <a:cs typeface="Arial" panose="020B0604020202020204" pitchFamily="34" charset="0"/>
+              </a:rPr>
+              <a:t>What is a Complex disease?</a:t>
+            </a:r>
+            <a:r>
+              <a:rPr lang="en-IN" sz="4000" b="1" dirty="0" smtClean="0">
+                <a:solidFill>
+                  <a:schemeClr val="bg1">
+                    <a:lumMod val="75000"/>
+                  </a:schemeClr>
+                </a:solidFill>
+                <a:latin typeface="Arial" panose="020B0604020202020204" pitchFamily="34" charset="0"/>
+                <a:cs typeface="Arial" panose="020B0604020202020204" pitchFamily="34" charset="0"/>
+              </a:rPr>
+              <a:t> </a:t>
+            </a:r>
+            <a:r>
+              <a:rPr lang="en-IN" sz="3200" dirty="0" smtClean="0">
+                <a:solidFill>
+                  <a:schemeClr val="bg1">
+                    <a:lumMod val="75000"/>
+                  </a:schemeClr>
+                </a:solidFill>
+              </a:rPr>
+              <a:t>A </a:t>
+            </a:r>
+            <a:r>
+              <a:rPr lang="en-IN" sz="3200" dirty="0">
+                <a:solidFill>
+                  <a:schemeClr val="bg1">
+                    <a:lumMod val="75000"/>
+                  </a:schemeClr>
+                </a:solidFill>
+              </a:rPr>
+              <a:t>type of Complex system with thousands of genes/proteins/metabolites interacting non linearly causing an undesirable phenotype. </a:t>
+            </a:r>
+            <a:endParaRPr lang="en-IN" sz="3600" b="1" dirty="0" smtClean="0">
+              <a:solidFill>
+                <a:schemeClr val="bg1">
+                  <a:lumMod val="75000"/>
+                </a:schemeClr>
+              </a:solidFill>
+              <a:latin typeface="Arial" panose="020B0604020202020204" pitchFamily="34" charset="0"/>
+              <a:cs typeface="Arial" panose="020B0604020202020204" pitchFamily="34" charset="0"/>
+            </a:endParaRPr>
+          </a:p>
+          <a:p>
+            <a:pPr marL="742950" indent="-742950">
+              <a:lnSpc>
+                <a:spcPct val="110000"/>
+              </a:lnSpc>
+              <a:buFont typeface="+mj-lt"/>
+              <a:buAutoNum type="arabicPeriod"/>
+            </a:pPr>
+            <a:r>
+              <a:rPr lang="en-IN" sz="4000" b="1" dirty="0" smtClean="0">
+                <a:latin typeface="Arial" panose="020B0604020202020204" pitchFamily="34" charset="0"/>
+                <a:cs typeface="Arial" panose="020B0604020202020204" pitchFamily="34" charset="0"/>
+              </a:rPr>
+              <a:t>How to study Complex diseases? </a:t>
+            </a:r>
+            <a:r>
+              <a:rPr lang="en-IN" sz="3200" dirty="0"/>
+              <a:t>With Networks, since </a:t>
+            </a:r>
+            <a:r>
+              <a:rPr lang="en-IN" sz="3200" dirty="0" smtClean="0"/>
+              <a:t>Combinatorial </a:t>
+            </a:r>
+            <a:r>
+              <a:rPr lang="en-IN" sz="3200" dirty="0"/>
+              <a:t>Optimization problems are modelled with them.</a:t>
+            </a:r>
+            <a:r>
+              <a:rPr lang="en-IN" sz="3600" dirty="0"/>
+              <a:t> </a:t>
+            </a:r>
+            <a:endParaRPr lang="en-IN" sz="4000" b="1" dirty="0" smtClean="0">
+              <a:latin typeface="Arial" panose="020B0604020202020204" pitchFamily="34" charset="0"/>
+              <a:cs typeface="Arial" panose="020B0604020202020204" pitchFamily="34" charset="0"/>
+            </a:endParaRPr>
+          </a:p>
+          <a:p>
+            <a:pPr marL="742950" indent="-742950">
+              <a:lnSpc>
+                <a:spcPct val="110000"/>
+              </a:lnSpc>
+              <a:buFont typeface="+mj-lt"/>
+              <a:buAutoNum type="arabicPeriod"/>
+            </a:pPr>
+            <a:r>
+              <a:rPr lang="en-IN" sz="3600" dirty="0" smtClean="0">
+                <a:solidFill>
+                  <a:schemeClr val="bg1">
+                    <a:lumMod val="75000"/>
+                  </a:schemeClr>
+                </a:solidFill>
+                <a:latin typeface="Arial" panose="020B0604020202020204" pitchFamily="34" charset="0"/>
+                <a:cs typeface="Arial" panose="020B0604020202020204" pitchFamily="34" charset="0"/>
+              </a:rPr>
+              <a:t>What can we ai</a:t>
+            </a:r>
+            <a:r>
+              <a:rPr lang="en-IN" sz="3600" dirty="0">
+                <a:solidFill>
+                  <a:schemeClr val="bg1">
+                    <a:lumMod val="75000"/>
+                  </a:schemeClr>
+                </a:solidFill>
+                <a:latin typeface="Arial" panose="020B0604020202020204" pitchFamily="34" charset="0"/>
+                <a:cs typeface="Arial" panose="020B0604020202020204" pitchFamily="34" charset="0"/>
+              </a:rPr>
+              <a:t>m</a:t>
+            </a:r>
+            <a:r>
+              <a:rPr lang="en-IN" sz="3600" dirty="0" smtClean="0">
+                <a:solidFill>
+                  <a:schemeClr val="bg1">
+                    <a:lumMod val="75000"/>
+                  </a:schemeClr>
+                </a:solidFill>
+                <a:latin typeface="Arial" panose="020B0604020202020204" pitchFamily="34" charset="0"/>
+                <a:cs typeface="Arial" panose="020B0604020202020204" pitchFamily="34" charset="0"/>
+              </a:rPr>
+              <a:t> to study with Complex Networks?</a:t>
+            </a:r>
+          </a:p>
+          <a:p>
+            <a:endParaRPr lang="en-IN" sz="3600" dirty="0" smtClean="0">
+              <a:latin typeface="Arial" panose="020B0604020202020204" pitchFamily="34" charset="0"/>
+              <a:cs typeface="Arial" panose="020B0604020202020204" pitchFamily="34" charset="0"/>
+            </a:endParaRPr>
+          </a:p>
+          <a:p>
+            <a:pPr lvl="1"/>
+            <a:endParaRPr lang="en-IN" sz="3200" dirty="0" smtClean="0">
+              <a:latin typeface="Arial" panose="020B0604020202020204" pitchFamily="34" charset="0"/>
+              <a:cs typeface="Arial" panose="020B0604020202020204" pitchFamily="34" charset="0"/>
+            </a:endParaRPr>
+          </a:p>
+          <a:p>
+            <a:pPr lvl="1"/>
+            <a:endParaRPr lang="en-IN" sz="3200" dirty="0">
+              <a:latin typeface="Arial" panose="020B0604020202020204" pitchFamily="34" charset="0"/>
+              <a:cs typeface="Arial" panose="020B0604020202020204" pitchFamily="34" charset="0"/>
+            </a:endParaRPr>
+          </a:p>
+        </p:txBody>
+      </p:sp>
+      <p:sp>
+        <p:nvSpPr>
+          <p:cNvPr id="4" name="TextBox 3"/>
           <p:cNvSpPr txBox="1"/>
           <p:nvPr/>
         </p:nvSpPr>
         <p:spPr>
           <a:xfrm>
-            <a:off x="3027872" y="4373592"/>
+            <a:off x="3014933" y="5639074"/>
             <a:ext cx="6452558" cy="954107"/>
           </a:xfrm>
           <a:prstGeom prst="rect">
@@ -4821,7 +5612,7 @@
             <a:pPr algn="ctr"/>
             <a:r>
               <a:rPr lang="en-IN" sz="2800" dirty="0" smtClean="0"/>
-              <a:t>Please feel free to ask!</a:t>
+              <a:t>Please, feel free to ask!</a:t>
             </a:r>
             <a:endParaRPr lang="en-IN" sz="2800" dirty="0"/>
           </a:p>
@@ -4830,7 +5621,7 @@
     </p:spTree>
     <p:extLst>
       <p:ext uri="{BB962C8B-B14F-4D97-AF65-F5344CB8AC3E}">
-        <p14:creationId xmlns:p14="http://schemas.microsoft.com/office/powerpoint/2010/main" val="2115334788"/>
+        <p14:creationId xmlns:p14="http://schemas.microsoft.com/office/powerpoint/2010/main" val="3943205099"/>
       </p:ext>
     </p:extLst>
   </p:cSld>
@@ -4866,7 +5657,7 @@
       </p:grpSpPr>
       <p:sp>
         <p:nvSpPr>
-          <p:cNvPr id="4" name="Title 3"/>
+          <p:cNvPr id="2" name="Title 1"/>
           <p:cNvSpPr>
             <a:spLocks noGrp="1"/>
           </p:cNvSpPr>
@@ -4876,8 +5667,8 @@
         </p:nvSpPr>
         <p:spPr>
           <a:xfrm>
-            <a:off x="457200" y="2763269"/>
-            <a:ext cx="11291977" cy="1325563"/>
+            <a:off x="983412" y="250164"/>
+            <a:ext cx="10515600" cy="681489"/>
           </a:xfrm>
         </p:spPr>
         <p:txBody>
@@ -4888,27 +5679,233 @@
           <a:p>
             <a:pPr algn="ctr"/>
             <a:r>
-              <a:rPr lang="en-IN" sz="5400" b="1" dirty="0"/>
-              <a:t>3</a:t>
-            </a:r>
-            <a:r>
-              <a:rPr lang="en-IN" sz="5400" b="1" dirty="0" smtClean="0"/>
-              <a:t>. What can we aim to learn about Complex Diseases with Complex Networks?</a:t>
-            </a:r>
-            <a:endParaRPr lang="en-IN" sz="5400" b="1" dirty="0"/>
+              <a:rPr lang="en-IN" sz="6000" b="1" dirty="0" smtClean="0">
+                <a:latin typeface="Arial" panose="020B0604020202020204" pitchFamily="34" charset="0"/>
+                <a:cs typeface="Arial" panose="020B0604020202020204" pitchFamily="34" charset="0"/>
+              </a:rPr>
+              <a:t>Questions</a:t>
+            </a:r>
+            <a:endParaRPr lang="en-IN" sz="6000" b="1" dirty="0">
+              <a:latin typeface="Arial" panose="020B0604020202020204" pitchFamily="34" charset="0"/>
+              <a:cs typeface="Arial" panose="020B0604020202020204" pitchFamily="34" charset="0"/>
+            </a:endParaRPr>
+          </a:p>
+        </p:txBody>
+      </p:sp>
+      <p:sp>
+        <p:nvSpPr>
+          <p:cNvPr id="3" name="Content Placeholder 2"/>
+          <p:cNvSpPr>
+            <a:spLocks noGrp="1"/>
+          </p:cNvSpPr>
+          <p:nvPr>
+            <p:ph idx="1"/>
+          </p:nvPr>
+        </p:nvSpPr>
+        <p:spPr>
+          <a:xfrm>
+            <a:off x="457200" y="1035170"/>
+            <a:ext cx="11352362" cy="4977441"/>
+          </a:xfrm>
+        </p:spPr>
+        <p:txBody>
+          <a:bodyPr>
+            <a:normAutofit lnSpcReduction="10000"/>
+          </a:bodyPr>
+          <a:lstStyle/>
+          <a:p>
+            <a:pPr marL="742950" indent="-742950">
+              <a:lnSpc>
+                <a:spcPct val="110000"/>
+              </a:lnSpc>
+              <a:buFont typeface="+mj-lt"/>
+              <a:buAutoNum type="arabicPeriod"/>
+            </a:pPr>
+            <a:r>
+              <a:rPr lang="en-IN" sz="3600" b="1" dirty="0" smtClean="0">
+                <a:solidFill>
+                  <a:schemeClr val="bg1">
+                    <a:lumMod val="75000"/>
+                  </a:schemeClr>
+                </a:solidFill>
+                <a:latin typeface="Arial" panose="020B0604020202020204" pitchFamily="34" charset="0"/>
+                <a:cs typeface="Arial" panose="020B0604020202020204" pitchFamily="34" charset="0"/>
+              </a:rPr>
+              <a:t>What is a Complex disease?</a:t>
+            </a:r>
+            <a:r>
+              <a:rPr lang="en-IN" sz="4000" b="1" dirty="0" smtClean="0">
+                <a:solidFill>
+                  <a:schemeClr val="bg1">
+                    <a:lumMod val="75000"/>
+                  </a:schemeClr>
+                </a:solidFill>
+                <a:latin typeface="Arial" panose="020B0604020202020204" pitchFamily="34" charset="0"/>
+                <a:cs typeface="Arial" panose="020B0604020202020204" pitchFamily="34" charset="0"/>
+              </a:rPr>
+              <a:t> </a:t>
+            </a:r>
+            <a:r>
+              <a:rPr lang="en-IN" sz="3200" dirty="0" smtClean="0">
+                <a:solidFill>
+                  <a:schemeClr val="bg1">
+                    <a:lumMod val="75000"/>
+                  </a:schemeClr>
+                </a:solidFill>
+              </a:rPr>
+              <a:t>A </a:t>
+            </a:r>
+            <a:r>
+              <a:rPr lang="en-IN" sz="3200" dirty="0">
+                <a:solidFill>
+                  <a:schemeClr val="bg1">
+                    <a:lumMod val="75000"/>
+                  </a:schemeClr>
+                </a:solidFill>
+              </a:rPr>
+              <a:t>type of Complex system with thousands of genes/proteins/metabolites interacting non linearly causing an undesirable phenotype. </a:t>
+            </a:r>
+            <a:endParaRPr lang="en-IN" sz="3600" b="1" dirty="0" smtClean="0">
+              <a:solidFill>
+                <a:schemeClr val="bg1">
+                  <a:lumMod val="75000"/>
+                </a:schemeClr>
+              </a:solidFill>
+              <a:latin typeface="Arial" panose="020B0604020202020204" pitchFamily="34" charset="0"/>
+              <a:cs typeface="Arial" panose="020B0604020202020204" pitchFamily="34" charset="0"/>
+            </a:endParaRPr>
+          </a:p>
+          <a:p>
+            <a:pPr marL="742950" indent="-742950">
+              <a:lnSpc>
+                <a:spcPct val="110000"/>
+              </a:lnSpc>
+              <a:buFont typeface="+mj-lt"/>
+              <a:buAutoNum type="arabicPeriod"/>
+            </a:pPr>
+            <a:r>
+              <a:rPr lang="en-IN" sz="3600" b="1" dirty="0" smtClean="0">
+                <a:solidFill>
+                  <a:schemeClr val="bg1">
+                    <a:lumMod val="75000"/>
+                  </a:schemeClr>
+                </a:solidFill>
+                <a:latin typeface="Arial" panose="020B0604020202020204" pitchFamily="34" charset="0"/>
+                <a:cs typeface="Arial" panose="020B0604020202020204" pitchFamily="34" charset="0"/>
+              </a:rPr>
+              <a:t>How to study Complex diseases?</a:t>
+            </a:r>
+            <a:r>
+              <a:rPr lang="en-IN" sz="4000" b="1" dirty="0" smtClean="0">
+                <a:solidFill>
+                  <a:schemeClr val="bg1">
+                    <a:lumMod val="75000"/>
+                  </a:schemeClr>
+                </a:solidFill>
+                <a:latin typeface="Arial" panose="020B0604020202020204" pitchFamily="34" charset="0"/>
+                <a:cs typeface="Arial" panose="020B0604020202020204" pitchFamily="34" charset="0"/>
+              </a:rPr>
+              <a:t> </a:t>
+            </a:r>
+            <a:r>
+              <a:rPr lang="en-IN" sz="3200" dirty="0">
+                <a:solidFill>
+                  <a:schemeClr val="bg1">
+                    <a:lumMod val="75000"/>
+                  </a:schemeClr>
+                </a:solidFill>
+              </a:rPr>
+              <a:t>With Networks, since Combinatorial Optimization problems are modelled with them.</a:t>
+            </a:r>
+            <a:r>
+              <a:rPr lang="en-IN" sz="3600" dirty="0">
+                <a:solidFill>
+                  <a:schemeClr val="bg1">
+                    <a:lumMod val="75000"/>
+                  </a:schemeClr>
+                </a:solidFill>
+              </a:rPr>
+              <a:t> </a:t>
+            </a:r>
+            <a:endParaRPr lang="en-IN" sz="4000" b="1" dirty="0" smtClean="0">
+              <a:solidFill>
+                <a:schemeClr val="bg1">
+                  <a:lumMod val="75000"/>
+                </a:schemeClr>
+              </a:solidFill>
+              <a:latin typeface="Arial" panose="020B0604020202020204" pitchFamily="34" charset="0"/>
+              <a:cs typeface="Arial" panose="020B0604020202020204" pitchFamily="34" charset="0"/>
+            </a:endParaRPr>
+          </a:p>
+          <a:p>
+            <a:pPr marL="742950" indent="-742950">
+              <a:lnSpc>
+                <a:spcPct val="110000"/>
+              </a:lnSpc>
+              <a:buFont typeface="+mj-lt"/>
+              <a:buAutoNum type="arabicPeriod"/>
+            </a:pPr>
+            <a:r>
+              <a:rPr lang="en-IN" sz="4000" b="1" dirty="0" smtClean="0">
+                <a:latin typeface="Arial" panose="020B0604020202020204" pitchFamily="34" charset="0"/>
+                <a:cs typeface="Arial" panose="020B0604020202020204" pitchFamily="34" charset="0"/>
+              </a:rPr>
+              <a:t>What can we ai</a:t>
+            </a:r>
+            <a:r>
+              <a:rPr lang="en-IN" sz="4000" b="1" dirty="0">
+                <a:latin typeface="Arial" panose="020B0604020202020204" pitchFamily="34" charset="0"/>
+                <a:cs typeface="Arial" panose="020B0604020202020204" pitchFamily="34" charset="0"/>
+              </a:rPr>
+              <a:t>m</a:t>
+            </a:r>
+            <a:r>
+              <a:rPr lang="en-IN" sz="4000" b="1" dirty="0" smtClean="0">
+                <a:latin typeface="Arial" panose="020B0604020202020204" pitchFamily="34" charset="0"/>
+                <a:cs typeface="Arial" panose="020B0604020202020204" pitchFamily="34" charset="0"/>
+              </a:rPr>
+              <a:t> to study with Complex Networks?</a:t>
+            </a:r>
+          </a:p>
+          <a:p>
+            <a:endParaRPr lang="en-IN" sz="3600" dirty="0" smtClean="0">
+              <a:latin typeface="Arial" panose="020B0604020202020204" pitchFamily="34" charset="0"/>
+              <a:cs typeface="Arial" panose="020B0604020202020204" pitchFamily="34" charset="0"/>
+            </a:endParaRPr>
+          </a:p>
+          <a:p>
+            <a:pPr lvl="1"/>
+            <a:endParaRPr lang="en-IN" sz="3200" dirty="0" smtClean="0">
+              <a:latin typeface="Arial" panose="020B0604020202020204" pitchFamily="34" charset="0"/>
+              <a:cs typeface="Arial" panose="020B0604020202020204" pitchFamily="34" charset="0"/>
+            </a:endParaRPr>
+          </a:p>
+          <a:p>
+            <a:pPr lvl="1"/>
+            <a:endParaRPr lang="en-IN" sz="3200" dirty="0">
+              <a:latin typeface="Arial" panose="020B0604020202020204" pitchFamily="34" charset="0"/>
+              <a:cs typeface="Arial" panose="020B0604020202020204" pitchFamily="34" charset="0"/>
+            </a:endParaRPr>
           </a:p>
         </p:txBody>
       </p:sp>
     </p:spTree>
     <p:extLst>
       <p:ext uri="{BB962C8B-B14F-4D97-AF65-F5344CB8AC3E}">
-        <p14:creationId xmlns:p14="http://schemas.microsoft.com/office/powerpoint/2010/main" val="1052110897"/>
+        <p14:creationId xmlns:p14="http://schemas.microsoft.com/office/powerpoint/2010/main" val="134967200"/>
       </p:ext>
     </p:extLst>
   </p:cSld>
   <p:clrMapOvr>
     <a:masterClrMapping/>
   </p:clrMapOvr>
+  <p:timing>
+    <p:tnLst>
+      <p:par>
+        <p:cTn id="1" dur="indefinite" restart="never" nodeType="tmRoot"/>
+      </p:par>
+    </p:tnLst>
+  </p:timing>
 </p:sld>
 </file>
 
@@ -4939,17 +5936,42 @@
             <p:ph type="title"/>
           </p:nvPr>
         </p:nvSpPr>
-        <p:spPr/>
+        <p:spPr>
+          <a:xfrm>
+            <a:off x="838200" y="365126"/>
+            <a:ext cx="10515600" cy="859826"/>
+          </a:xfrm>
+        </p:spPr>
         <p:txBody>
           <a:bodyPr/>
           <a:lstStyle/>
           <a:p>
             <a:pPr algn="ctr"/>
             <a:r>
-              <a:rPr lang="en-IN" dirty="0" smtClean="0"/>
-              <a:t>Measures that matter</a:t>
-            </a:r>
-            <a:endParaRPr lang="en-IN" dirty="0"/>
+              <a:rPr lang="en-IN" dirty="0" smtClean="0">
+                <a:latin typeface="Arial" panose="020B0604020202020204" pitchFamily="34" charset="0"/>
+                <a:cs typeface="Arial" panose="020B0604020202020204" pitchFamily="34" charset="0"/>
+              </a:rPr>
+              <a:t>Find measures that </a:t>
+            </a:r>
+            <a:r>
+              <a:rPr lang="en-IN" dirty="0" smtClean="0">
+                <a:latin typeface="Arial" panose="020B0604020202020204" pitchFamily="34" charset="0"/>
+                <a:cs typeface="Arial" panose="020B0604020202020204" pitchFamily="34" charset="0"/>
+              </a:rPr>
+              <a:t>matter</a:t>
+            </a:r>
+            <a:r>
+              <a:rPr lang="en-IN" baseline="30000" dirty="0" smtClean="0">
+                <a:latin typeface="Arial" panose="020B0604020202020204" pitchFamily="34" charset="0"/>
+                <a:cs typeface="Arial" panose="020B0604020202020204" pitchFamily="34" charset="0"/>
+              </a:rPr>
+              <a:t>9</a:t>
+            </a:r>
+            <a:endParaRPr lang="en-IN" baseline="30000" dirty="0">
+              <a:latin typeface="Arial" panose="020B0604020202020204" pitchFamily="34" charset="0"/>
+              <a:cs typeface="Arial" panose="020B0604020202020204" pitchFamily="34" charset="0"/>
+            </a:endParaRPr>
           </a:p>
         </p:txBody>
       </p:sp>
@@ -4963,62 +5985,219 @@
             <p:ph idx="1"/>
           </p:nvPr>
         </p:nvSpPr>
-        <p:spPr/>
-        <p:txBody>
-          <a:bodyPr/>
-          <a:lstStyle/>
-          <a:p>
-            <a:r>
-              <a:rPr lang="en-IN" dirty="0" smtClean="0"/>
+        <p:spPr>
+          <a:xfrm>
+            <a:off x="605287" y="1224952"/>
+            <a:ext cx="10981426" cy="4865297"/>
+          </a:xfrm>
+        </p:spPr>
+        <p:txBody>
+          <a:bodyPr>
+            <a:normAutofit fontScale="92500" lnSpcReduction="10000"/>
+          </a:bodyPr>
+          <a:lstStyle/>
+          <a:p>
+            <a:pPr>
+              <a:lnSpc>
+                <a:spcPct val="140000"/>
+              </a:lnSpc>
+            </a:pPr>
+            <a:r>
+              <a:rPr lang="en-IN" dirty="0" smtClean="0">
+                <a:latin typeface="Arial" panose="020B0604020202020204" pitchFamily="34" charset="0"/>
+                <a:cs typeface="Arial" panose="020B0604020202020204" pitchFamily="34" charset="0"/>
+              </a:rPr>
               <a:t>There are a lot of measures usually done with Complex Networks. </a:t>
             </a:r>
           </a:p>
           <a:p>
-            <a:r>
-              <a:rPr lang="en-IN" dirty="0" smtClean="0"/>
+            <a:pPr>
+              <a:lnSpc>
+                <a:spcPct val="140000"/>
+              </a:lnSpc>
+            </a:pPr>
+            <a:r>
+              <a:rPr lang="en-IN" dirty="0" smtClean="0">
+                <a:latin typeface="Arial" panose="020B0604020202020204" pitchFamily="34" charset="0"/>
+                <a:cs typeface="Arial" panose="020B0604020202020204" pitchFamily="34" charset="0"/>
+              </a:rPr>
               <a:t>Some of them include:</a:t>
             </a:r>
           </a:p>
           <a:p>
-            <a:pPr lvl="1"/>
-            <a:r>
-              <a:rPr lang="en-IN" dirty="0" smtClean="0"/>
-              <a:t>A</a:t>
-            </a:r>
-          </a:p>
-          <a:p>
-            <a:pPr lvl="1"/>
-            <a:r>
-              <a:rPr lang="en-IN" dirty="0" smtClean="0"/>
-              <a:t>B</a:t>
-            </a:r>
-          </a:p>
-          <a:p>
-            <a:pPr lvl="1"/>
-            <a:r>
-              <a:rPr lang="en-IN" dirty="0" smtClean="0"/>
-              <a:t>C</a:t>
-            </a:r>
-          </a:p>
-          <a:p>
-            <a:pPr lvl="1"/>
-            <a:r>
-              <a:rPr lang="en-IN" dirty="0" smtClean="0"/>
-              <a:t>D etc.</a:t>
-            </a:r>
-          </a:p>
-          <a:p>
-            <a:r>
-              <a:rPr lang="en-IN" dirty="0" smtClean="0"/>
-              <a:t>We need to identify which of these actually matter</a:t>
-            </a:r>
-          </a:p>
-          <a:p>
-            <a:r>
-              <a:rPr lang="en-IN" dirty="0" smtClean="0"/>
+            <a:pPr lvl="1">
+              <a:lnSpc>
+                <a:spcPct val="140000"/>
+              </a:lnSpc>
+              <a:spcBef>
+                <a:spcPts val="1000"/>
+              </a:spcBef>
+            </a:pPr>
+            <a:r>
+              <a:rPr lang="en-IN" dirty="0" smtClean="0">
+                <a:latin typeface="Arial" panose="020B0604020202020204" pitchFamily="34" charset="0"/>
+                <a:cs typeface="Arial" panose="020B0604020202020204" pitchFamily="34" charset="0"/>
+              </a:rPr>
+              <a:t>Degree</a:t>
+            </a:r>
+            <a:endParaRPr lang="en-IN" dirty="0" smtClean="0">
+              <a:latin typeface="Arial" panose="020B0604020202020204" pitchFamily="34" charset="0"/>
+              <a:cs typeface="Arial" panose="020B0604020202020204" pitchFamily="34" charset="0"/>
+            </a:endParaRPr>
+          </a:p>
+          <a:p>
+            <a:pPr lvl="1">
+              <a:lnSpc>
+                <a:spcPct val="140000"/>
+              </a:lnSpc>
+              <a:spcBef>
+                <a:spcPts val="1000"/>
+              </a:spcBef>
+            </a:pPr>
+            <a:r>
+              <a:rPr lang="en-IN" dirty="0" smtClean="0">
+                <a:latin typeface="Arial" panose="020B0604020202020204" pitchFamily="34" charset="0"/>
+                <a:cs typeface="Arial" panose="020B0604020202020204" pitchFamily="34" charset="0"/>
+              </a:rPr>
+              <a:t>Clustering Coefficient</a:t>
+            </a:r>
+            <a:endParaRPr lang="en-IN" dirty="0" smtClean="0">
+              <a:latin typeface="Arial" panose="020B0604020202020204" pitchFamily="34" charset="0"/>
+              <a:cs typeface="Arial" panose="020B0604020202020204" pitchFamily="34" charset="0"/>
+            </a:endParaRPr>
+          </a:p>
+          <a:p>
+            <a:pPr lvl="1">
+              <a:lnSpc>
+                <a:spcPct val="140000"/>
+              </a:lnSpc>
+              <a:spcBef>
+                <a:spcPts val="1000"/>
+              </a:spcBef>
+            </a:pPr>
+            <a:r>
+              <a:rPr lang="en-IN" dirty="0" err="1" smtClean="0">
+                <a:latin typeface="Arial" panose="020B0604020202020204" pitchFamily="34" charset="0"/>
+                <a:cs typeface="Arial" panose="020B0604020202020204" pitchFamily="34" charset="0"/>
+              </a:rPr>
+              <a:t>Betweenness</a:t>
+            </a:r>
+            <a:r>
+              <a:rPr lang="en-IN" dirty="0" smtClean="0">
+                <a:latin typeface="Arial" panose="020B0604020202020204" pitchFamily="34" charset="0"/>
+                <a:cs typeface="Arial" panose="020B0604020202020204" pitchFamily="34" charset="0"/>
+              </a:rPr>
+              <a:t> Centrality</a:t>
+            </a:r>
+            <a:r>
+              <a:rPr lang="en-IN" dirty="0" smtClean="0">
+                <a:latin typeface="Arial" panose="020B0604020202020204" pitchFamily="34" charset="0"/>
+                <a:cs typeface="Arial" panose="020B0604020202020204" pitchFamily="34" charset="0"/>
+              </a:rPr>
+              <a:t> etc</a:t>
+            </a:r>
+            <a:r>
+              <a:rPr lang="en-IN" dirty="0" smtClean="0">
+                <a:latin typeface="Arial" panose="020B0604020202020204" pitchFamily="34" charset="0"/>
+                <a:cs typeface="Arial" panose="020B0604020202020204" pitchFamily="34" charset="0"/>
+              </a:rPr>
+              <a:t>.</a:t>
+            </a:r>
+          </a:p>
+          <a:p>
+            <a:pPr>
+              <a:lnSpc>
+                <a:spcPct val="140000"/>
+              </a:lnSpc>
+            </a:pPr>
+            <a:r>
+              <a:rPr lang="en-IN" dirty="0" smtClean="0">
+                <a:latin typeface="Arial" panose="020B0604020202020204" pitchFamily="34" charset="0"/>
+                <a:cs typeface="Arial" panose="020B0604020202020204" pitchFamily="34" charset="0"/>
+              </a:rPr>
+              <a:t>We need to identify which of these actually </a:t>
+            </a:r>
+            <a:r>
+              <a:rPr lang="en-IN" dirty="0" smtClean="0">
+                <a:latin typeface="Arial" panose="020B0604020202020204" pitchFamily="34" charset="0"/>
+                <a:cs typeface="Arial" panose="020B0604020202020204" pitchFamily="34" charset="0"/>
+              </a:rPr>
+              <a:t>matter.</a:t>
+            </a:r>
+            <a:endParaRPr lang="en-IN" dirty="0" smtClean="0">
+              <a:latin typeface="Arial" panose="020B0604020202020204" pitchFamily="34" charset="0"/>
+              <a:cs typeface="Arial" panose="020B0604020202020204" pitchFamily="34" charset="0"/>
+            </a:endParaRPr>
+          </a:p>
+          <a:p>
+            <a:pPr>
+              <a:lnSpc>
+                <a:spcPct val="140000"/>
+              </a:lnSpc>
+            </a:pPr>
+            <a:r>
+              <a:rPr lang="en-IN" dirty="0" smtClean="0">
+                <a:latin typeface="Arial" panose="020B0604020202020204" pitchFamily="34" charset="0"/>
+                <a:cs typeface="Arial" panose="020B0604020202020204" pitchFamily="34" charset="0"/>
+              </a:rPr>
               <a:t>Note that none of the known measures may end up mattering! We may have to cook up a new measure of our own. </a:t>
             </a:r>
-            <a:endParaRPr lang="en-IN" dirty="0"/>
+            <a:endParaRPr lang="en-IN" dirty="0">
+              <a:latin typeface="Arial" panose="020B0604020202020204" pitchFamily="34" charset="0"/>
+              <a:cs typeface="Arial" panose="020B0604020202020204" pitchFamily="34" charset="0"/>
+            </a:endParaRPr>
+          </a:p>
+        </p:txBody>
+      </p:sp>
+      <p:sp>
+        <p:nvSpPr>
+          <p:cNvPr id="2" name="TextBox 1"/>
+          <p:cNvSpPr txBox="1"/>
+          <p:nvPr/>
+        </p:nvSpPr>
+        <p:spPr>
+          <a:xfrm>
+            <a:off x="741872" y="6090249"/>
+            <a:ext cx="6944264" cy="738664"/>
+          </a:xfrm>
+          <a:prstGeom prst="rect">
+            <a:avLst/>
+          </a:prstGeom>
+          <a:noFill/>
+        </p:spPr>
+        <p:txBody>
+          <a:bodyPr wrap="square" rtlCol="0">
+            <a:spAutoFit/>
+          </a:bodyPr>
+          <a:lstStyle/>
+          <a:p>
+            <a:r>
+              <a:rPr lang="en-IN" sz="1400" dirty="0" smtClean="0"/>
+              <a:t>9. Newman</a:t>
+            </a:r>
+            <a:r>
+              <a:rPr lang="en-IN" sz="1400" dirty="0"/>
+              <a:t>, M. E. J. 2003. “The Structure and Function of Complex Networks.” </a:t>
+            </a:r>
+            <a:r>
+              <a:rPr lang="en-IN" sz="1400" i="1" dirty="0"/>
+              <a:t>SIAM Review</a:t>
+            </a:r>
+            <a:r>
+              <a:rPr lang="en-IN" sz="1400" dirty="0"/>
+              <a:t> 45 (2): </a:t>
+            </a:r>
+            <a:r>
+              <a:rPr lang="en-IN" sz="1400" dirty="0" smtClean="0"/>
+              <a:t>167–256</a:t>
+            </a:r>
+            <a:r>
+              <a:rPr lang="en-IN" sz="1400" dirty="0"/>
+              <a:t>.</a:t>
+            </a:r>
+          </a:p>
+          <a:p>
+            <a:endParaRPr lang="en-IN" sz="1400" dirty="0"/>
           </a:p>
         </p:txBody>
       </p:sp>
@@ -5032,6 +6211,13 @@
   <p:clrMapOvr>
     <a:masterClrMapping/>
   </p:clrMapOvr>
+  <p:timing>
+    <p:tnLst>
+      <p:par>
+        <p:cTn id="1" dur="indefinite" restart="never" nodeType="tmRoot"/>
+      </p:par>
+    </p:tnLst>
+  </p:timing>
 </p:sld>
 </file>
 
@@ -5064,20 +6250,42 @@
         </p:nvSpPr>
         <p:spPr>
           <a:xfrm>
-            <a:off x="838200" y="296114"/>
-            <a:ext cx="10515600" cy="782188"/>
+            <a:off x="871268" y="183971"/>
+            <a:ext cx="10515600" cy="549274"/>
           </a:xfrm>
         </p:spPr>
         <p:txBody>
-          <a:bodyPr/>
+          <a:bodyPr>
+            <a:normAutofit fontScale="90000"/>
+          </a:bodyPr>
           <a:lstStyle/>
           <a:p>
             <a:pPr algn="ctr"/>
             <a:r>
-              <a:rPr lang="en-IN" dirty="0" smtClean="0"/>
-              <a:t>Large scale structure</a:t>
-            </a:r>
-            <a:endParaRPr lang="en-IN" dirty="0"/>
+              <a:rPr lang="en-IN" dirty="0" smtClean="0">
+                <a:latin typeface="Arial" panose="020B0604020202020204" pitchFamily="34" charset="0"/>
+                <a:cs typeface="Arial" panose="020B0604020202020204" pitchFamily="34" charset="0"/>
+              </a:rPr>
+              <a:t>Understand </a:t>
+            </a:r>
+            <a:r>
+              <a:rPr lang="en-IN" dirty="0" smtClean="0">
+                <a:latin typeface="Arial" panose="020B0604020202020204" pitchFamily="34" charset="0"/>
+                <a:cs typeface="Arial" panose="020B0604020202020204" pitchFamily="34" charset="0"/>
+              </a:rPr>
+              <a:t>Network Topology</a:t>
+            </a:r>
+            <a:r>
+              <a:rPr lang="en-IN" baseline="30000" dirty="0" smtClean="0">
+                <a:latin typeface="Arial" panose="020B0604020202020204" pitchFamily="34" charset="0"/>
+                <a:cs typeface="Arial" panose="020B0604020202020204" pitchFamily="34" charset="0"/>
+              </a:rPr>
+              <a:t>9</a:t>
+            </a:r>
+            <a:endParaRPr lang="en-IN" baseline="30000" dirty="0">
+              <a:latin typeface="Arial" panose="020B0604020202020204" pitchFamily="34" charset="0"/>
+              <a:cs typeface="Arial" panose="020B0604020202020204" pitchFamily="34" charset="0"/>
+            </a:endParaRPr>
           </a:p>
         </p:txBody>
       </p:sp>
@@ -5093,78 +6301,246 @@
         </p:nvSpPr>
         <p:spPr>
           <a:xfrm>
-            <a:off x="838200" y="1259456"/>
-            <a:ext cx="10515600" cy="5477773"/>
+            <a:off x="526211" y="698740"/>
+            <a:ext cx="11205714" cy="5771070"/>
           </a:xfrm>
         </p:spPr>
         <p:txBody>
           <a:bodyPr>
-            <a:normAutofit/>
+            <a:normAutofit fontScale="92500" lnSpcReduction="20000"/>
           </a:bodyPr>
           <a:lstStyle/>
           <a:p>
-            <a:r>
-              <a:rPr lang="en-IN" dirty="0" smtClean="0"/>
+            <a:pPr>
+              <a:lnSpc>
+                <a:spcPct val="140000"/>
+              </a:lnSpc>
+            </a:pPr>
+            <a:r>
+              <a:rPr lang="en-IN" dirty="0" smtClean="0">
+                <a:latin typeface="Arial" panose="020B0604020202020204" pitchFamily="34" charset="0"/>
+                <a:cs typeface="Arial" panose="020B0604020202020204" pitchFamily="34" charset="0"/>
+              </a:rPr>
               <a:t>As mentioned before, we hope that nature would not have come up with just random interactions. There should be some underlying structure behind what looks like a mess to the human eye.</a:t>
             </a:r>
           </a:p>
           <a:p>
-            <a:r>
-              <a:rPr lang="en-IN" dirty="0" smtClean="0"/>
-              <a:t>So far it is believed that real world networks have Scale Free Degree distribution. This has been explained by ‘Preferential attachment’ models.</a:t>
-            </a:r>
-          </a:p>
-          <a:p>
-            <a:r>
-              <a:rPr lang="en-IN" dirty="0" smtClean="0"/>
-              <a:t>But there is evidence to believe that PPIs don’t follow this distribution.</a:t>
-            </a:r>
-          </a:p>
-          <a:p>
-            <a:r>
-              <a:rPr lang="en-IN" dirty="0" smtClean="0"/>
+            <a:pPr>
+              <a:lnSpc>
+                <a:spcPct val="140000"/>
+              </a:lnSpc>
+            </a:pPr>
+            <a:r>
+              <a:rPr lang="en-IN" dirty="0" smtClean="0">
+                <a:latin typeface="Arial" panose="020B0604020202020204" pitchFamily="34" charset="0"/>
+                <a:cs typeface="Arial" panose="020B0604020202020204" pitchFamily="34" charset="0"/>
+              </a:rPr>
+              <a:t>So far it is believed that real world networks have Scale Free Degree distribution. This has been explained by ‘Preferential attachment’ </a:t>
+            </a:r>
+            <a:r>
+              <a:rPr lang="en-IN" dirty="0" smtClean="0">
+                <a:latin typeface="Arial" panose="020B0604020202020204" pitchFamily="34" charset="0"/>
+                <a:cs typeface="Arial" panose="020B0604020202020204" pitchFamily="34" charset="0"/>
+              </a:rPr>
+              <a:t>models</a:t>
+            </a:r>
+            <a:r>
+              <a:rPr lang="en-IN" baseline="30000" dirty="0" smtClean="0">
+                <a:latin typeface="Arial" panose="020B0604020202020204" pitchFamily="34" charset="0"/>
+                <a:cs typeface="Arial" panose="020B0604020202020204" pitchFamily="34" charset="0"/>
+              </a:rPr>
+              <a:t>10</a:t>
+            </a:r>
+            <a:r>
+              <a:rPr lang="en-IN" dirty="0" smtClean="0">
+                <a:latin typeface="Arial" panose="020B0604020202020204" pitchFamily="34" charset="0"/>
+                <a:cs typeface="Arial" panose="020B0604020202020204" pitchFamily="34" charset="0"/>
+              </a:rPr>
+              <a:t>.</a:t>
+            </a:r>
+            <a:endParaRPr lang="en-IN" dirty="0" smtClean="0">
+              <a:latin typeface="Arial" panose="020B0604020202020204" pitchFamily="34" charset="0"/>
+              <a:cs typeface="Arial" panose="020B0604020202020204" pitchFamily="34" charset="0"/>
+            </a:endParaRPr>
+          </a:p>
+          <a:p>
+            <a:pPr>
+              <a:lnSpc>
+                <a:spcPct val="140000"/>
+              </a:lnSpc>
+            </a:pPr>
+            <a:r>
+              <a:rPr lang="en-IN" dirty="0" smtClean="0">
+                <a:latin typeface="Arial" panose="020B0604020202020204" pitchFamily="34" charset="0"/>
+                <a:cs typeface="Arial" panose="020B0604020202020204" pitchFamily="34" charset="0"/>
+              </a:rPr>
+              <a:t>But there is evidence to believe that PPIs don’t follow this </a:t>
+            </a:r>
+            <a:r>
+              <a:rPr lang="en-IN" dirty="0" smtClean="0">
+                <a:latin typeface="Arial" panose="020B0604020202020204" pitchFamily="34" charset="0"/>
+                <a:cs typeface="Arial" panose="020B0604020202020204" pitchFamily="34" charset="0"/>
+              </a:rPr>
+              <a:t>distribution</a:t>
+            </a:r>
+            <a:r>
+              <a:rPr lang="en-IN" baseline="30000" dirty="0" smtClean="0">
+                <a:latin typeface="Arial" panose="020B0604020202020204" pitchFamily="34" charset="0"/>
+                <a:cs typeface="Arial" panose="020B0604020202020204" pitchFamily="34" charset="0"/>
+              </a:rPr>
+              <a:t>11</a:t>
+            </a:r>
+            <a:r>
+              <a:rPr lang="en-IN" dirty="0" smtClean="0">
+                <a:latin typeface="Arial" panose="020B0604020202020204" pitchFamily="34" charset="0"/>
+                <a:cs typeface="Arial" panose="020B0604020202020204" pitchFamily="34" charset="0"/>
+              </a:rPr>
+              <a:t>.</a:t>
+            </a:r>
+            <a:endParaRPr lang="en-IN" dirty="0" smtClean="0">
+              <a:latin typeface="Arial" panose="020B0604020202020204" pitchFamily="34" charset="0"/>
+              <a:cs typeface="Arial" panose="020B0604020202020204" pitchFamily="34" charset="0"/>
+            </a:endParaRPr>
+          </a:p>
+          <a:p>
+            <a:pPr>
+              <a:lnSpc>
+                <a:spcPct val="140000"/>
+              </a:lnSpc>
+            </a:pPr>
+            <a:r>
+              <a:rPr lang="en-IN" dirty="0" smtClean="0">
+                <a:latin typeface="Arial" panose="020B0604020202020204" pitchFamily="34" charset="0"/>
+                <a:cs typeface="Arial" panose="020B0604020202020204" pitchFamily="34" charset="0"/>
+              </a:rPr>
               <a:t>The problem of ‘Graph Isomorphism’ comes into play when trying to study large scale structure with random graph models. </a:t>
             </a:r>
           </a:p>
           <a:p>
-            <a:pPr lvl="1"/>
-            <a:r>
-              <a:rPr lang="en-IN" dirty="0" smtClean="0"/>
+            <a:pPr lvl="1">
+              <a:lnSpc>
+                <a:spcPct val="140000"/>
+              </a:lnSpc>
+              <a:spcBef>
+                <a:spcPts val="1000"/>
+              </a:spcBef>
+            </a:pPr>
+            <a:r>
+              <a:rPr lang="en-IN" dirty="0" smtClean="0">
+                <a:latin typeface="Arial" panose="020B0604020202020204" pitchFamily="34" charset="0"/>
+                <a:cs typeface="Arial" panose="020B0604020202020204" pitchFamily="34" charset="0"/>
+              </a:rPr>
               <a:t>“All happy families are alike; each unhappy family is unhappy in its own way.” – Leo Tolstoy (Statisticians call it ‘The Anna </a:t>
             </a:r>
             <a:r>
-              <a:rPr lang="en-IN" dirty="0"/>
+              <a:rPr lang="en-IN" dirty="0">
+                <a:latin typeface="Arial" panose="020B0604020202020204" pitchFamily="34" charset="0"/>
+                <a:cs typeface="Arial" panose="020B0604020202020204" pitchFamily="34" charset="0"/>
+              </a:rPr>
               <a:t>Karenina </a:t>
             </a:r>
             <a:r>
-              <a:rPr lang="en-IN" dirty="0" smtClean="0"/>
-              <a:t>principle’.)</a:t>
-            </a:r>
-            <a:r>
-              <a:rPr lang="en-IN" dirty="0"/>
-              <a:t/>
-            </a:r>
-            <a:br>
-              <a:rPr lang="en-IN" dirty="0"/>
-            </a:br>
-            <a:endParaRPr lang="en-IN" dirty="0" smtClean="0"/>
-          </a:p>
-          <a:p>
-            <a:pPr marL="457200" lvl="1" indent="0">
-              <a:buNone/>
-            </a:pPr>
-            <a:endParaRPr lang="en-IN" dirty="0" smtClean="0"/>
-          </a:p>
-          <a:p>
-            <a:pPr lvl="1"/>
-            <a:endParaRPr lang="en-IN" dirty="0" smtClean="0"/>
-          </a:p>
-          <a:p>
-            <a:pPr lvl="1"/>
-            <a:endParaRPr lang="en-IN" dirty="0" smtClean="0"/>
-          </a:p>
-          <a:p>
-            <a:endParaRPr lang="en-IN" dirty="0" smtClean="0"/>
+              <a:rPr lang="en-IN" dirty="0" smtClean="0">
+                <a:latin typeface="Arial" panose="020B0604020202020204" pitchFamily="34" charset="0"/>
+                <a:cs typeface="Arial" panose="020B0604020202020204" pitchFamily="34" charset="0"/>
+              </a:rPr>
+              <a:t>principle</a:t>
+            </a:r>
+            <a:r>
+              <a:rPr lang="en-IN" dirty="0" smtClean="0">
+                <a:latin typeface="Arial" panose="020B0604020202020204" pitchFamily="34" charset="0"/>
+                <a:cs typeface="Arial" panose="020B0604020202020204" pitchFamily="34" charset="0"/>
+              </a:rPr>
+              <a:t>’.)</a:t>
+            </a:r>
+            <a:endParaRPr lang="en-IN" dirty="0" smtClean="0">
+              <a:latin typeface="Arial" panose="020B0604020202020204" pitchFamily="34" charset="0"/>
+              <a:cs typeface="Arial" panose="020B0604020202020204" pitchFamily="34" charset="0"/>
+            </a:endParaRPr>
+          </a:p>
+        </p:txBody>
+      </p:sp>
+      <p:sp>
+        <p:nvSpPr>
+          <p:cNvPr id="2" name="TextBox 1"/>
+          <p:cNvSpPr txBox="1"/>
+          <p:nvPr/>
+        </p:nvSpPr>
+        <p:spPr>
+          <a:xfrm>
+            <a:off x="526211" y="6334780"/>
+            <a:ext cx="9247517" cy="523220"/>
+          </a:xfrm>
+          <a:prstGeom prst="rect">
+            <a:avLst/>
+          </a:prstGeom>
+          <a:noFill/>
+        </p:spPr>
+        <p:txBody>
+          <a:bodyPr wrap="square" rtlCol="0">
+            <a:spAutoFit/>
+          </a:bodyPr>
+          <a:lstStyle/>
+          <a:p>
+            <a:r>
+              <a:rPr lang="en-IN" sz="1400" dirty="0" smtClean="0"/>
+              <a:t>10. </a:t>
+            </a:r>
+            <a:r>
+              <a:rPr lang="en-IN" sz="1400" dirty="0" err="1" smtClean="0"/>
+              <a:t>Barabasi</a:t>
+            </a:r>
+            <a:r>
+              <a:rPr lang="en-IN" sz="1400" dirty="0"/>
+              <a:t>, and Albert. 1999. “Emergence of Scaling in Random Networks.” </a:t>
+            </a:r>
+            <a:r>
+              <a:rPr lang="en-IN" sz="1400" i="1" dirty="0"/>
+              <a:t>Science (New York, N.Y.)</a:t>
+            </a:r>
+            <a:r>
+              <a:rPr lang="en-IN" sz="1400" dirty="0"/>
+              <a:t> 286 (5439): 509–12. </a:t>
+            </a:r>
+            <a:endParaRPr lang="en-IN" sz="1400" dirty="0" smtClean="0"/>
+          </a:p>
+          <a:p>
+            <a:r>
+              <a:rPr lang="en-IN" sz="1400" dirty="0" smtClean="0"/>
+              <a:t>11. </a:t>
+            </a:r>
+            <a:r>
+              <a:rPr lang="en-IN" sz="1400" dirty="0" err="1"/>
+              <a:t>Pržulj</a:t>
+            </a:r>
+            <a:r>
+              <a:rPr lang="en-IN" sz="1400" dirty="0"/>
+              <a:t>, </a:t>
+            </a:r>
+            <a:r>
+              <a:rPr lang="en-IN" sz="1400" dirty="0" err="1"/>
+              <a:t>Nataša</a:t>
+            </a:r>
+            <a:r>
+              <a:rPr lang="en-IN" sz="1400" dirty="0"/>
+              <a:t>. 2007. “Biological Network Comparison Using </a:t>
+            </a:r>
+            <a:r>
+              <a:rPr lang="en-IN" sz="1400" dirty="0" err="1"/>
+              <a:t>Graphlet</a:t>
+            </a:r>
+            <a:r>
+              <a:rPr lang="en-IN" sz="1400" dirty="0"/>
+              <a:t> Degree Distribution.” </a:t>
+            </a:r>
+            <a:r>
+              <a:rPr lang="en-IN" sz="1400" i="1" dirty="0"/>
+              <a:t>Bioinformatics</a:t>
+            </a:r>
+            <a:r>
+              <a:rPr lang="en-IN" sz="1400" dirty="0"/>
+              <a:t> 23 (2): 177–83. </a:t>
+            </a:r>
           </a:p>
         </p:txBody>
       </p:sp>
@@ -5178,6 +6554,13 @@
   <p:clrMapOvr>
     <a:masterClrMapping/>
   </p:clrMapOvr>
+  <p:timing>
+    <p:tnLst>
+      <p:par>
+        <p:cTn id="1" dur="indefinite" restart="never" nodeType="tmRoot"/>
+      </p:par>
+    </p:tnLst>
+  </p:timing>
 </p:sld>
 </file>
 
@@ -5215,10 +6598,30 @@
           <a:p>
             <a:pPr algn="ctr"/>
             <a:r>
-              <a:rPr lang="en-IN" dirty="0" smtClean="0"/>
-              <a:t>Dynamics and other behaviour</a:t>
-            </a:r>
-            <a:endParaRPr lang="en-IN" dirty="0"/>
+              <a:rPr lang="en-IN" dirty="0" smtClean="0">
+                <a:latin typeface="Arial" panose="020B0604020202020204" pitchFamily="34" charset="0"/>
+                <a:cs typeface="Arial" panose="020B0604020202020204" pitchFamily="34" charset="0"/>
+              </a:rPr>
+              <a:t>Learn Dynamics and other </a:t>
+            </a:r>
+            <a:r>
+              <a:rPr lang="en-IN" dirty="0" smtClean="0">
+                <a:latin typeface="Arial" panose="020B0604020202020204" pitchFamily="34" charset="0"/>
+                <a:cs typeface="Arial" panose="020B0604020202020204" pitchFamily="34" charset="0"/>
+              </a:rPr>
+              <a:t>behaviour</a:t>
+            </a:r>
+            <a:r>
+              <a:rPr lang="en-IN" baseline="30000" dirty="0" smtClean="0">
+                <a:latin typeface="Arial" panose="020B0604020202020204" pitchFamily="34" charset="0"/>
+                <a:cs typeface="Arial" panose="020B0604020202020204" pitchFamily="34" charset="0"/>
+              </a:rPr>
+              <a:t>9</a:t>
+            </a:r>
+            <a:endParaRPr lang="en-IN" baseline="30000" dirty="0">
+              <a:latin typeface="Arial" panose="020B0604020202020204" pitchFamily="34" charset="0"/>
+              <a:cs typeface="Arial" panose="020B0604020202020204" pitchFamily="34" charset="0"/>
+            </a:endParaRPr>
           </a:p>
         </p:txBody>
       </p:sp>
@@ -5237,32 +6640,74 @@
           <a:bodyPr/>
           <a:lstStyle/>
           <a:p>
-            <a:r>
-              <a:rPr lang="en-IN" dirty="0" smtClean="0"/>
+            <a:pPr>
+              <a:lnSpc>
+                <a:spcPct val="140000"/>
+              </a:lnSpc>
+            </a:pPr>
+            <a:r>
+              <a:rPr lang="en-IN" dirty="0" smtClean="0">
+                <a:latin typeface="Arial" panose="020B0604020202020204" pitchFamily="34" charset="0"/>
+                <a:cs typeface="Arial" panose="020B0604020202020204" pitchFamily="34" charset="0"/>
+              </a:rPr>
               <a:t>We can study how the network behaves overtime.</a:t>
             </a:r>
           </a:p>
           <a:p>
-            <a:r>
-              <a:rPr lang="en-IN" dirty="0" smtClean="0"/>
+            <a:pPr>
+              <a:lnSpc>
+                <a:spcPct val="140000"/>
+              </a:lnSpc>
+            </a:pPr>
+            <a:r>
+              <a:rPr lang="en-IN" dirty="0" smtClean="0">
+                <a:latin typeface="Arial" panose="020B0604020202020204" pitchFamily="34" charset="0"/>
+                <a:cs typeface="Arial" panose="020B0604020202020204" pitchFamily="34" charset="0"/>
+              </a:rPr>
               <a:t>One could study how the networks respond to external stimuli </a:t>
             </a:r>
           </a:p>
           <a:p>
-            <a:pPr lvl="1"/>
-            <a:r>
-              <a:rPr lang="en-IN" dirty="0" smtClean="0"/>
+            <a:pPr lvl="1">
+              <a:lnSpc>
+                <a:spcPct val="140000"/>
+              </a:lnSpc>
+              <a:spcBef>
+                <a:spcPts val="1000"/>
+              </a:spcBef>
+            </a:pPr>
+            <a:r>
+              <a:rPr lang="en-IN" dirty="0" smtClean="0">
+                <a:latin typeface="Arial" panose="020B0604020202020204" pitchFamily="34" charset="0"/>
+                <a:cs typeface="Arial" panose="020B0604020202020204" pitchFamily="34" charset="0"/>
+              </a:rPr>
               <a:t>Maybe we can try and answer the ‘nature vs nurture’ question?</a:t>
             </a:r>
           </a:p>
           <a:p>
-            <a:r>
-              <a:rPr lang="en-IN" dirty="0" smtClean="0"/>
+            <a:pPr>
+              <a:lnSpc>
+                <a:spcPct val="140000"/>
+              </a:lnSpc>
+            </a:pPr>
+            <a:r>
+              <a:rPr lang="en-IN" dirty="0" smtClean="0">
+                <a:latin typeface="Arial" panose="020B0604020202020204" pitchFamily="34" charset="0"/>
+                <a:cs typeface="Arial" panose="020B0604020202020204" pitchFamily="34" charset="0"/>
+              </a:rPr>
               <a:t>Robustness, Adaptiveness etc. can also be studied.</a:t>
             </a:r>
           </a:p>
           <a:p>
-            <a:endParaRPr lang="en-IN" dirty="0"/>
+            <a:pPr>
+              <a:lnSpc>
+                <a:spcPct val="140000"/>
+              </a:lnSpc>
+            </a:pPr>
+            <a:endParaRPr lang="en-IN" dirty="0">
+              <a:latin typeface="Arial" panose="020B0604020202020204" pitchFamily="34" charset="0"/>
+              <a:cs typeface="Arial" panose="020B0604020202020204" pitchFamily="34" charset="0"/>
+            </a:endParaRPr>
           </a:p>
         </p:txBody>
       </p:sp>
@@ -5276,6 +6721,13 @@
   <p:clrMapOvr>
     <a:masterClrMapping/>
   </p:clrMapOvr>
+  <p:timing>
+    <p:tnLst>
+      <p:par>
+        <p:cTn id="1" dur="indefinite" restart="never" nodeType="tmRoot"/>
+      </p:par>
+    </p:tnLst>
+  </p:timing>
 </p:sld>
 </file>
 
@@ -5413,19 +6865,8 @@
                 <a:latin typeface="Arial" panose="020B0604020202020204" pitchFamily="34" charset="0"/>
                 <a:cs typeface="Arial" panose="020B0604020202020204" pitchFamily="34" charset="0"/>
               </a:rPr>
-              <a:t> to study with Complex Networks</a:t>
-            </a:r>
-            <a:r>
-              <a:rPr lang="en-IN" sz="3600" dirty="0" smtClean="0">
-                <a:latin typeface="Arial" panose="020B0604020202020204" pitchFamily="34" charset="0"/>
-                <a:cs typeface="Arial" panose="020B0604020202020204" pitchFamily="34" charset="0"/>
-              </a:rPr>
-              <a:t>?</a:t>
-            </a:r>
-            <a:endParaRPr lang="en-IN" sz="3600" dirty="0" smtClean="0">
-              <a:latin typeface="Arial" panose="020B0604020202020204" pitchFamily="34" charset="0"/>
-              <a:cs typeface="Arial" panose="020B0604020202020204" pitchFamily="34" charset="0"/>
-            </a:endParaRPr>
+              <a:t> to study with Complex Networks?</a:t>
+            </a:r>
           </a:p>
           <a:p>
             <a:endParaRPr lang="en-IN" sz="3600" dirty="0" smtClean="0">
@@ -5453,6 +6894,1021 @@
     <p:extLst>
       <p:ext uri="{BB962C8B-B14F-4D97-AF65-F5344CB8AC3E}">
         <p14:creationId xmlns:p14="http://schemas.microsoft.com/office/powerpoint/2010/main" val="253818888"/>
+      </p:ext>
+    </p:extLst>
+  </p:cSld>
+  <p:clrMapOvr>
+    <a:masterClrMapping/>
+  </p:clrMapOvr>
+  <p:timing>
+    <p:tnLst>
+      <p:par>
+        <p:cTn id="1" dur="indefinite" restart="never" nodeType="tmRoot"/>
+      </p:par>
+    </p:tnLst>
+  </p:timing>
+</p:sld>
+</file>
+
+<file path=ppt/slides/slide20.xml><?xml version="1.0" encoding="utf-8"?>
+<p:sld xmlns:a="http://schemas.openxmlformats.org/drawingml/2006/main" xmlns:r="http://schemas.openxmlformats.org/officeDocument/2006/relationships" xmlns:p="http://schemas.openxmlformats.org/presentationml/2006/main">
+  <p:cSld>
+    <p:spTree>
+      <p:nvGrpSpPr>
+        <p:cNvPr id="1" name=""/>
+        <p:cNvGrpSpPr/>
+        <p:nvPr/>
+      </p:nvGrpSpPr>
+      <p:grpSpPr>
+        <a:xfrm>
+          <a:off x="0" y="0"/>
+          <a:ext cx="0" cy="0"/>
+          <a:chOff x="0" y="0"/>
+          <a:chExt cx="0" cy="0"/>
+        </a:xfrm>
+      </p:grpSpPr>
+      <p:sp>
+        <p:nvSpPr>
+          <p:cNvPr id="2" name="Title 1"/>
+          <p:cNvSpPr>
+            <a:spLocks noGrp="1"/>
+          </p:cNvSpPr>
+          <p:nvPr>
+            <p:ph type="title"/>
+          </p:nvPr>
+        </p:nvSpPr>
+        <p:spPr>
+          <a:xfrm>
+            <a:off x="983412" y="250164"/>
+            <a:ext cx="10515600" cy="681489"/>
+          </a:xfrm>
+        </p:spPr>
+        <p:txBody>
+          <a:bodyPr>
+            <a:normAutofit fontScale="90000"/>
+          </a:bodyPr>
+          <a:lstStyle/>
+          <a:p>
+            <a:pPr algn="ctr"/>
+            <a:r>
+              <a:rPr lang="en-IN" sz="6000" b="1" dirty="0" smtClean="0">
+                <a:latin typeface="Arial" panose="020B0604020202020204" pitchFamily="34" charset="0"/>
+                <a:cs typeface="Arial" panose="020B0604020202020204" pitchFamily="34" charset="0"/>
+              </a:rPr>
+              <a:t>Questions</a:t>
+            </a:r>
+            <a:endParaRPr lang="en-IN" sz="6000" b="1" dirty="0">
+              <a:latin typeface="Arial" panose="020B0604020202020204" pitchFamily="34" charset="0"/>
+              <a:cs typeface="Arial" panose="020B0604020202020204" pitchFamily="34" charset="0"/>
+            </a:endParaRPr>
+          </a:p>
+        </p:txBody>
+      </p:sp>
+      <p:sp>
+        <p:nvSpPr>
+          <p:cNvPr id="3" name="Content Placeholder 2"/>
+          <p:cNvSpPr>
+            <a:spLocks noGrp="1"/>
+          </p:cNvSpPr>
+          <p:nvPr>
+            <p:ph idx="1"/>
+          </p:nvPr>
+        </p:nvSpPr>
+        <p:spPr>
+          <a:xfrm>
+            <a:off x="457200" y="1035170"/>
+            <a:ext cx="11352362" cy="5529532"/>
+          </a:xfrm>
+        </p:spPr>
+        <p:txBody>
+          <a:bodyPr>
+            <a:normAutofit fontScale="92500"/>
+          </a:bodyPr>
+          <a:lstStyle/>
+          <a:p>
+            <a:pPr marL="742950" indent="-742950">
+              <a:lnSpc>
+                <a:spcPct val="110000"/>
+              </a:lnSpc>
+              <a:buFont typeface="+mj-lt"/>
+              <a:buAutoNum type="arabicPeriod"/>
+            </a:pPr>
+            <a:r>
+              <a:rPr lang="en-IN" sz="3600" b="1" dirty="0" smtClean="0">
+                <a:solidFill>
+                  <a:schemeClr val="bg1">
+                    <a:lumMod val="75000"/>
+                  </a:schemeClr>
+                </a:solidFill>
+                <a:latin typeface="Arial" panose="020B0604020202020204" pitchFamily="34" charset="0"/>
+                <a:cs typeface="Arial" panose="020B0604020202020204" pitchFamily="34" charset="0"/>
+              </a:rPr>
+              <a:t>What is a Complex disease?</a:t>
+            </a:r>
+            <a:r>
+              <a:rPr lang="en-IN" sz="4000" b="1" dirty="0" smtClean="0">
+                <a:solidFill>
+                  <a:schemeClr val="bg1">
+                    <a:lumMod val="75000"/>
+                  </a:schemeClr>
+                </a:solidFill>
+                <a:latin typeface="Arial" panose="020B0604020202020204" pitchFamily="34" charset="0"/>
+                <a:cs typeface="Arial" panose="020B0604020202020204" pitchFamily="34" charset="0"/>
+              </a:rPr>
+              <a:t> </a:t>
+            </a:r>
+            <a:r>
+              <a:rPr lang="en-IN" sz="3200" dirty="0" smtClean="0">
+                <a:solidFill>
+                  <a:schemeClr val="bg1">
+                    <a:lumMod val="75000"/>
+                  </a:schemeClr>
+                </a:solidFill>
+              </a:rPr>
+              <a:t>A </a:t>
+            </a:r>
+            <a:r>
+              <a:rPr lang="en-IN" sz="3200" dirty="0">
+                <a:solidFill>
+                  <a:schemeClr val="bg1">
+                    <a:lumMod val="75000"/>
+                  </a:schemeClr>
+                </a:solidFill>
+              </a:rPr>
+              <a:t>type of Complex system with thousands of genes/proteins/metabolites interacting non linearly causing an undesirable phenotype. </a:t>
+            </a:r>
+            <a:endParaRPr lang="en-IN" sz="3600" b="1" dirty="0" smtClean="0">
+              <a:solidFill>
+                <a:schemeClr val="bg1">
+                  <a:lumMod val="75000"/>
+                </a:schemeClr>
+              </a:solidFill>
+              <a:latin typeface="Arial" panose="020B0604020202020204" pitchFamily="34" charset="0"/>
+              <a:cs typeface="Arial" panose="020B0604020202020204" pitchFamily="34" charset="0"/>
+            </a:endParaRPr>
+          </a:p>
+          <a:p>
+            <a:pPr marL="742950" indent="-742950">
+              <a:lnSpc>
+                <a:spcPct val="110000"/>
+              </a:lnSpc>
+              <a:buFont typeface="+mj-lt"/>
+              <a:buAutoNum type="arabicPeriod"/>
+            </a:pPr>
+            <a:r>
+              <a:rPr lang="en-IN" sz="3600" b="1" dirty="0" smtClean="0">
+                <a:solidFill>
+                  <a:schemeClr val="bg1">
+                    <a:lumMod val="75000"/>
+                  </a:schemeClr>
+                </a:solidFill>
+                <a:latin typeface="Arial" panose="020B0604020202020204" pitchFamily="34" charset="0"/>
+                <a:cs typeface="Arial" panose="020B0604020202020204" pitchFamily="34" charset="0"/>
+              </a:rPr>
+              <a:t>How to study Complex diseases?</a:t>
+            </a:r>
+            <a:r>
+              <a:rPr lang="en-IN" sz="4000" b="1" dirty="0" smtClean="0">
+                <a:solidFill>
+                  <a:schemeClr val="bg1">
+                    <a:lumMod val="75000"/>
+                  </a:schemeClr>
+                </a:solidFill>
+                <a:latin typeface="Arial" panose="020B0604020202020204" pitchFamily="34" charset="0"/>
+                <a:cs typeface="Arial" panose="020B0604020202020204" pitchFamily="34" charset="0"/>
+              </a:rPr>
+              <a:t> </a:t>
+            </a:r>
+            <a:r>
+              <a:rPr lang="en-IN" sz="3200" dirty="0">
+                <a:solidFill>
+                  <a:schemeClr val="bg1">
+                    <a:lumMod val="75000"/>
+                  </a:schemeClr>
+                </a:solidFill>
+              </a:rPr>
+              <a:t>With Networks, since Combinatorial Optimization problems are modelled with them.</a:t>
+            </a:r>
+            <a:r>
+              <a:rPr lang="en-IN" sz="3600" dirty="0">
+                <a:solidFill>
+                  <a:schemeClr val="bg1">
+                    <a:lumMod val="75000"/>
+                  </a:schemeClr>
+                </a:solidFill>
+              </a:rPr>
+              <a:t> </a:t>
+            </a:r>
+            <a:endParaRPr lang="en-IN" sz="4000" b="1" dirty="0" smtClean="0">
+              <a:solidFill>
+                <a:schemeClr val="bg1">
+                  <a:lumMod val="75000"/>
+                </a:schemeClr>
+              </a:solidFill>
+              <a:latin typeface="Arial" panose="020B0604020202020204" pitchFamily="34" charset="0"/>
+              <a:cs typeface="Arial" panose="020B0604020202020204" pitchFamily="34" charset="0"/>
+            </a:endParaRPr>
+          </a:p>
+          <a:p>
+            <a:pPr marL="742950" indent="-742950">
+              <a:lnSpc>
+                <a:spcPct val="110000"/>
+              </a:lnSpc>
+              <a:buFont typeface="+mj-lt"/>
+              <a:buAutoNum type="arabicPeriod"/>
+            </a:pPr>
+            <a:r>
+              <a:rPr lang="en-IN" sz="4000" b="1" dirty="0" smtClean="0">
+                <a:latin typeface="Arial" panose="020B0604020202020204" pitchFamily="34" charset="0"/>
+                <a:cs typeface="Arial" panose="020B0604020202020204" pitchFamily="34" charset="0"/>
+              </a:rPr>
+              <a:t>What can we ai</a:t>
+            </a:r>
+            <a:r>
+              <a:rPr lang="en-IN" sz="4000" b="1" dirty="0">
+                <a:latin typeface="Arial" panose="020B0604020202020204" pitchFamily="34" charset="0"/>
+                <a:cs typeface="Arial" panose="020B0604020202020204" pitchFamily="34" charset="0"/>
+              </a:rPr>
+              <a:t>m</a:t>
+            </a:r>
+            <a:r>
+              <a:rPr lang="en-IN" sz="4000" b="1" dirty="0" smtClean="0">
+                <a:latin typeface="Arial" panose="020B0604020202020204" pitchFamily="34" charset="0"/>
+                <a:cs typeface="Arial" panose="020B0604020202020204" pitchFamily="34" charset="0"/>
+              </a:rPr>
+              <a:t> to study with Complex Networks? </a:t>
+            </a:r>
+            <a:r>
+              <a:rPr lang="en-IN" sz="3500" dirty="0" smtClean="0">
+                <a:latin typeface="Arial" panose="020B0604020202020204" pitchFamily="34" charset="0"/>
+                <a:cs typeface="Arial" panose="020B0604020202020204" pitchFamily="34" charset="0"/>
+              </a:rPr>
+              <a:t>We can find measures that matter; understand large scale structure and learn about dynamics and other behaviour.</a:t>
+            </a:r>
+            <a:endParaRPr lang="en-IN" sz="4000" dirty="0" smtClean="0">
+              <a:latin typeface="Arial" panose="020B0604020202020204" pitchFamily="34" charset="0"/>
+              <a:cs typeface="Arial" panose="020B0604020202020204" pitchFamily="34" charset="0"/>
+            </a:endParaRPr>
+          </a:p>
+          <a:p>
+            <a:endParaRPr lang="en-IN" sz="3600" dirty="0" smtClean="0">
+              <a:latin typeface="Arial" panose="020B0604020202020204" pitchFamily="34" charset="0"/>
+              <a:cs typeface="Arial" panose="020B0604020202020204" pitchFamily="34" charset="0"/>
+            </a:endParaRPr>
+          </a:p>
+          <a:p>
+            <a:pPr lvl="1"/>
+            <a:endParaRPr lang="en-IN" sz="3200" dirty="0" smtClean="0">
+              <a:latin typeface="Arial" panose="020B0604020202020204" pitchFamily="34" charset="0"/>
+              <a:cs typeface="Arial" panose="020B0604020202020204" pitchFamily="34" charset="0"/>
+            </a:endParaRPr>
+          </a:p>
+          <a:p>
+            <a:pPr lvl="1"/>
+            <a:endParaRPr lang="en-IN" sz="3200" dirty="0">
+              <a:latin typeface="Arial" panose="020B0604020202020204" pitchFamily="34" charset="0"/>
+              <a:cs typeface="Arial" panose="020B0604020202020204" pitchFamily="34" charset="0"/>
+            </a:endParaRPr>
+          </a:p>
+        </p:txBody>
+      </p:sp>
+    </p:spTree>
+    <p:extLst>
+      <p:ext uri="{BB962C8B-B14F-4D97-AF65-F5344CB8AC3E}">
+        <p14:creationId xmlns:p14="http://schemas.microsoft.com/office/powerpoint/2010/main" val="1603173364"/>
+      </p:ext>
+    </p:extLst>
+  </p:cSld>
+  <p:clrMapOvr>
+    <a:masterClrMapping/>
+  </p:clrMapOvr>
+  <p:timing>
+    <p:tnLst>
+      <p:par>
+        <p:cTn id="1" dur="indefinite" restart="never" nodeType="tmRoot"/>
+      </p:par>
+    </p:tnLst>
+  </p:timing>
+</p:sld>
+</file>
+
+<file path=ppt/slides/slide21.xml><?xml version="1.0" encoding="utf-8"?>
+<p:sld xmlns:a="http://schemas.openxmlformats.org/drawingml/2006/main" xmlns:r="http://schemas.openxmlformats.org/officeDocument/2006/relationships" xmlns:p="http://schemas.openxmlformats.org/presentationml/2006/main">
+  <p:cSld>
+    <p:spTree>
+      <p:nvGrpSpPr>
+        <p:cNvPr id="1" name=""/>
+        <p:cNvGrpSpPr/>
+        <p:nvPr/>
+      </p:nvGrpSpPr>
+      <p:grpSpPr>
+        <a:xfrm>
+          <a:off x="0" y="0"/>
+          <a:ext cx="0" cy="0"/>
+          <a:chOff x="0" y="0"/>
+          <a:chExt cx="0" cy="0"/>
+        </a:xfrm>
+      </p:grpSpPr>
+      <p:sp>
+        <p:nvSpPr>
+          <p:cNvPr id="2" name="Title 1"/>
+          <p:cNvSpPr>
+            <a:spLocks noGrp="1"/>
+          </p:cNvSpPr>
+          <p:nvPr>
+            <p:ph type="title"/>
+          </p:nvPr>
+        </p:nvSpPr>
+        <p:spPr>
+          <a:xfrm>
+            <a:off x="983412" y="250164"/>
+            <a:ext cx="10515600" cy="526213"/>
+          </a:xfrm>
+        </p:spPr>
+        <p:txBody>
+          <a:bodyPr>
+            <a:normAutofit fontScale="90000"/>
+          </a:bodyPr>
+          <a:lstStyle/>
+          <a:p>
+            <a:pPr algn="ctr"/>
+            <a:r>
+              <a:rPr lang="en-IN" sz="6000" b="1" dirty="0" smtClean="0">
+                <a:latin typeface="Arial" panose="020B0604020202020204" pitchFamily="34" charset="0"/>
+                <a:cs typeface="Arial" panose="020B0604020202020204" pitchFamily="34" charset="0"/>
+              </a:rPr>
+              <a:t>Questions &amp; Answers</a:t>
+            </a:r>
+            <a:endParaRPr lang="en-IN" sz="6000" b="1" dirty="0">
+              <a:latin typeface="Arial" panose="020B0604020202020204" pitchFamily="34" charset="0"/>
+              <a:cs typeface="Arial" panose="020B0604020202020204" pitchFamily="34" charset="0"/>
+            </a:endParaRPr>
+          </a:p>
+        </p:txBody>
+      </p:sp>
+      <p:sp>
+        <p:nvSpPr>
+          <p:cNvPr id="3" name="Content Placeholder 2"/>
+          <p:cNvSpPr>
+            <a:spLocks noGrp="1"/>
+          </p:cNvSpPr>
+          <p:nvPr>
+            <p:ph idx="1"/>
+          </p:nvPr>
+        </p:nvSpPr>
+        <p:spPr>
+          <a:xfrm>
+            <a:off x="457200" y="897147"/>
+            <a:ext cx="11352362" cy="5822830"/>
+          </a:xfrm>
+        </p:spPr>
+        <p:txBody>
+          <a:bodyPr>
+            <a:normAutofit lnSpcReduction="10000"/>
+          </a:bodyPr>
+          <a:lstStyle/>
+          <a:p>
+            <a:pPr marL="742950" indent="-742950">
+              <a:lnSpc>
+                <a:spcPct val="150000"/>
+              </a:lnSpc>
+              <a:buFont typeface="+mj-lt"/>
+              <a:buAutoNum type="arabicPeriod"/>
+            </a:pPr>
+            <a:r>
+              <a:rPr lang="en-IN" sz="3200" b="1" dirty="0" smtClean="0">
+                <a:latin typeface="Arial" panose="020B0604020202020204" pitchFamily="34" charset="0"/>
+                <a:cs typeface="Arial" panose="020B0604020202020204" pitchFamily="34" charset="0"/>
+              </a:rPr>
+              <a:t>What is a Complex disease? </a:t>
+            </a:r>
+            <a:r>
+              <a:rPr lang="en-IN" sz="3200" dirty="0" smtClean="0"/>
+              <a:t>A </a:t>
+            </a:r>
+            <a:r>
+              <a:rPr lang="en-IN" sz="3200" dirty="0"/>
+              <a:t>type of Complex system with thousands of genes/proteins/metabolites interacting non linearly causing an undesirable </a:t>
+            </a:r>
+            <a:r>
+              <a:rPr lang="en-IN" sz="3200" dirty="0" smtClean="0"/>
+              <a:t>phenotypes. </a:t>
+            </a:r>
+            <a:endParaRPr lang="en-IN" sz="3200" b="1" dirty="0" smtClean="0">
+              <a:latin typeface="Arial" panose="020B0604020202020204" pitchFamily="34" charset="0"/>
+              <a:cs typeface="Arial" panose="020B0604020202020204" pitchFamily="34" charset="0"/>
+            </a:endParaRPr>
+          </a:p>
+          <a:p>
+            <a:pPr marL="742950" indent="-742950">
+              <a:lnSpc>
+                <a:spcPct val="150000"/>
+              </a:lnSpc>
+              <a:buFont typeface="+mj-lt"/>
+              <a:buAutoNum type="arabicPeriod"/>
+            </a:pPr>
+            <a:r>
+              <a:rPr lang="en-IN" sz="3200" b="1" dirty="0" smtClean="0">
+                <a:latin typeface="Arial" panose="020B0604020202020204" pitchFamily="34" charset="0"/>
+                <a:cs typeface="Arial" panose="020B0604020202020204" pitchFamily="34" charset="0"/>
+              </a:rPr>
+              <a:t>How to study Complex diseases? </a:t>
+            </a:r>
+            <a:r>
+              <a:rPr lang="en-IN" sz="3200" dirty="0"/>
+              <a:t>With Networks, since Combinatorial Optimization problems are modelled with them. </a:t>
+            </a:r>
+            <a:endParaRPr lang="en-IN" sz="3200" b="1" dirty="0" smtClean="0">
+              <a:latin typeface="Arial" panose="020B0604020202020204" pitchFamily="34" charset="0"/>
+              <a:cs typeface="Arial" panose="020B0604020202020204" pitchFamily="34" charset="0"/>
+            </a:endParaRPr>
+          </a:p>
+          <a:p>
+            <a:pPr marL="742950" indent="-742950">
+              <a:lnSpc>
+                <a:spcPct val="150000"/>
+              </a:lnSpc>
+              <a:buFont typeface="+mj-lt"/>
+              <a:buAutoNum type="arabicPeriod"/>
+            </a:pPr>
+            <a:r>
+              <a:rPr lang="en-IN" sz="3200" b="1" dirty="0" smtClean="0">
+                <a:latin typeface="Arial" panose="020B0604020202020204" pitchFamily="34" charset="0"/>
+                <a:cs typeface="Arial" panose="020B0604020202020204" pitchFamily="34" charset="0"/>
+              </a:rPr>
+              <a:t>What can we ai</a:t>
+            </a:r>
+            <a:r>
+              <a:rPr lang="en-IN" sz="3200" b="1" dirty="0">
+                <a:latin typeface="Arial" panose="020B0604020202020204" pitchFamily="34" charset="0"/>
+                <a:cs typeface="Arial" panose="020B0604020202020204" pitchFamily="34" charset="0"/>
+              </a:rPr>
+              <a:t>m</a:t>
+            </a:r>
+            <a:r>
+              <a:rPr lang="en-IN" sz="3200" b="1" dirty="0" smtClean="0">
+                <a:latin typeface="Arial" panose="020B0604020202020204" pitchFamily="34" charset="0"/>
+                <a:cs typeface="Arial" panose="020B0604020202020204" pitchFamily="34" charset="0"/>
+              </a:rPr>
+              <a:t> to study with Complex Networks? </a:t>
+            </a:r>
+            <a:r>
+              <a:rPr lang="en-IN" sz="3200" dirty="0" smtClean="0">
+                <a:latin typeface="Arial" panose="020B0604020202020204" pitchFamily="34" charset="0"/>
+                <a:cs typeface="Arial" panose="020B0604020202020204" pitchFamily="34" charset="0"/>
+              </a:rPr>
+              <a:t>We can find measures that matter; understand large scale structure and learn about dynamics and other behaviour.</a:t>
+            </a:r>
+          </a:p>
+          <a:p>
+            <a:pPr lvl="1">
+              <a:lnSpc>
+                <a:spcPct val="150000"/>
+              </a:lnSpc>
+            </a:pPr>
+            <a:endParaRPr lang="en-IN" sz="3200" dirty="0">
+              <a:latin typeface="Arial" panose="020B0604020202020204" pitchFamily="34" charset="0"/>
+              <a:cs typeface="Arial" panose="020B0604020202020204" pitchFamily="34" charset="0"/>
+            </a:endParaRPr>
+          </a:p>
+        </p:txBody>
+      </p:sp>
+    </p:spTree>
+    <p:extLst>
+      <p:ext uri="{BB962C8B-B14F-4D97-AF65-F5344CB8AC3E}">
+        <p14:creationId xmlns:p14="http://schemas.microsoft.com/office/powerpoint/2010/main" val="1758868896"/>
+      </p:ext>
+    </p:extLst>
+  </p:cSld>
+  <p:clrMapOvr>
+    <a:masterClrMapping/>
+  </p:clrMapOvr>
+  <p:timing>
+    <p:tnLst>
+      <p:par>
+        <p:cTn id="1" dur="indefinite" restart="never" nodeType="tmRoot"/>
+      </p:par>
+    </p:tnLst>
+  </p:timing>
+</p:sld>
+</file>
+
+<file path=ppt/slides/slide22.xml><?xml version="1.0" encoding="utf-8"?>
+<p:sld xmlns:a="http://schemas.openxmlformats.org/drawingml/2006/main" xmlns:r="http://schemas.openxmlformats.org/officeDocument/2006/relationships" xmlns:p="http://schemas.openxmlformats.org/presentationml/2006/main">
+  <p:cSld>
+    <p:spTree>
+      <p:nvGrpSpPr>
+        <p:cNvPr id="1" name=""/>
+        <p:cNvGrpSpPr/>
+        <p:nvPr/>
+      </p:nvGrpSpPr>
+      <p:grpSpPr>
+        <a:xfrm>
+          <a:off x="0" y="0"/>
+          <a:ext cx="0" cy="0"/>
+          <a:chOff x="0" y="0"/>
+          <a:chExt cx="0" cy="0"/>
+        </a:xfrm>
+      </p:grpSpPr>
+      <p:sp>
+        <p:nvSpPr>
+          <p:cNvPr id="4" name="Title 3"/>
+          <p:cNvSpPr>
+            <a:spLocks noGrp="1"/>
+          </p:cNvSpPr>
+          <p:nvPr>
+            <p:ph type="ctrTitle"/>
+          </p:nvPr>
+        </p:nvSpPr>
+        <p:spPr/>
+        <p:txBody>
+          <a:bodyPr>
+            <a:normAutofit/>
+          </a:bodyPr>
+          <a:lstStyle/>
+          <a:p>
+            <a:r>
+              <a:rPr lang="en-IN" sz="8000" b="1" dirty="0" smtClean="0">
+                <a:latin typeface="Arial" panose="020B0604020202020204" pitchFamily="34" charset="0"/>
+                <a:cs typeface="Arial" panose="020B0604020202020204" pitchFamily="34" charset="0"/>
+              </a:rPr>
+              <a:t>THANK YOU!</a:t>
+            </a:r>
+            <a:endParaRPr lang="en-IN" sz="8000" b="1" dirty="0">
+              <a:latin typeface="Arial" panose="020B0604020202020204" pitchFamily="34" charset="0"/>
+              <a:cs typeface="Arial" panose="020B0604020202020204" pitchFamily="34" charset="0"/>
+            </a:endParaRPr>
+          </a:p>
+        </p:txBody>
+      </p:sp>
+      <p:sp>
+        <p:nvSpPr>
+          <p:cNvPr id="5" name="Subtitle 4"/>
+          <p:cNvSpPr>
+            <a:spLocks noGrp="1"/>
+          </p:cNvSpPr>
+          <p:nvPr>
+            <p:ph type="subTitle" idx="1"/>
+          </p:nvPr>
+        </p:nvSpPr>
+        <p:spPr/>
+        <p:txBody>
+          <a:bodyPr>
+            <a:normAutofit/>
+          </a:bodyPr>
+          <a:lstStyle/>
+          <a:p>
+            <a:r>
+              <a:rPr lang="en-IN" sz="3200" dirty="0" smtClean="0">
+                <a:latin typeface="Arial" panose="020B0604020202020204" pitchFamily="34" charset="0"/>
+                <a:cs typeface="Arial" panose="020B0604020202020204" pitchFamily="34" charset="0"/>
+              </a:rPr>
+              <a:t>Any questions?</a:t>
+            </a:r>
+          </a:p>
+          <a:p>
+            <a:r>
+              <a:rPr lang="en-IN" sz="3200" dirty="0" smtClean="0">
+                <a:latin typeface="Arial" panose="020B0604020202020204" pitchFamily="34" charset="0"/>
+                <a:cs typeface="Arial" panose="020B0604020202020204" pitchFamily="34" charset="0"/>
+              </a:rPr>
+              <a:t>Please, feel free to ask!</a:t>
+            </a:r>
+            <a:endParaRPr lang="en-IN" sz="3200" dirty="0">
+              <a:latin typeface="Arial" panose="020B0604020202020204" pitchFamily="34" charset="0"/>
+              <a:cs typeface="Arial" panose="020B0604020202020204" pitchFamily="34" charset="0"/>
+            </a:endParaRPr>
+          </a:p>
+        </p:txBody>
+      </p:sp>
+    </p:spTree>
+    <p:extLst>
+      <p:ext uri="{BB962C8B-B14F-4D97-AF65-F5344CB8AC3E}">
+        <p14:creationId xmlns:p14="http://schemas.microsoft.com/office/powerpoint/2010/main" val="3741806527"/>
+      </p:ext>
+    </p:extLst>
+  </p:cSld>
+  <p:clrMapOvr>
+    <a:masterClrMapping/>
+  </p:clrMapOvr>
+  <p:timing>
+    <p:tnLst>
+      <p:par>
+        <p:cTn id="1" dur="indefinite" restart="never" nodeType="tmRoot"/>
+      </p:par>
+    </p:tnLst>
+  </p:timing>
+</p:sld>
+</file>
+
+<file path=ppt/slides/slide23.xml><?xml version="1.0" encoding="utf-8"?>
+<p:sld xmlns:a="http://schemas.openxmlformats.org/drawingml/2006/main" xmlns:r="http://schemas.openxmlformats.org/officeDocument/2006/relationships" xmlns:p="http://schemas.openxmlformats.org/presentationml/2006/main">
+  <p:cSld>
+    <p:spTree>
+      <p:nvGrpSpPr>
+        <p:cNvPr id="1" name=""/>
+        <p:cNvGrpSpPr/>
+        <p:nvPr/>
+      </p:nvGrpSpPr>
+      <p:grpSpPr>
+        <a:xfrm>
+          <a:off x="0" y="0"/>
+          <a:ext cx="0" cy="0"/>
+          <a:chOff x="0" y="0"/>
+          <a:chExt cx="0" cy="0"/>
+        </a:xfrm>
+      </p:grpSpPr>
+      <p:sp>
+        <p:nvSpPr>
+          <p:cNvPr id="2" name="Title 1"/>
+          <p:cNvSpPr>
+            <a:spLocks noGrp="1"/>
+          </p:cNvSpPr>
+          <p:nvPr>
+            <p:ph type="title"/>
+          </p:nvPr>
+        </p:nvSpPr>
+        <p:spPr>
+          <a:xfrm>
+            <a:off x="838200" y="166719"/>
+            <a:ext cx="10515600" cy="411251"/>
+          </a:xfrm>
+        </p:spPr>
+        <p:txBody>
+          <a:bodyPr>
+            <a:normAutofit fontScale="90000"/>
+          </a:bodyPr>
+          <a:lstStyle/>
+          <a:p>
+            <a:pPr algn="ctr"/>
+            <a:r>
+              <a:rPr lang="en-IN" dirty="0" smtClean="0">
+                <a:latin typeface="Arial" panose="020B0604020202020204" pitchFamily="34" charset="0"/>
+                <a:cs typeface="Arial" panose="020B0604020202020204" pitchFamily="34" charset="0"/>
+              </a:rPr>
+              <a:t>References</a:t>
+            </a:r>
+            <a:endParaRPr lang="en-IN" dirty="0">
+              <a:latin typeface="Arial" panose="020B0604020202020204" pitchFamily="34" charset="0"/>
+              <a:cs typeface="Arial" panose="020B0604020202020204" pitchFamily="34" charset="0"/>
+            </a:endParaRPr>
+          </a:p>
+        </p:txBody>
+      </p:sp>
+      <p:sp>
+        <p:nvSpPr>
+          <p:cNvPr id="3" name="Content Placeholder 2"/>
+          <p:cNvSpPr>
+            <a:spLocks noGrp="1"/>
+          </p:cNvSpPr>
+          <p:nvPr>
+            <p:ph idx="1"/>
+          </p:nvPr>
+        </p:nvSpPr>
+        <p:spPr>
+          <a:xfrm>
+            <a:off x="838200" y="695565"/>
+            <a:ext cx="10515600" cy="5765620"/>
+          </a:xfrm>
+        </p:spPr>
+        <p:txBody>
+          <a:bodyPr>
+            <a:noAutofit/>
+          </a:bodyPr>
+          <a:lstStyle/>
+          <a:p>
+            <a:pPr marL="514350" indent="-514350">
+              <a:buFont typeface="+mj-lt"/>
+              <a:buAutoNum type="arabicPeriod"/>
+            </a:pPr>
+            <a:r>
+              <a:rPr lang="en-IN" sz="1600" dirty="0" err="1" smtClean="0"/>
+              <a:t>Sayama</a:t>
+            </a:r>
+            <a:r>
+              <a:rPr lang="en-IN" sz="1600" dirty="0" smtClean="0"/>
+              <a:t>, Hiroki. </a:t>
+            </a:r>
+            <a:r>
+              <a:rPr lang="en-IN" sz="1600" dirty="0"/>
+              <a:t>2015. </a:t>
+            </a:r>
+            <a:r>
+              <a:rPr lang="en-IN" sz="1600" i="1" dirty="0"/>
+              <a:t>Introduction to the Modelling and Analysis of Complex Systems</a:t>
+            </a:r>
+            <a:r>
+              <a:rPr lang="en-IN" sz="1600" dirty="0"/>
+              <a:t>. New York: Open SUNY Textbooks. </a:t>
+            </a:r>
+            <a:endParaRPr lang="en-IN" sz="1600" dirty="0" smtClean="0"/>
+          </a:p>
+          <a:p>
+            <a:pPr marL="514350" indent="-514350">
+              <a:buFont typeface="+mj-lt"/>
+              <a:buAutoNum type="arabicPeriod"/>
+            </a:pPr>
+            <a:r>
+              <a:rPr lang="en-IN" sz="1600" dirty="0"/>
+              <a:t>Lloyd, Seth. </a:t>
+            </a:r>
+            <a:r>
+              <a:rPr lang="en-IN" sz="1600" dirty="0" err="1"/>
+              <a:t>n.d.</a:t>
+            </a:r>
+            <a:r>
+              <a:rPr lang="en-IN" sz="1600" dirty="0"/>
+              <a:t> “Measures of Complexity a Non-Exhaustive List.” Accessed November 2, 2018. </a:t>
+            </a:r>
+            <a:r>
+              <a:rPr lang="en-IN" sz="1600" dirty="0" smtClean="0"/>
+              <a:t> </a:t>
+            </a:r>
+            <a:r>
+              <a:rPr lang="en-IN" sz="1600" dirty="0" smtClean="0">
+                <a:hlinkClick r:id="rId2"/>
+              </a:rPr>
+              <a:t>http</a:t>
+            </a:r>
+            <a:r>
+              <a:rPr lang="en-IN" sz="1600" dirty="0">
+                <a:hlinkClick r:id="rId2"/>
+              </a:rPr>
+              <a:t>://</a:t>
+            </a:r>
+            <a:r>
+              <a:rPr lang="en-IN" sz="1600" dirty="0" smtClean="0">
+                <a:hlinkClick r:id="rId2"/>
+              </a:rPr>
+              <a:t>web.mit.edu/esd.83/www/notebook/Complexity.PDF</a:t>
+            </a:r>
+            <a:endParaRPr lang="en-IN" sz="1600" dirty="0"/>
+          </a:p>
+          <a:p>
+            <a:pPr marL="514350" indent="-514350">
+              <a:buFont typeface="+mj-lt"/>
+              <a:buAutoNum type="arabicPeriod"/>
+            </a:pPr>
+            <a:r>
+              <a:rPr lang="en-IN" sz="1600" dirty="0"/>
+              <a:t>Furlong, Laura I. 2013. “Human Diseases through the Lens of Network Biology.” </a:t>
+            </a:r>
+            <a:r>
+              <a:rPr lang="en-IN" sz="1600" i="1" dirty="0"/>
+              <a:t>Trends in Genetics</a:t>
+            </a:r>
+            <a:r>
+              <a:rPr lang="en-IN" sz="1600" dirty="0"/>
+              <a:t> 29 (3): 150–59. </a:t>
+            </a:r>
+            <a:endParaRPr lang="en-IN" sz="1600" dirty="0" smtClean="0"/>
+          </a:p>
+          <a:p>
+            <a:pPr marL="514350" indent="-514350">
+              <a:buFont typeface="+mj-lt"/>
+              <a:buAutoNum type="arabicPeriod"/>
+            </a:pPr>
+            <a:r>
+              <a:rPr lang="en-IN" sz="1600" dirty="0"/>
+              <a:t>Griffiths AJF, Miller JH, Suzuki DT, et al. An Introduction to Genetic Analysis. 7th edition. New York: W. H. Freeman; 2000. Gene-protein </a:t>
+            </a:r>
+            <a:r>
+              <a:rPr lang="en-IN" sz="1600" dirty="0" smtClean="0"/>
+              <a:t>relations.</a:t>
+            </a:r>
+          </a:p>
+          <a:p>
+            <a:pPr marL="514350" indent="-514350">
+              <a:buFont typeface="+mj-lt"/>
+              <a:buAutoNum type="arabicPeriod"/>
+            </a:pPr>
+            <a:r>
+              <a:rPr lang="en-IN" sz="1600" dirty="0" smtClean="0"/>
+              <a:t>Hartmann</a:t>
+            </a:r>
+            <a:r>
+              <a:rPr lang="en-IN" sz="1600" dirty="0"/>
+              <a:t>, Alexander K. and  Martin </a:t>
+            </a:r>
+            <a:r>
+              <a:rPr lang="en-IN" sz="1600" dirty="0" err="1"/>
+              <a:t>Weigt</a:t>
+            </a:r>
+            <a:r>
+              <a:rPr lang="en-IN" sz="1600" dirty="0"/>
+              <a:t> . Phase transitions in combinatorial optimization problems, Wiley-VCH, </a:t>
+            </a:r>
+            <a:r>
+              <a:rPr lang="en-IN" sz="1600" dirty="0" err="1"/>
+              <a:t>Weinheim</a:t>
+            </a:r>
+            <a:r>
+              <a:rPr lang="en-IN" sz="1600" dirty="0"/>
+              <a:t>, </a:t>
+            </a:r>
+            <a:r>
+              <a:rPr lang="en-IN" sz="1600" dirty="0" smtClean="0"/>
+              <a:t>2005.</a:t>
+            </a:r>
+          </a:p>
+          <a:p>
+            <a:pPr marL="514350" indent="-514350">
+              <a:buFont typeface="+mj-lt"/>
+              <a:buAutoNum type="arabicPeriod"/>
+            </a:pPr>
+            <a:r>
+              <a:rPr lang="en-IN" sz="1600" dirty="0" smtClean="0"/>
+              <a:t>Schroeder</a:t>
+            </a:r>
+            <a:r>
+              <a:rPr lang="en-IN" sz="1600" dirty="0"/>
+              <a:t>, Daniel. V. An Introduction to Thermal Physics, Addison-Wesley Publishing Company, San Francisco, 1999</a:t>
+            </a:r>
+            <a:r>
+              <a:rPr lang="en-IN" sz="1600" dirty="0" smtClean="0"/>
+              <a:t>.</a:t>
+            </a:r>
+          </a:p>
+          <a:p>
+            <a:pPr marL="514350" indent="-514350">
+              <a:buFont typeface="+mj-lt"/>
+              <a:buAutoNum type="arabicPeriod"/>
+            </a:pPr>
+            <a:r>
+              <a:rPr lang="en-IN" sz="1600" dirty="0"/>
+              <a:t>Estrada, Ernesto. 2013. “Graph and Network Theory in Physics. A Short Introduction.” </a:t>
+            </a:r>
+            <a:r>
+              <a:rPr lang="en-IN" sz="1600" dirty="0">
+                <a:hlinkClick r:id="rId3"/>
+              </a:rPr>
+              <a:t>http://arxiv.org/abs/1302.4378</a:t>
+            </a:r>
+            <a:r>
+              <a:rPr lang="en-IN" sz="1600" dirty="0" smtClean="0"/>
+              <a:t>.</a:t>
+            </a:r>
+          </a:p>
+          <a:p>
+            <a:pPr marL="514350" indent="-514350">
+              <a:buFont typeface="+mj-lt"/>
+              <a:buAutoNum type="arabicPeriod"/>
+            </a:pPr>
+            <a:r>
+              <a:rPr lang="en-IN" sz="1800" dirty="0"/>
+              <a:t>Hu, Yan-Shi, </a:t>
+            </a:r>
+            <a:r>
+              <a:rPr lang="en-IN" sz="1800" dirty="0" err="1"/>
+              <a:t>Juncai</a:t>
+            </a:r>
+            <a:r>
+              <a:rPr lang="en-IN" sz="1800" dirty="0"/>
+              <a:t> Xin, Ying Hu, Lei Zhang, and </a:t>
+            </a:r>
+            <a:r>
+              <a:rPr lang="en-IN" sz="1800" dirty="0" err="1"/>
+              <a:t>Ju</a:t>
+            </a:r>
+            <a:r>
+              <a:rPr lang="en-IN" sz="1800" dirty="0"/>
+              <a:t> Wang. 2017. “</a:t>
+            </a:r>
+            <a:r>
+              <a:rPr lang="en-IN" sz="1800" dirty="0" err="1"/>
+              <a:t>Analyzing</a:t>
+            </a:r>
+            <a:r>
+              <a:rPr lang="en-IN" sz="1800" dirty="0"/>
+              <a:t> the Genes Related to Alzheimer’s Disease via a Network and Pathway-Based Approach.” </a:t>
+            </a:r>
+            <a:r>
+              <a:rPr lang="en-IN" sz="1800" i="1" dirty="0"/>
+              <a:t>Alzheimer’s Research &amp; Therapy</a:t>
+            </a:r>
+            <a:r>
+              <a:rPr lang="en-IN" sz="1800" dirty="0"/>
+              <a:t> 9 (1): 29. </a:t>
+            </a:r>
+            <a:endParaRPr lang="en-IN" sz="1800" dirty="0" smtClean="0"/>
+          </a:p>
+          <a:p>
+            <a:pPr marL="514350" indent="-514350">
+              <a:buFont typeface="+mj-lt"/>
+              <a:buAutoNum type="arabicPeriod"/>
+            </a:pPr>
+            <a:r>
+              <a:rPr lang="en-IN" sz="1800" dirty="0"/>
+              <a:t> Newman, M. E. J. 2003. “The Structure and Function of Complex Networks.” </a:t>
+            </a:r>
+            <a:r>
+              <a:rPr lang="en-IN" sz="1800" i="1" dirty="0"/>
+              <a:t>SIAM Review</a:t>
+            </a:r>
+            <a:r>
+              <a:rPr lang="en-IN" sz="1800" dirty="0"/>
+              <a:t> 45 (2): </a:t>
+            </a:r>
+            <a:r>
+              <a:rPr lang="en-IN" sz="1800" dirty="0" smtClean="0"/>
+              <a:t>167–256.</a:t>
+            </a:r>
+          </a:p>
+          <a:p>
+            <a:pPr marL="514350" indent="-514350">
+              <a:buFont typeface="+mj-lt"/>
+              <a:buAutoNum type="arabicPeriod"/>
+            </a:pPr>
+            <a:r>
+              <a:rPr lang="en-IN" sz="1800" dirty="0" err="1" smtClean="0"/>
+              <a:t>Barabasi</a:t>
+            </a:r>
+            <a:r>
+              <a:rPr lang="en-IN" sz="1800" dirty="0"/>
+              <a:t>, and Albert. 1999. “Emergence of Scaling in Random Networks.” </a:t>
+            </a:r>
+            <a:r>
+              <a:rPr lang="en-IN" sz="1800" i="1" dirty="0"/>
+              <a:t>Science (New York, N.Y.)</a:t>
+            </a:r>
+            <a:r>
+              <a:rPr lang="en-IN" sz="1800" dirty="0"/>
+              <a:t> 286 (5439): 509–12. </a:t>
+            </a:r>
+            <a:endParaRPr lang="en-IN" sz="1800" dirty="0" smtClean="0"/>
+          </a:p>
+          <a:p>
+            <a:pPr marL="514350" indent="-514350">
+              <a:buFont typeface="+mj-lt"/>
+              <a:buAutoNum type="arabicPeriod"/>
+            </a:pPr>
+            <a:r>
+              <a:rPr lang="en-IN" sz="1800" dirty="0" err="1" smtClean="0"/>
+              <a:t>Pržulj</a:t>
+            </a:r>
+            <a:r>
+              <a:rPr lang="en-IN" sz="1800" dirty="0"/>
+              <a:t>, </a:t>
+            </a:r>
+            <a:r>
+              <a:rPr lang="en-IN" sz="1800" dirty="0" err="1"/>
+              <a:t>Nataša</a:t>
+            </a:r>
+            <a:r>
+              <a:rPr lang="en-IN" sz="1800" dirty="0"/>
+              <a:t>. 2007. “Biological Network Comparison Using </a:t>
+            </a:r>
+            <a:r>
+              <a:rPr lang="en-IN" sz="1800" dirty="0" err="1"/>
+              <a:t>Graphlet</a:t>
+            </a:r>
+            <a:r>
+              <a:rPr lang="en-IN" sz="1800" dirty="0"/>
+              <a:t> Degree Distribution.” </a:t>
+            </a:r>
+            <a:r>
+              <a:rPr lang="en-IN" sz="1800" i="1" dirty="0"/>
+              <a:t>Bioinformatics</a:t>
+            </a:r>
+            <a:r>
+              <a:rPr lang="en-IN" sz="1800" dirty="0"/>
+              <a:t> 23 (2): 177–83. </a:t>
+            </a:r>
+          </a:p>
+          <a:p>
+            <a:pPr marL="514350" indent="-514350">
+              <a:buFont typeface="+mj-lt"/>
+              <a:buAutoNum type="arabicPeriod"/>
+            </a:pPr>
+            <a:endParaRPr lang="en-IN" sz="1800" dirty="0"/>
+          </a:p>
+          <a:p>
+            <a:pPr marL="514350" indent="-514350">
+              <a:buFont typeface="+mj-lt"/>
+              <a:buAutoNum type="arabicPeriod"/>
+            </a:pPr>
+            <a:endParaRPr lang="en-IN" sz="1800" dirty="0"/>
+          </a:p>
+          <a:p>
+            <a:pPr marL="514350" indent="-514350">
+              <a:buFont typeface="+mj-lt"/>
+              <a:buAutoNum type="arabicPeriod"/>
+            </a:pPr>
+            <a:endParaRPr lang="en-IN" sz="1800" dirty="0"/>
+          </a:p>
+          <a:p>
+            <a:pPr marL="514350" indent="-514350">
+              <a:buFont typeface="+mj-lt"/>
+              <a:buAutoNum type="arabicPeriod"/>
+            </a:pPr>
+            <a:endParaRPr lang="en-IN" sz="1600" dirty="0"/>
+          </a:p>
+        </p:txBody>
+      </p:sp>
+    </p:spTree>
+    <p:extLst>
+      <p:ext uri="{BB962C8B-B14F-4D97-AF65-F5344CB8AC3E}">
+        <p14:creationId xmlns:p14="http://schemas.microsoft.com/office/powerpoint/2010/main" val="2396425654"/>
       </p:ext>
     </p:extLst>
   </p:cSld>
@@ -5623,29 +8079,8 @@
                 <a:latin typeface="Arial" panose="020B0604020202020204" pitchFamily="34" charset="0"/>
                 <a:cs typeface="Arial" panose="020B0604020202020204" pitchFamily="34" charset="0"/>
               </a:rPr>
-              <a:t> to study with Complex Networks</a:t>
-            </a:r>
-            <a:r>
-              <a:rPr lang="en-IN" sz="3600" dirty="0" smtClean="0">
-                <a:solidFill>
-                  <a:schemeClr val="bg1">
-                    <a:lumMod val="75000"/>
-                  </a:schemeClr>
-                </a:solidFill>
-                <a:latin typeface="Arial" panose="020B0604020202020204" pitchFamily="34" charset="0"/>
-                <a:cs typeface="Arial" panose="020B0604020202020204" pitchFamily="34" charset="0"/>
-              </a:rPr>
-              <a:t>?</a:t>
-            </a:r>
-            <a:endParaRPr lang="en-IN" sz="3600" dirty="0" smtClean="0">
-              <a:solidFill>
-                <a:schemeClr val="bg1">
-                  <a:lumMod val="75000"/>
-                </a:schemeClr>
-              </a:solidFill>
-              <a:latin typeface="Arial" panose="020B0604020202020204" pitchFamily="34" charset="0"/>
-              <a:cs typeface="Arial" panose="020B0604020202020204" pitchFamily="34" charset="0"/>
-            </a:endParaRPr>
+              <a:t> to study with Complex Networks?</a:t>
+            </a:r>
           </a:p>
           <a:p>
             <a:endParaRPr lang="en-IN" sz="3600" dirty="0" smtClean="0">
@@ -5741,14 +8176,7 @@
                 <a:latin typeface="Arial" panose="020B0604020202020204" pitchFamily="34" charset="0"/>
                 <a:cs typeface="Arial" panose="020B0604020202020204" pitchFamily="34" charset="0"/>
               </a:rPr>
-              <a:t>hat </a:t>
-            </a:r>
-            <a:r>
-              <a:rPr lang="en-IN" sz="4000" dirty="0" smtClean="0">
-                <a:latin typeface="Arial" panose="020B0604020202020204" pitchFamily="34" charset="0"/>
-                <a:cs typeface="Arial" panose="020B0604020202020204" pitchFamily="34" charset="0"/>
-              </a:rPr>
-              <a:t>is a Complex System?</a:t>
+              <a:t>hat is a Complex System?</a:t>
             </a:r>
             <a:endParaRPr lang="en-IN" sz="4000" dirty="0">
               <a:latin typeface="Arial" panose="020B0604020202020204" pitchFamily="34" charset="0"/>
@@ -5906,8 +8334,8 @@
         </p:nvSpPr>
         <p:spPr>
           <a:xfrm>
-            <a:off x="431320" y="6332575"/>
-            <a:ext cx="4546121" cy="369332"/>
+            <a:off x="431321" y="6254827"/>
+            <a:ext cx="5210355" cy="738664"/>
           </a:xfrm>
           <a:prstGeom prst="rect">
             <a:avLst/>
@@ -5921,9 +8349,32 @@
           <a:lstStyle/>
           <a:p>
             <a:r>
-              <a:rPr lang="en-IN" dirty="0" smtClean="0"/>
-              <a:t>1,2.  </a:t>
-            </a:r>
+              <a:rPr lang="en-IN" sz="1400" dirty="0" smtClean="0"/>
+              <a:t>1. </a:t>
+            </a:r>
+            <a:r>
+              <a:rPr lang="en-IN" sz="1400" dirty="0" err="1" smtClean="0"/>
+              <a:t>Sayama</a:t>
+            </a:r>
+            <a:r>
+              <a:rPr lang="en-IN" sz="1400" dirty="0" smtClean="0"/>
+              <a:t>. </a:t>
+            </a:r>
+            <a:r>
+              <a:rPr lang="en-IN" sz="1400" dirty="0"/>
+              <a:t>2015. </a:t>
+            </a:r>
+            <a:r>
+              <a:rPr lang="en-IN" sz="1400" i="1" dirty="0"/>
+              <a:t>Introduction to the Modelling and Analysis of Complex Systems</a:t>
+            </a:r>
+            <a:r>
+              <a:rPr lang="en-IN" sz="1400" dirty="0"/>
+              <a:t>. New York: Open SUNY Textbooks. </a:t>
+            </a:r>
+          </a:p>
+          <a:p>
+            <a:endParaRPr lang="en-IN" sz="1400" dirty="0" smtClean="0"/>
           </a:p>
         </p:txBody>
       </p:sp>
@@ -5952,16 +8403,21 @@
             <a:pPr algn="ctr"/>
             <a:r>
               <a:rPr lang="en-IN" dirty="0" smtClean="0"/>
-              <a:t>Fig 1. Concept map of Complex systems</a:t>
-            </a:r>
-            <a:r>
-              <a:rPr lang="en-IN" baseline="30000" dirty="0" smtClean="0"/>
-              <a:t>2</a:t>
+              <a:t>Fig 1. Concept map of Complex </a:t>
+            </a:r>
+            <a:r>
+              <a:rPr lang="en-IN" dirty="0" smtClean="0"/>
+              <a:t>systems</a:t>
+            </a:r>
+            <a:r>
+              <a:rPr lang="en-IN" baseline="30000" dirty="0"/>
+              <a:t>1</a:t>
             </a:r>
             <a:r>
               <a:rPr lang="en-IN" dirty="0" smtClean="0"/>
               <a:t> </a:t>
             </a:r>
+            <a:endParaRPr lang="en-IN" dirty="0" smtClean="0"/>
           </a:p>
         </p:txBody>
       </p:sp>
@@ -5974,7 +8430,7 @@
         <p:spPr>
           <a:xfrm>
             <a:off x="431321" y="5807633"/>
-            <a:ext cx="4546121" cy="369332"/>
+            <a:ext cx="4546121" cy="400110"/>
           </a:xfrm>
           <a:prstGeom prst="rect">
             <a:avLst/>
@@ -5988,11 +8444,11 @@
           <a:lstStyle/>
           <a:p>
             <a:r>
-              <a:rPr lang="en-IN" sz="1400" dirty="0" smtClean="0"/>
+              <a:rPr lang="en-IN" sz="1600" dirty="0" smtClean="0"/>
               <a:t>*Not a definition. That would be reductionist!</a:t>
             </a:r>
             <a:r>
-              <a:rPr lang="en-IN" dirty="0" smtClean="0"/>
+              <a:rPr lang="en-IN" sz="2000" dirty="0" smtClean="0"/>
               <a:t>  </a:t>
             </a:r>
           </a:p>
@@ -6047,7 +8503,7 @@
         </p:nvSpPr>
         <p:spPr>
           <a:xfrm>
-            <a:off x="769188" y="1259458"/>
+            <a:off x="769188" y="1207700"/>
             <a:ext cx="10997241" cy="5469146"/>
           </a:xfrm>
         </p:spPr>
@@ -6223,19 +8679,8 @@
                 <a:latin typeface="Arial" panose="020B0604020202020204" pitchFamily="34" charset="0"/>
                 <a:cs typeface="Arial" panose="020B0604020202020204" pitchFamily="34" charset="0"/>
               </a:rPr>
-              <a:t>More on this </a:t>
-            </a:r>
-            <a:r>
-              <a:rPr lang="en-IN" dirty="0" smtClean="0">
-                <a:latin typeface="Arial" panose="020B0604020202020204" pitchFamily="34" charset="0"/>
-                <a:cs typeface="Arial" panose="020B0604020202020204" pitchFamily="34" charset="0"/>
-              </a:rPr>
-              <a:t>later</a:t>
-            </a:r>
-            <a:endParaRPr lang="en-IN" dirty="0" smtClean="0">
-              <a:latin typeface="Arial" panose="020B0604020202020204" pitchFamily="34" charset="0"/>
-              <a:cs typeface="Arial" panose="020B0604020202020204" pitchFamily="34" charset="0"/>
-            </a:endParaRPr>
+              <a:t>More on this later</a:t>
+            </a:r>
           </a:p>
         </p:txBody>
       </p:sp>
@@ -6286,12 +8731,86 @@
                 <a:latin typeface="Arial" panose="020B0604020202020204" pitchFamily="34" charset="0"/>
                 <a:cs typeface="Arial" panose="020B0604020202020204" pitchFamily="34" charset="0"/>
               </a:rPr>
-              <a:t>General properties of Complex systems</a:t>
-            </a:r>
-            <a:endParaRPr lang="en-IN" sz="4800" dirty="0">
+              <a:t>General properties of Complex </a:t>
+            </a:r>
+            <a:r>
+              <a:rPr lang="en-IN" sz="4800" dirty="0" smtClean="0">
+                <a:latin typeface="Arial" panose="020B0604020202020204" pitchFamily="34" charset="0"/>
+                <a:cs typeface="Arial" panose="020B0604020202020204" pitchFamily="34" charset="0"/>
+              </a:rPr>
+              <a:t>systems</a:t>
+            </a:r>
+            <a:r>
+              <a:rPr lang="en-IN" sz="4800" baseline="30000" dirty="0">
+                <a:latin typeface="Arial" panose="020B0604020202020204" pitchFamily="34" charset="0"/>
+                <a:cs typeface="Arial" panose="020B0604020202020204" pitchFamily="34" charset="0"/>
+              </a:rPr>
+              <a:t>2</a:t>
+            </a:r>
+            <a:endParaRPr lang="en-IN" sz="4800" baseline="30000" dirty="0">
               <a:latin typeface="Arial" panose="020B0604020202020204" pitchFamily="34" charset="0"/>
               <a:cs typeface="Arial" panose="020B0604020202020204" pitchFamily="34" charset="0"/>
             </a:endParaRPr>
+          </a:p>
+        </p:txBody>
+      </p:sp>
+      <p:sp>
+        <p:nvSpPr>
+          <p:cNvPr id="2" name="TextBox 1"/>
+          <p:cNvSpPr txBox="1"/>
+          <p:nvPr/>
+        </p:nvSpPr>
+        <p:spPr>
+          <a:xfrm>
+            <a:off x="6745856" y="6047116"/>
+            <a:ext cx="5305246" cy="954107"/>
+          </a:xfrm>
+          <a:prstGeom prst="rect">
+            <a:avLst/>
+          </a:prstGeom>
+          <a:noFill/>
+        </p:spPr>
+        <p:txBody>
+          <a:bodyPr wrap="square" rtlCol="0">
+            <a:spAutoFit/>
+          </a:bodyPr>
+          <a:lstStyle/>
+          <a:p>
+            <a:r>
+              <a:rPr lang="en-IN" sz="1400" dirty="0" smtClean="0"/>
+              <a:t>2. Lloyd</a:t>
+            </a:r>
+            <a:r>
+              <a:rPr lang="en-IN" sz="1400" dirty="0"/>
+              <a:t>, Seth. </a:t>
+            </a:r>
+            <a:r>
+              <a:rPr lang="en-IN" sz="1400" dirty="0" err="1"/>
+              <a:t>n.d.</a:t>
+            </a:r>
+            <a:r>
+              <a:rPr lang="en-IN" sz="1400" dirty="0"/>
+              <a:t> “Measures of Complexity a Non-Exhaustive List</a:t>
+            </a:r>
+            <a:r>
+              <a:rPr lang="en-IN" sz="1400" dirty="0" smtClean="0"/>
+              <a:t>.” Accessed </a:t>
+            </a:r>
+            <a:r>
+              <a:rPr lang="en-IN" sz="1400" dirty="0"/>
+              <a:t>November 2, 2018. </a:t>
+            </a:r>
+            <a:r>
+              <a:rPr lang="en-IN" sz="1400" dirty="0" smtClean="0"/>
+              <a:t>http</a:t>
+            </a:r>
+            <a:r>
+              <a:rPr lang="en-IN" sz="1400" dirty="0"/>
+              <a:t>://web.mit.edu/esd.83/www/notebook/Complexity.PDF.</a:t>
+            </a:r>
+          </a:p>
+          <a:p>
+            <a:endParaRPr lang="en-IN" sz="1400" dirty="0"/>
           </a:p>
         </p:txBody>
       </p:sp>
@@ -6344,8 +8863,8 @@
         </p:nvSpPr>
         <p:spPr>
           <a:xfrm>
-            <a:off x="838199" y="0"/>
-            <a:ext cx="10515600" cy="1325563"/>
+            <a:off x="838199" y="146649"/>
+            <a:ext cx="10515600" cy="859737"/>
           </a:xfrm>
         </p:spPr>
         <p:txBody>
@@ -6379,7 +8898,7 @@
         </p:nvSpPr>
         <p:spPr>
           <a:xfrm>
-            <a:off x="406879" y="1190445"/>
+            <a:off x="406878" y="914400"/>
             <a:ext cx="11378241" cy="5443268"/>
           </a:xfrm>
         </p:spPr>
@@ -6402,14 +8921,7 @@
                 <a:latin typeface="Arial" panose="020B0604020202020204" pitchFamily="34" charset="0"/>
                 <a:cs typeface="Arial" panose="020B0604020202020204" pitchFamily="34" charset="0"/>
               </a:rPr>
-              <a:t>“…</a:t>
-            </a:r>
-            <a:r>
-              <a:rPr lang="en-IN" sz="3200" dirty="0" smtClean="0">
-                <a:latin typeface="Arial" panose="020B0604020202020204" pitchFamily="34" charset="0"/>
-                <a:cs typeface="Arial" panose="020B0604020202020204" pitchFamily="34" charset="0"/>
-              </a:rPr>
-              <a:t>complex diseases [are those that] </a:t>
+              <a:t>“…complex diseases [are those that] </a:t>
             </a:r>
             <a:r>
               <a:rPr lang="en-IN" sz="3200" dirty="0">
@@ -6577,14 +9089,7 @@
                 <a:latin typeface="Arial" panose="020B0604020202020204" pitchFamily="34" charset="0"/>
                 <a:cs typeface="Arial" panose="020B0604020202020204" pitchFamily="34" charset="0"/>
               </a:rPr>
-              <a:t>Examples include : </a:t>
-            </a:r>
-            <a:r>
-              <a:rPr lang="en-IN" dirty="0" smtClean="0">
-                <a:latin typeface="Arial" panose="020B0604020202020204" pitchFamily="34" charset="0"/>
-                <a:cs typeface="Arial" panose="020B0604020202020204" pitchFamily="34" charset="0"/>
-              </a:rPr>
-              <a:t>Alzheimer’s disease, Asthma, Parkinson’s disease</a:t>
+              <a:t>Examples include : Alzheimer’s disease, Asthma, Parkinson’s disease</a:t>
             </a:r>
           </a:p>
           <a:p>
@@ -6601,18 +9106,59 @@
                 <a:latin typeface="Arial" panose="020B0604020202020204" pitchFamily="34" charset="0"/>
                 <a:cs typeface="Arial" panose="020B0604020202020204" pitchFamily="34" charset="0"/>
               </a:rPr>
-              <a:t>Caveat Emptor! </a:t>
-            </a:r>
-            <a:r>
-              <a:rPr lang="en-IN" dirty="0" smtClean="0">
-                <a:latin typeface="Arial" panose="020B0604020202020204" pitchFamily="34" charset="0"/>
-                <a:cs typeface="Arial" panose="020B0604020202020204" pitchFamily="34" charset="0"/>
-              </a:rPr>
-              <a:t>Disease classification is complicated…</a:t>
-            </a:r>
-            <a:endParaRPr lang="en-IN" dirty="0" smtClean="0">
-              <a:latin typeface="Arial" panose="020B0604020202020204" pitchFamily="34" charset="0"/>
-              <a:cs typeface="Arial" panose="020B0604020202020204" pitchFamily="34" charset="0"/>
+              <a:t>Caveat Emptor! Disease classification is complicated…</a:t>
+            </a:r>
+          </a:p>
+        </p:txBody>
+      </p:sp>
+      <p:sp>
+        <p:nvSpPr>
+          <p:cNvPr id="4" name="TextBox 3"/>
+          <p:cNvSpPr txBox="1"/>
+          <p:nvPr/>
+        </p:nvSpPr>
+        <p:spPr>
+          <a:xfrm>
+            <a:off x="569343" y="6288657"/>
+            <a:ext cx="5727940" cy="523220"/>
+          </a:xfrm>
+          <a:prstGeom prst="rect">
+            <a:avLst/>
+          </a:prstGeom>
+          <a:noFill/>
+        </p:spPr>
+        <p:txBody>
+          <a:bodyPr wrap="square" rtlCol="0">
+            <a:spAutoFit/>
+          </a:bodyPr>
+          <a:lstStyle/>
+          <a:p>
+            <a:r>
+              <a:rPr lang="en-IN" sz="1400" dirty="0" smtClean="0"/>
+              <a:t>3. Furlong</a:t>
+            </a:r>
+            <a:r>
+              <a:rPr lang="en-IN" sz="1400" dirty="0"/>
+              <a:t>, Laura I. 2013. “Human Diseases </a:t>
+            </a:r>
+            <a:r>
+              <a:rPr lang="en-IN" sz="1400" dirty="0" smtClean="0"/>
+              <a:t>through </a:t>
+            </a:r>
+            <a:r>
+              <a:rPr lang="en-IN" sz="1400" dirty="0"/>
+              <a:t>the Lens of Network Biology.” </a:t>
+            </a:r>
+            <a:r>
+              <a:rPr lang="en-IN" sz="1400" i="1" dirty="0"/>
+              <a:t>Trends in Genetics</a:t>
+            </a:r>
+            <a:r>
+              <a:rPr lang="en-IN" sz="1400" dirty="0"/>
+              <a:t> 29 (3): 150–59. </a:t>
+            </a:r>
+            <a:endParaRPr lang="en-IN" sz="1400" dirty="0">
+              <a:effectLst/>
             </a:endParaRPr>
           </a:p>
         </p:txBody>
@@ -6667,7 +9213,7 @@
         <p:spPr>
           <a:xfrm>
             <a:off x="888520" y="201223"/>
-            <a:ext cx="10515600" cy="1040981"/>
+            <a:ext cx="10515600" cy="713177"/>
           </a:xfrm>
         </p:spPr>
         <p:txBody>
@@ -6701,7 +9247,7 @@
         </p:nvSpPr>
         <p:spPr>
           <a:xfrm>
-            <a:off x="483079" y="1181820"/>
+            <a:off x="483078" y="914400"/>
             <a:ext cx="11326483" cy="5529532"/>
           </a:xfrm>
         </p:spPr>
@@ -6740,10 +9286,6 @@
               </a:rPr>
               <a:t>.</a:t>
             </a:r>
-            <a:endParaRPr lang="en-IN" dirty="0" smtClean="0">
-              <a:latin typeface="Arial" panose="020B0604020202020204" pitchFamily="34" charset="0"/>
-              <a:cs typeface="Arial" panose="020B0604020202020204" pitchFamily="34" charset="0"/>
-            </a:endParaRPr>
           </a:p>
           <a:p>
             <a:pPr>
@@ -6773,14 +9315,7 @@
                 <a:latin typeface="Arial" panose="020B0604020202020204" pitchFamily="34" charset="0"/>
                 <a:cs typeface="Arial" panose="020B0604020202020204" pitchFamily="34" charset="0"/>
               </a:rPr>
-              <a:t> </a:t>
-            </a:r>
-            <a:r>
-              <a:rPr lang="en-IN" dirty="0" smtClean="0">
-                <a:latin typeface="Arial" panose="020B0604020202020204" pitchFamily="34" charset="0"/>
-                <a:cs typeface="Arial" panose="020B0604020202020204" pitchFamily="34" charset="0"/>
-              </a:rPr>
-              <a:t>Thousands of Genes or Proteins or Metabolites </a:t>
+              <a:t> Thousands of Genes or Proteins or Metabolites </a:t>
             </a:r>
           </a:p>
           <a:p>
@@ -6821,35 +9356,35 @@
                 <a:latin typeface="Arial" panose="020B0604020202020204" pitchFamily="34" charset="0"/>
                 <a:cs typeface="Arial" panose="020B0604020202020204" pitchFamily="34" charset="0"/>
               </a:rPr>
-              <a:t>Central Dogma of Molecular Biology</a:t>
+              <a:t>Central Dogma of Molecular </a:t>
+            </a:r>
+            <a:r>
+              <a:rPr lang="en-IN" i="1" u="sng" dirty="0" smtClean="0">
+                <a:latin typeface="Arial" panose="020B0604020202020204" pitchFamily="34" charset="0"/>
+                <a:cs typeface="Arial" panose="020B0604020202020204" pitchFamily="34" charset="0"/>
+              </a:rPr>
+              <a:t>Biology</a:t>
+            </a:r>
+            <a:r>
+              <a:rPr lang="en-IN" i="1" u="sng" baseline="30000" dirty="0" smtClean="0">
+                <a:latin typeface="Arial" panose="020B0604020202020204" pitchFamily="34" charset="0"/>
+                <a:cs typeface="Arial" panose="020B0604020202020204" pitchFamily="34" charset="0"/>
+              </a:rPr>
+              <a:t>4</a:t>
             </a:r>
             <a:r>
               <a:rPr lang="en-IN" dirty="0" smtClean="0">
                 <a:latin typeface="Arial" panose="020B0604020202020204" pitchFamily="34" charset="0"/>
                 <a:cs typeface="Arial" panose="020B0604020202020204" pitchFamily="34" charset="0"/>
               </a:rPr>
-              <a:t>, mutations </a:t>
+              <a:t>, </a:t>
             </a:r>
             <a:r>
               <a:rPr lang="en-IN" dirty="0" smtClean="0">
                 <a:latin typeface="Arial" panose="020B0604020202020204" pitchFamily="34" charset="0"/>
                 <a:cs typeface="Arial" panose="020B0604020202020204" pitchFamily="34" charset="0"/>
               </a:rPr>
-              <a:t>in the DNA sequence affect the genes which affects RNA which in turn affects the protein which in turn causes a </a:t>
-            </a:r>
-            <a:r>
-              <a:rPr lang="en-IN" dirty="0" smtClean="0">
-                <a:latin typeface="Arial" panose="020B0604020202020204" pitchFamily="34" charset="0"/>
-                <a:cs typeface="Arial" panose="020B0604020202020204" pitchFamily="34" charset="0"/>
-              </a:rPr>
-              <a:t>phenotype. </a:t>
-            </a:r>
-            <a:r>
-              <a:rPr lang="en-IN" dirty="0" smtClean="0">
-                <a:latin typeface="Arial" panose="020B0604020202020204" pitchFamily="34" charset="0"/>
-                <a:cs typeface="Arial" panose="020B0604020202020204" pitchFamily="34" charset="0"/>
-              </a:rPr>
-              <a:t>Thus there is emergent behaviour(Hierarchical structure). </a:t>
+              <a:t>mutations in the DNA sequence affect the genes which affects RNA which in turn affects the protein which in turn causes a phenotype. Thus there is emergent behaviour(Hierarchical structure). </a:t>
             </a:r>
           </a:p>
           <a:p>
@@ -6866,33 +9401,46 @@
                 <a:latin typeface="Arial" panose="020B0604020202020204" pitchFamily="34" charset="0"/>
                 <a:cs typeface="Arial" panose="020B0604020202020204" pitchFamily="34" charset="0"/>
               </a:rPr>
-              <a:t>There is no one central gene that causes the disease. It is the result </a:t>
-            </a:r>
-            <a:r>
-              <a:rPr lang="en-IN" dirty="0" smtClean="0">
-                <a:latin typeface="Arial" panose="020B0604020202020204" pitchFamily="34" charset="0"/>
-                <a:cs typeface="Arial" panose="020B0604020202020204" pitchFamily="34" charset="0"/>
-              </a:rPr>
-              <a:t>of interactions </a:t>
-            </a:r>
-            <a:r>
-              <a:rPr lang="en-IN" dirty="0" smtClean="0">
-                <a:latin typeface="Arial" panose="020B0604020202020204" pitchFamily="34" charset="0"/>
-                <a:cs typeface="Arial" panose="020B0604020202020204" pitchFamily="34" charset="0"/>
-              </a:rPr>
-              <a:t>between multiple genes. Thus it is self organizing</a:t>
-            </a:r>
-            <a:r>
-              <a:rPr lang="en-IN" dirty="0" smtClean="0">
-                <a:latin typeface="Arial" panose="020B0604020202020204" pitchFamily="34" charset="0"/>
-                <a:cs typeface="Arial" panose="020B0604020202020204" pitchFamily="34" charset="0"/>
-              </a:rPr>
+              <a:t>There is no one central gene that causes the disease. It is the result of interactions between multiple genes. Thus it is self organizing.</a:t>
+            </a:r>
+          </a:p>
+        </p:txBody>
+      </p:sp>
+      <p:sp>
+        <p:nvSpPr>
+          <p:cNvPr id="4" name="TextBox 3"/>
+          <p:cNvSpPr txBox="1"/>
+          <p:nvPr/>
+        </p:nvSpPr>
+        <p:spPr>
+          <a:xfrm>
+            <a:off x="621102" y="6262777"/>
+            <a:ext cx="7927675" cy="523220"/>
+          </a:xfrm>
+          <a:prstGeom prst="rect">
+            <a:avLst/>
+          </a:prstGeom>
+          <a:noFill/>
+        </p:spPr>
+        <p:txBody>
+          <a:bodyPr wrap="square" rtlCol="0">
+            <a:spAutoFit/>
+          </a:bodyPr>
+          <a:lstStyle/>
+          <a:p>
+            <a:r>
+              <a:rPr lang="en-IN" sz="1400" dirty="0" smtClean="0"/>
+              <a:t>4. Griffiths </a:t>
+            </a:r>
+            <a:r>
+              <a:rPr lang="en-IN" sz="1400" dirty="0"/>
+              <a:t>AJF, Miller JH, Suzuki DT, et al. An Introduction to Genetic Analysis. 7th edition. New York: W. H. Freeman; 2000. Gene-protein relations</a:t>
+            </a:r>
+            <a:r>
+              <a:rPr lang="en-IN" sz="1400" dirty="0" smtClean="0"/>
               <a:t>.</a:t>
             </a:r>
-            <a:endParaRPr lang="en-IN" dirty="0" smtClean="0">
-              <a:latin typeface="Arial" panose="020B0604020202020204" pitchFamily="34" charset="0"/>
-              <a:cs typeface="Arial" panose="020B0604020202020204" pitchFamily="34" charset="0"/>
-            </a:endParaRPr>
+            <a:endParaRPr lang="en-IN" sz="1400" dirty="0"/>
           </a:p>
         </p:txBody>
       </p:sp>
@@ -7004,14 +9552,7 @@
                 <a:latin typeface="Arial" panose="020B0604020202020204" pitchFamily="34" charset="0"/>
                 <a:cs typeface="Arial" panose="020B0604020202020204" pitchFamily="34" charset="0"/>
               </a:rPr>
-              <a:t>What is a Complex </a:t>
-            </a:r>
-            <a:r>
-              <a:rPr lang="en-IN" sz="4000" b="1" dirty="0" smtClean="0">
-                <a:latin typeface="Arial" panose="020B0604020202020204" pitchFamily="34" charset="0"/>
-                <a:cs typeface="Arial" panose="020B0604020202020204" pitchFamily="34" charset="0"/>
-              </a:rPr>
-              <a:t>disease? </a:t>
+              <a:t>What is a Complex disease? </a:t>
             </a:r>
             <a:r>
               <a:rPr lang="en-IN" sz="3200" dirty="0" smtClean="0"/>
@@ -7089,29 +9630,8 @@
                 <a:latin typeface="Arial" panose="020B0604020202020204" pitchFamily="34" charset="0"/>
                 <a:cs typeface="Arial" panose="020B0604020202020204" pitchFamily="34" charset="0"/>
               </a:rPr>
-              <a:t> to study with Complex Networks</a:t>
-            </a:r>
-            <a:r>
-              <a:rPr lang="en-IN" sz="3600" dirty="0" smtClean="0">
-                <a:solidFill>
-                  <a:schemeClr val="bg1">
-                    <a:lumMod val="75000"/>
-                  </a:schemeClr>
-                </a:solidFill>
-                <a:latin typeface="Arial" panose="020B0604020202020204" pitchFamily="34" charset="0"/>
-                <a:cs typeface="Arial" panose="020B0604020202020204" pitchFamily="34" charset="0"/>
-              </a:rPr>
-              <a:t>?</a:t>
-            </a:r>
-            <a:endParaRPr lang="en-IN" sz="3600" dirty="0" smtClean="0">
-              <a:solidFill>
-                <a:schemeClr val="bg1">
-                  <a:lumMod val="75000"/>
-                </a:schemeClr>
-              </a:solidFill>
-              <a:latin typeface="Arial" panose="020B0604020202020204" pitchFamily="34" charset="0"/>
-              <a:cs typeface="Arial" panose="020B0604020202020204" pitchFamily="34" charset="0"/>
-            </a:endParaRPr>
+              <a:t> to study with Complex Networks?</a:t>
+            </a:r>
           </a:p>
           <a:p>
             <a:endParaRPr lang="en-IN" sz="3600" dirty="0" smtClean="0">
@@ -7132,6 +9652,44 @@
               <a:latin typeface="Arial" panose="020B0604020202020204" pitchFamily="34" charset="0"/>
               <a:cs typeface="Arial" panose="020B0604020202020204" pitchFamily="34" charset="0"/>
             </a:endParaRPr>
+          </a:p>
+        </p:txBody>
+      </p:sp>
+      <p:sp>
+        <p:nvSpPr>
+          <p:cNvPr id="4" name="TextBox 3"/>
+          <p:cNvSpPr txBox="1"/>
+          <p:nvPr/>
+        </p:nvSpPr>
+        <p:spPr>
+          <a:xfrm>
+            <a:off x="3014933" y="5313871"/>
+            <a:ext cx="6452558" cy="954107"/>
+          </a:xfrm>
+          <a:prstGeom prst="rect">
+            <a:avLst/>
+          </a:prstGeom>
+          <a:noFill/>
+        </p:spPr>
+        <p:txBody>
+          <a:bodyPr wrap="square" rtlCol="0">
+            <a:spAutoFit/>
+          </a:bodyPr>
+          <a:lstStyle/>
+          <a:p>
+            <a:pPr algn="ctr"/>
+            <a:r>
+              <a:rPr lang="en-IN" sz="2800" dirty="0" smtClean="0"/>
+              <a:t>Any questions at this point? </a:t>
+            </a:r>
+          </a:p>
+          <a:p>
+            <a:pPr algn="ctr"/>
+            <a:r>
+              <a:rPr lang="en-IN" sz="2800" dirty="0" smtClean="0"/>
+              <a:t>Please, feel free to ask!</a:t>
+            </a:r>
+            <a:endParaRPr lang="en-IN" sz="2800" dirty="0"/>
           </a:p>
         </p:txBody>
       </p:sp>
@@ -7248,19 +9806,7 @@
                 <a:latin typeface="Arial" panose="020B0604020202020204" pitchFamily="34" charset="0"/>
                 <a:cs typeface="Arial" panose="020B0604020202020204" pitchFamily="34" charset="0"/>
               </a:rPr>
-              <a:t>What is a Complex </a:t>
-            </a:r>
-            <a:r>
-              <a:rPr lang="en-IN" sz="3600" b="1" dirty="0" smtClean="0">
-                <a:solidFill>
-                  <a:schemeClr val="bg1">
-                    <a:lumMod val="75000"/>
-                  </a:schemeClr>
-                </a:solidFill>
-                <a:latin typeface="Arial" panose="020B0604020202020204" pitchFamily="34" charset="0"/>
-                <a:cs typeface="Arial" panose="020B0604020202020204" pitchFamily="34" charset="0"/>
-              </a:rPr>
-              <a:t>disease?</a:t>
+              <a:t>What is a Complex disease?</a:t>
             </a:r>
             <a:r>
               <a:rPr lang="en-IN" sz="4000" b="1" dirty="0" smtClean="0">
@@ -7362,29 +9908,8 @@
                 <a:latin typeface="Arial" panose="020B0604020202020204" pitchFamily="34" charset="0"/>
                 <a:cs typeface="Arial" panose="020B0604020202020204" pitchFamily="34" charset="0"/>
               </a:rPr>
-              <a:t> to study with Complex Networks</a:t>
-            </a:r>
-            <a:r>
-              <a:rPr lang="en-IN" sz="3600" dirty="0" smtClean="0">
-                <a:solidFill>
-                  <a:schemeClr val="bg1">
-                    <a:lumMod val="75000"/>
-                  </a:schemeClr>
-                </a:solidFill>
-                <a:latin typeface="Arial" panose="020B0604020202020204" pitchFamily="34" charset="0"/>
-                <a:cs typeface="Arial" panose="020B0604020202020204" pitchFamily="34" charset="0"/>
-              </a:rPr>
-              <a:t>?</a:t>
-            </a:r>
-            <a:endParaRPr lang="en-IN" sz="3600" dirty="0" smtClean="0">
-              <a:solidFill>
-                <a:schemeClr val="bg1">
-                  <a:lumMod val="75000"/>
-                </a:schemeClr>
-              </a:solidFill>
-              <a:latin typeface="Arial" panose="020B0604020202020204" pitchFamily="34" charset="0"/>
-              <a:cs typeface="Arial" panose="020B0604020202020204" pitchFamily="34" charset="0"/>
-            </a:endParaRPr>
+              <a:t> to study with Complex Networks?</a:t>
+            </a:r>
           </a:p>
           <a:p>
             <a:endParaRPr lang="en-IN" sz="3600" dirty="0" smtClean="0">
@@ -7405,44 +9930,6 @@
               <a:latin typeface="Arial" panose="020B0604020202020204" pitchFamily="34" charset="0"/>
               <a:cs typeface="Arial" panose="020B0604020202020204" pitchFamily="34" charset="0"/>
             </a:endParaRPr>
-          </a:p>
-        </p:txBody>
-      </p:sp>
-      <p:sp>
-        <p:nvSpPr>
-          <p:cNvPr id="4" name="TextBox 3"/>
-          <p:cNvSpPr txBox="1"/>
-          <p:nvPr/>
-        </p:nvSpPr>
-        <p:spPr>
-          <a:xfrm>
-            <a:off x="3014933" y="5313871"/>
-            <a:ext cx="6452558" cy="954107"/>
-          </a:xfrm>
-          <a:prstGeom prst="rect">
-            <a:avLst/>
-          </a:prstGeom>
-          <a:noFill/>
-        </p:spPr>
-        <p:txBody>
-          <a:bodyPr wrap="square" rtlCol="0">
-            <a:spAutoFit/>
-          </a:bodyPr>
-          <a:lstStyle/>
-          <a:p>
-            <a:pPr algn="ctr"/>
-            <a:r>
-              <a:rPr lang="en-IN" sz="2800" dirty="0" smtClean="0"/>
-              <a:t>Any questions at this point? </a:t>
-            </a:r>
-          </a:p>
-          <a:p>
-            <a:pPr algn="ctr"/>
-            <a:r>
-              <a:rPr lang="en-IN" sz="2800" dirty="0" smtClean="0"/>
-              <a:t>Please, feel free to ask!</a:t>
-            </a:r>
-            <a:endParaRPr lang="en-IN" sz="2800" dirty="0"/>
           </a:p>
         </p:txBody>
       </p:sp>
